--- a/src/datalake_reference_architecture.pptx
+++ b/src/datalake_reference_architecture.pptx
@@ -5,18 +5,20 @@
     <p:sldMasterId id="2147483648" r:id="rId1"/>
   </p:sldMasterIdLst>
   <p:notesMasterIdLst>
-    <p:notesMasterId r:id="rId11"/>
+    <p:notesMasterId r:id="rId13"/>
   </p:notesMasterIdLst>
   <p:sldIdLst>
     <p:sldId id="258" r:id="rId2"/>
     <p:sldId id="259" r:id="rId3"/>
-    <p:sldId id="260" r:id="rId4"/>
-    <p:sldId id="261" r:id="rId5"/>
-    <p:sldId id="262" r:id="rId6"/>
-    <p:sldId id="263" r:id="rId7"/>
-    <p:sldId id="265" r:id="rId8"/>
-    <p:sldId id="264" r:id="rId9"/>
-    <p:sldId id="266" r:id="rId10"/>
+    <p:sldId id="267" r:id="rId4"/>
+    <p:sldId id="260" r:id="rId5"/>
+    <p:sldId id="268" r:id="rId6"/>
+    <p:sldId id="261" r:id="rId7"/>
+    <p:sldId id="262" r:id="rId8"/>
+    <p:sldId id="263" r:id="rId9"/>
+    <p:sldId id="265" r:id="rId10"/>
+    <p:sldId id="264" r:id="rId11"/>
+    <p:sldId id="266" r:id="rId12"/>
   </p:sldIdLst>
   <p:sldSz cx="12192000" cy="6858000"/>
   <p:notesSz cx="6858000" cy="9144000"/>
@@ -3291,7 +3293,7 @@
           <a:p>
             <a:fld id="{F9B19C5E-ED57-994E-AD20-45AA8859C26A}" type="datetimeFigureOut">
               <a:rPr lang="en-US" smtClean="0"/>
-              <a:t>12/10/18</a:t>
+              <a:t>12/27/18</a:t>
             </a:fld>
             <a:endParaRPr lang="en-US"/>
           </a:p>
@@ -3705,7 +3707,7 @@
           <a:p>
             <a:fld id="{8489B6BE-DF36-2D48-B10B-C50A45407260}" type="datetimeFigureOut">
               <a:rPr lang="en-US" smtClean="0"/>
-              <a:t>12/10/18</a:t>
+              <a:t>12/27/18</a:t>
             </a:fld>
             <a:endParaRPr lang="en-US"/>
           </a:p>
@@ -3903,7 +3905,7 @@
           <a:p>
             <a:fld id="{8489B6BE-DF36-2D48-B10B-C50A45407260}" type="datetimeFigureOut">
               <a:rPr lang="en-US" smtClean="0"/>
-              <a:t>12/10/18</a:t>
+              <a:t>12/27/18</a:t>
             </a:fld>
             <a:endParaRPr lang="en-US"/>
           </a:p>
@@ -4111,7 +4113,7 @@
           <a:p>
             <a:fld id="{8489B6BE-DF36-2D48-B10B-C50A45407260}" type="datetimeFigureOut">
               <a:rPr lang="en-US" smtClean="0"/>
-              <a:t>12/10/18</a:t>
+              <a:t>12/27/18</a:t>
             </a:fld>
             <a:endParaRPr lang="en-US"/>
           </a:p>
@@ -4309,7 +4311,7 @@
           <a:p>
             <a:fld id="{8489B6BE-DF36-2D48-B10B-C50A45407260}" type="datetimeFigureOut">
               <a:rPr lang="en-US" smtClean="0"/>
-              <a:t>12/10/18</a:t>
+              <a:t>12/27/18</a:t>
             </a:fld>
             <a:endParaRPr lang="en-US"/>
           </a:p>
@@ -4584,7 +4586,7 @@
           <a:p>
             <a:fld id="{8489B6BE-DF36-2D48-B10B-C50A45407260}" type="datetimeFigureOut">
               <a:rPr lang="en-US" smtClean="0"/>
-              <a:t>12/10/18</a:t>
+              <a:t>12/27/18</a:t>
             </a:fld>
             <a:endParaRPr lang="en-US"/>
           </a:p>
@@ -4849,7 +4851,7 @@
           <a:p>
             <a:fld id="{8489B6BE-DF36-2D48-B10B-C50A45407260}" type="datetimeFigureOut">
               <a:rPr lang="en-US" smtClean="0"/>
-              <a:t>12/10/18</a:t>
+              <a:t>12/27/18</a:t>
             </a:fld>
             <a:endParaRPr lang="en-US"/>
           </a:p>
@@ -5261,7 +5263,7 @@
           <a:p>
             <a:fld id="{8489B6BE-DF36-2D48-B10B-C50A45407260}" type="datetimeFigureOut">
               <a:rPr lang="en-US" smtClean="0"/>
-              <a:t>12/10/18</a:t>
+              <a:t>12/27/18</a:t>
             </a:fld>
             <a:endParaRPr lang="en-US"/>
           </a:p>
@@ -5402,7 +5404,7 @@
           <a:p>
             <a:fld id="{8489B6BE-DF36-2D48-B10B-C50A45407260}" type="datetimeFigureOut">
               <a:rPr lang="en-US" smtClean="0"/>
-              <a:t>12/10/18</a:t>
+              <a:t>12/27/18</a:t>
             </a:fld>
             <a:endParaRPr lang="en-US"/>
           </a:p>
@@ -5515,7 +5517,7 @@
           <a:p>
             <a:fld id="{8489B6BE-DF36-2D48-B10B-C50A45407260}" type="datetimeFigureOut">
               <a:rPr lang="en-US" smtClean="0"/>
-              <a:t>12/10/18</a:t>
+              <a:t>12/27/18</a:t>
             </a:fld>
             <a:endParaRPr lang="en-US"/>
           </a:p>
@@ -5826,7 +5828,7 @@
           <a:p>
             <a:fld id="{8489B6BE-DF36-2D48-B10B-C50A45407260}" type="datetimeFigureOut">
               <a:rPr lang="en-US" smtClean="0"/>
-              <a:t>12/10/18</a:t>
+              <a:t>12/27/18</a:t>
             </a:fld>
             <a:endParaRPr lang="en-US"/>
           </a:p>
@@ -6114,7 +6116,7 @@
           <a:p>
             <a:fld id="{8489B6BE-DF36-2D48-B10B-C50A45407260}" type="datetimeFigureOut">
               <a:rPr lang="en-US" smtClean="0"/>
-              <a:t>12/10/18</a:t>
+              <a:t>12/27/18</a:t>
             </a:fld>
             <a:endParaRPr lang="en-US"/>
           </a:p>
@@ -6355,7 +6357,7 @@
           <a:p>
             <a:fld id="{8489B6BE-DF36-2D48-B10B-C50A45407260}" type="datetimeFigureOut">
               <a:rPr lang="en-US" smtClean="0"/>
-              <a:t>12/10/18</a:t>
+              <a:t>12/27/18</a:t>
             </a:fld>
             <a:endParaRPr lang="en-US"/>
           </a:p>
@@ -9218,6 +9220,1778 @@
 </p:sld>
 </file>
 
+<file path=ppt/slides/slide10.xml><?xml version="1.0" encoding="utf-8"?>
+<p:sld xmlns:a="http://schemas.openxmlformats.org/drawingml/2006/main" xmlns:r="http://schemas.openxmlformats.org/officeDocument/2006/relationships" xmlns:p="http://schemas.openxmlformats.org/presentationml/2006/main">
+  <p:cSld>
+    <p:spTree>
+      <p:nvGrpSpPr>
+        <p:cNvPr id="1" name=""/>
+        <p:cNvGrpSpPr/>
+        <p:nvPr/>
+      </p:nvGrpSpPr>
+      <p:grpSpPr>
+        <a:xfrm>
+          <a:off x="0" y="0"/>
+          <a:ext cx="0" cy="0"/>
+          <a:chOff x="0" y="0"/>
+          <a:chExt cx="0" cy="0"/>
+        </a:xfrm>
+      </p:grpSpPr>
+      <p:grpSp>
+        <p:nvGrpSpPr>
+          <p:cNvPr id="4" name="Group 3">
+            <a:extLst>
+              <a:ext uri="{FF2B5EF4-FFF2-40B4-BE49-F238E27FC236}">
+                <a16:creationId xmlns:a16="http://schemas.microsoft.com/office/drawing/2014/main" id="{FB1FEB98-2E37-964E-A23C-0852005D39B9}"/>
+              </a:ext>
+            </a:extLst>
+          </p:cNvPr>
+          <p:cNvGrpSpPr/>
+          <p:nvPr/>
+        </p:nvGrpSpPr>
+        <p:grpSpPr>
+          <a:xfrm>
+            <a:off x="1536192" y="457200"/>
+            <a:ext cx="9029322" cy="5973572"/>
+            <a:chOff x="7004050" y="3978275"/>
+            <a:chExt cx="1853031" cy="1765300"/>
+          </a:xfrm>
+        </p:grpSpPr>
+        <p:pic>
+          <p:nvPicPr>
+            <p:cNvPr id="5" name="Graphic 4">
+              <a:extLst>
+                <a:ext uri="{FF2B5EF4-FFF2-40B4-BE49-F238E27FC236}">
+                  <a16:creationId xmlns:a16="http://schemas.microsoft.com/office/drawing/2014/main" id="{6B701556-47D8-8D4F-BFEA-AF7FFA3291CE}"/>
+                </a:ext>
+              </a:extLst>
+            </p:cNvPr>
+            <p:cNvPicPr>
+              <a:picLocks noChangeAspect="1"/>
+            </p:cNvPicPr>
+            <p:nvPr/>
+          </p:nvPicPr>
+          <p:blipFill>
+            <a:blip r:embed="rId2">
+              <a:extLst>
+                <a:ext uri="{96DAC541-7B7A-43D3-8B79-37D633B846F1}">
+                  <asvg:svgBlip xmlns:asvg="http://schemas.microsoft.com/office/drawing/2016/SVG/main" r:embed="rId3"/>
+                </a:ext>
+              </a:extLst>
+            </a:blip>
+            <a:stretch>
+              <a:fillRect/>
+            </a:stretch>
+          </p:blipFill>
+          <p:spPr>
+            <a:xfrm>
+              <a:off x="7004050" y="3978275"/>
+              <a:ext cx="79075" cy="130632"/>
+            </a:xfrm>
+            <a:prstGeom prst="rect">
+              <a:avLst/>
+            </a:prstGeom>
+          </p:spPr>
+        </p:pic>
+        <p:sp>
+          <p:nvSpPr>
+            <p:cNvPr id="6" name="Rectangle 5">
+              <a:extLst>
+                <a:ext uri="{FF2B5EF4-FFF2-40B4-BE49-F238E27FC236}">
+                  <a16:creationId xmlns:a16="http://schemas.microsoft.com/office/drawing/2014/main" id="{A397BF2C-6E67-E348-902A-F449D6031462}"/>
+                </a:ext>
+              </a:extLst>
+            </p:cNvPr>
+            <p:cNvSpPr/>
+            <p:nvPr/>
+          </p:nvSpPr>
+          <p:spPr>
+            <a:xfrm>
+              <a:off x="7004050" y="3978275"/>
+              <a:ext cx="1853031" cy="1765300"/>
+            </a:xfrm>
+            <a:prstGeom prst="rect">
+              <a:avLst/>
+            </a:prstGeom>
+            <a:noFill/>
+            <a:ln w="12700" cap="flat" cmpd="sng" algn="ctr">
+              <a:solidFill>
+                <a:srgbClr val="AAB7B8"/>
+              </a:solidFill>
+              <a:prstDash val="solid"/>
+              <a:miter lim="800000"/>
+            </a:ln>
+            <a:effectLst/>
+          </p:spPr>
+          <p:txBody>
+            <a:bodyPr rot="0" spcFirstLastPara="0" vertOverflow="overflow" horzOverflow="overflow" vert="horz" wrap="square" lIns="457200" tIns="91440" rIns="91440" bIns="45720" numCol="1" spcCol="0" rtlCol="0" fromWordArt="0" anchor="t" anchorCtr="0" forceAA="0" compatLnSpc="1">
+              <a:prstTxWarp prst="textNoShape">
+                <a:avLst/>
+              </a:prstTxWarp>
+              <a:noAutofit/>
+            </a:bodyPr>
+            <a:lstStyle/>
+            <a:p>
+              <a:pPr marL="0" marR="0" lvl="0" indent="0" defTabSz="914400" eaLnBrk="1" fontAlgn="auto" latinLnBrk="0" hangingPunct="1">
+                <a:lnSpc>
+                  <a:spcPct val="100000"/>
+                </a:lnSpc>
+                <a:spcBef>
+                  <a:spcPts val="0"/>
+                </a:spcBef>
+                <a:spcAft>
+                  <a:spcPts val="0"/>
+                </a:spcAft>
+                <a:buClrTx/>
+                <a:buSzTx/>
+                <a:buFontTx/>
+                <a:buNone/>
+                <a:tabLst/>
+                <a:defRPr/>
+              </a:pPr>
+              <a:r>
+                <a:rPr kumimoji="0" lang="en-US" sz="1200" b="0" i="0" u="none" strike="noStrike" kern="0" cap="none" spc="0" normalizeH="0" baseline="0" noProof="0" dirty="0">
+                  <a:ln>
+                    <a:noFill/>
+                  </a:ln>
+                  <a:solidFill>
+                    <a:srgbClr val="AAB7B8"/>
+                  </a:solidFill>
+                  <a:effectLst/>
+                  <a:uLnTx/>
+                  <a:uFillTx/>
+                  <a:latin typeface="Arial" panose="020B0604020202020204"/>
+                  <a:ea typeface="+mn-ea"/>
+                  <a:cs typeface="+mn-cs"/>
+                </a:rPr>
+                <a:t>AWS Cloud</a:t>
+              </a:r>
+            </a:p>
+          </p:txBody>
+        </p:sp>
+      </p:grpSp>
+      <p:pic>
+        <p:nvPicPr>
+          <p:cNvPr id="10" name="Picture 9">
+            <a:extLst>
+              <a:ext uri="{FF2B5EF4-FFF2-40B4-BE49-F238E27FC236}">
+                <a16:creationId xmlns:a16="http://schemas.microsoft.com/office/drawing/2014/main" id="{B8E2A588-0E6C-CA41-9B6C-EBF58119B0E4}"/>
+              </a:ext>
+            </a:extLst>
+          </p:cNvPr>
+          <p:cNvPicPr>
+            <a:picLocks noChangeAspect="1"/>
+          </p:cNvPicPr>
+          <p:nvPr/>
+        </p:nvPicPr>
+        <p:blipFill>
+          <a:blip r:embed="rId4"/>
+          <a:stretch>
+            <a:fillRect/>
+          </a:stretch>
+        </p:blipFill>
+        <p:spPr>
+          <a:xfrm>
+            <a:off x="4576573" y="1430868"/>
+            <a:ext cx="787400" cy="787400"/>
+          </a:xfrm>
+          <a:prstGeom prst="rect">
+            <a:avLst/>
+          </a:prstGeom>
+        </p:spPr>
+      </p:pic>
+      <p:pic>
+        <p:nvPicPr>
+          <p:cNvPr id="11" name="Picture 10">
+            <a:extLst>
+              <a:ext uri="{FF2B5EF4-FFF2-40B4-BE49-F238E27FC236}">
+                <a16:creationId xmlns:a16="http://schemas.microsoft.com/office/drawing/2014/main" id="{94AC34A3-CFFF-E942-863B-6AF27C4FD7A8}"/>
+              </a:ext>
+            </a:extLst>
+          </p:cNvPr>
+          <p:cNvPicPr>
+            <a:picLocks noChangeAspect="1"/>
+          </p:cNvPicPr>
+          <p:nvPr/>
+        </p:nvPicPr>
+        <p:blipFill>
+          <a:blip r:embed="rId5"/>
+          <a:stretch>
+            <a:fillRect/>
+          </a:stretch>
+        </p:blipFill>
+        <p:spPr>
+          <a:xfrm>
+            <a:off x="2507656" y="1376004"/>
+            <a:ext cx="890147" cy="918861"/>
+          </a:xfrm>
+          <a:prstGeom prst="rect">
+            <a:avLst/>
+          </a:prstGeom>
+          <a:solidFill>
+            <a:schemeClr val="bg1"/>
+          </a:solidFill>
+          <a:ln>
+            <a:solidFill>
+              <a:schemeClr val="bg1"/>
+            </a:solidFill>
+          </a:ln>
+          <a:effectLst>
+            <a:outerShdw blurRad="50800" dist="50800" dir="5400000" algn="ctr" rotWithShape="0">
+              <a:schemeClr val="bg1"/>
+            </a:outerShdw>
+          </a:effectLst>
+        </p:spPr>
+      </p:pic>
+      <p:pic>
+        <p:nvPicPr>
+          <p:cNvPr id="12" name="Picture 11">
+            <a:extLst>
+              <a:ext uri="{FF2B5EF4-FFF2-40B4-BE49-F238E27FC236}">
+                <a16:creationId xmlns:a16="http://schemas.microsoft.com/office/drawing/2014/main" id="{0C990DF0-6AED-D745-9766-6BA65EDC3B4D}"/>
+              </a:ext>
+            </a:extLst>
+          </p:cNvPr>
+          <p:cNvPicPr>
+            <a:picLocks noChangeAspect="1"/>
+          </p:cNvPicPr>
+          <p:nvPr/>
+        </p:nvPicPr>
+        <p:blipFill>
+          <a:blip r:embed="rId6"/>
+          <a:stretch>
+            <a:fillRect/>
+          </a:stretch>
+        </p:blipFill>
+        <p:spPr>
+          <a:xfrm>
+            <a:off x="2487303" y="3455386"/>
+            <a:ext cx="918861" cy="918861"/>
+          </a:xfrm>
+          <a:prstGeom prst="rect">
+            <a:avLst/>
+          </a:prstGeom>
+          <a:effectLst>
+            <a:outerShdw blurRad="50800" dist="50800" dir="5400000" algn="ctr" rotWithShape="0">
+              <a:schemeClr val="bg1"/>
+            </a:outerShdw>
+          </a:effectLst>
+        </p:spPr>
+      </p:pic>
+      <p:pic>
+        <p:nvPicPr>
+          <p:cNvPr id="13" name="Picture 12">
+            <a:extLst>
+              <a:ext uri="{FF2B5EF4-FFF2-40B4-BE49-F238E27FC236}">
+                <a16:creationId xmlns:a16="http://schemas.microsoft.com/office/drawing/2014/main" id="{1F2BEE1B-A5DB-F648-BA56-EEA970479030}"/>
+              </a:ext>
+            </a:extLst>
+          </p:cNvPr>
+          <p:cNvPicPr>
+            <a:picLocks noChangeAspect="1"/>
+          </p:cNvPicPr>
+          <p:nvPr/>
+        </p:nvPicPr>
+        <p:blipFill>
+          <a:blip r:embed="rId7"/>
+          <a:stretch>
+            <a:fillRect/>
+          </a:stretch>
+        </p:blipFill>
+        <p:spPr>
+          <a:xfrm rot="5400000">
+            <a:off x="3962856" y="3831561"/>
+            <a:ext cx="2014832" cy="516127"/>
+          </a:xfrm>
+          <a:prstGeom prst="rect">
+            <a:avLst/>
+          </a:prstGeom>
+        </p:spPr>
+      </p:pic>
+      <p:cxnSp>
+        <p:nvCxnSpPr>
+          <p:cNvPr id="15" name="Straight Arrow Connector 14">
+            <a:extLst>
+              <a:ext uri="{FF2B5EF4-FFF2-40B4-BE49-F238E27FC236}">
+                <a16:creationId xmlns:a16="http://schemas.microsoft.com/office/drawing/2014/main" id="{04BDAB84-5BB4-BB4D-AFA3-351907512E2D}"/>
+              </a:ext>
+            </a:extLst>
+          </p:cNvPr>
+          <p:cNvCxnSpPr>
+            <a:stCxn id="12" idx="0"/>
+            <a:endCxn id="11" idx="2"/>
+          </p:cNvCxnSpPr>
+          <p:nvPr/>
+        </p:nvCxnSpPr>
+        <p:spPr>
+          <a:xfrm flipV="1">
+            <a:off x="2946734" y="2294865"/>
+            <a:ext cx="5996" cy="1160521"/>
+          </a:xfrm>
+          <a:prstGeom prst="straightConnector1">
+            <a:avLst/>
+          </a:prstGeom>
+          <a:ln w="12700">
+            <a:solidFill>
+              <a:schemeClr val="accent2"/>
+            </a:solidFill>
+            <a:tailEnd type="triangle"/>
+          </a:ln>
+        </p:spPr>
+        <p:style>
+          <a:lnRef idx="1">
+            <a:schemeClr val="accent1"/>
+          </a:lnRef>
+          <a:fillRef idx="0">
+            <a:schemeClr val="accent1"/>
+          </a:fillRef>
+          <a:effectRef idx="0">
+            <a:schemeClr val="accent1"/>
+          </a:effectRef>
+          <a:fontRef idx="minor">
+            <a:schemeClr val="tx1"/>
+          </a:fontRef>
+        </p:style>
+      </p:cxnSp>
+      <p:cxnSp>
+        <p:nvCxnSpPr>
+          <p:cNvPr id="18" name="Straight Arrow Connector 17">
+            <a:extLst>
+              <a:ext uri="{FF2B5EF4-FFF2-40B4-BE49-F238E27FC236}">
+                <a16:creationId xmlns:a16="http://schemas.microsoft.com/office/drawing/2014/main" id="{574947A3-99BC-F947-AC6A-5BB168713AD6}"/>
+              </a:ext>
+            </a:extLst>
+          </p:cNvPr>
+          <p:cNvCxnSpPr>
+            <a:stCxn id="11" idx="3"/>
+            <a:endCxn id="10" idx="1"/>
+          </p:cNvCxnSpPr>
+          <p:nvPr/>
+        </p:nvCxnSpPr>
+        <p:spPr>
+          <a:xfrm flipV="1">
+            <a:off x="3397803" y="1824568"/>
+            <a:ext cx="1178770" cy="10867"/>
+          </a:xfrm>
+          <a:prstGeom prst="straightConnector1">
+            <a:avLst/>
+          </a:prstGeom>
+          <a:ln w="12700">
+            <a:solidFill>
+              <a:schemeClr val="accent2"/>
+            </a:solidFill>
+            <a:tailEnd type="triangle"/>
+          </a:ln>
+        </p:spPr>
+        <p:style>
+          <a:lnRef idx="1">
+            <a:schemeClr val="accent1"/>
+          </a:lnRef>
+          <a:fillRef idx="0">
+            <a:schemeClr val="accent1"/>
+          </a:fillRef>
+          <a:effectRef idx="0">
+            <a:schemeClr val="accent1"/>
+          </a:effectRef>
+          <a:fontRef idx="minor">
+            <a:schemeClr val="tx1"/>
+          </a:fontRef>
+        </p:style>
+      </p:cxnSp>
+      <p:cxnSp>
+        <p:nvCxnSpPr>
+          <p:cNvPr id="20" name="Straight Arrow Connector 19">
+            <a:extLst>
+              <a:ext uri="{FF2B5EF4-FFF2-40B4-BE49-F238E27FC236}">
+                <a16:creationId xmlns:a16="http://schemas.microsoft.com/office/drawing/2014/main" id="{C253E9CE-2127-3B41-8438-990D974E5E4A}"/>
+              </a:ext>
+            </a:extLst>
+          </p:cNvPr>
+          <p:cNvCxnSpPr>
+            <a:cxnSpLocks/>
+            <a:stCxn id="10" idx="2"/>
+            <a:endCxn id="13" idx="1"/>
+          </p:cNvCxnSpPr>
+          <p:nvPr/>
+        </p:nvCxnSpPr>
+        <p:spPr>
+          <a:xfrm flipH="1">
+            <a:off x="4970272" y="2218268"/>
+            <a:ext cx="1" cy="863941"/>
+          </a:xfrm>
+          <a:prstGeom prst="straightConnector1">
+            <a:avLst/>
+          </a:prstGeom>
+          <a:ln w="12700">
+            <a:solidFill>
+              <a:schemeClr val="accent2"/>
+            </a:solidFill>
+            <a:tailEnd type="triangle"/>
+          </a:ln>
+        </p:spPr>
+        <p:style>
+          <a:lnRef idx="1">
+            <a:schemeClr val="accent1"/>
+          </a:lnRef>
+          <a:fillRef idx="0">
+            <a:schemeClr val="accent1"/>
+          </a:fillRef>
+          <a:effectRef idx="0">
+            <a:schemeClr val="accent1"/>
+          </a:effectRef>
+          <a:fontRef idx="minor">
+            <a:schemeClr val="tx1"/>
+          </a:fontRef>
+        </p:style>
+      </p:cxnSp>
+      <p:cxnSp>
+        <p:nvCxnSpPr>
+          <p:cNvPr id="23" name="Straight Arrow Connector 22">
+            <a:extLst>
+              <a:ext uri="{FF2B5EF4-FFF2-40B4-BE49-F238E27FC236}">
+                <a16:creationId xmlns:a16="http://schemas.microsoft.com/office/drawing/2014/main" id="{691F3A43-7408-DF4C-8A22-04373C0B6F10}"/>
+              </a:ext>
+            </a:extLst>
+          </p:cNvPr>
+          <p:cNvCxnSpPr>
+            <a:stCxn id="12" idx="3"/>
+          </p:cNvCxnSpPr>
+          <p:nvPr/>
+        </p:nvCxnSpPr>
+        <p:spPr>
+          <a:xfrm flipV="1">
+            <a:off x="3406164" y="3914816"/>
+            <a:ext cx="1306044" cy="1"/>
+          </a:xfrm>
+          <a:prstGeom prst="straightConnector1">
+            <a:avLst/>
+          </a:prstGeom>
+          <a:ln w="12700">
+            <a:solidFill>
+              <a:schemeClr val="accent2"/>
+            </a:solidFill>
+            <a:tailEnd type="triangle"/>
+          </a:ln>
+        </p:spPr>
+        <p:style>
+          <a:lnRef idx="1">
+            <a:schemeClr val="accent1"/>
+          </a:lnRef>
+          <a:fillRef idx="0">
+            <a:schemeClr val="accent1"/>
+          </a:fillRef>
+          <a:effectRef idx="0">
+            <a:schemeClr val="accent1"/>
+          </a:effectRef>
+          <a:fontRef idx="minor">
+            <a:schemeClr val="tx1"/>
+          </a:fontRef>
+        </p:style>
+      </p:cxnSp>
+      <p:pic>
+        <p:nvPicPr>
+          <p:cNvPr id="24" name="Picture 23">
+            <a:extLst>
+              <a:ext uri="{FF2B5EF4-FFF2-40B4-BE49-F238E27FC236}">
+                <a16:creationId xmlns:a16="http://schemas.microsoft.com/office/drawing/2014/main" id="{57985263-F0DA-7A49-AE0F-CF8DC04CE4BA}"/>
+              </a:ext>
+            </a:extLst>
+          </p:cNvPr>
+          <p:cNvPicPr>
+            <a:picLocks noChangeAspect="1"/>
+          </p:cNvPicPr>
+          <p:nvPr/>
+        </p:nvPicPr>
+        <p:blipFill>
+          <a:blip r:embed="rId8"/>
+          <a:stretch>
+            <a:fillRect/>
+          </a:stretch>
+        </p:blipFill>
+        <p:spPr>
+          <a:xfrm>
+            <a:off x="7571043" y="2344866"/>
+            <a:ext cx="787400" cy="787400"/>
+          </a:xfrm>
+          <a:prstGeom prst="rect">
+            <a:avLst/>
+          </a:prstGeom>
+        </p:spPr>
+      </p:pic>
+      <p:pic>
+        <p:nvPicPr>
+          <p:cNvPr id="25" name="Picture 24">
+            <a:extLst>
+              <a:ext uri="{FF2B5EF4-FFF2-40B4-BE49-F238E27FC236}">
+                <a16:creationId xmlns:a16="http://schemas.microsoft.com/office/drawing/2014/main" id="{85D0FBCF-C1EF-AD49-9F6E-97164CD93752}"/>
+              </a:ext>
+            </a:extLst>
+          </p:cNvPr>
+          <p:cNvPicPr>
+            <a:picLocks noChangeAspect="1"/>
+          </p:cNvPicPr>
+          <p:nvPr/>
+        </p:nvPicPr>
+        <p:blipFill>
+          <a:blip r:embed="rId8"/>
+          <a:stretch>
+            <a:fillRect/>
+          </a:stretch>
+        </p:blipFill>
+        <p:spPr>
+          <a:xfrm>
+            <a:off x="7571043" y="3711832"/>
+            <a:ext cx="787400" cy="787400"/>
+          </a:xfrm>
+          <a:prstGeom prst="rect">
+            <a:avLst/>
+          </a:prstGeom>
+        </p:spPr>
+      </p:pic>
+      <p:pic>
+        <p:nvPicPr>
+          <p:cNvPr id="26" name="Picture 25">
+            <a:extLst>
+              <a:ext uri="{FF2B5EF4-FFF2-40B4-BE49-F238E27FC236}">
+                <a16:creationId xmlns:a16="http://schemas.microsoft.com/office/drawing/2014/main" id="{84421E80-0533-5F4F-A9AE-8B8E8AA229F6}"/>
+              </a:ext>
+            </a:extLst>
+          </p:cNvPr>
+          <p:cNvPicPr>
+            <a:picLocks noChangeAspect="1"/>
+          </p:cNvPicPr>
+          <p:nvPr/>
+        </p:nvPicPr>
+        <p:blipFill>
+          <a:blip r:embed="rId8"/>
+          <a:stretch>
+            <a:fillRect/>
+          </a:stretch>
+        </p:blipFill>
+        <p:spPr>
+          <a:xfrm>
+            <a:off x="7571043" y="4990728"/>
+            <a:ext cx="787400" cy="787400"/>
+          </a:xfrm>
+          <a:prstGeom prst="rect">
+            <a:avLst/>
+          </a:prstGeom>
+        </p:spPr>
+      </p:pic>
+      <p:cxnSp>
+        <p:nvCxnSpPr>
+          <p:cNvPr id="28" name="Elbow Connector 27">
+            <a:extLst>
+              <a:ext uri="{FF2B5EF4-FFF2-40B4-BE49-F238E27FC236}">
+                <a16:creationId xmlns:a16="http://schemas.microsoft.com/office/drawing/2014/main" id="{5E2821AC-FE35-594C-AB27-9D76CCCED61F}"/>
+              </a:ext>
+            </a:extLst>
+          </p:cNvPr>
+          <p:cNvCxnSpPr>
+            <a:stCxn id="13" idx="0"/>
+            <a:endCxn id="24" idx="1"/>
+          </p:cNvCxnSpPr>
+          <p:nvPr/>
+        </p:nvCxnSpPr>
+        <p:spPr>
+          <a:xfrm flipV="1">
+            <a:off x="5228336" y="2738566"/>
+            <a:ext cx="2342707" cy="1351059"/>
+          </a:xfrm>
+          <a:prstGeom prst="bentConnector3">
+            <a:avLst/>
+          </a:prstGeom>
+          <a:ln w="12700">
+            <a:solidFill>
+              <a:schemeClr val="accent2"/>
+            </a:solidFill>
+            <a:tailEnd type="triangle"/>
+          </a:ln>
+        </p:spPr>
+        <p:style>
+          <a:lnRef idx="1">
+            <a:schemeClr val="accent1"/>
+          </a:lnRef>
+          <a:fillRef idx="0">
+            <a:schemeClr val="accent1"/>
+          </a:fillRef>
+          <a:effectRef idx="0">
+            <a:schemeClr val="accent1"/>
+          </a:effectRef>
+          <a:fontRef idx="minor">
+            <a:schemeClr val="tx1"/>
+          </a:fontRef>
+        </p:style>
+      </p:cxnSp>
+      <p:cxnSp>
+        <p:nvCxnSpPr>
+          <p:cNvPr id="30" name="Elbow Connector 29">
+            <a:extLst>
+              <a:ext uri="{FF2B5EF4-FFF2-40B4-BE49-F238E27FC236}">
+                <a16:creationId xmlns:a16="http://schemas.microsoft.com/office/drawing/2014/main" id="{BEB6EABB-A6DE-D745-9F48-88C3573BE21A}"/>
+              </a:ext>
+            </a:extLst>
+          </p:cNvPr>
+          <p:cNvCxnSpPr>
+            <a:stCxn id="13" idx="0"/>
+            <a:endCxn id="26" idx="1"/>
+          </p:cNvCxnSpPr>
+          <p:nvPr/>
+        </p:nvCxnSpPr>
+        <p:spPr>
+          <a:xfrm>
+            <a:off x="5228336" y="4089625"/>
+            <a:ext cx="2342707" cy="1294803"/>
+          </a:xfrm>
+          <a:prstGeom prst="bentConnector3">
+            <a:avLst/>
+          </a:prstGeom>
+          <a:ln w="12700">
+            <a:solidFill>
+              <a:schemeClr val="accent2"/>
+            </a:solidFill>
+            <a:tailEnd type="triangle"/>
+          </a:ln>
+        </p:spPr>
+        <p:style>
+          <a:lnRef idx="1">
+            <a:schemeClr val="accent1"/>
+          </a:lnRef>
+          <a:fillRef idx="0">
+            <a:schemeClr val="accent1"/>
+          </a:fillRef>
+          <a:effectRef idx="0">
+            <a:schemeClr val="accent1"/>
+          </a:effectRef>
+          <a:fontRef idx="minor">
+            <a:schemeClr val="tx1"/>
+          </a:fontRef>
+        </p:style>
+      </p:cxnSp>
+      <p:cxnSp>
+        <p:nvCxnSpPr>
+          <p:cNvPr id="32" name="Straight Arrow Connector 31">
+            <a:extLst>
+              <a:ext uri="{FF2B5EF4-FFF2-40B4-BE49-F238E27FC236}">
+                <a16:creationId xmlns:a16="http://schemas.microsoft.com/office/drawing/2014/main" id="{43181548-D9F9-894D-9D3D-8CCDAF64D576}"/>
+              </a:ext>
+            </a:extLst>
+          </p:cNvPr>
+          <p:cNvCxnSpPr>
+            <a:stCxn id="13" idx="0"/>
+            <a:endCxn id="25" idx="1"/>
+          </p:cNvCxnSpPr>
+          <p:nvPr/>
+        </p:nvCxnSpPr>
+        <p:spPr>
+          <a:xfrm>
+            <a:off x="5228336" y="4089625"/>
+            <a:ext cx="2342707" cy="15907"/>
+          </a:xfrm>
+          <a:prstGeom prst="straightConnector1">
+            <a:avLst/>
+          </a:prstGeom>
+          <a:ln w="12700">
+            <a:solidFill>
+              <a:schemeClr val="accent2"/>
+            </a:solidFill>
+            <a:tailEnd type="triangle"/>
+          </a:ln>
+        </p:spPr>
+        <p:style>
+          <a:lnRef idx="1">
+            <a:schemeClr val="accent1"/>
+          </a:lnRef>
+          <a:fillRef idx="0">
+            <a:schemeClr val="accent1"/>
+          </a:fillRef>
+          <a:effectRef idx="0">
+            <a:schemeClr val="accent1"/>
+          </a:effectRef>
+          <a:fontRef idx="minor">
+            <a:schemeClr val="tx1"/>
+          </a:fontRef>
+        </p:style>
+      </p:cxnSp>
+      <p:sp>
+        <p:nvSpPr>
+          <p:cNvPr id="34" name="TextBox 33">
+            <a:extLst>
+              <a:ext uri="{FF2B5EF4-FFF2-40B4-BE49-F238E27FC236}">
+                <a16:creationId xmlns:a16="http://schemas.microsoft.com/office/drawing/2014/main" id="{21613C01-56DB-544D-87F8-6E7162DB3C8F}"/>
+              </a:ext>
+            </a:extLst>
+          </p:cNvPr>
+          <p:cNvSpPr txBox="1"/>
+          <p:nvPr/>
+        </p:nvSpPr>
+        <p:spPr>
+          <a:xfrm>
+            <a:off x="2377440" y="4315968"/>
+            <a:ext cx="1094017" cy="369332"/>
+          </a:xfrm>
+          <a:prstGeom prst="rect">
+            <a:avLst/>
+          </a:prstGeom>
+          <a:noFill/>
+        </p:spPr>
+        <p:txBody>
+          <a:bodyPr wrap="none" rtlCol="0">
+            <a:spAutoFit/>
+          </a:bodyPr>
+          <a:lstStyle/>
+          <a:p>
+            <a:r>
+              <a:rPr lang="en-US" dirty="0"/>
+              <a:t>Data Lake</a:t>
+            </a:r>
+          </a:p>
+        </p:txBody>
+      </p:sp>
+      <p:sp>
+        <p:nvSpPr>
+          <p:cNvPr id="35" name="TextBox 34">
+            <a:extLst>
+              <a:ext uri="{FF2B5EF4-FFF2-40B4-BE49-F238E27FC236}">
+                <a16:creationId xmlns:a16="http://schemas.microsoft.com/office/drawing/2014/main" id="{7B2D0510-F5CC-1E42-BADD-82A8B4F2CDC9}"/>
+              </a:ext>
+            </a:extLst>
+          </p:cNvPr>
+          <p:cNvSpPr txBox="1"/>
+          <p:nvPr/>
+        </p:nvSpPr>
+        <p:spPr>
+          <a:xfrm>
+            <a:off x="2328672" y="2218944"/>
+            <a:ext cx="1394997" cy="369332"/>
+          </a:xfrm>
+          <a:prstGeom prst="rect">
+            <a:avLst/>
+          </a:prstGeom>
+          <a:noFill/>
+          <a:ln w="12700">
+            <a:solidFill>
+              <a:schemeClr val="bg1"/>
+            </a:solidFill>
+          </a:ln>
+        </p:spPr>
+        <p:txBody>
+          <a:bodyPr wrap="none" rtlCol="0">
+            <a:spAutoFit/>
+          </a:bodyPr>
+          <a:lstStyle/>
+          <a:p>
+            <a:r>
+              <a:rPr lang="en-US" dirty="0"/>
+              <a:t>Glue Crawler</a:t>
+            </a:r>
+          </a:p>
+        </p:txBody>
+      </p:sp>
+      <p:sp>
+        <p:nvSpPr>
+          <p:cNvPr id="36" name="TextBox 35">
+            <a:extLst>
+              <a:ext uri="{FF2B5EF4-FFF2-40B4-BE49-F238E27FC236}">
+                <a16:creationId xmlns:a16="http://schemas.microsoft.com/office/drawing/2014/main" id="{7B0FE6AC-889A-0943-82D6-51EEE064D29E}"/>
+              </a:ext>
+            </a:extLst>
+          </p:cNvPr>
+          <p:cNvSpPr txBox="1"/>
+          <p:nvPr/>
+        </p:nvSpPr>
+        <p:spPr>
+          <a:xfrm>
+            <a:off x="4419600" y="2261616"/>
+            <a:ext cx="1373966" cy="369332"/>
+          </a:xfrm>
+          <a:prstGeom prst="rect">
+            <a:avLst/>
+          </a:prstGeom>
+          <a:noFill/>
+        </p:spPr>
+        <p:txBody>
+          <a:bodyPr wrap="none" rtlCol="0">
+            <a:spAutoFit/>
+          </a:bodyPr>
+          <a:lstStyle/>
+          <a:p>
+            <a:r>
+              <a:rPr lang="en-US" dirty="0"/>
+              <a:t>Glue Catalog</a:t>
+            </a:r>
+          </a:p>
+        </p:txBody>
+      </p:sp>
+      <p:sp>
+        <p:nvSpPr>
+          <p:cNvPr id="37" name="TextBox 36">
+            <a:extLst>
+              <a:ext uri="{FF2B5EF4-FFF2-40B4-BE49-F238E27FC236}">
+                <a16:creationId xmlns:a16="http://schemas.microsoft.com/office/drawing/2014/main" id="{49B6A534-19DB-7E48-9E3E-10F931A1F575}"/>
+              </a:ext>
+            </a:extLst>
+          </p:cNvPr>
+          <p:cNvSpPr txBox="1"/>
+          <p:nvPr/>
+        </p:nvSpPr>
+        <p:spPr>
+          <a:xfrm>
+            <a:off x="4078224" y="5029200"/>
+            <a:ext cx="1911870" cy="369332"/>
+          </a:xfrm>
+          <a:prstGeom prst="rect">
+            <a:avLst/>
+          </a:prstGeom>
+          <a:noFill/>
+        </p:spPr>
+        <p:txBody>
+          <a:bodyPr wrap="none" rtlCol="0">
+            <a:spAutoFit/>
+          </a:bodyPr>
+          <a:lstStyle/>
+          <a:p>
+            <a:r>
+              <a:rPr lang="en-US" dirty="0"/>
+              <a:t>Redshift Spectrum</a:t>
+            </a:r>
+          </a:p>
+        </p:txBody>
+      </p:sp>
+      <p:pic>
+        <p:nvPicPr>
+          <p:cNvPr id="47" name="Graphic 46">
+            <a:extLst>
+              <a:ext uri="{FF2B5EF4-FFF2-40B4-BE49-F238E27FC236}">
+                <a16:creationId xmlns:a16="http://schemas.microsoft.com/office/drawing/2014/main" id="{3A81F259-B562-AB4F-9320-DE7B9CE63FDD}"/>
+              </a:ext>
+            </a:extLst>
+          </p:cNvPr>
+          <p:cNvPicPr>
+            <a:picLocks noChangeAspect="1"/>
+          </p:cNvPicPr>
+          <p:nvPr/>
+        </p:nvPicPr>
+        <p:blipFill>
+          <a:blip r:embed="rId9">
+            <a:extLst>
+              <a:ext uri="{96DAC541-7B7A-43D3-8B79-37D633B846F1}">
+                <asvg:svgBlip xmlns:asvg="http://schemas.microsoft.com/office/drawing/2016/SVG/main" r:embed="rId10"/>
+              </a:ext>
+            </a:extLst>
+          </a:blip>
+          <a:stretch>
+            <a:fillRect/>
+          </a:stretch>
+        </p:blipFill>
+        <p:spPr>
+          <a:xfrm>
+            <a:off x="6135809" y="862668"/>
+            <a:ext cx="330201" cy="342900"/>
+          </a:xfrm>
+          <a:prstGeom prst="rect">
+            <a:avLst/>
+          </a:prstGeom>
+        </p:spPr>
+      </p:pic>
+      <p:sp>
+        <p:nvSpPr>
+          <p:cNvPr id="48" name="Rectangle 47">
+            <a:extLst>
+              <a:ext uri="{FF2B5EF4-FFF2-40B4-BE49-F238E27FC236}">
+                <a16:creationId xmlns:a16="http://schemas.microsoft.com/office/drawing/2014/main" id="{88F3FD3E-3449-794A-8B52-CF35780B1982}"/>
+              </a:ext>
+            </a:extLst>
+          </p:cNvPr>
+          <p:cNvSpPr/>
+          <p:nvPr/>
+        </p:nvSpPr>
+        <p:spPr>
+          <a:xfrm>
+            <a:off x="6126479" y="867305"/>
+            <a:ext cx="3538999" cy="5356560"/>
+          </a:xfrm>
+          <a:prstGeom prst="rect">
+            <a:avLst/>
+          </a:prstGeom>
+          <a:noFill/>
+          <a:ln w="12700">
+            <a:solidFill>
+              <a:srgbClr val="879196"/>
+            </a:solidFill>
+          </a:ln>
+        </p:spPr>
+        <p:style>
+          <a:lnRef idx="2">
+            <a:schemeClr val="accent1">
+              <a:shade val="50000"/>
+            </a:schemeClr>
+          </a:lnRef>
+          <a:fillRef idx="1">
+            <a:schemeClr val="accent1"/>
+          </a:fillRef>
+          <a:effectRef idx="0">
+            <a:schemeClr val="accent1"/>
+          </a:effectRef>
+          <a:fontRef idx="minor">
+            <a:schemeClr val="lt1"/>
+          </a:fontRef>
+        </p:style>
+        <p:txBody>
+          <a:bodyPr rot="0" spcFirstLastPara="0" vertOverflow="overflow" horzOverflow="overflow" vert="horz" wrap="square" lIns="457200" tIns="91440" rIns="91440" bIns="45720" numCol="1" spcCol="0" rtlCol="0" fromWordArt="0" anchor="t" anchorCtr="0" forceAA="0" compatLnSpc="1">
+            <a:prstTxWarp prst="textNoShape">
+              <a:avLst/>
+            </a:prstTxWarp>
+            <a:noAutofit/>
+          </a:bodyPr>
+          <a:lstStyle/>
+          <a:p>
+            <a:pPr algn="l"/>
+            <a:r>
+              <a:rPr lang="en-US" sz="1200" dirty="0">
+                <a:solidFill>
+                  <a:srgbClr val="879196"/>
+                </a:solidFill>
+              </a:rPr>
+              <a:t>VPC</a:t>
+            </a:r>
+          </a:p>
+        </p:txBody>
+      </p:sp>
+      <p:pic>
+        <p:nvPicPr>
+          <p:cNvPr id="49" name="Graphic 48">
+            <a:extLst>
+              <a:ext uri="{FF2B5EF4-FFF2-40B4-BE49-F238E27FC236}">
+                <a16:creationId xmlns:a16="http://schemas.microsoft.com/office/drawing/2014/main" id="{0AE7B14E-734F-924C-8963-A634A72B45DB}"/>
+              </a:ext>
+            </a:extLst>
+          </p:cNvPr>
+          <p:cNvPicPr>
+            <a:picLocks noChangeAspect="1"/>
+          </p:cNvPicPr>
+          <p:nvPr/>
+        </p:nvPicPr>
+        <p:blipFill>
+          <a:blip r:embed="rId11">
+            <a:extLst>
+              <a:ext uri="{96DAC541-7B7A-43D3-8B79-37D633B846F1}">
+                <asvg:svgBlip xmlns:asvg="http://schemas.microsoft.com/office/drawing/2016/SVG/main" r:embed="rId12"/>
+              </a:ext>
+            </a:extLst>
+          </a:blip>
+          <a:stretch>
+            <a:fillRect/>
+          </a:stretch>
+        </p:blipFill>
+        <p:spPr>
+          <a:xfrm>
+            <a:off x="6890844" y="1584567"/>
+            <a:ext cx="342900" cy="342901"/>
+          </a:xfrm>
+          <a:prstGeom prst="rect">
+            <a:avLst/>
+          </a:prstGeom>
+        </p:spPr>
+      </p:pic>
+      <p:sp>
+        <p:nvSpPr>
+          <p:cNvPr id="50" name="Rectangle 49">
+            <a:extLst>
+              <a:ext uri="{FF2B5EF4-FFF2-40B4-BE49-F238E27FC236}">
+                <a16:creationId xmlns:a16="http://schemas.microsoft.com/office/drawing/2014/main" id="{D1AA574A-D998-BC4D-8FAF-02998B379415}"/>
+              </a:ext>
+            </a:extLst>
+          </p:cNvPr>
+          <p:cNvSpPr/>
+          <p:nvPr/>
+        </p:nvSpPr>
+        <p:spPr>
+          <a:xfrm>
+            <a:off x="6890844" y="1584568"/>
+            <a:ext cx="2148918" cy="4340744"/>
+          </a:xfrm>
+          <a:prstGeom prst="rect">
+            <a:avLst/>
+          </a:prstGeom>
+          <a:noFill/>
+          <a:ln w="12700">
+            <a:solidFill>
+              <a:srgbClr val="545B64"/>
+            </a:solidFill>
+          </a:ln>
+        </p:spPr>
+        <p:style>
+          <a:lnRef idx="2">
+            <a:schemeClr val="accent1">
+              <a:shade val="50000"/>
+            </a:schemeClr>
+          </a:lnRef>
+          <a:fillRef idx="1">
+            <a:schemeClr val="accent1"/>
+          </a:fillRef>
+          <a:effectRef idx="0">
+            <a:schemeClr val="accent1"/>
+          </a:effectRef>
+          <a:fontRef idx="minor">
+            <a:schemeClr val="lt1"/>
+          </a:fontRef>
+        </p:style>
+        <p:txBody>
+          <a:bodyPr rot="0" spcFirstLastPara="0" vertOverflow="overflow" horzOverflow="overflow" vert="horz" wrap="square" lIns="457200" tIns="91440" rIns="91440" bIns="45720" numCol="1" spcCol="0" rtlCol="0" fromWordArt="0" anchor="t" anchorCtr="0" forceAA="0" compatLnSpc="1">
+            <a:prstTxWarp prst="textNoShape">
+              <a:avLst/>
+            </a:prstTxWarp>
+            <a:noAutofit/>
+          </a:bodyPr>
+          <a:lstStyle/>
+          <a:p>
+            <a:pPr algn="l"/>
+            <a:r>
+              <a:rPr lang="en-US" sz="1200" dirty="0">
+                <a:solidFill>
+                  <a:srgbClr val="545B64"/>
+                </a:solidFill>
+              </a:rPr>
+              <a:t>Subnet</a:t>
+            </a:r>
+          </a:p>
+        </p:txBody>
+      </p:sp>
+      <p:grpSp>
+        <p:nvGrpSpPr>
+          <p:cNvPr id="51" name="Group 50">
+            <a:extLst>
+              <a:ext uri="{FF2B5EF4-FFF2-40B4-BE49-F238E27FC236}">
+                <a16:creationId xmlns:a16="http://schemas.microsoft.com/office/drawing/2014/main" id="{40AECF58-5305-184A-9405-3DAD3D41B5CD}"/>
+              </a:ext>
+            </a:extLst>
+          </p:cNvPr>
+          <p:cNvGrpSpPr/>
+          <p:nvPr/>
+        </p:nvGrpSpPr>
+        <p:grpSpPr>
+          <a:xfrm>
+            <a:off x="6533578" y="1269046"/>
+            <a:ext cx="2754188" cy="4857434"/>
+            <a:chOff x="8197850" y="1209675"/>
+            <a:chExt cx="1343907" cy="1866410"/>
+          </a:xfrm>
+        </p:grpSpPr>
+        <p:pic>
+          <p:nvPicPr>
+            <p:cNvPr id="52" name="Graphic 51">
+              <a:extLst>
+                <a:ext uri="{FF2B5EF4-FFF2-40B4-BE49-F238E27FC236}">
+                  <a16:creationId xmlns:a16="http://schemas.microsoft.com/office/drawing/2014/main" id="{6F50329F-AB44-FF43-84D0-A133641112B5}"/>
+                </a:ext>
+              </a:extLst>
+            </p:cNvPr>
+            <p:cNvPicPr>
+              <a:picLocks noChangeAspect="1"/>
+            </p:cNvPicPr>
+            <p:nvPr/>
+          </p:nvPicPr>
+          <p:blipFill>
+            <a:blip r:embed="rId13">
+              <a:extLst>
+                <a:ext uri="{96DAC541-7B7A-43D3-8B79-37D633B846F1}">
+                  <asvg:svgBlip xmlns:asvg="http://schemas.microsoft.com/office/drawing/2016/SVG/main" r:embed="rId14"/>
+                </a:ext>
+              </a:extLst>
+            </a:blip>
+            <a:stretch>
+              <a:fillRect/>
+            </a:stretch>
+          </p:blipFill>
+          <p:spPr>
+            <a:xfrm>
+              <a:off x="8197850" y="1209675"/>
+              <a:ext cx="168131" cy="121235"/>
+            </a:xfrm>
+            <a:prstGeom prst="rect">
+              <a:avLst/>
+            </a:prstGeom>
+          </p:spPr>
+        </p:pic>
+        <p:sp>
+          <p:nvSpPr>
+            <p:cNvPr id="53" name="Rectangle 52">
+              <a:extLst>
+                <a:ext uri="{FF2B5EF4-FFF2-40B4-BE49-F238E27FC236}">
+                  <a16:creationId xmlns:a16="http://schemas.microsoft.com/office/drawing/2014/main" id="{867977EA-2270-D947-A1F7-7099DC5DF9C4}"/>
+                </a:ext>
+              </a:extLst>
+            </p:cNvPr>
+            <p:cNvSpPr/>
+            <p:nvPr/>
+          </p:nvSpPr>
+          <p:spPr>
+            <a:xfrm>
+              <a:off x="8197850" y="1209675"/>
+              <a:ext cx="1343907" cy="1866410"/>
+            </a:xfrm>
+            <a:prstGeom prst="rect">
+              <a:avLst/>
+            </a:prstGeom>
+            <a:noFill/>
+            <a:ln w="12700">
+              <a:solidFill>
+                <a:srgbClr val="545B64"/>
+              </a:solidFill>
+              <a:prstDash val="dash"/>
+            </a:ln>
+          </p:spPr>
+          <p:style>
+            <a:lnRef idx="2">
+              <a:schemeClr val="accent1">
+                <a:shade val="50000"/>
+              </a:schemeClr>
+            </a:lnRef>
+            <a:fillRef idx="1">
+              <a:schemeClr val="accent1"/>
+            </a:fillRef>
+            <a:effectRef idx="0">
+              <a:schemeClr val="accent1"/>
+            </a:effectRef>
+            <a:fontRef idx="minor">
+              <a:schemeClr val="lt1"/>
+            </a:fontRef>
+          </p:style>
+          <p:txBody>
+            <a:bodyPr rot="0" spcFirstLastPara="0" vertOverflow="overflow" horzOverflow="overflow" vert="horz" wrap="square" lIns="457200" tIns="91440" rIns="91440" bIns="45720" numCol="1" spcCol="0" rtlCol="0" fromWordArt="0" anchor="t" anchorCtr="0" forceAA="0" compatLnSpc="1">
+              <a:prstTxWarp prst="textNoShape">
+                <a:avLst/>
+              </a:prstTxWarp>
+              <a:noAutofit/>
+            </a:bodyPr>
+            <a:lstStyle/>
+            <a:p>
+              <a:pPr algn="l"/>
+              <a:r>
+                <a:rPr lang="en-US" sz="1200" dirty="0">
+                  <a:solidFill>
+                    <a:srgbClr val="545B64"/>
+                  </a:solidFill>
+                </a:rPr>
+                <a:t>Availability zone</a:t>
+              </a:r>
+            </a:p>
+          </p:txBody>
+        </p:sp>
+      </p:grpSp>
+    </p:spTree>
+    <p:extLst>
+      <p:ext uri="{BB962C8B-B14F-4D97-AF65-F5344CB8AC3E}">
+        <p14:creationId xmlns:p14="http://schemas.microsoft.com/office/powerpoint/2010/main" val="968966640"/>
+      </p:ext>
+    </p:extLst>
+  </p:cSld>
+  <p:clrMapOvr>
+    <a:masterClrMapping/>
+  </p:clrMapOvr>
+</p:sld>
+</file>
+
+<file path=ppt/slides/slide11.xml><?xml version="1.0" encoding="utf-8"?>
+<p:sld xmlns:a="http://schemas.openxmlformats.org/drawingml/2006/main" xmlns:r="http://schemas.openxmlformats.org/officeDocument/2006/relationships" xmlns:p="http://schemas.openxmlformats.org/presentationml/2006/main">
+  <p:cSld>
+    <p:spTree>
+      <p:nvGrpSpPr>
+        <p:cNvPr id="1" name=""/>
+        <p:cNvGrpSpPr/>
+        <p:nvPr/>
+      </p:nvGrpSpPr>
+      <p:grpSpPr>
+        <a:xfrm>
+          <a:off x="0" y="0"/>
+          <a:ext cx="0" cy="0"/>
+          <a:chOff x="0" y="0"/>
+          <a:chExt cx="0" cy="0"/>
+        </a:xfrm>
+      </p:grpSpPr>
+      <p:grpSp>
+        <p:nvGrpSpPr>
+          <p:cNvPr id="4" name="Group 3">
+            <a:extLst>
+              <a:ext uri="{FF2B5EF4-FFF2-40B4-BE49-F238E27FC236}">
+                <a16:creationId xmlns:a16="http://schemas.microsoft.com/office/drawing/2014/main" id="{4B45B35D-B425-3C4A-9613-D9B616AEB20B}"/>
+              </a:ext>
+            </a:extLst>
+          </p:cNvPr>
+          <p:cNvGrpSpPr/>
+          <p:nvPr/>
+        </p:nvGrpSpPr>
+        <p:grpSpPr>
+          <a:xfrm>
+            <a:off x="1536192" y="457200"/>
+            <a:ext cx="9029322" cy="5973572"/>
+            <a:chOff x="7004050" y="3978275"/>
+            <a:chExt cx="1853031" cy="1765300"/>
+          </a:xfrm>
+        </p:grpSpPr>
+        <p:pic>
+          <p:nvPicPr>
+            <p:cNvPr id="5" name="Graphic 4">
+              <a:extLst>
+                <a:ext uri="{FF2B5EF4-FFF2-40B4-BE49-F238E27FC236}">
+                  <a16:creationId xmlns:a16="http://schemas.microsoft.com/office/drawing/2014/main" id="{FEC4CA00-9475-3E40-B823-3D6B71C513B8}"/>
+                </a:ext>
+              </a:extLst>
+            </p:cNvPr>
+            <p:cNvPicPr>
+              <a:picLocks noChangeAspect="1"/>
+            </p:cNvPicPr>
+            <p:nvPr/>
+          </p:nvPicPr>
+          <p:blipFill>
+            <a:blip r:embed="rId2">
+              <a:extLst>
+                <a:ext uri="{96DAC541-7B7A-43D3-8B79-37D633B846F1}">
+                  <asvg:svgBlip xmlns:asvg="http://schemas.microsoft.com/office/drawing/2016/SVG/main" r:embed="rId3"/>
+                </a:ext>
+              </a:extLst>
+            </a:blip>
+            <a:stretch>
+              <a:fillRect/>
+            </a:stretch>
+          </p:blipFill>
+          <p:spPr>
+            <a:xfrm>
+              <a:off x="7004050" y="3978275"/>
+              <a:ext cx="79075" cy="130632"/>
+            </a:xfrm>
+            <a:prstGeom prst="rect">
+              <a:avLst/>
+            </a:prstGeom>
+          </p:spPr>
+        </p:pic>
+        <p:sp>
+          <p:nvSpPr>
+            <p:cNvPr id="6" name="Rectangle 5">
+              <a:extLst>
+                <a:ext uri="{FF2B5EF4-FFF2-40B4-BE49-F238E27FC236}">
+                  <a16:creationId xmlns:a16="http://schemas.microsoft.com/office/drawing/2014/main" id="{8146FA38-1CBA-D249-A834-3948223B248B}"/>
+                </a:ext>
+              </a:extLst>
+            </p:cNvPr>
+            <p:cNvSpPr/>
+            <p:nvPr/>
+          </p:nvSpPr>
+          <p:spPr>
+            <a:xfrm>
+              <a:off x="7004050" y="3978275"/>
+              <a:ext cx="1853031" cy="1765300"/>
+            </a:xfrm>
+            <a:prstGeom prst="rect">
+              <a:avLst/>
+            </a:prstGeom>
+            <a:noFill/>
+            <a:ln w="12700" cap="flat" cmpd="sng" algn="ctr">
+              <a:solidFill>
+                <a:srgbClr val="AAB7B8"/>
+              </a:solidFill>
+              <a:prstDash val="solid"/>
+              <a:miter lim="800000"/>
+            </a:ln>
+            <a:effectLst/>
+          </p:spPr>
+          <p:txBody>
+            <a:bodyPr rot="0" spcFirstLastPara="0" vertOverflow="overflow" horzOverflow="overflow" vert="horz" wrap="square" lIns="457200" tIns="91440" rIns="91440" bIns="45720" numCol="1" spcCol="0" rtlCol="0" fromWordArt="0" anchor="t" anchorCtr="0" forceAA="0" compatLnSpc="1">
+              <a:prstTxWarp prst="textNoShape">
+                <a:avLst/>
+              </a:prstTxWarp>
+              <a:noAutofit/>
+            </a:bodyPr>
+            <a:lstStyle/>
+            <a:p>
+              <a:pPr marL="0" marR="0" lvl="0" indent="0" defTabSz="914400" eaLnBrk="1" fontAlgn="auto" latinLnBrk="0" hangingPunct="1">
+                <a:lnSpc>
+                  <a:spcPct val="100000"/>
+                </a:lnSpc>
+                <a:spcBef>
+                  <a:spcPts val="0"/>
+                </a:spcBef>
+                <a:spcAft>
+                  <a:spcPts val="0"/>
+                </a:spcAft>
+                <a:buClrTx/>
+                <a:buSzTx/>
+                <a:buFontTx/>
+                <a:buNone/>
+                <a:tabLst/>
+                <a:defRPr/>
+              </a:pPr>
+              <a:r>
+                <a:rPr kumimoji="0" lang="en-US" sz="1200" b="0" i="0" u="none" strike="noStrike" kern="0" cap="none" spc="0" normalizeH="0" baseline="0" noProof="0" dirty="0">
+                  <a:ln>
+                    <a:noFill/>
+                  </a:ln>
+                  <a:solidFill>
+                    <a:srgbClr val="AAB7B8"/>
+                  </a:solidFill>
+                  <a:effectLst/>
+                  <a:uLnTx/>
+                  <a:uFillTx/>
+                  <a:latin typeface="Arial" panose="020B0604020202020204"/>
+                  <a:ea typeface="+mn-ea"/>
+                  <a:cs typeface="+mn-cs"/>
+                </a:rPr>
+                <a:t>AWS Cloud</a:t>
+              </a:r>
+            </a:p>
+          </p:txBody>
+        </p:sp>
+      </p:grpSp>
+      <p:pic>
+        <p:nvPicPr>
+          <p:cNvPr id="8" name="Picture 7">
+            <a:extLst>
+              <a:ext uri="{FF2B5EF4-FFF2-40B4-BE49-F238E27FC236}">
+                <a16:creationId xmlns:a16="http://schemas.microsoft.com/office/drawing/2014/main" id="{572E2903-E071-1040-AD8A-B35DDD79ED72}"/>
+              </a:ext>
+            </a:extLst>
+          </p:cNvPr>
+          <p:cNvPicPr>
+            <a:picLocks noChangeAspect="1"/>
+          </p:cNvPicPr>
+          <p:nvPr/>
+        </p:nvPicPr>
+        <p:blipFill>
+          <a:blip r:embed="rId4"/>
+          <a:stretch>
+            <a:fillRect/>
+          </a:stretch>
+        </p:blipFill>
+        <p:spPr>
+          <a:xfrm>
+            <a:off x="4062136" y="1376004"/>
+            <a:ext cx="890147" cy="918861"/>
+          </a:xfrm>
+          <a:prstGeom prst="rect">
+            <a:avLst/>
+          </a:prstGeom>
+          <a:solidFill>
+            <a:schemeClr val="bg1"/>
+          </a:solidFill>
+          <a:ln>
+            <a:solidFill>
+              <a:schemeClr val="bg1"/>
+            </a:solidFill>
+          </a:ln>
+          <a:effectLst>
+            <a:outerShdw blurRad="50800" dist="50800" dir="5400000" algn="ctr" rotWithShape="0">
+              <a:schemeClr val="bg1"/>
+            </a:outerShdw>
+          </a:effectLst>
+        </p:spPr>
+      </p:pic>
+      <p:pic>
+        <p:nvPicPr>
+          <p:cNvPr id="9" name="Picture 8">
+            <a:extLst>
+              <a:ext uri="{FF2B5EF4-FFF2-40B4-BE49-F238E27FC236}">
+                <a16:creationId xmlns:a16="http://schemas.microsoft.com/office/drawing/2014/main" id="{1410380B-19E8-004E-9AF2-6FA0C877F352}"/>
+              </a:ext>
+            </a:extLst>
+          </p:cNvPr>
+          <p:cNvPicPr>
+            <a:picLocks noChangeAspect="1"/>
+          </p:cNvPicPr>
+          <p:nvPr/>
+        </p:nvPicPr>
+        <p:blipFill>
+          <a:blip r:embed="rId5"/>
+          <a:stretch>
+            <a:fillRect/>
+          </a:stretch>
+        </p:blipFill>
+        <p:spPr>
+          <a:xfrm>
+            <a:off x="4041783" y="3455386"/>
+            <a:ext cx="918861" cy="918861"/>
+          </a:xfrm>
+          <a:prstGeom prst="rect">
+            <a:avLst/>
+          </a:prstGeom>
+          <a:effectLst>
+            <a:outerShdw blurRad="50800" dist="50800" dir="5400000" algn="ctr" rotWithShape="0">
+              <a:schemeClr val="bg1"/>
+            </a:outerShdw>
+          </a:effectLst>
+        </p:spPr>
+      </p:pic>
+      <p:cxnSp>
+        <p:nvCxnSpPr>
+          <p:cNvPr id="11" name="Straight Arrow Connector 10">
+            <a:extLst>
+              <a:ext uri="{FF2B5EF4-FFF2-40B4-BE49-F238E27FC236}">
+                <a16:creationId xmlns:a16="http://schemas.microsoft.com/office/drawing/2014/main" id="{D5A45F55-12B8-2B46-9856-7C99B2237755}"/>
+              </a:ext>
+            </a:extLst>
+          </p:cNvPr>
+          <p:cNvCxnSpPr>
+            <a:cxnSpLocks/>
+            <a:stCxn id="9" idx="0"/>
+            <a:endCxn id="8" idx="2"/>
+          </p:cNvCxnSpPr>
+          <p:nvPr/>
+        </p:nvCxnSpPr>
+        <p:spPr>
+          <a:xfrm flipV="1">
+            <a:off x="4501214" y="2294865"/>
+            <a:ext cx="5996" cy="1160521"/>
+          </a:xfrm>
+          <a:prstGeom prst="straightConnector1">
+            <a:avLst/>
+          </a:prstGeom>
+          <a:ln w="12700">
+            <a:solidFill>
+              <a:schemeClr val="accent2"/>
+            </a:solidFill>
+            <a:tailEnd type="triangle"/>
+          </a:ln>
+        </p:spPr>
+        <p:style>
+          <a:lnRef idx="1">
+            <a:schemeClr val="accent1"/>
+          </a:lnRef>
+          <a:fillRef idx="0">
+            <a:schemeClr val="accent1"/>
+          </a:fillRef>
+          <a:effectRef idx="0">
+            <a:schemeClr val="accent1"/>
+          </a:effectRef>
+          <a:fontRef idx="minor">
+            <a:schemeClr val="tx1"/>
+          </a:fontRef>
+        </p:style>
+      </p:cxnSp>
+      <p:cxnSp>
+        <p:nvCxnSpPr>
+          <p:cNvPr id="14" name="Straight Arrow Connector 13">
+            <a:extLst>
+              <a:ext uri="{FF2B5EF4-FFF2-40B4-BE49-F238E27FC236}">
+                <a16:creationId xmlns:a16="http://schemas.microsoft.com/office/drawing/2014/main" id="{81853DDB-D2C6-A94B-8C39-97F5FC04899B}"/>
+              </a:ext>
+            </a:extLst>
+          </p:cNvPr>
+          <p:cNvCxnSpPr>
+            <a:cxnSpLocks/>
+            <a:stCxn id="9" idx="3"/>
+            <a:endCxn id="32" idx="1"/>
+          </p:cNvCxnSpPr>
+          <p:nvPr/>
+        </p:nvCxnSpPr>
+        <p:spPr>
+          <a:xfrm flipV="1">
+            <a:off x="4960644" y="3914816"/>
+            <a:ext cx="1188812" cy="1"/>
+          </a:xfrm>
+          <a:prstGeom prst="straightConnector1">
+            <a:avLst/>
+          </a:prstGeom>
+          <a:ln w="12700">
+            <a:solidFill>
+              <a:schemeClr val="accent2"/>
+            </a:solidFill>
+            <a:tailEnd type="triangle"/>
+          </a:ln>
+        </p:spPr>
+        <p:style>
+          <a:lnRef idx="1">
+            <a:schemeClr val="accent1"/>
+          </a:lnRef>
+          <a:fillRef idx="0">
+            <a:schemeClr val="accent1"/>
+          </a:fillRef>
+          <a:effectRef idx="0">
+            <a:schemeClr val="accent1"/>
+          </a:effectRef>
+          <a:fontRef idx="minor">
+            <a:schemeClr val="tx1"/>
+          </a:fontRef>
+        </p:style>
+      </p:cxnSp>
+      <p:cxnSp>
+        <p:nvCxnSpPr>
+          <p:cNvPr id="20" name="Straight Arrow Connector 19">
+            <a:extLst>
+              <a:ext uri="{FF2B5EF4-FFF2-40B4-BE49-F238E27FC236}">
+                <a16:creationId xmlns:a16="http://schemas.microsoft.com/office/drawing/2014/main" id="{93E92ECD-A629-684F-9BD4-E8F0DB1D8B70}"/>
+              </a:ext>
+            </a:extLst>
+          </p:cNvPr>
+          <p:cNvCxnSpPr>
+            <a:cxnSpLocks/>
+          </p:cNvCxnSpPr>
+          <p:nvPr/>
+        </p:nvCxnSpPr>
+        <p:spPr>
+          <a:xfrm>
+            <a:off x="6918568" y="3914816"/>
+            <a:ext cx="1209040" cy="0"/>
+          </a:xfrm>
+          <a:prstGeom prst="straightConnector1">
+            <a:avLst/>
+          </a:prstGeom>
+          <a:ln w="12700">
+            <a:solidFill>
+              <a:schemeClr val="accent2"/>
+            </a:solidFill>
+            <a:tailEnd type="triangle"/>
+          </a:ln>
+        </p:spPr>
+        <p:style>
+          <a:lnRef idx="1">
+            <a:schemeClr val="accent1"/>
+          </a:lnRef>
+          <a:fillRef idx="0">
+            <a:schemeClr val="accent1"/>
+          </a:fillRef>
+          <a:effectRef idx="0">
+            <a:schemeClr val="accent1"/>
+          </a:effectRef>
+          <a:fontRef idx="minor">
+            <a:schemeClr val="tx1"/>
+          </a:fontRef>
+        </p:style>
+      </p:cxnSp>
+      <p:sp>
+        <p:nvSpPr>
+          <p:cNvPr id="21" name="TextBox 20">
+            <a:extLst>
+              <a:ext uri="{FF2B5EF4-FFF2-40B4-BE49-F238E27FC236}">
+                <a16:creationId xmlns:a16="http://schemas.microsoft.com/office/drawing/2014/main" id="{D38591B4-0977-964E-B15A-6D390FBDC864}"/>
+              </a:ext>
+            </a:extLst>
+          </p:cNvPr>
+          <p:cNvSpPr txBox="1"/>
+          <p:nvPr/>
+        </p:nvSpPr>
+        <p:spPr>
+          <a:xfrm>
+            <a:off x="3931920" y="4315968"/>
+            <a:ext cx="1094017" cy="369332"/>
+          </a:xfrm>
+          <a:prstGeom prst="rect">
+            <a:avLst/>
+          </a:prstGeom>
+          <a:noFill/>
+        </p:spPr>
+        <p:txBody>
+          <a:bodyPr wrap="none" rtlCol="0">
+            <a:spAutoFit/>
+          </a:bodyPr>
+          <a:lstStyle/>
+          <a:p>
+            <a:r>
+              <a:rPr lang="en-US" dirty="0"/>
+              <a:t>Data Lake</a:t>
+            </a:r>
+          </a:p>
+        </p:txBody>
+      </p:sp>
+      <p:sp>
+        <p:nvSpPr>
+          <p:cNvPr id="22" name="TextBox 21">
+            <a:extLst>
+              <a:ext uri="{FF2B5EF4-FFF2-40B4-BE49-F238E27FC236}">
+                <a16:creationId xmlns:a16="http://schemas.microsoft.com/office/drawing/2014/main" id="{E33835D5-A51F-2E45-9591-C5F3AE142227}"/>
+              </a:ext>
+            </a:extLst>
+          </p:cNvPr>
+          <p:cNvSpPr txBox="1"/>
+          <p:nvPr/>
+        </p:nvSpPr>
+        <p:spPr>
+          <a:xfrm>
+            <a:off x="3883152" y="2218944"/>
+            <a:ext cx="1394997" cy="369332"/>
+          </a:xfrm>
+          <a:prstGeom prst="rect">
+            <a:avLst/>
+          </a:prstGeom>
+          <a:noFill/>
+          <a:ln w="12700">
+            <a:solidFill>
+              <a:schemeClr val="bg1"/>
+            </a:solidFill>
+          </a:ln>
+        </p:spPr>
+        <p:txBody>
+          <a:bodyPr wrap="none" rtlCol="0">
+            <a:spAutoFit/>
+          </a:bodyPr>
+          <a:lstStyle/>
+          <a:p>
+            <a:r>
+              <a:rPr lang="en-US" dirty="0"/>
+              <a:t>Glue Crawler</a:t>
+            </a:r>
+          </a:p>
+        </p:txBody>
+      </p:sp>
+      <p:sp>
+        <p:nvSpPr>
+          <p:cNvPr id="23" name="TextBox 22">
+            <a:extLst>
+              <a:ext uri="{FF2B5EF4-FFF2-40B4-BE49-F238E27FC236}">
+                <a16:creationId xmlns:a16="http://schemas.microsoft.com/office/drawing/2014/main" id="{D502286B-9781-154C-A21D-6968AE41B427}"/>
+              </a:ext>
+            </a:extLst>
+          </p:cNvPr>
+          <p:cNvSpPr txBox="1"/>
+          <p:nvPr/>
+        </p:nvSpPr>
+        <p:spPr>
+          <a:xfrm>
+            <a:off x="5792571" y="4287148"/>
+            <a:ext cx="1373966" cy="369332"/>
+          </a:xfrm>
+          <a:prstGeom prst="rect">
+            <a:avLst/>
+          </a:prstGeom>
+          <a:noFill/>
+        </p:spPr>
+        <p:txBody>
+          <a:bodyPr wrap="none" rtlCol="0">
+            <a:spAutoFit/>
+          </a:bodyPr>
+          <a:lstStyle/>
+          <a:p>
+            <a:r>
+              <a:rPr lang="en-US" dirty="0"/>
+              <a:t>Glue Catalog</a:t>
+            </a:r>
+          </a:p>
+        </p:txBody>
+      </p:sp>
+      <p:pic>
+        <p:nvPicPr>
+          <p:cNvPr id="32" name="Picture 31">
+            <a:extLst>
+              <a:ext uri="{FF2B5EF4-FFF2-40B4-BE49-F238E27FC236}">
+                <a16:creationId xmlns:a16="http://schemas.microsoft.com/office/drawing/2014/main" id="{3ECF54A2-3EB9-1347-9646-DB5DB14F5C35}"/>
+              </a:ext>
+            </a:extLst>
+          </p:cNvPr>
+          <p:cNvPicPr>
+            <a:picLocks noChangeAspect="1"/>
+          </p:cNvPicPr>
+          <p:nvPr/>
+        </p:nvPicPr>
+        <p:blipFill>
+          <a:blip r:embed="rId6"/>
+          <a:stretch>
+            <a:fillRect/>
+          </a:stretch>
+        </p:blipFill>
+        <p:spPr>
+          <a:xfrm>
+            <a:off x="6149456" y="3521116"/>
+            <a:ext cx="787400" cy="787400"/>
+          </a:xfrm>
+          <a:prstGeom prst="rect">
+            <a:avLst/>
+          </a:prstGeom>
+        </p:spPr>
+      </p:pic>
+      <p:cxnSp>
+        <p:nvCxnSpPr>
+          <p:cNvPr id="34" name="Elbow Connector 33">
+            <a:extLst>
+              <a:ext uri="{FF2B5EF4-FFF2-40B4-BE49-F238E27FC236}">
+                <a16:creationId xmlns:a16="http://schemas.microsoft.com/office/drawing/2014/main" id="{F7603291-9CA9-0848-8D50-870D16B802AA}"/>
+              </a:ext>
+            </a:extLst>
+          </p:cNvPr>
+          <p:cNvCxnSpPr>
+            <a:cxnSpLocks/>
+            <a:stCxn id="8" idx="3"/>
+            <a:endCxn id="32" idx="0"/>
+          </p:cNvCxnSpPr>
+          <p:nvPr/>
+        </p:nvCxnSpPr>
+        <p:spPr>
+          <a:xfrm>
+            <a:off x="4952283" y="1835435"/>
+            <a:ext cx="1590873" cy="1685681"/>
+          </a:xfrm>
+          <a:prstGeom prst="bentConnector2">
+            <a:avLst/>
+          </a:prstGeom>
+          <a:ln w="12700">
+            <a:solidFill>
+              <a:schemeClr val="accent2"/>
+            </a:solidFill>
+            <a:tailEnd type="triangle"/>
+          </a:ln>
+        </p:spPr>
+        <p:style>
+          <a:lnRef idx="1">
+            <a:schemeClr val="accent1"/>
+          </a:lnRef>
+          <a:fillRef idx="0">
+            <a:schemeClr val="accent1"/>
+          </a:fillRef>
+          <a:effectRef idx="0">
+            <a:schemeClr val="accent1"/>
+          </a:effectRef>
+          <a:fontRef idx="minor">
+            <a:schemeClr val="tx1"/>
+          </a:fontRef>
+        </p:style>
+      </p:cxnSp>
+      <p:pic>
+        <p:nvPicPr>
+          <p:cNvPr id="37" name="Graphic 36">
+            <a:extLst>
+              <a:ext uri="{FF2B5EF4-FFF2-40B4-BE49-F238E27FC236}">
+                <a16:creationId xmlns:a16="http://schemas.microsoft.com/office/drawing/2014/main" id="{9C68FA18-E3DA-B148-953B-ECF64DC27C9B}"/>
+              </a:ext>
+            </a:extLst>
+          </p:cNvPr>
+          <p:cNvPicPr>
+            <a:picLocks noChangeAspect="1"/>
+          </p:cNvPicPr>
+          <p:nvPr/>
+        </p:nvPicPr>
+        <p:blipFill>
+          <a:blip r:embed="rId7">
+            <a:extLst>
+              <a:ext uri="{96DAC541-7B7A-43D3-8B79-37D633B846F1}">
+                <asvg:svgBlip xmlns:asvg="http://schemas.microsoft.com/office/drawing/2016/SVG/main" r:embed="rId8"/>
+              </a:ext>
+            </a:extLst>
+          </a:blip>
+          <a:stretch>
+            <a:fillRect/>
+          </a:stretch>
+        </p:blipFill>
+        <p:spPr>
+          <a:xfrm>
+            <a:off x="8125668" y="3408434"/>
+            <a:ext cx="762000" cy="1092200"/>
+          </a:xfrm>
+          <a:prstGeom prst="rect">
+            <a:avLst/>
+          </a:prstGeom>
+        </p:spPr>
+      </p:pic>
+    </p:spTree>
+    <p:extLst>
+      <p:ext uri="{BB962C8B-B14F-4D97-AF65-F5344CB8AC3E}">
+        <p14:creationId xmlns:p14="http://schemas.microsoft.com/office/powerpoint/2010/main" val="658867169"/>
+      </p:ext>
+    </p:extLst>
+  </p:cSld>
+  <p:clrMapOvr>
+    <a:masterClrMapping/>
+  </p:clrMapOvr>
+</p:sld>
+</file>
+
 <file path=ppt/slides/slide2.xml><?xml version="1.0" encoding="utf-8"?>
 <p:sld xmlns:a="http://schemas.openxmlformats.org/drawingml/2006/main" xmlns:r="http://schemas.openxmlformats.org/officeDocument/2006/relationships" xmlns:p="http://schemas.openxmlformats.org/presentationml/2006/main">
   <p:cSld>
@@ -10014,6 +11788,2752 @@
 </file>
 
 <file path=ppt/slides/slide3.xml><?xml version="1.0" encoding="utf-8"?>
+<p:sld xmlns:a="http://schemas.openxmlformats.org/drawingml/2006/main" xmlns:r="http://schemas.openxmlformats.org/officeDocument/2006/relationships" xmlns:p="http://schemas.openxmlformats.org/presentationml/2006/main">
+  <p:cSld>
+    <p:spTree>
+      <p:nvGrpSpPr>
+        <p:cNvPr id="1" name=""/>
+        <p:cNvGrpSpPr/>
+        <p:nvPr/>
+      </p:nvGrpSpPr>
+      <p:grpSpPr>
+        <a:xfrm>
+          <a:off x="0" y="0"/>
+          <a:ext cx="0" cy="0"/>
+          <a:chOff x="0" y="0"/>
+          <a:chExt cx="0" cy="0"/>
+        </a:xfrm>
+      </p:grpSpPr>
+      <p:grpSp>
+        <p:nvGrpSpPr>
+          <p:cNvPr id="4" name="Group 3">
+            <a:extLst>
+              <a:ext uri="{FF2B5EF4-FFF2-40B4-BE49-F238E27FC236}">
+                <a16:creationId xmlns:a16="http://schemas.microsoft.com/office/drawing/2014/main" id="{47F36F26-F622-7846-AF44-FBCD983169A7}"/>
+              </a:ext>
+            </a:extLst>
+          </p:cNvPr>
+          <p:cNvGrpSpPr/>
+          <p:nvPr/>
+        </p:nvGrpSpPr>
+        <p:grpSpPr>
+          <a:xfrm>
+            <a:off x="1181608" y="256034"/>
+            <a:ext cx="9882632" cy="6473950"/>
+            <a:chOff x="7004050" y="4032975"/>
+            <a:chExt cx="1765300" cy="1760327"/>
+          </a:xfrm>
+        </p:grpSpPr>
+        <p:pic>
+          <p:nvPicPr>
+            <p:cNvPr id="5" name="Graphic 4">
+              <a:extLst>
+                <a:ext uri="{FF2B5EF4-FFF2-40B4-BE49-F238E27FC236}">
+                  <a16:creationId xmlns:a16="http://schemas.microsoft.com/office/drawing/2014/main" id="{22790585-13EA-E445-B6BD-57973C186336}"/>
+                </a:ext>
+              </a:extLst>
+            </p:cNvPr>
+            <p:cNvPicPr>
+              <a:picLocks noChangeAspect="1"/>
+            </p:cNvPicPr>
+            <p:nvPr/>
+          </p:nvPicPr>
+          <p:blipFill>
+            <a:blip r:embed="rId2">
+              <a:extLst>
+                <a:ext uri="{96DAC541-7B7A-43D3-8B79-37D633B846F1}">
+                  <asvg:svgBlip xmlns:asvg="http://schemas.microsoft.com/office/drawing/2016/SVG/main" r:embed="rId3"/>
+                </a:ext>
+              </a:extLst>
+            </a:blip>
+            <a:stretch>
+              <a:fillRect/>
+            </a:stretch>
+          </p:blipFill>
+          <p:spPr>
+            <a:xfrm>
+              <a:off x="7006553" y="4032975"/>
+              <a:ext cx="79075" cy="130632"/>
+            </a:xfrm>
+            <a:prstGeom prst="rect">
+              <a:avLst/>
+            </a:prstGeom>
+          </p:spPr>
+        </p:pic>
+        <p:sp>
+          <p:nvSpPr>
+            <p:cNvPr id="6" name="Rectangle 5">
+              <a:extLst>
+                <a:ext uri="{FF2B5EF4-FFF2-40B4-BE49-F238E27FC236}">
+                  <a16:creationId xmlns:a16="http://schemas.microsoft.com/office/drawing/2014/main" id="{6DCD914B-74C0-1B41-AF3D-A70449BE4C6F}"/>
+                </a:ext>
+              </a:extLst>
+            </p:cNvPr>
+            <p:cNvSpPr/>
+            <p:nvPr/>
+          </p:nvSpPr>
+          <p:spPr>
+            <a:xfrm>
+              <a:off x="7004050" y="4037948"/>
+              <a:ext cx="1765300" cy="1755354"/>
+            </a:xfrm>
+            <a:prstGeom prst="rect">
+              <a:avLst/>
+            </a:prstGeom>
+            <a:noFill/>
+            <a:ln w="12700" cap="flat" cmpd="sng" algn="ctr">
+              <a:solidFill>
+                <a:srgbClr val="AAB7B8"/>
+              </a:solidFill>
+              <a:prstDash val="solid"/>
+              <a:miter lim="800000"/>
+            </a:ln>
+            <a:effectLst/>
+          </p:spPr>
+          <p:txBody>
+            <a:bodyPr rot="0" spcFirstLastPara="0" vertOverflow="overflow" horzOverflow="overflow" vert="horz" wrap="square" lIns="457200" tIns="91440" rIns="91440" bIns="45720" numCol="1" spcCol="0" rtlCol="0" fromWordArt="0" anchor="t" anchorCtr="0" forceAA="0" compatLnSpc="1">
+              <a:prstTxWarp prst="textNoShape">
+                <a:avLst/>
+              </a:prstTxWarp>
+              <a:noAutofit/>
+            </a:bodyPr>
+            <a:lstStyle/>
+            <a:p>
+              <a:pPr marL="0" marR="0" lvl="0" indent="0" defTabSz="914400" eaLnBrk="1" fontAlgn="auto" latinLnBrk="0" hangingPunct="1">
+                <a:lnSpc>
+                  <a:spcPct val="100000"/>
+                </a:lnSpc>
+                <a:spcBef>
+                  <a:spcPts val="0"/>
+                </a:spcBef>
+                <a:spcAft>
+                  <a:spcPts val="0"/>
+                </a:spcAft>
+                <a:buClrTx/>
+                <a:buSzTx/>
+                <a:buFontTx/>
+                <a:buNone/>
+                <a:tabLst/>
+                <a:defRPr/>
+              </a:pPr>
+              <a:r>
+                <a:rPr kumimoji="0" lang="en-US" sz="1200" b="0" i="0" u="none" strike="noStrike" kern="0" cap="none" spc="0" normalizeH="0" baseline="0" noProof="0" dirty="0">
+                  <a:ln>
+                    <a:noFill/>
+                  </a:ln>
+                  <a:solidFill>
+                    <a:srgbClr val="AAB7B8"/>
+                  </a:solidFill>
+                  <a:effectLst/>
+                  <a:uLnTx/>
+                  <a:uFillTx/>
+                  <a:latin typeface="Arial" panose="020B0604020202020204"/>
+                  <a:ea typeface="+mn-ea"/>
+                  <a:cs typeface="+mn-cs"/>
+                </a:rPr>
+                <a:t> AWS Cloud</a:t>
+              </a:r>
+            </a:p>
+          </p:txBody>
+        </p:sp>
+      </p:grpSp>
+      <p:sp>
+        <p:nvSpPr>
+          <p:cNvPr id="37" name="Rectangle 36">
+            <a:extLst>
+              <a:ext uri="{FF2B5EF4-FFF2-40B4-BE49-F238E27FC236}">
+                <a16:creationId xmlns:a16="http://schemas.microsoft.com/office/drawing/2014/main" id="{292B28AB-C97E-394A-96BE-E78D18F17C5B}"/>
+              </a:ext>
+            </a:extLst>
+          </p:cNvPr>
+          <p:cNvSpPr/>
+          <p:nvPr/>
+        </p:nvSpPr>
+        <p:spPr>
+          <a:xfrm>
+            <a:off x="2095005" y="589112"/>
+            <a:ext cx="3278855" cy="1153836"/>
+          </a:xfrm>
+          <a:prstGeom prst="rect">
+            <a:avLst/>
+          </a:prstGeom>
+          <a:noFill/>
+          <a:ln w="12700">
+            <a:solidFill>
+              <a:schemeClr val="bg1">
+                <a:lumMod val="50000"/>
+              </a:schemeClr>
+            </a:solidFill>
+            <a:prstDash val="dash"/>
+          </a:ln>
+        </p:spPr>
+        <p:style>
+          <a:lnRef idx="2">
+            <a:schemeClr val="accent1">
+              <a:shade val="50000"/>
+            </a:schemeClr>
+          </a:lnRef>
+          <a:fillRef idx="1">
+            <a:schemeClr val="accent1"/>
+          </a:fillRef>
+          <a:effectRef idx="0">
+            <a:schemeClr val="accent1"/>
+          </a:effectRef>
+          <a:fontRef idx="minor">
+            <a:schemeClr val="lt1"/>
+          </a:fontRef>
+        </p:style>
+        <p:txBody>
+          <a:bodyPr rot="0" spcFirstLastPara="0" vertOverflow="overflow" horzOverflow="overflow" vert="horz" wrap="square" lIns="91440" tIns="91440" rIns="91440" bIns="45720" numCol="1" spcCol="0" rtlCol="0" fromWordArt="0" anchor="t" anchorCtr="0" forceAA="0" compatLnSpc="1">
+            <a:prstTxWarp prst="textNoShape">
+              <a:avLst/>
+            </a:prstTxWarp>
+            <a:noAutofit/>
+          </a:bodyPr>
+          <a:lstStyle/>
+          <a:p>
+            <a:pPr algn="ctr"/>
+            <a:r>
+              <a:rPr lang="en-US" sz="1200" dirty="0">
+                <a:solidFill>
+                  <a:srgbClr val="879196"/>
+                </a:solidFill>
+              </a:rPr>
+              <a:t>Principals</a:t>
+            </a:r>
+          </a:p>
+        </p:txBody>
+      </p:sp>
+      <p:grpSp>
+        <p:nvGrpSpPr>
+          <p:cNvPr id="38" name="Group 37">
+            <a:extLst>
+              <a:ext uri="{FF2B5EF4-FFF2-40B4-BE49-F238E27FC236}">
+                <a16:creationId xmlns:a16="http://schemas.microsoft.com/office/drawing/2014/main" id="{C4749BA5-4E59-1842-8192-52B38CD01B10}"/>
+              </a:ext>
+            </a:extLst>
+          </p:cNvPr>
+          <p:cNvGrpSpPr/>
+          <p:nvPr/>
+        </p:nvGrpSpPr>
+        <p:grpSpPr>
+          <a:xfrm>
+            <a:off x="2365697" y="958902"/>
+            <a:ext cx="926144" cy="674318"/>
+            <a:chOff x="7523336" y="3353653"/>
+            <a:chExt cx="1072750" cy="874832"/>
+          </a:xfrm>
+        </p:grpSpPr>
+        <p:pic>
+          <p:nvPicPr>
+            <p:cNvPr id="39" name="Graphic 38">
+              <a:extLst>
+                <a:ext uri="{FF2B5EF4-FFF2-40B4-BE49-F238E27FC236}">
+                  <a16:creationId xmlns:a16="http://schemas.microsoft.com/office/drawing/2014/main" id="{453098E1-83C1-7E4B-9A89-7BDC2266BA5E}"/>
+                </a:ext>
+              </a:extLst>
+            </p:cNvPr>
+            <p:cNvPicPr>
+              <a:picLocks noChangeAspect="1"/>
+            </p:cNvPicPr>
+            <p:nvPr/>
+          </p:nvPicPr>
+          <p:blipFill>
+            <a:blip r:embed="rId4">
+              <a:extLst>
+                <a:ext uri="{96DAC541-7B7A-43D3-8B79-37D633B846F1}">
+                  <asvg:svgBlip xmlns:asvg="http://schemas.microsoft.com/office/drawing/2016/SVG/main" r:embed="rId5"/>
+                </a:ext>
+              </a:extLst>
+            </a:blip>
+            <a:stretch>
+              <a:fillRect/>
+            </a:stretch>
+          </p:blipFill>
+          <p:spPr>
+            <a:xfrm>
+              <a:off x="7773961" y="3353653"/>
+              <a:ext cx="571500" cy="571500"/>
+            </a:xfrm>
+            <a:prstGeom prst="rect">
+              <a:avLst/>
+            </a:prstGeom>
+          </p:spPr>
+        </p:pic>
+        <p:sp>
+          <p:nvSpPr>
+            <p:cNvPr id="40" name="TextBox 39">
+              <a:extLst>
+                <a:ext uri="{FF2B5EF4-FFF2-40B4-BE49-F238E27FC236}">
+                  <a16:creationId xmlns:a16="http://schemas.microsoft.com/office/drawing/2014/main" id="{FEDAE20F-8D2C-2B4D-86A9-24D662C30150}"/>
+                </a:ext>
+              </a:extLst>
+            </p:cNvPr>
+            <p:cNvSpPr txBox="1"/>
+            <p:nvPr/>
+          </p:nvSpPr>
+          <p:spPr>
+            <a:xfrm>
+              <a:off x="7523336" y="3966875"/>
+              <a:ext cx="1072750" cy="261610"/>
+            </a:xfrm>
+            <a:prstGeom prst="rect">
+              <a:avLst/>
+            </a:prstGeom>
+            <a:noFill/>
+          </p:spPr>
+          <p:txBody>
+            <a:bodyPr wrap="square" rtlCol="0">
+              <a:spAutoFit/>
+            </a:bodyPr>
+            <a:lstStyle/>
+            <a:p>
+              <a:pPr algn="ctr"/>
+              <a:r>
+                <a:rPr lang="en-US" sz="1100" dirty="0">
+                  <a:solidFill>
+                    <a:srgbClr val="232F3E"/>
+                  </a:solidFill>
+                </a:rPr>
+                <a:t>User</a:t>
+              </a:r>
+            </a:p>
+          </p:txBody>
+        </p:sp>
+      </p:grpSp>
+      <p:grpSp>
+        <p:nvGrpSpPr>
+          <p:cNvPr id="44" name="Group 43">
+            <a:extLst>
+              <a:ext uri="{FF2B5EF4-FFF2-40B4-BE49-F238E27FC236}">
+                <a16:creationId xmlns:a16="http://schemas.microsoft.com/office/drawing/2014/main" id="{1FC41E59-DF54-EF4D-90D5-635B03F53759}"/>
+              </a:ext>
+            </a:extLst>
+          </p:cNvPr>
+          <p:cNvGrpSpPr/>
+          <p:nvPr/>
+        </p:nvGrpSpPr>
+        <p:grpSpPr>
+          <a:xfrm>
+            <a:off x="3405782" y="958902"/>
+            <a:ext cx="887658" cy="674318"/>
+            <a:chOff x="3262420" y="4060641"/>
+            <a:chExt cx="1072750" cy="872979"/>
+          </a:xfrm>
+        </p:grpSpPr>
+        <p:pic>
+          <p:nvPicPr>
+            <p:cNvPr id="45" name="Graphic 44">
+              <a:extLst>
+                <a:ext uri="{FF2B5EF4-FFF2-40B4-BE49-F238E27FC236}">
+                  <a16:creationId xmlns:a16="http://schemas.microsoft.com/office/drawing/2014/main" id="{24641CAE-244B-884B-86C5-068F9621929A}"/>
+                </a:ext>
+              </a:extLst>
+            </p:cNvPr>
+            <p:cNvPicPr>
+              <a:picLocks noChangeAspect="1"/>
+            </p:cNvPicPr>
+            <p:nvPr/>
+          </p:nvPicPr>
+          <p:blipFill>
+            <a:blip r:embed="rId6">
+              <a:extLst>
+                <a:ext uri="{96DAC541-7B7A-43D3-8B79-37D633B846F1}">
+                  <asvg:svgBlip xmlns:asvg="http://schemas.microsoft.com/office/drawing/2016/SVG/main" r:embed="rId7"/>
+                </a:ext>
+              </a:extLst>
+            </a:blip>
+            <a:stretch>
+              <a:fillRect/>
+            </a:stretch>
+          </p:blipFill>
+          <p:spPr>
+            <a:xfrm>
+              <a:off x="3513045" y="4060641"/>
+              <a:ext cx="571500" cy="571500"/>
+            </a:xfrm>
+            <a:prstGeom prst="rect">
+              <a:avLst/>
+            </a:prstGeom>
+          </p:spPr>
+        </p:pic>
+        <p:sp>
+          <p:nvSpPr>
+            <p:cNvPr id="46" name="TextBox 45">
+              <a:extLst>
+                <a:ext uri="{FF2B5EF4-FFF2-40B4-BE49-F238E27FC236}">
+                  <a16:creationId xmlns:a16="http://schemas.microsoft.com/office/drawing/2014/main" id="{218F5DE6-6DED-234C-A4FE-8E4C2F551E2E}"/>
+                </a:ext>
+              </a:extLst>
+            </p:cNvPr>
+            <p:cNvSpPr txBox="1"/>
+            <p:nvPr/>
+          </p:nvSpPr>
+          <p:spPr>
+            <a:xfrm>
+              <a:off x="3262420" y="4672010"/>
+              <a:ext cx="1072750" cy="261610"/>
+            </a:xfrm>
+            <a:prstGeom prst="rect">
+              <a:avLst/>
+            </a:prstGeom>
+            <a:noFill/>
+          </p:spPr>
+          <p:txBody>
+            <a:bodyPr wrap="square" rtlCol="0">
+              <a:spAutoFit/>
+            </a:bodyPr>
+            <a:lstStyle/>
+            <a:p>
+              <a:pPr algn="ctr"/>
+              <a:r>
+                <a:rPr lang="en-US" sz="1100" dirty="0">
+                  <a:solidFill>
+                    <a:srgbClr val="232F3E"/>
+                  </a:solidFill>
+                </a:rPr>
+                <a:t>Role</a:t>
+              </a:r>
+            </a:p>
+          </p:txBody>
+        </p:sp>
+      </p:grpSp>
+      <p:grpSp>
+        <p:nvGrpSpPr>
+          <p:cNvPr id="47" name="Group 46">
+            <a:extLst>
+              <a:ext uri="{FF2B5EF4-FFF2-40B4-BE49-F238E27FC236}">
+                <a16:creationId xmlns:a16="http://schemas.microsoft.com/office/drawing/2014/main" id="{CAD4BCC5-5199-FA44-B383-EDB920442269}"/>
+              </a:ext>
+            </a:extLst>
+          </p:cNvPr>
+          <p:cNvGrpSpPr/>
+          <p:nvPr/>
+        </p:nvGrpSpPr>
+        <p:grpSpPr>
+          <a:xfrm>
+            <a:off x="4322306" y="947565"/>
+            <a:ext cx="1051553" cy="793864"/>
+            <a:chOff x="2471651" y="1928192"/>
+            <a:chExt cx="1072750" cy="916709"/>
+          </a:xfrm>
+        </p:grpSpPr>
+        <p:pic>
+          <p:nvPicPr>
+            <p:cNvPr id="48" name="Graphic 47">
+              <a:extLst>
+                <a:ext uri="{FF2B5EF4-FFF2-40B4-BE49-F238E27FC236}">
+                  <a16:creationId xmlns:a16="http://schemas.microsoft.com/office/drawing/2014/main" id="{3ABA5437-F515-9D48-BAEF-88FFFC34594D}"/>
+                </a:ext>
+              </a:extLst>
+            </p:cNvPr>
+            <p:cNvPicPr>
+              <a:picLocks noChangeAspect="1"/>
+            </p:cNvPicPr>
+            <p:nvPr/>
+          </p:nvPicPr>
+          <p:blipFill>
+            <a:blip r:embed="rId8">
+              <a:extLst>
+                <a:ext uri="{96DAC541-7B7A-43D3-8B79-37D633B846F1}">
+                  <asvg:svgBlip xmlns:asvg="http://schemas.microsoft.com/office/drawing/2016/SVG/main" r:embed="rId9"/>
+                </a:ext>
+              </a:extLst>
+            </a:blip>
+            <a:stretch>
+              <a:fillRect/>
+            </a:stretch>
+          </p:blipFill>
+          <p:spPr>
+            <a:xfrm>
+              <a:off x="2722276" y="1928192"/>
+              <a:ext cx="571500" cy="571500"/>
+            </a:xfrm>
+            <a:prstGeom prst="rect">
+              <a:avLst/>
+            </a:prstGeom>
+          </p:spPr>
+        </p:pic>
+        <p:sp>
+          <p:nvSpPr>
+            <p:cNvPr id="49" name="TextBox 48">
+              <a:extLst>
+                <a:ext uri="{FF2B5EF4-FFF2-40B4-BE49-F238E27FC236}">
+                  <a16:creationId xmlns:a16="http://schemas.microsoft.com/office/drawing/2014/main" id="{9AA3B902-3897-0140-A7CA-C3A36D89D4F5}"/>
+                </a:ext>
+              </a:extLst>
+            </p:cNvPr>
+            <p:cNvSpPr txBox="1"/>
+            <p:nvPr/>
+          </p:nvSpPr>
+          <p:spPr>
+            <a:xfrm>
+              <a:off x="2471651" y="2542809"/>
+              <a:ext cx="1072750" cy="302092"/>
+            </a:xfrm>
+            <a:prstGeom prst="rect">
+              <a:avLst/>
+            </a:prstGeom>
+            <a:noFill/>
+          </p:spPr>
+          <p:txBody>
+            <a:bodyPr wrap="square" rtlCol="0">
+              <a:spAutoFit/>
+            </a:bodyPr>
+            <a:lstStyle/>
+            <a:p>
+              <a:pPr algn="ctr"/>
+              <a:r>
+                <a:rPr lang="en-US" sz="1100" dirty="0">
+                  <a:solidFill>
+                    <a:srgbClr val="232F3E"/>
+                  </a:solidFill>
+                </a:rPr>
+                <a:t>Application</a:t>
+              </a:r>
+            </a:p>
+          </p:txBody>
+        </p:sp>
+      </p:grpSp>
+      <p:grpSp>
+        <p:nvGrpSpPr>
+          <p:cNvPr id="50" name="Group 49">
+            <a:extLst>
+              <a:ext uri="{FF2B5EF4-FFF2-40B4-BE49-F238E27FC236}">
+                <a16:creationId xmlns:a16="http://schemas.microsoft.com/office/drawing/2014/main" id="{23ABD5A0-0154-834D-901F-E1CC8FAE930F}"/>
+              </a:ext>
+            </a:extLst>
+          </p:cNvPr>
+          <p:cNvGrpSpPr/>
+          <p:nvPr/>
+        </p:nvGrpSpPr>
+        <p:grpSpPr>
+          <a:xfrm>
+            <a:off x="6094718" y="868286"/>
+            <a:ext cx="1072750" cy="872979"/>
+            <a:chOff x="3262420" y="2631982"/>
+            <a:chExt cx="1072750" cy="872979"/>
+          </a:xfrm>
+        </p:grpSpPr>
+        <p:pic>
+          <p:nvPicPr>
+            <p:cNvPr id="51" name="Graphic 50">
+              <a:extLst>
+                <a:ext uri="{FF2B5EF4-FFF2-40B4-BE49-F238E27FC236}">
+                  <a16:creationId xmlns:a16="http://schemas.microsoft.com/office/drawing/2014/main" id="{A5BE9ADD-14F9-C443-AE5F-6C280A79FDD0}"/>
+                </a:ext>
+              </a:extLst>
+            </p:cNvPr>
+            <p:cNvPicPr>
+              <a:picLocks noChangeAspect="1"/>
+            </p:cNvPicPr>
+            <p:nvPr/>
+          </p:nvPicPr>
+          <p:blipFill>
+            <a:blip r:embed="rId10">
+              <a:extLst>
+                <a:ext uri="{96DAC541-7B7A-43D3-8B79-37D633B846F1}">
+                  <asvg:svgBlip xmlns:asvg="http://schemas.microsoft.com/office/drawing/2016/SVG/main" r:embed="rId11"/>
+                </a:ext>
+              </a:extLst>
+            </a:blip>
+            <a:stretch>
+              <a:fillRect/>
+            </a:stretch>
+          </p:blipFill>
+          <p:spPr>
+            <a:xfrm>
+              <a:off x="3513045" y="2631982"/>
+              <a:ext cx="571500" cy="571500"/>
+            </a:xfrm>
+            <a:prstGeom prst="rect">
+              <a:avLst/>
+            </a:prstGeom>
+          </p:spPr>
+        </p:pic>
+        <p:sp>
+          <p:nvSpPr>
+            <p:cNvPr id="52" name="TextBox 51">
+              <a:extLst>
+                <a:ext uri="{FF2B5EF4-FFF2-40B4-BE49-F238E27FC236}">
+                  <a16:creationId xmlns:a16="http://schemas.microsoft.com/office/drawing/2014/main" id="{09D587FF-A9CB-EC48-9C61-2C613CBB2783}"/>
+                </a:ext>
+              </a:extLst>
+            </p:cNvPr>
+            <p:cNvSpPr txBox="1"/>
+            <p:nvPr/>
+          </p:nvSpPr>
+          <p:spPr>
+            <a:xfrm>
+              <a:off x="3262420" y="3243351"/>
+              <a:ext cx="1072750" cy="261610"/>
+            </a:xfrm>
+            <a:prstGeom prst="rect">
+              <a:avLst/>
+            </a:prstGeom>
+            <a:noFill/>
+          </p:spPr>
+          <p:txBody>
+            <a:bodyPr wrap="square" rtlCol="0">
+              <a:spAutoFit/>
+            </a:bodyPr>
+            <a:lstStyle/>
+            <a:p>
+              <a:pPr algn="ctr"/>
+              <a:r>
+                <a:rPr lang="en-US" sz="1100" dirty="0">
+                  <a:solidFill>
+                    <a:srgbClr val="232F3E"/>
+                  </a:solidFill>
+                </a:rPr>
+                <a:t>Authentication</a:t>
+              </a:r>
+            </a:p>
+          </p:txBody>
+        </p:sp>
+      </p:grpSp>
+      <p:sp>
+        <p:nvSpPr>
+          <p:cNvPr id="53" name="Rectangle 52">
+            <a:extLst>
+              <a:ext uri="{FF2B5EF4-FFF2-40B4-BE49-F238E27FC236}">
+                <a16:creationId xmlns:a16="http://schemas.microsoft.com/office/drawing/2014/main" id="{7D0B0561-6FC1-4C44-BB1E-9134F53E8C91}"/>
+              </a:ext>
+            </a:extLst>
+          </p:cNvPr>
+          <p:cNvSpPr/>
+          <p:nvPr/>
+        </p:nvSpPr>
+        <p:spPr>
+          <a:xfrm>
+            <a:off x="8247888" y="552536"/>
+            <a:ext cx="1966783" cy="1770040"/>
+          </a:xfrm>
+          <a:prstGeom prst="rect">
+            <a:avLst/>
+          </a:prstGeom>
+          <a:noFill/>
+          <a:ln w="12700">
+            <a:solidFill>
+              <a:schemeClr val="bg1">
+                <a:lumMod val="50000"/>
+              </a:schemeClr>
+            </a:solidFill>
+            <a:prstDash val="dash"/>
+          </a:ln>
+        </p:spPr>
+        <p:style>
+          <a:lnRef idx="2">
+            <a:schemeClr val="accent1">
+              <a:shade val="50000"/>
+            </a:schemeClr>
+          </a:lnRef>
+          <a:fillRef idx="1">
+            <a:schemeClr val="accent1"/>
+          </a:fillRef>
+          <a:effectRef idx="0">
+            <a:schemeClr val="accent1"/>
+          </a:effectRef>
+          <a:fontRef idx="minor">
+            <a:schemeClr val="lt1"/>
+          </a:fontRef>
+        </p:style>
+        <p:txBody>
+          <a:bodyPr rot="0" spcFirstLastPara="0" vertOverflow="overflow" horzOverflow="overflow" vert="horz" wrap="square" lIns="91440" tIns="91440" rIns="91440" bIns="45720" numCol="1" spcCol="0" rtlCol="0" fromWordArt="0" anchor="t" anchorCtr="0" forceAA="0" compatLnSpc="1">
+            <a:prstTxWarp prst="textNoShape">
+              <a:avLst/>
+            </a:prstTxWarp>
+            <a:noAutofit/>
+          </a:bodyPr>
+          <a:lstStyle/>
+          <a:p>
+            <a:pPr algn="ctr"/>
+            <a:r>
+              <a:rPr lang="en-US" sz="1200" dirty="0">
+                <a:solidFill>
+                  <a:srgbClr val="879196"/>
+                </a:solidFill>
+              </a:rPr>
+              <a:t>Request</a:t>
+            </a:r>
+          </a:p>
+        </p:txBody>
+      </p:sp>
+      <p:cxnSp>
+        <p:nvCxnSpPr>
+          <p:cNvPr id="55" name="Straight Arrow Connector 54">
+            <a:extLst>
+              <a:ext uri="{FF2B5EF4-FFF2-40B4-BE49-F238E27FC236}">
+                <a16:creationId xmlns:a16="http://schemas.microsoft.com/office/drawing/2014/main" id="{B0E8F2D6-6745-AF40-A651-4269641BC03B}"/>
+              </a:ext>
+            </a:extLst>
+          </p:cNvPr>
+          <p:cNvCxnSpPr>
+            <a:cxnSpLocks/>
+            <a:stCxn id="37" idx="3"/>
+            <a:endCxn id="51" idx="1"/>
+          </p:cNvCxnSpPr>
+          <p:nvPr/>
+        </p:nvCxnSpPr>
+        <p:spPr>
+          <a:xfrm flipV="1">
+            <a:off x="5373860" y="1154036"/>
+            <a:ext cx="971483" cy="11994"/>
+          </a:xfrm>
+          <a:prstGeom prst="straightConnector1">
+            <a:avLst/>
+          </a:prstGeom>
+          <a:ln w="3175">
+            <a:solidFill>
+              <a:schemeClr val="tx1">
+                <a:lumMod val="95000"/>
+                <a:lumOff val="5000"/>
+              </a:schemeClr>
+            </a:solidFill>
+            <a:tailEnd type="arrow"/>
+          </a:ln>
+        </p:spPr>
+        <p:style>
+          <a:lnRef idx="1">
+            <a:schemeClr val="accent1"/>
+          </a:lnRef>
+          <a:fillRef idx="0">
+            <a:schemeClr val="accent1"/>
+          </a:fillRef>
+          <a:effectRef idx="0">
+            <a:schemeClr val="accent1"/>
+          </a:effectRef>
+          <a:fontRef idx="minor">
+            <a:schemeClr val="tx1"/>
+          </a:fontRef>
+        </p:style>
+      </p:cxnSp>
+      <p:cxnSp>
+        <p:nvCxnSpPr>
+          <p:cNvPr id="57" name="Straight Arrow Connector 56">
+            <a:extLst>
+              <a:ext uri="{FF2B5EF4-FFF2-40B4-BE49-F238E27FC236}">
+                <a16:creationId xmlns:a16="http://schemas.microsoft.com/office/drawing/2014/main" id="{A92364DB-B6DC-0B4D-BB9D-31A0E770B674}"/>
+              </a:ext>
+            </a:extLst>
+          </p:cNvPr>
+          <p:cNvCxnSpPr>
+            <a:cxnSpLocks/>
+          </p:cNvCxnSpPr>
+          <p:nvPr/>
+        </p:nvCxnSpPr>
+        <p:spPr>
+          <a:xfrm>
+            <a:off x="6887976" y="1170737"/>
+            <a:ext cx="1331045" cy="11994"/>
+          </a:xfrm>
+          <a:prstGeom prst="straightConnector1">
+            <a:avLst/>
+          </a:prstGeom>
+          <a:ln w="3175">
+            <a:solidFill>
+              <a:schemeClr val="tx1">
+                <a:lumMod val="95000"/>
+                <a:lumOff val="5000"/>
+              </a:schemeClr>
+            </a:solidFill>
+            <a:tailEnd type="arrow"/>
+          </a:ln>
+        </p:spPr>
+        <p:style>
+          <a:lnRef idx="1">
+            <a:schemeClr val="accent1"/>
+          </a:lnRef>
+          <a:fillRef idx="0">
+            <a:schemeClr val="accent1"/>
+          </a:fillRef>
+          <a:effectRef idx="0">
+            <a:schemeClr val="accent1"/>
+          </a:effectRef>
+          <a:fontRef idx="minor">
+            <a:schemeClr val="tx1"/>
+          </a:fontRef>
+        </p:style>
+      </p:cxnSp>
+      <p:sp>
+        <p:nvSpPr>
+          <p:cNvPr id="66" name="TextBox 65">
+            <a:extLst>
+              <a:ext uri="{FF2B5EF4-FFF2-40B4-BE49-F238E27FC236}">
+                <a16:creationId xmlns:a16="http://schemas.microsoft.com/office/drawing/2014/main" id="{28703783-8F34-CB45-ABAB-3BC2FC83A9BF}"/>
+              </a:ext>
+            </a:extLst>
+          </p:cNvPr>
+          <p:cNvSpPr txBox="1"/>
+          <p:nvPr/>
+        </p:nvSpPr>
+        <p:spPr>
+          <a:xfrm>
+            <a:off x="8664812" y="1013766"/>
+            <a:ext cx="1197764" cy="1169551"/>
+          </a:xfrm>
+          <a:prstGeom prst="rect">
+            <a:avLst/>
+          </a:prstGeom>
+          <a:noFill/>
+        </p:spPr>
+        <p:txBody>
+          <a:bodyPr wrap="none" rtlCol="0">
+            <a:spAutoFit/>
+          </a:bodyPr>
+          <a:lstStyle/>
+          <a:p>
+            <a:r>
+              <a:rPr lang="en-US" sz="1000" dirty="0"/>
+              <a:t>Actions/Operations</a:t>
+            </a:r>
+          </a:p>
+          <a:p>
+            <a:r>
+              <a:rPr lang="en-US" sz="1000" dirty="0"/>
+              <a:t> -------------</a:t>
+            </a:r>
+          </a:p>
+          <a:p>
+            <a:r>
+              <a:rPr lang="en-US" sz="1000" dirty="0"/>
+              <a:t>Resources</a:t>
+            </a:r>
+          </a:p>
+          <a:p>
+            <a:r>
+              <a:rPr lang="en-US" sz="1000" dirty="0"/>
+              <a:t> -------------</a:t>
+            </a:r>
+          </a:p>
+          <a:p>
+            <a:r>
+              <a:rPr lang="en-US" sz="1000" dirty="0"/>
+              <a:t>    Information</a:t>
+            </a:r>
+          </a:p>
+          <a:p>
+            <a:r>
+              <a:rPr lang="en-US" sz="1000" dirty="0"/>
+              <a:t>      ------</a:t>
+            </a:r>
+          </a:p>
+          <a:p>
+            <a:r>
+              <a:rPr lang="en-US" sz="1000" dirty="0"/>
+              <a:t>      -----</a:t>
+            </a:r>
+          </a:p>
+        </p:txBody>
+      </p:sp>
+      <p:sp>
+        <p:nvSpPr>
+          <p:cNvPr id="67" name="Rectangle 66">
+            <a:extLst>
+              <a:ext uri="{FF2B5EF4-FFF2-40B4-BE49-F238E27FC236}">
+                <a16:creationId xmlns:a16="http://schemas.microsoft.com/office/drawing/2014/main" id="{4E24BC3C-4CBA-374B-9FE1-BBB65FFC1146}"/>
+              </a:ext>
+            </a:extLst>
+          </p:cNvPr>
+          <p:cNvSpPr/>
+          <p:nvPr/>
+        </p:nvSpPr>
+        <p:spPr>
+          <a:xfrm>
+            <a:off x="2095005" y="1864441"/>
+            <a:ext cx="5800788" cy="1731250"/>
+          </a:xfrm>
+          <a:prstGeom prst="rect">
+            <a:avLst/>
+          </a:prstGeom>
+          <a:noFill/>
+          <a:ln w="25400">
+            <a:solidFill>
+              <a:schemeClr val="bg1">
+                <a:lumMod val="50000"/>
+              </a:schemeClr>
+            </a:solidFill>
+            <a:prstDash val="dash"/>
+          </a:ln>
+        </p:spPr>
+        <p:style>
+          <a:lnRef idx="2">
+            <a:schemeClr val="accent1">
+              <a:shade val="50000"/>
+            </a:schemeClr>
+          </a:lnRef>
+          <a:fillRef idx="1">
+            <a:schemeClr val="accent1"/>
+          </a:fillRef>
+          <a:effectRef idx="0">
+            <a:schemeClr val="accent1"/>
+          </a:effectRef>
+          <a:fontRef idx="minor">
+            <a:schemeClr val="lt1"/>
+          </a:fontRef>
+        </p:style>
+        <p:txBody>
+          <a:bodyPr rot="0" spcFirstLastPara="0" vertOverflow="overflow" horzOverflow="overflow" vert="horz" wrap="square" lIns="91440" tIns="91440" rIns="91440" bIns="45720" numCol="1" spcCol="0" rtlCol="0" fromWordArt="0" anchor="t" anchorCtr="0" forceAA="0" compatLnSpc="1">
+            <a:prstTxWarp prst="textNoShape">
+              <a:avLst/>
+            </a:prstTxWarp>
+            <a:noAutofit/>
+          </a:bodyPr>
+          <a:lstStyle/>
+          <a:p>
+            <a:pPr algn="ctr"/>
+            <a:endParaRPr lang="en-US" sz="1200" dirty="0">
+              <a:solidFill>
+                <a:srgbClr val="879196"/>
+              </a:solidFill>
+            </a:endParaRPr>
+          </a:p>
+        </p:txBody>
+      </p:sp>
+      <p:cxnSp>
+        <p:nvCxnSpPr>
+          <p:cNvPr id="69" name="Elbow Connector 68">
+            <a:extLst>
+              <a:ext uri="{FF2B5EF4-FFF2-40B4-BE49-F238E27FC236}">
+                <a16:creationId xmlns:a16="http://schemas.microsoft.com/office/drawing/2014/main" id="{4FE78995-FBE5-1D49-8975-FBA81F3EC285}"/>
+              </a:ext>
+            </a:extLst>
+          </p:cNvPr>
+          <p:cNvCxnSpPr>
+            <a:cxnSpLocks/>
+            <a:stCxn id="53" idx="2"/>
+            <a:endCxn id="67" idx="3"/>
+          </p:cNvCxnSpPr>
+          <p:nvPr/>
+        </p:nvCxnSpPr>
+        <p:spPr>
+          <a:xfrm rot="5400000">
+            <a:off x="8359792" y="1858578"/>
+            <a:ext cx="407490" cy="1335487"/>
+          </a:xfrm>
+          <a:prstGeom prst="bentConnector2">
+            <a:avLst/>
+          </a:prstGeom>
+          <a:ln w="3175">
+            <a:solidFill>
+              <a:schemeClr val="tx1"/>
+            </a:solidFill>
+            <a:tailEnd type="arrow"/>
+          </a:ln>
+        </p:spPr>
+        <p:style>
+          <a:lnRef idx="1">
+            <a:schemeClr val="accent1"/>
+          </a:lnRef>
+          <a:fillRef idx="0">
+            <a:schemeClr val="accent1"/>
+          </a:fillRef>
+          <a:effectRef idx="0">
+            <a:schemeClr val="accent1"/>
+          </a:effectRef>
+          <a:fontRef idx="minor">
+            <a:schemeClr val="tx1"/>
+          </a:fontRef>
+        </p:style>
+      </p:cxnSp>
+      <p:pic>
+        <p:nvPicPr>
+          <p:cNvPr id="72" name="Graphic 71">
+            <a:extLst>
+              <a:ext uri="{FF2B5EF4-FFF2-40B4-BE49-F238E27FC236}">
+                <a16:creationId xmlns:a16="http://schemas.microsoft.com/office/drawing/2014/main" id="{33778C40-ECE0-F142-8640-B11CE3080862}"/>
+              </a:ext>
+            </a:extLst>
+          </p:cNvPr>
+          <p:cNvPicPr>
+            <a:picLocks noChangeAspect="1"/>
+          </p:cNvPicPr>
+          <p:nvPr/>
+        </p:nvPicPr>
+        <p:blipFill>
+          <a:blip r:embed="rId12">
+            <a:extLst>
+              <a:ext uri="{96DAC541-7B7A-43D3-8B79-37D633B846F1}">
+                <asvg:svgBlip xmlns:asvg="http://schemas.microsoft.com/office/drawing/2016/SVG/main" r:embed="rId13"/>
+              </a:ext>
+            </a:extLst>
+          </a:blip>
+          <a:stretch>
+            <a:fillRect/>
+          </a:stretch>
+        </p:blipFill>
+        <p:spPr>
+          <a:xfrm>
+            <a:off x="2100799" y="1819991"/>
+            <a:ext cx="356685" cy="298558"/>
+          </a:xfrm>
+          <a:prstGeom prst="rect">
+            <a:avLst/>
+          </a:prstGeom>
+        </p:spPr>
+      </p:pic>
+      <p:sp>
+        <p:nvSpPr>
+          <p:cNvPr id="75" name="Rectangle 74">
+            <a:extLst>
+              <a:ext uri="{FF2B5EF4-FFF2-40B4-BE49-F238E27FC236}">
+                <a16:creationId xmlns:a16="http://schemas.microsoft.com/office/drawing/2014/main" id="{13A46BAA-C4BF-5643-814C-C56846D4DC61}"/>
+              </a:ext>
+            </a:extLst>
+          </p:cNvPr>
+          <p:cNvSpPr/>
+          <p:nvPr/>
+        </p:nvSpPr>
+        <p:spPr>
+          <a:xfrm>
+            <a:off x="2095005" y="3743743"/>
+            <a:ext cx="3278855" cy="2730209"/>
+          </a:xfrm>
+          <a:prstGeom prst="rect">
+            <a:avLst/>
+          </a:prstGeom>
+          <a:noFill/>
+          <a:ln w="25400">
+            <a:solidFill>
+              <a:schemeClr val="bg1">
+                <a:lumMod val="50000"/>
+              </a:schemeClr>
+            </a:solidFill>
+            <a:prstDash val="dash"/>
+          </a:ln>
+        </p:spPr>
+        <p:style>
+          <a:lnRef idx="2">
+            <a:schemeClr val="accent1">
+              <a:shade val="50000"/>
+            </a:schemeClr>
+          </a:lnRef>
+          <a:fillRef idx="1">
+            <a:schemeClr val="accent1"/>
+          </a:fillRef>
+          <a:effectRef idx="0">
+            <a:schemeClr val="accent1"/>
+          </a:effectRef>
+          <a:fontRef idx="minor">
+            <a:schemeClr val="lt1"/>
+          </a:fontRef>
+        </p:style>
+        <p:txBody>
+          <a:bodyPr rot="0" spcFirstLastPara="0" vertOverflow="overflow" horzOverflow="overflow" vert="horz" wrap="square" lIns="91440" tIns="91440" rIns="91440" bIns="45720" numCol="1" spcCol="0" rtlCol="0" fromWordArt="0" anchor="t" anchorCtr="0" forceAA="0" compatLnSpc="1">
+            <a:prstTxWarp prst="textNoShape">
+              <a:avLst/>
+            </a:prstTxWarp>
+            <a:noAutofit/>
+          </a:bodyPr>
+          <a:lstStyle/>
+          <a:p>
+            <a:pPr algn="ctr"/>
+            <a:r>
+              <a:rPr lang="en-US" sz="1200" dirty="0">
+                <a:solidFill>
+                  <a:srgbClr val="879196"/>
+                </a:solidFill>
+              </a:rPr>
+              <a:t>Data Lake Operations</a:t>
+            </a:r>
+          </a:p>
+        </p:txBody>
+      </p:sp>
+      <p:pic>
+        <p:nvPicPr>
+          <p:cNvPr id="78" name="Graphic 77">
+            <a:extLst>
+              <a:ext uri="{FF2B5EF4-FFF2-40B4-BE49-F238E27FC236}">
+                <a16:creationId xmlns:a16="http://schemas.microsoft.com/office/drawing/2014/main" id="{F33C222C-CB54-9347-ABDA-850C7601015D}"/>
+              </a:ext>
+            </a:extLst>
+          </p:cNvPr>
+          <p:cNvPicPr>
+            <a:picLocks noChangeAspect="1"/>
+          </p:cNvPicPr>
+          <p:nvPr/>
+        </p:nvPicPr>
+        <p:blipFill>
+          <a:blip r:embed="rId14">
+            <a:extLst>
+              <a:ext uri="{96DAC541-7B7A-43D3-8B79-37D633B846F1}">
+                <asvg:svgBlip xmlns:asvg="http://schemas.microsoft.com/office/drawing/2016/SVG/main" r:embed="rId15"/>
+              </a:ext>
+            </a:extLst>
+          </a:blip>
+          <a:stretch>
+            <a:fillRect/>
+          </a:stretch>
+        </p:blipFill>
+        <p:spPr>
+          <a:xfrm>
+            <a:off x="2805797" y="2293213"/>
+            <a:ext cx="833516" cy="833516"/>
+          </a:xfrm>
+          <a:prstGeom prst="rect">
+            <a:avLst/>
+          </a:prstGeom>
+        </p:spPr>
+      </p:pic>
+      <p:sp>
+        <p:nvSpPr>
+          <p:cNvPr id="79" name="TextBox 78">
+            <a:extLst>
+              <a:ext uri="{FF2B5EF4-FFF2-40B4-BE49-F238E27FC236}">
+                <a16:creationId xmlns:a16="http://schemas.microsoft.com/office/drawing/2014/main" id="{EAA2E644-C2D8-EE45-A2C9-71425BD0F56A}"/>
+              </a:ext>
+            </a:extLst>
+          </p:cNvPr>
+          <p:cNvSpPr txBox="1"/>
+          <p:nvPr/>
+        </p:nvSpPr>
+        <p:spPr>
+          <a:xfrm>
+            <a:off x="2708843" y="3213905"/>
+            <a:ext cx="1002197" cy="261610"/>
+          </a:xfrm>
+          <a:prstGeom prst="rect">
+            <a:avLst/>
+          </a:prstGeom>
+          <a:noFill/>
+        </p:spPr>
+        <p:txBody>
+          <a:bodyPr wrap="none" rtlCol="0">
+            <a:spAutoFit/>
+          </a:bodyPr>
+          <a:lstStyle/>
+          <a:p>
+            <a:r>
+              <a:rPr lang="en-US" sz="1100" dirty="0"/>
+              <a:t>Identity Based</a:t>
+            </a:r>
+          </a:p>
+        </p:txBody>
+      </p:sp>
+      <p:grpSp>
+        <p:nvGrpSpPr>
+          <p:cNvPr id="80" name="Group 79">
+            <a:extLst>
+              <a:ext uri="{FF2B5EF4-FFF2-40B4-BE49-F238E27FC236}">
+                <a16:creationId xmlns:a16="http://schemas.microsoft.com/office/drawing/2014/main" id="{F25CC2A6-78FD-AE49-8F1A-FA831AD5D17D}"/>
+              </a:ext>
+            </a:extLst>
+          </p:cNvPr>
+          <p:cNvGrpSpPr/>
+          <p:nvPr/>
+        </p:nvGrpSpPr>
+        <p:grpSpPr>
+          <a:xfrm>
+            <a:off x="5090258" y="2260788"/>
+            <a:ext cx="1925719" cy="1245080"/>
+            <a:chOff x="1351809" y="4618592"/>
+            <a:chExt cx="1072750" cy="743746"/>
+          </a:xfrm>
+        </p:grpSpPr>
+        <p:pic>
+          <p:nvPicPr>
+            <p:cNvPr id="81" name="Graphic 80">
+              <a:extLst>
+                <a:ext uri="{FF2B5EF4-FFF2-40B4-BE49-F238E27FC236}">
+                  <a16:creationId xmlns:a16="http://schemas.microsoft.com/office/drawing/2014/main" id="{674C2DFC-067D-2A42-B4B4-AFA5DA62D181}"/>
+                </a:ext>
+              </a:extLst>
+            </p:cNvPr>
+            <p:cNvPicPr>
+              <a:picLocks noChangeAspect="1"/>
+            </p:cNvPicPr>
+            <p:nvPr/>
+          </p:nvPicPr>
+          <p:blipFill>
+            <a:blip r:embed="rId16">
+              <a:extLst>
+                <a:ext uri="{96DAC541-7B7A-43D3-8B79-37D633B846F1}">
+                  <asvg:svgBlip xmlns:asvg="http://schemas.microsoft.com/office/drawing/2016/SVG/main" r:embed="rId17"/>
+                </a:ext>
+              </a:extLst>
+            </a:blip>
+            <a:stretch>
+              <a:fillRect/>
+            </a:stretch>
+          </p:blipFill>
+          <p:spPr>
+            <a:xfrm>
+              <a:off x="1616310" y="4618592"/>
+              <a:ext cx="571500" cy="590718"/>
+            </a:xfrm>
+            <a:prstGeom prst="rect">
+              <a:avLst/>
+            </a:prstGeom>
+          </p:spPr>
+        </p:pic>
+        <p:sp>
+          <p:nvSpPr>
+            <p:cNvPr id="82" name="TextBox 81">
+              <a:extLst>
+                <a:ext uri="{FF2B5EF4-FFF2-40B4-BE49-F238E27FC236}">
+                  <a16:creationId xmlns:a16="http://schemas.microsoft.com/office/drawing/2014/main" id="{46C9DED1-29C5-824B-8005-ADCE17079FEF}"/>
+                </a:ext>
+              </a:extLst>
+            </p:cNvPr>
+            <p:cNvSpPr txBox="1"/>
+            <p:nvPr/>
+          </p:nvSpPr>
+          <p:spPr>
+            <a:xfrm>
+              <a:off x="1351809" y="5206066"/>
+              <a:ext cx="1072750" cy="156272"/>
+            </a:xfrm>
+            <a:prstGeom prst="rect">
+              <a:avLst/>
+            </a:prstGeom>
+            <a:noFill/>
+          </p:spPr>
+          <p:txBody>
+            <a:bodyPr wrap="square" rtlCol="0">
+              <a:spAutoFit/>
+            </a:bodyPr>
+            <a:lstStyle/>
+            <a:p>
+              <a:pPr algn="ctr"/>
+              <a:r>
+                <a:rPr lang="en-US" sz="1100" dirty="0">
+                  <a:solidFill>
+                    <a:srgbClr val="232F3E"/>
+                  </a:solidFill>
+                </a:rPr>
+                <a:t>Resource/Tag Based</a:t>
+              </a:r>
+            </a:p>
+          </p:txBody>
+        </p:sp>
+      </p:grpSp>
+      <p:sp>
+        <p:nvSpPr>
+          <p:cNvPr id="84" name="TextBox 83">
+            <a:extLst>
+              <a:ext uri="{FF2B5EF4-FFF2-40B4-BE49-F238E27FC236}">
+                <a16:creationId xmlns:a16="http://schemas.microsoft.com/office/drawing/2014/main" id="{BC42BFDF-C584-8C4B-82F7-C78777EF6A76}"/>
+              </a:ext>
+            </a:extLst>
+          </p:cNvPr>
+          <p:cNvSpPr txBox="1"/>
+          <p:nvPr/>
+        </p:nvSpPr>
+        <p:spPr>
+          <a:xfrm>
+            <a:off x="3787146" y="2260788"/>
+            <a:ext cx="835485" cy="1169551"/>
+          </a:xfrm>
+          <a:prstGeom prst="rect">
+            <a:avLst/>
+          </a:prstGeom>
+          <a:noFill/>
+          <a:ln>
+            <a:solidFill>
+              <a:schemeClr val="tx1">
+                <a:lumMod val="95000"/>
+                <a:lumOff val="5000"/>
+              </a:schemeClr>
+            </a:solidFill>
+            <a:prstDash val="sysDot"/>
+          </a:ln>
+        </p:spPr>
+        <p:txBody>
+          <a:bodyPr wrap="none" rtlCol="0">
+            <a:spAutoFit/>
+          </a:bodyPr>
+          <a:lstStyle/>
+          <a:p>
+            <a:r>
+              <a:rPr lang="en-US" sz="1000" dirty="0"/>
+              <a:t>Effect</a:t>
+            </a:r>
+          </a:p>
+          <a:p>
+            <a:r>
+              <a:rPr lang="en-US" sz="1000" dirty="0"/>
+              <a:t> -------------</a:t>
+            </a:r>
+          </a:p>
+          <a:p>
+            <a:r>
+              <a:rPr lang="en-US" sz="1000" dirty="0"/>
+              <a:t>Action</a:t>
+            </a:r>
+          </a:p>
+          <a:p>
+            <a:r>
+              <a:rPr lang="en-US" sz="1000" dirty="0"/>
+              <a:t> -------------</a:t>
+            </a:r>
+          </a:p>
+          <a:p>
+            <a:r>
+              <a:rPr lang="en-US" sz="1000" dirty="0"/>
+              <a:t>    Resource</a:t>
+            </a:r>
+          </a:p>
+          <a:p>
+            <a:r>
+              <a:rPr lang="en-US" sz="1000" dirty="0"/>
+              <a:t>    Condition</a:t>
+            </a:r>
+          </a:p>
+          <a:p>
+            <a:r>
+              <a:rPr lang="en-US" sz="1000" dirty="0"/>
+              <a:t>      -----</a:t>
+            </a:r>
+          </a:p>
+        </p:txBody>
+      </p:sp>
+      <p:sp>
+        <p:nvSpPr>
+          <p:cNvPr id="85" name="Rectangle 84">
+            <a:extLst>
+              <a:ext uri="{FF2B5EF4-FFF2-40B4-BE49-F238E27FC236}">
+                <a16:creationId xmlns:a16="http://schemas.microsoft.com/office/drawing/2014/main" id="{FCC053DF-8F5B-5E4D-B9CE-C642C324B6BF}"/>
+              </a:ext>
+            </a:extLst>
+          </p:cNvPr>
+          <p:cNvSpPr/>
+          <p:nvPr/>
+        </p:nvSpPr>
+        <p:spPr>
+          <a:xfrm>
+            <a:off x="2490631" y="2208616"/>
+            <a:ext cx="2264249" cy="1266899"/>
+          </a:xfrm>
+          <a:prstGeom prst="rect">
+            <a:avLst/>
+          </a:prstGeom>
+          <a:noFill/>
+          <a:ln w="25400">
+            <a:solidFill>
+              <a:schemeClr val="accent2">
+                <a:lumMod val="60000"/>
+                <a:lumOff val="40000"/>
+              </a:schemeClr>
+            </a:solidFill>
+            <a:prstDash val="dash"/>
+          </a:ln>
+        </p:spPr>
+        <p:style>
+          <a:lnRef idx="2">
+            <a:schemeClr val="accent1">
+              <a:shade val="50000"/>
+            </a:schemeClr>
+          </a:lnRef>
+          <a:fillRef idx="1">
+            <a:schemeClr val="accent1"/>
+          </a:fillRef>
+          <a:effectRef idx="0">
+            <a:schemeClr val="accent1"/>
+          </a:effectRef>
+          <a:fontRef idx="minor">
+            <a:schemeClr val="lt1"/>
+          </a:fontRef>
+        </p:style>
+        <p:txBody>
+          <a:bodyPr rot="0" spcFirstLastPara="0" vertOverflow="overflow" horzOverflow="overflow" vert="horz" wrap="square" lIns="91440" tIns="91440" rIns="91440" bIns="45720" numCol="1" spcCol="0" rtlCol="0" fromWordArt="0" anchor="t" anchorCtr="0" forceAA="0" compatLnSpc="1">
+            <a:prstTxWarp prst="textNoShape">
+              <a:avLst/>
+            </a:prstTxWarp>
+            <a:noAutofit/>
+          </a:bodyPr>
+          <a:lstStyle/>
+          <a:p>
+            <a:pPr algn="ctr"/>
+            <a:endParaRPr lang="en-US" sz="1200" dirty="0">
+              <a:solidFill>
+                <a:srgbClr val="879196"/>
+              </a:solidFill>
+            </a:endParaRPr>
+          </a:p>
+        </p:txBody>
+      </p:sp>
+      <p:sp>
+        <p:nvSpPr>
+          <p:cNvPr id="87" name="TextBox 86">
+            <a:extLst>
+              <a:ext uri="{FF2B5EF4-FFF2-40B4-BE49-F238E27FC236}">
+                <a16:creationId xmlns:a16="http://schemas.microsoft.com/office/drawing/2014/main" id="{EA2F0101-1062-8347-9F3F-6BC26DD23D32}"/>
+              </a:ext>
+            </a:extLst>
+          </p:cNvPr>
+          <p:cNvSpPr txBox="1"/>
+          <p:nvPr/>
+        </p:nvSpPr>
+        <p:spPr>
+          <a:xfrm>
+            <a:off x="6646170" y="2285172"/>
+            <a:ext cx="893193" cy="1169551"/>
+          </a:xfrm>
+          <a:prstGeom prst="rect">
+            <a:avLst/>
+          </a:prstGeom>
+          <a:noFill/>
+          <a:ln>
+            <a:solidFill>
+              <a:schemeClr val="tx1">
+                <a:lumMod val="95000"/>
+                <a:lumOff val="5000"/>
+              </a:schemeClr>
+            </a:solidFill>
+            <a:prstDash val="sysDot"/>
+          </a:ln>
+        </p:spPr>
+        <p:txBody>
+          <a:bodyPr wrap="none" rtlCol="0">
+            <a:spAutoFit/>
+          </a:bodyPr>
+          <a:lstStyle/>
+          <a:p>
+            <a:r>
+              <a:rPr lang="en-US" sz="1000" dirty="0"/>
+              <a:t>Effect</a:t>
+            </a:r>
+          </a:p>
+          <a:p>
+            <a:r>
+              <a:rPr lang="en-US" sz="1000" dirty="0"/>
+              <a:t> -------------</a:t>
+            </a:r>
+          </a:p>
+          <a:p>
+            <a:r>
+              <a:rPr lang="en-US" sz="1000" dirty="0"/>
+              <a:t>Action</a:t>
+            </a:r>
+          </a:p>
+          <a:p>
+            <a:r>
+              <a:rPr lang="en-US" sz="1000" dirty="0"/>
+              <a:t> -------------</a:t>
+            </a:r>
+          </a:p>
+          <a:p>
+            <a:r>
+              <a:rPr lang="en-US" sz="1000" dirty="0"/>
+              <a:t>    Principal</a:t>
+            </a:r>
+          </a:p>
+          <a:p>
+            <a:r>
+              <a:rPr lang="en-US" sz="1000" dirty="0"/>
+              <a:t>       Condition</a:t>
+            </a:r>
+          </a:p>
+          <a:p>
+            <a:r>
+              <a:rPr lang="en-US" sz="1000" dirty="0"/>
+              <a:t>      -----</a:t>
+            </a:r>
+          </a:p>
+        </p:txBody>
+      </p:sp>
+      <p:sp>
+        <p:nvSpPr>
+          <p:cNvPr id="88" name="Rectangle 87">
+            <a:extLst>
+              <a:ext uri="{FF2B5EF4-FFF2-40B4-BE49-F238E27FC236}">
+                <a16:creationId xmlns:a16="http://schemas.microsoft.com/office/drawing/2014/main" id="{F6BC7F13-44C2-1246-8729-F3443FE2BDF8}"/>
+              </a:ext>
+            </a:extLst>
+          </p:cNvPr>
+          <p:cNvSpPr/>
+          <p:nvPr/>
+        </p:nvSpPr>
+        <p:spPr>
+          <a:xfrm>
+            <a:off x="5422807" y="2233000"/>
+            <a:ext cx="2264249" cy="1266899"/>
+          </a:xfrm>
+          <a:prstGeom prst="rect">
+            <a:avLst/>
+          </a:prstGeom>
+          <a:noFill/>
+          <a:ln w="25400">
+            <a:solidFill>
+              <a:schemeClr val="accent2">
+                <a:lumMod val="60000"/>
+                <a:lumOff val="40000"/>
+              </a:schemeClr>
+            </a:solidFill>
+            <a:prstDash val="dash"/>
+          </a:ln>
+        </p:spPr>
+        <p:style>
+          <a:lnRef idx="2">
+            <a:schemeClr val="accent1">
+              <a:shade val="50000"/>
+            </a:schemeClr>
+          </a:lnRef>
+          <a:fillRef idx="1">
+            <a:schemeClr val="accent1"/>
+          </a:fillRef>
+          <a:effectRef idx="0">
+            <a:schemeClr val="accent1"/>
+          </a:effectRef>
+          <a:fontRef idx="minor">
+            <a:schemeClr val="lt1"/>
+          </a:fontRef>
+        </p:style>
+        <p:txBody>
+          <a:bodyPr rot="0" spcFirstLastPara="0" vertOverflow="overflow" horzOverflow="overflow" vert="horz" wrap="square" lIns="91440" tIns="91440" rIns="91440" bIns="45720" numCol="1" spcCol="0" rtlCol="0" fromWordArt="0" anchor="t" anchorCtr="0" forceAA="0" compatLnSpc="1">
+            <a:prstTxWarp prst="textNoShape">
+              <a:avLst/>
+            </a:prstTxWarp>
+            <a:noAutofit/>
+          </a:bodyPr>
+          <a:lstStyle/>
+          <a:p>
+            <a:pPr algn="ctr"/>
+            <a:endParaRPr lang="en-US" sz="1200" dirty="0">
+              <a:solidFill>
+                <a:srgbClr val="879196"/>
+              </a:solidFill>
+            </a:endParaRPr>
+          </a:p>
+        </p:txBody>
+      </p:sp>
+      <p:sp>
+        <p:nvSpPr>
+          <p:cNvPr id="94" name="TextBox 93">
+            <a:extLst>
+              <a:ext uri="{FF2B5EF4-FFF2-40B4-BE49-F238E27FC236}">
+                <a16:creationId xmlns:a16="http://schemas.microsoft.com/office/drawing/2014/main" id="{00EE2070-3630-E24E-B3D0-7C1A81EB465D}"/>
+              </a:ext>
+            </a:extLst>
+          </p:cNvPr>
+          <p:cNvSpPr txBox="1"/>
+          <p:nvPr/>
+        </p:nvSpPr>
+        <p:spPr>
+          <a:xfrm>
+            <a:off x="4599741" y="1940388"/>
+            <a:ext cx="1035092" cy="276999"/>
+          </a:xfrm>
+          <a:prstGeom prst="rect">
+            <a:avLst/>
+          </a:prstGeom>
+          <a:noFill/>
+        </p:spPr>
+        <p:txBody>
+          <a:bodyPr wrap="none" rtlCol="0">
+            <a:spAutoFit/>
+          </a:bodyPr>
+          <a:lstStyle/>
+          <a:p>
+            <a:r>
+              <a:rPr lang="en-US" sz="1200" dirty="0">
+                <a:solidFill>
+                  <a:srgbClr val="879196"/>
+                </a:solidFill>
+              </a:rPr>
+              <a:t>Authorization</a:t>
+            </a:r>
+          </a:p>
+        </p:txBody>
+      </p:sp>
+      <p:cxnSp>
+        <p:nvCxnSpPr>
+          <p:cNvPr id="96" name="Elbow Connector 95">
+            <a:extLst>
+              <a:ext uri="{FF2B5EF4-FFF2-40B4-BE49-F238E27FC236}">
+                <a16:creationId xmlns:a16="http://schemas.microsoft.com/office/drawing/2014/main" id="{1115A137-856E-B445-AD95-325C556BCB8A}"/>
+              </a:ext>
+            </a:extLst>
+          </p:cNvPr>
+          <p:cNvCxnSpPr>
+            <a:cxnSpLocks/>
+            <a:stCxn id="67" idx="1"/>
+            <a:endCxn id="75" idx="1"/>
+          </p:cNvCxnSpPr>
+          <p:nvPr/>
+        </p:nvCxnSpPr>
+        <p:spPr>
+          <a:xfrm rot="10800000" flipV="1">
+            <a:off x="2095005" y="2730066"/>
+            <a:ext cx="12700" cy="2378782"/>
+          </a:xfrm>
+          <a:prstGeom prst="bentConnector3">
+            <a:avLst>
+              <a:gd name="adj1" fmla="val 1800000"/>
+            </a:avLst>
+          </a:prstGeom>
+          <a:ln w="3175">
+            <a:solidFill>
+              <a:schemeClr val="tx1"/>
+            </a:solidFill>
+            <a:tailEnd type="arrow"/>
+          </a:ln>
+        </p:spPr>
+        <p:style>
+          <a:lnRef idx="1">
+            <a:schemeClr val="accent1"/>
+          </a:lnRef>
+          <a:fillRef idx="0">
+            <a:schemeClr val="accent1"/>
+          </a:fillRef>
+          <a:effectRef idx="0">
+            <a:schemeClr val="accent1"/>
+          </a:effectRef>
+          <a:fontRef idx="minor">
+            <a:schemeClr val="tx1"/>
+          </a:fontRef>
+        </p:style>
+      </p:cxnSp>
+      <p:sp>
+        <p:nvSpPr>
+          <p:cNvPr id="97" name="Rounded Rectangle 96">
+            <a:extLst>
+              <a:ext uri="{FF2B5EF4-FFF2-40B4-BE49-F238E27FC236}">
+                <a16:creationId xmlns:a16="http://schemas.microsoft.com/office/drawing/2014/main" id="{82D9C0F5-5D27-9A44-987A-E4613D870AC3}"/>
+              </a:ext>
+            </a:extLst>
+          </p:cNvPr>
+          <p:cNvSpPr/>
+          <p:nvPr/>
+        </p:nvSpPr>
+        <p:spPr>
+          <a:xfrm>
+            <a:off x="2324678" y="4315968"/>
+            <a:ext cx="1298077" cy="2029968"/>
+          </a:xfrm>
+          <a:prstGeom prst="roundRect">
+            <a:avLst/>
+          </a:prstGeom>
+          <a:solidFill>
+            <a:schemeClr val="bg1"/>
+          </a:solidFill>
+          <a:ln>
+            <a:solidFill>
+              <a:schemeClr val="accent2">
+                <a:lumMod val="60000"/>
+                <a:lumOff val="40000"/>
+              </a:schemeClr>
+            </a:solidFill>
+            <a:prstDash val="sysDash"/>
+          </a:ln>
+        </p:spPr>
+        <p:style>
+          <a:lnRef idx="2">
+            <a:schemeClr val="accent1">
+              <a:shade val="50000"/>
+            </a:schemeClr>
+          </a:lnRef>
+          <a:fillRef idx="1">
+            <a:schemeClr val="accent1"/>
+          </a:fillRef>
+          <a:effectRef idx="0">
+            <a:schemeClr val="accent1"/>
+          </a:effectRef>
+          <a:fontRef idx="minor">
+            <a:schemeClr val="lt1"/>
+          </a:fontRef>
+        </p:style>
+        <p:txBody>
+          <a:bodyPr rtlCol="0" anchor="ctr"/>
+          <a:lstStyle/>
+          <a:p>
+            <a:pPr algn="ctr"/>
+            <a:endParaRPr lang="en-US"/>
+          </a:p>
+        </p:txBody>
+      </p:sp>
+      <p:sp>
+        <p:nvSpPr>
+          <p:cNvPr id="98" name="Rounded Rectangle 97">
+            <a:extLst>
+              <a:ext uri="{FF2B5EF4-FFF2-40B4-BE49-F238E27FC236}">
+                <a16:creationId xmlns:a16="http://schemas.microsoft.com/office/drawing/2014/main" id="{39CE901D-D069-B649-ABDB-11BD8A0B2C68}"/>
+              </a:ext>
+            </a:extLst>
+          </p:cNvPr>
+          <p:cNvSpPr/>
+          <p:nvPr/>
+        </p:nvSpPr>
+        <p:spPr>
+          <a:xfrm>
+            <a:off x="3808821" y="4294102"/>
+            <a:ext cx="1298077" cy="2029968"/>
+          </a:xfrm>
+          <a:prstGeom prst="roundRect">
+            <a:avLst/>
+          </a:prstGeom>
+          <a:solidFill>
+            <a:schemeClr val="bg1"/>
+          </a:solidFill>
+          <a:ln>
+            <a:solidFill>
+              <a:schemeClr val="accent2">
+                <a:lumMod val="60000"/>
+                <a:lumOff val="40000"/>
+              </a:schemeClr>
+            </a:solidFill>
+            <a:prstDash val="sysDash"/>
+          </a:ln>
+        </p:spPr>
+        <p:style>
+          <a:lnRef idx="2">
+            <a:schemeClr val="accent1">
+              <a:shade val="50000"/>
+            </a:schemeClr>
+          </a:lnRef>
+          <a:fillRef idx="1">
+            <a:schemeClr val="accent1"/>
+          </a:fillRef>
+          <a:effectRef idx="0">
+            <a:schemeClr val="accent1"/>
+          </a:effectRef>
+          <a:fontRef idx="minor">
+            <a:schemeClr val="lt1"/>
+          </a:fontRef>
+        </p:style>
+        <p:txBody>
+          <a:bodyPr rtlCol="0" anchor="ctr"/>
+          <a:lstStyle/>
+          <a:p>
+            <a:pPr algn="ctr"/>
+            <a:endParaRPr lang="en-US" dirty="0"/>
+          </a:p>
+        </p:txBody>
+      </p:sp>
+      <p:pic>
+        <p:nvPicPr>
+          <p:cNvPr id="99" name="Graphic 98">
+            <a:extLst>
+              <a:ext uri="{FF2B5EF4-FFF2-40B4-BE49-F238E27FC236}">
+                <a16:creationId xmlns:a16="http://schemas.microsoft.com/office/drawing/2014/main" id="{77BD9834-CD09-344B-9452-27406000C3DC}"/>
+              </a:ext>
+            </a:extLst>
+          </p:cNvPr>
+          <p:cNvPicPr>
+            <a:picLocks noChangeAspect="1"/>
+          </p:cNvPicPr>
+          <p:nvPr/>
+        </p:nvPicPr>
+        <p:blipFill>
+          <a:blip r:embed="rId18">
+            <a:extLst>
+              <a:ext uri="{96DAC541-7B7A-43D3-8B79-37D633B846F1}">
+                <asvg:svgBlip xmlns:asvg="http://schemas.microsoft.com/office/drawing/2016/SVG/main" r:embed="rId19"/>
+              </a:ext>
+            </a:extLst>
+          </a:blip>
+          <a:stretch>
+            <a:fillRect/>
+          </a:stretch>
+        </p:blipFill>
+        <p:spPr>
+          <a:xfrm>
+            <a:off x="2138612" y="4187952"/>
+            <a:ext cx="459245" cy="459245"/>
+          </a:xfrm>
+          <a:prstGeom prst="rect">
+            <a:avLst/>
+          </a:prstGeom>
+        </p:spPr>
+      </p:pic>
+      <p:pic>
+        <p:nvPicPr>
+          <p:cNvPr id="101" name="Graphic 100">
+            <a:extLst>
+              <a:ext uri="{FF2B5EF4-FFF2-40B4-BE49-F238E27FC236}">
+                <a16:creationId xmlns:a16="http://schemas.microsoft.com/office/drawing/2014/main" id="{D27048B1-7987-5140-AA47-B01445BB6337}"/>
+              </a:ext>
+            </a:extLst>
+          </p:cNvPr>
+          <p:cNvPicPr>
+            <a:picLocks noChangeAspect="1"/>
+          </p:cNvPicPr>
+          <p:nvPr/>
+        </p:nvPicPr>
+        <p:blipFill>
+          <a:blip r:embed="rId20">
+            <a:extLst>
+              <a:ext uri="{96DAC541-7B7A-43D3-8B79-37D633B846F1}">
+                <asvg:svgBlip xmlns:asvg="http://schemas.microsoft.com/office/drawing/2016/SVG/main" r:embed="rId21"/>
+              </a:ext>
+            </a:extLst>
+          </a:blip>
+          <a:stretch>
+            <a:fillRect/>
+          </a:stretch>
+        </p:blipFill>
+        <p:spPr>
+          <a:xfrm>
+            <a:off x="3675889" y="4172517"/>
+            <a:ext cx="474680" cy="474680"/>
+          </a:xfrm>
+          <a:prstGeom prst="rect">
+            <a:avLst/>
+          </a:prstGeom>
+        </p:spPr>
+      </p:pic>
+      <p:sp>
+        <p:nvSpPr>
+          <p:cNvPr id="103" name="TextBox 102">
+            <a:extLst>
+              <a:ext uri="{FF2B5EF4-FFF2-40B4-BE49-F238E27FC236}">
+                <a16:creationId xmlns:a16="http://schemas.microsoft.com/office/drawing/2014/main" id="{564D23AD-1D3C-8148-8755-E940A053149E}"/>
+              </a:ext>
+            </a:extLst>
+          </p:cNvPr>
+          <p:cNvSpPr txBox="1"/>
+          <p:nvPr/>
+        </p:nvSpPr>
+        <p:spPr>
+          <a:xfrm>
+            <a:off x="2547994" y="4755668"/>
+            <a:ext cx="823431" cy="1569660"/>
+          </a:xfrm>
+          <a:prstGeom prst="rect">
+            <a:avLst/>
+          </a:prstGeom>
+          <a:noFill/>
+        </p:spPr>
+        <p:txBody>
+          <a:bodyPr wrap="none" rtlCol="0">
+            <a:spAutoFit/>
+          </a:bodyPr>
+          <a:lstStyle/>
+          <a:p>
+            <a:r>
+              <a:rPr lang="en-US" sz="1200" dirty="0" err="1"/>
+              <a:t>PutObject</a:t>
+            </a:r>
+            <a:endParaRPr lang="en-US" sz="1200" dirty="0"/>
+          </a:p>
+          <a:p>
+            <a:endParaRPr lang="en-US" sz="1200" dirty="0"/>
+          </a:p>
+          <a:p>
+            <a:r>
+              <a:rPr lang="en-US" sz="1200" dirty="0" err="1"/>
+              <a:t>GetObject</a:t>
+            </a:r>
+            <a:endParaRPr lang="en-US" sz="1200" dirty="0"/>
+          </a:p>
+          <a:p>
+            <a:endParaRPr lang="en-US" sz="1200" dirty="0"/>
+          </a:p>
+          <a:p>
+            <a:r>
+              <a:rPr lang="en-US" sz="1200" dirty="0" err="1"/>
+              <a:t>ListBucket</a:t>
+            </a:r>
+            <a:endParaRPr lang="en-US" sz="1200" dirty="0"/>
+          </a:p>
+          <a:p>
+            <a:r>
+              <a:rPr lang="en-US" sz="1200" dirty="0"/>
+              <a:t>…….</a:t>
+            </a:r>
+          </a:p>
+          <a:p>
+            <a:r>
+              <a:rPr lang="en-US" sz="1200" dirty="0"/>
+              <a:t>…….</a:t>
+            </a:r>
+          </a:p>
+          <a:p>
+            <a:r>
+              <a:rPr lang="en-US" sz="1200" dirty="0"/>
+              <a:t>…….</a:t>
+            </a:r>
+          </a:p>
+        </p:txBody>
+      </p:sp>
+      <p:sp>
+        <p:nvSpPr>
+          <p:cNvPr id="104" name="TextBox 103">
+            <a:extLst>
+              <a:ext uri="{FF2B5EF4-FFF2-40B4-BE49-F238E27FC236}">
+                <a16:creationId xmlns:a16="http://schemas.microsoft.com/office/drawing/2014/main" id="{BDE9B201-A376-7F4B-B687-27031A6EE561}"/>
+              </a:ext>
+            </a:extLst>
+          </p:cNvPr>
+          <p:cNvSpPr txBox="1"/>
+          <p:nvPr/>
+        </p:nvSpPr>
+        <p:spPr>
+          <a:xfrm>
+            <a:off x="4021532" y="4776276"/>
+            <a:ext cx="863826" cy="1569660"/>
+          </a:xfrm>
+          <a:prstGeom prst="rect">
+            <a:avLst/>
+          </a:prstGeom>
+          <a:noFill/>
+        </p:spPr>
+        <p:txBody>
+          <a:bodyPr wrap="none" rtlCol="0">
+            <a:spAutoFit/>
+          </a:bodyPr>
+          <a:lstStyle/>
+          <a:p>
+            <a:r>
+              <a:rPr lang="en-US" sz="1200" dirty="0" err="1"/>
+              <a:t>EnableKey</a:t>
+            </a:r>
+            <a:endParaRPr lang="en-US" sz="1200" dirty="0"/>
+          </a:p>
+          <a:p>
+            <a:endParaRPr lang="en-US" sz="1200" dirty="0"/>
+          </a:p>
+          <a:p>
+            <a:r>
+              <a:rPr lang="en-US" sz="1200" dirty="0" err="1"/>
+              <a:t>DisableKey</a:t>
+            </a:r>
+            <a:endParaRPr lang="en-US" sz="1200" dirty="0"/>
+          </a:p>
+          <a:p>
+            <a:endParaRPr lang="en-US" sz="1200" dirty="0"/>
+          </a:p>
+          <a:p>
+            <a:r>
+              <a:rPr lang="en-US" sz="1200" dirty="0" err="1"/>
+              <a:t>ListKeys</a:t>
+            </a:r>
+            <a:endParaRPr lang="en-US" sz="1200" dirty="0"/>
+          </a:p>
+          <a:p>
+            <a:r>
+              <a:rPr lang="en-US" sz="1200" dirty="0"/>
+              <a:t>…….</a:t>
+            </a:r>
+          </a:p>
+          <a:p>
+            <a:r>
+              <a:rPr lang="en-US" sz="1200" dirty="0"/>
+              <a:t>…….</a:t>
+            </a:r>
+          </a:p>
+          <a:p>
+            <a:r>
+              <a:rPr lang="en-US" sz="1200" dirty="0"/>
+              <a:t>…….</a:t>
+            </a:r>
+          </a:p>
+        </p:txBody>
+      </p:sp>
+      <p:sp>
+        <p:nvSpPr>
+          <p:cNvPr id="106" name="Rectangle 105">
+            <a:extLst>
+              <a:ext uri="{FF2B5EF4-FFF2-40B4-BE49-F238E27FC236}">
+                <a16:creationId xmlns:a16="http://schemas.microsoft.com/office/drawing/2014/main" id="{F6F0835A-5A2E-8A43-AE58-05A7AE084ED0}"/>
+              </a:ext>
+            </a:extLst>
+          </p:cNvPr>
+          <p:cNvSpPr/>
+          <p:nvPr/>
+        </p:nvSpPr>
+        <p:spPr>
+          <a:xfrm>
+            <a:off x="6287258" y="3734950"/>
+            <a:ext cx="3927414" cy="2730209"/>
+          </a:xfrm>
+          <a:prstGeom prst="rect">
+            <a:avLst/>
+          </a:prstGeom>
+          <a:noFill/>
+          <a:ln w="25400">
+            <a:solidFill>
+              <a:schemeClr val="bg1">
+                <a:lumMod val="50000"/>
+              </a:schemeClr>
+            </a:solidFill>
+            <a:prstDash val="dash"/>
+          </a:ln>
+        </p:spPr>
+        <p:style>
+          <a:lnRef idx="2">
+            <a:schemeClr val="accent1">
+              <a:shade val="50000"/>
+            </a:schemeClr>
+          </a:lnRef>
+          <a:fillRef idx="1">
+            <a:schemeClr val="accent1"/>
+          </a:fillRef>
+          <a:effectRef idx="0">
+            <a:schemeClr val="accent1"/>
+          </a:effectRef>
+          <a:fontRef idx="minor">
+            <a:schemeClr val="lt1"/>
+          </a:fontRef>
+        </p:style>
+        <p:txBody>
+          <a:bodyPr rot="0" spcFirstLastPara="0" vertOverflow="overflow" horzOverflow="overflow" vert="horz" wrap="square" lIns="91440" tIns="91440" rIns="91440" bIns="45720" numCol="1" spcCol="0" rtlCol="0" fromWordArt="0" anchor="t" anchorCtr="0" forceAA="0" compatLnSpc="1">
+            <a:prstTxWarp prst="textNoShape">
+              <a:avLst/>
+            </a:prstTxWarp>
+            <a:noAutofit/>
+          </a:bodyPr>
+          <a:lstStyle/>
+          <a:p>
+            <a:pPr algn="ctr"/>
+            <a:r>
+              <a:rPr lang="en-US" sz="1200" dirty="0">
+                <a:solidFill>
+                  <a:srgbClr val="879196"/>
+                </a:solidFill>
+              </a:rPr>
+              <a:t>Data Lake Resources</a:t>
+            </a:r>
+          </a:p>
+        </p:txBody>
+      </p:sp>
+      <p:cxnSp>
+        <p:nvCxnSpPr>
+          <p:cNvPr id="108" name="Straight Arrow Connector 107">
+            <a:extLst>
+              <a:ext uri="{FF2B5EF4-FFF2-40B4-BE49-F238E27FC236}">
+                <a16:creationId xmlns:a16="http://schemas.microsoft.com/office/drawing/2014/main" id="{A2B8E64B-B4C6-B34A-8223-D1BA36E5B33A}"/>
+              </a:ext>
+            </a:extLst>
+          </p:cNvPr>
+          <p:cNvCxnSpPr>
+            <a:cxnSpLocks/>
+            <a:stCxn id="75" idx="3"/>
+            <a:endCxn id="106" idx="1"/>
+          </p:cNvCxnSpPr>
+          <p:nvPr/>
+        </p:nvCxnSpPr>
+        <p:spPr>
+          <a:xfrm flipV="1">
+            <a:off x="5373860" y="5100055"/>
+            <a:ext cx="913398" cy="8793"/>
+          </a:xfrm>
+          <a:prstGeom prst="straightConnector1">
+            <a:avLst/>
+          </a:prstGeom>
+          <a:ln w="3175">
+            <a:solidFill>
+              <a:schemeClr val="tx1"/>
+            </a:solidFill>
+            <a:tailEnd type="arrow"/>
+          </a:ln>
+        </p:spPr>
+        <p:style>
+          <a:lnRef idx="1">
+            <a:schemeClr val="accent1"/>
+          </a:lnRef>
+          <a:fillRef idx="0">
+            <a:schemeClr val="accent1"/>
+          </a:fillRef>
+          <a:effectRef idx="0">
+            <a:schemeClr val="accent1"/>
+          </a:effectRef>
+          <a:fontRef idx="minor">
+            <a:schemeClr val="tx1"/>
+          </a:fontRef>
+        </p:style>
+      </p:cxnSp>
+      <p:grpSp>
+        <p:nvGrpSpPr>
+          <p:cNvPr id="110" name="Group 109">
+            <a:extLst>
+              <a:ext uri="{FF2B5EF4-FFF2-40B4-BE49-F238E27FC236}">
+                <a16:creationId xmlns:a16="http://schemas.microsoft.com/office/drawing/2014/main" id="{5FF6B395-B234-B644-A116-7569D2111C5A}"/>
+              </a:ext>
+            </a:extLst>
+          </p:cNvPr>
+          <p:cNvGrpSpPr/>
+          <p:nvPr/>
+        </p:nvGrpSpPr>
+        <p:grpSpPr>
+          <a:xfrm>
+            <a:off x="8339328" y="5342617"/>
+            <a:ext cx="1344108" cy="872980"/>
+            <a:chOff x="1380768" y="2650270"/>
+            <a:chExt cx="1344108" cy="872980"/>
+          </a:xfrm>
+        </p:grpSpPr>
+        <p:pic>
+          <p:nvPicPr>
+            <p:cNvPr id="111" name="Graphic 110">
+              <a:extLst>
+                <a:ext uri="{FF2B5EF4-FFF2-40B4-BE49-F238E27FC236}">
+                  <a16:creationId xmlns:a16="http://schemas.microsoft.com/office/drawing/2014/main" id="{A83BD174-6C89-C344-90E2-A013D083E2AD}"/>
+                </a:ext>
+              </a:extLst>
+            </p:cNvPr>
+            <p:cNvPicPr>
+              <a:picLocks noChangeAspect="1"/>
+            </p:cNvPicPr>
+            <p:nvPr/>
+          </p:nvPicPr>
+          <p:blipFill>
+            <a:blip r:embed="rId20">
+              <a:extLst>
+                <a:ext uri="{96DAC541-7B7A-43D3-8B79-37D633B846F1}">
+                  <asvg:svgBlip xmlns:asvg="http://schemas.microsoft.com/office/drawing/2016/SVG/main" r:embed="rId21"/>
+                </a:ext>
+              </a:extLst>
+            </a:blip>
+            <a:stretch>
+              <a:fillRect/>
+            </a:stretch>
+          </p:blipFill>
+          <p:spPr>
+            <a:xfrm>
+              <a:off x="1730715" y="2650270"/>
+              <a:ext cx="571500" cy="571500"/>
+            </a:xfrm>
+            <a:prstGeom prst="rect">
+              <a:avLst/>
+            </a:prstGeom>
+          </p:spPr>
+        </p:pic>
+        <p:sp>
+          <p:nvSpPr>
+            <p:cNvPr id="112" name="TextBox 111">
+              <a:extLst>
+                <a:ext uri="{FF2B5EF4-FFF2-40B4-BE49-F238E27FC236}">
+                  <a16:creationId xmlns:a16="http://schemas.microsoft.com/office/drawing/2014/main" id="{DA4D5A9E-30D3-584B-98EC-C9E55CFDF60A}"/>
+                </a:ext>
+              </a:extLst>
+            </p:cNvPr>
+            <p:cNvSpPr txBox="1"/>
+            <p:nvPr/>
+          </p:nvSpPr>
+          <p:spPr>
+            <a:xfrm>
+              <a:off x="1380768" y="3261640"/>
+              <a:ext cx="1344108" cy="261610"/>
+            </a:xfrm>
+            <a:prstGeom prst="rect">
+              <a:avLst/>
+            </a:prstGeom>
+            <a:noFill/>
+          </p:spPr>
+          <p:txBody>
+            <a:bodyPr wrap="square" rtlCol="0">
+              <a:spAutoFit/>
+            </a:bodyPr>
+            <a:lstStyle/>
+            <a:p>
+              <a:pPr algn="ctr"/>
+              <a:r>
+                <a:rPr lang="en-US" sz="1100" dirty="0">
+                  <a:solidFill>
+                    <a:srgbClr val="232F3E"/>
+                  </a:solidFill>
+                </a:rPr>
+                <a:t>Data encryption key</a:t>
+              </a:r>
+            </a:p>
+          </p:txBody>
+        </p:sp>
+      </p:grpSp>
+      <p:grpSp>
+        <p:nvGrpSpPr>
+          <p:cNvPr id="113" name="Group 112">
+            <a:extLst>
+              <a:ext uri="{FF2B5EF4-FFF2-40B4-BE49-F238E27FC236}">
+                <a16:creationId xmlns:a16="http://schemas.microsoft.com/office/drawing/2014/main" id="{3A1475CB-7265-7C4F-A977-6ADBCA2F2C7A}"/>
+              </a:ext>
+            </a:extLst>
+          </p:cNvPr>
+          <p:cNvGrpSpPr/>
+          <p:nvPr/>
+        </p:nvGrpSpPr>
+        <p:grpSpPr>
+          <a:xfrm>
+            <a:off x="7403252" y="5343380"/>
+            <a:ext cx="1072750" cy="1042256"/>
+            <a:chOff x="2303050" y="2631982"/>
+            <a:chExt cx="1072750" cy="1042256"/>
+          </a:xfrm>
+        </p:grpSpPr>
+        <p:pic>
+          <p:nvPicPr>
+            <p:cNvPr id="114" name="Graphic 113">
+              <a:extLst>
+                <a:ext uri="{FF2B5EF4-FFF2-40B4-BE49-F238E27FC236}">
+                  <a16:creationId xmlns:a16="http://schemas.microsoft.com/office/drawing/2014/main" id="{84399C56-A758-8247-BADD-A103F420EB2D}"/>
+                </a:ext>
+              </a:extLst>
+            </p:cNvPr>
+            <p:cNvPicPr>
+              <a:picLocks noChangeAspect="1"/>
+            </p:cNvPicPr>
+            <p:nvPr/>
+          </p:nvPicPr>
+          <p:blipFill>
+            <a:blip r:embed="rId22">
+              <a:extLst>
+                <a:ext uri="{96DAC541-7B7A-43D3-8B79-37D633B846F1}">
+                  <asvg:svgBlip xmlns:asvg="http://schemas.microsoft.com/office/drawing/2016/SVG/main" r:embed="rId23"/>
+                </a:ext>
+              </a:extLst>
+            </a:blip>
+            <a:stretch>
+              <a:fillRect/>
+            </a:stretch>
+          </p:blipFill>
+          <p:spPr>
+            <a:xfrm>
+              <a:off x="2553675" y="2631982"/>
+              <a:ext cx="571500" cy="571500"/>
+            </a:xfrm>
+            <a:prstGeom prst="rect">
+              <a:avLst/>
+            </a:prstGeom>
+          </p:spPr>
+        </p:pic>
+        <p:sp>
+          <p:nvSpPr>
+            <p:cNvPr id="115" name="TextBox 114">
+              <a:extLst>
+                <a:ext uri="{FF2B5EF4-FFF2-40B4-BE49-F238E27FC236}">
+                  <a16:creationId xmlns:a16="http://schemas.microsoft.com/office/drawing/2014/main" id="{B5247CA9-43BB-DB4E-A26D-13BED2103B8B}"/>
+                </a:ext>
+              </a:extLst>
+            </p:cNvPr>
+            <p:cNvSpPr txBox="1"/>
+            <p:nvPr/>
+          </p:nvSpPr>
+          <p:spPr>
+            <a:xfrm>
+              <a:off x="2303050" y="3243351"/>
+              <a:ext cx="1072750" cy="430887"/>
+            </a:xfrm>
+            <a:prstGeom prst="rect">
+              <a:avLst/>
+            </a:prstGeom>
+            <a:noFill/>
+          </p:spPr>
+          <p:txBody>
+            <a:bodyPr wrap="square" rtlCol="0">
+              <a:spAutoFit/>
+            </a:bodyPr>
+            <a:lstStyle/>
+            <a:p>
+              <a:pPr algn="ctr"/>
+              <a:r>
+                <a:rPr lang="en-US" sz="1100" dirty="0">
+                  <a:solidFill>
+                    <a:srgbClr val="232F3E"/>
+                  </a:solidFill>
+                </a:rPr>
+                <a:t>Encrypted data</a:t>
+              </a:r>
+            </a:p>
+          </p:txBody>
+        </p:sp>
+      </p:grpSp>
+      <p:grpSp>
+        <p:nvGrpSpPr>
+          <p:cNvPr id="116" name="Group 115">
+            <a:extLst>
+              <a:ext uri="{FF2B5EF4-FFF2-40B4-BE49-F238E27FC236}">
+                <a16:creationId xmlns:a16="http://schemas.microsoft.com/office/drawing/2014/main" id="{7FF6BE86-E727-B646-907A-4C932E4AF60C}"/>
+              </a:ext>
+            </a:extLst>
+          </p:cNvPr>
+          <p:cNvGrpSpPr/>
+          <p:nvPr/>
+        </p:nvGrpSpPr>
+        <p:grpSpPr>
+          <a:xfrm>
+            <a:off x="6912937" y="4265242"/>
+            <a:ext cx="1072750" cy="878080"/>
+            <a:chOff x="255233" y="2534640"/>
+            <a:chExt cx="1072750" cy="878080"/>
+          </a:xfrm>
+        </p:grpSpPr>
+        <p:pic>
+          <p:nvPicPr>
+            <p:cNvPr id="117" name="Graphic 116">
+              <a:extLst>
+                <a:ext uri="{FF2B5EF4-FFF2-40B4-BE49-F238E27FC236}">
+                  <a16:creationId xmlns:a16="http://schemas.microsoft.com/office/drawing/2014/main" id="{073985C2-92FB-0D42-A9A7-65A8B3435E5C}"/>
+                </a:ext>
+              </a:extLst>
+            </p:cNvPr>
+            <p:cNvPicPr>
+              <a:picLocks noChangeAspect="1"/>
+            </p:cNvPicPr>
+            <p:nvPr/>
+          </p:nvPicPr>
+          <p:blipFill>
+            <a:blip r:embed="rId24">
+              <a:extLst>
+                <a:ext uri="{96DAC541-7B7A-43D3-8B79-37D633B846F1}">
+                  <asvg:svgBlip xmlns:asvg="http://schemas.microsoft.com/office/drawing/2016/SVG/main" r:embed="rId25"/>
+                </a:ext>
+              </a:extLst>
+            </a:blip>
+            <a:stretch>
+              <a:fillRect/>
+            </a:stretch>
+          </p:blipFill>
+          <p:spPr>
+            <a:xfrm>
+              <a:off x="505858" y="2534640"/>
+              <a:ext cx="571500" cy="571500"/>
+            </a:xfrm>
+            <a:prstGeom prst="rect">
+              <a:avLst/>
+            </a:prstGeom>
+          </p:spPr>
+        </p:pic>
+        <p:sp>
+          <p:nvSpPr>
+            <p:cNvPr id="118" name="TextBox 117">
+              <a:extLst>
+                <a:ext uri="{FF2B5EF4-FFF2-40B4-BE49-F238E27FC236}">
+                  <a16:creationId xmlns:a16="http://schemas.microsoft.com/office/drawing/2014/main" id="{9E2E00DF-B103-D54B-8045-82FD1483D181}"/>
+                </a:ext>
+              </a:extLst>
+            </p:cNvPr>
+            <p:cNvSpPr txBox="1"/>
+            <p:nvPr/>
+          </p:nvSpPr>
+          <p:spPr>
+            <a:xfrm>
+              <a:off x="255233" y="3151110"/>
+              <a:ext cx="1072750" cy="261610"/>
+            </a:xfrm>
+            <a:prstGeom prst="rect">
+              <a:avLst/>
+            </a:prstGeom>
+            <a:noFill/>
+          </p:spPr>
+          <p:txBody>
+            <a:bodyPr wrap="square" rtlCol="0">
+              <a:spAutoFit/>
+            </a:bodyPr>
+            <a:lstStyle/>
+            <a:p>
+              <a:pPr algn="ctr"/>
+              <a:r>
+                <a:rPr lang="en-US" sz="1100" dirty="0">
+                  <a:solidFill>
+                    <a:srgbClr val="232F3E"/>
+                  </a:solidFill>
+                </a:rPr>
+                <a:t>Bucket</a:t>
+              </a:r>
+            </a:p>
+          </p:txBody>
+        </p:sp>
+      </p:grpSp>
+      <p:grpSp>
+        <p:nvGrpSpPr>
+          <p:cNvPr id="119" name="Group 118">
+            <a:extLst>
+              <a:ext uri="{FF2B5EF4-FFF2-40B4-BE49-F238E27FC236}">
+                <a16:creationId xmlns:a16="http://schemas.microsoft.com/office/drawing/2014/main" id="{E3DD05C0-CE1A-DC4D-87CF-0EBAF54FA8F6}"/>
+              </a:ext>
+            </a:extLst>
+          </p:cNvPr>
+          <p:cNvGrpSpPr/>
+          <p:nvPr/>
+        </p:nvGrpSpPr>
+        <p:grpSpPr>
+          <a:xfrm>
+            <a:off x="7840925" y="4251725"/>
+            <a:ext cx="1245209" cy="886496"/>
+            <a:chOff x="229078" y="3486651"/>
+            <a:chExt cx="1245209" cy="886496"/>
+          </a:xfrm>
+        </p:grpSpPr>
+        <p:pic>
+          <p:nvPicPr>
+            <p:cNvPr id="120" name="Graphic 119">
+              <a:extLst>
+                <a:ext uri="{FF2B5EF4-FFF2-40B4-BE49-F238E27FC236}">
+                  <a16:creationId xmlns:a16="http://schemas.microsoft.com/office/drawing/2014/main" id="{C1AF8DE2-3687-C843-AA5A-F13D0F28430D}"/>
+                </a:ext>
+              </a:extLst>
+            </p:cNvPr>
+            <p:cNvPicPr>
+              <a:picLocks noChangeAspect="1"/>
+            </p:cNvPicPr>
+            <p:nvPr/>
+          </p:nvPicPr>
+          <p:blipFill>
+            <a:blip r:embed="rId18">
+              <a:extLst>
+                <a:ext uri="{96DAC541-7B7A-43D3-8B79-37D633B846F1}">
+                  <asvg:svgBlip xmlns:asvg="http://schemas.microsoft.com/office/drawing/2016/SVG/main" r:embed="rId19"/>
+                </a:ext>
+              </a:extLst>
+            </a:blip>
+            <a:stretch>
+              <a:fillRect/>
+            </a:stretch>
+          </p:blipFill>
+          <p:spPr>
+            <a:xfrm>
+              <a:off x="505858" y="3486651"/>
+              <a:ext cx="571500" cy="571500"/>
+            </a:xfrm>
+            <a:prstGeom prst="rect">
+              <a:avLst/>
+            </a:prstGeom>
+          </p:spPr>
+        </p:pic>
+        <p:sp>
+          <p:nvSpPr>
+            <p:cNvPr id="121" name="TextBox 120">
+              <a:extLst>
+                <a:ext uri="{FF2B5EF4-FFF2-40B4-BE49-F238E27FC236}">
+                  <a16:creationId xmlns:a16="http://schemas.microsoft.com/office/drawing/2014/main" id="{A325C141-B5BF-B947-BEE3-3C61C527C192}"/>
+                </a:ext>
+              </a:extLst>
+            </p:cNvPr>
+            <p:cNvSpPr txBox="1"/>
+            <p:nvPr/>
+          </p:nvSpPr>
+          <p:spPr>
+            <a:xfrm>
+              <a:off x="229078" y="4111537"/>
+              <a:ext cx="1245209" cy="261610"/>
+            </a:xfrm>
+            <a:prstGeom prst="rect">
+              <a:avLst/>
+            </a:prstGeom>
+            <a:noFill/>
+          </p:spPr>
+          <p:txBody>
+            <a:bodyPr wrap="square" rtlCol="0">
+              <a:spAutoFit/>
+            </a:bodyPr>
+            <a:lstStyle/>
+            <a:p>
+              <a:pPr algn="ctr"/>
+              <a:r>
+                <a:rPr lang="en-US" sz="1100" dirty="0">
+                  <a:solidFill>
+                    <a:srgbClr val="232F3E"/>
+                  </a:solidFill>
+                </a:rPr>
+                <a:t>Bucket &amp; objects</a:t>
+              </a:r>
+            </a:p>
+          </p:txBody>
+        </p:sp>
+      </p:grpSp>
+      <p:grpSp>
+        <p:nvGrpSpPr>
+          <p:cNvPr id="122" name="Group 121">
+            <a:extLst>
+              <a:ext uri="{FF2B5EF4-FFF2-40B4-BE49-F238E27FC236}">
+                <a16:creationId xmlns:a16="http://schemas.microsoft.com/office/drawing/2014/main" id="{B44025FA-02E5-F44A-ACC1-753EEDDF4E44}"/>
+              </a:ext>
+            </a:extLst>
+          </p:cNvPr>
+          <p:cNvGrpSpPr/>
+          <p:nvPr/>
+        </p:nvGrpSpPr>
+        <p:grpSpPr>
+          <a:xfrm>
+            <a:off x="8772426" y="4251725"/>
+            <a:ext cx="1072750" cy="878080"/>
+            <a:chOff x="255233" y="4618592"/>
+            <a:chExt cx="1072750" cy="878080"/>
+          </a:xfrm>
+        </p:grpSpPr>
+        <p:pic>
+          <p:nvPicPr>
+            <p:cNvPr id="123" name="Graphic 122">
+              <a:extLst>
+                <a:ext uri="{FF2B5EF4-FFF2-40B4-BE49-F238E27FC236}">
+                  <a16:creationId xmlns:a16="http://schemas.microsoft.com/office/drawing/2014/main" id="{A06A625B-1949-7646-BC67-D513A03A56E8}"/>
+                </a:ext>
+              </a:extLst>
+            </p:cNvPr>
+            <p:cNvPicPr>
+              <a:picLocks noChangeAspect="1"/>
+            </p:cNvPicPr>
+            <p:nvPr/>
+          </p:nvPicPr>
+          <p:blipFill>
+            <a:blip r:embed="rId16">
+              <a:extLst>
+                <a:ext uri="{96DAC541-7B7A-43D3-8B79-37D633B846F1}">
+                  <asvg:svgBlip xmlns:asvg="http://schemas.microsoft.com/office/drawing/2016/SVG/main" r:embed="rId17"/>
+                </a:ext>
+              </a:extLst>
+            </a:blip>
+            <a:stretch>
+              <a:fillRect/>
+            </a:stretch>
+          </p:blipFill>
+          <p:spPr>
+            <a:xfrm>
+              <a:off x="505858" y="4618592"/>
+              <a:ext cx="571500" cy="571500"/>
+            </a:xfrm>
+            <a:prstGeom prst="rect">
+              <a:avLst/>
+            </a:prstGeom>
+          </p:spPr>
+        </p:pic>
+        <p:sp>
+          <p:nvSpPr>
+            <p:cNvPr id="124" name="TextBox 123">
+              <a:extLst>
+                <a:ext uri="{FF2B5EF4-FFF2-40B4-BE49-F238E27FC236}">
+                  <a16:creationId xmlns:a16="http://schemas.microsoft.com/office/drawing/2014/main" id="{2511C6E0-B93C-0646-82A9-A11433A2F3AA}"/>
+                </a:ext>
+              </a:extLst>
+            </p:cNvPr>
+            <p:cNvSpPr txBox="1"/>
+            <p:nvPr/>
+          </p:nvSpPr>
+          <p:spPr>
+            <a:xfrm>
+              <a:off x="255233" y="5235062"/>
+              <a:ext cx="1072750" cy="261610"/>
+            </a:xfrm>
+            <a:prstGeom prst="rect">
+              <a:avLst/>
+            </a:prstGeom>
+            <a:noFill/>
+          </p:spPr>
+          <p:txBody>
+            <a:bodyPr wrap="square" rtlCol="0">
+              <a:spAutoFit/>
+            </a:bodyPr>
+            <a:lstStyle/>
+            <a:p>
+              <a:pPr algn="ctr"/>
+              <a:r>
+                <a:rPr lang="en-US" sz="1100" dirty="0">
+                  <a:solidFill>
+                    <a:srgbClr val="232F3E"/>
+                  </a:solidFill>
+                </a:rPr>
+                <a:t>Object</a:t>
+              </a:r>
+            </a:p>
+          </p:txBody>
+        </p:sp>
+      </p:grpSp>
+      <p:sp>
+        <p:nvSpPr>
+          <p:cNvPr id="125" name="Rectangle 124">
+            <a:extLst>
+              <a:ext uri="{FF2B5EF4-FFF2-40B4-BE49-F238E27FC236}">
+                <a16:creationId xmlns:a16="http://schemas.microsoft.com/office/drawing/2014/main" id="{F3EF4ADD-DD6A-1046-84E6-7D73049B5BFB}"/>
+              </a:ext>
+            </a:extLst>
+          </p:cNvPr>
+          <p:cNvSpPr/>
+          <p:nvPr/>
+        </p:nvSpPr>
+        <p:spPr>
+          <a:xfrm>
+            <a:off x="6705082" y="4053826"/>
+            <a:ext cx="3121806" cy="1046229"/>
+          </a:xfrm>
+          <a:prstGeom prst="rect">
+            <a:avLst/>
+          </a:prstGeom>
+          <a:noFill/>
+          <a:ln w="25400">
+            <a:solidFill>
+              <a:schemeClr val="accent2">
+                <a:lumMod val="60000"/>
+                <a:lumOff val="40000"/>
+              </a:schemeClr>
+            </a:solidFill>
+            <a:prstDash val="dash"/>
+          </a:ln>
+        </p:spPr>
+        <p:style>
+          <a:lnRef idx="2">
+            <a:schemeClr val="accent1">
+              <a:shade val="50000"/>
+            </a:schemeClr>
+          </a:lnRef>
+          <a:fillRef idx="1">
+            <a:schemeClr val="accent1"/>
+          </a:fillRef>
+          <a:effectRef idx="0">
+            <a:schemeClr val="accent1"/>
+          </a:effectRef>
+          <a:fontRef idx="minor">
+            <a:schemeClr val="lt1"/>
+          </a:fontRef>
+        </p:style>
+        <p:txBody>
+          <a:bodyPr rot="0" spcFirstLastPara="0" vertOverflow="overflow" horzOverflow="overflow" vert="horz" wrap="square" lIns="91440" tIns="91440" rIns="91440" bIns="45720" numCol="1" spcCol="0" rtlCol="0" fromWordArt="0" anchor="t" anchorCtr="0" forceAA="0" compatLnSpc="1">
+            <a:prstTxWarp prst="textNoShape">
+              <a:avLst/>
+            </a:prstTxWarp>
+            <a:noAutofit/>
+          </a:bodyPr>
+          <a:lstStyle/>
+          <a:p>
+            <a:pPr algn="ctr"/>
+            <a:endParaRPr lang="en-US" sz="1200" dirty="0">
+              <a:solidFill>
+                <a:srgbClr val="879196"/>
+              </a:solidFill>
+            </a:endParaRPr>
+          </a:p>
+        </p:txBody>
+      </p:sp>
+      <p:pic>
+        <p:nvPicPr>
+          <p:cNvPr id="126" name="Graphic 125">
+            <a:extLst>
+              <a:ext uri="{FF2B5EF4-FFF2-40B4-BE49-F238E27FC236}">
+                <a16:creationId xmlns:a16="http://schemas.microsoft.com/office/drawing/2014/main" id="{BCEE06E8-80E6-9140-A7D9-4D064D8157BC}"/>
+              </a:ext>
+            </a:extLst>
+          </p:cNvPr>
+          <p:cNvPicPr>
+            <a:picLocks noChangeAspect="1"/>
+          </p:cNvPicPr>
+          <p:nvPr/>
+        </p:nvPicPr>
+        <p:blipFill>
+          <a:blip r:embed="rId26">
+            <a:extLst>
+              <a:ext uri="{96DAC541-7B7A-43D3-8B79-37D633B846F1}">
+                <asvg:svgBlip xmlns:asvg="http://schemas.microsoft.com/office/drawing/2016/SVG/main" r:embed="rId27"/>
+              </a:ext>
+            </a:extLst>
+          </a:blip>
+          <a:stretch>
+            <a:fillRect/>
+          </a:stretch>
+        </p:blipFill>
+        <p:spPr>
+          <a:xfrm>
+            <a:off x="6694184" y="4051040"/>
+            <a:ext cx="392492" cy="490615"/>
+          </a:xfrm>
+          <a:prstGeom prst="rect">
+            <a:avLst/>
+          </a:prstGeom>
+        </p:spPr>
+      </p:pic>
+      <p:sp>
+        <p:nvSpPr>
+          <p:cNvPr id="127" name="Rectangle 126">
+            <a:extLst>
+              <a:ext uri="{FF2B5EF4-FFF2-40B4-BE49-F238E27FC236}">
+                <a16:creationId xmlns:a16="http://schemas.microsoft.com/office/drawing/2014/main" id="{49EC852C-DC9A-2641-8397-FA00EB9824E5}"/>
+              </a:ext>
+            </a:extLst>
+          </p:cNvPr>
+          <p:cNvSpPr/>
+          <p:nvPr/>
+        </p:nvSpPr>
+        <p:spPr>
+          <a:xfrm>
+            <a:off x="6724957" y="5249321"/>
+            <a:ext cx="3121806" cy="1096615"/>
+          </a:xfrm>
+          <a:prstGeom prst="rect">
+            <a:avLst/>
+          </a:prstGeom>
+          <a:noFill/>
+          <a:ln w="25400">
+            <a:solidFill>
+              <a:schemeClr val="accent2">
+                <a:lumMod val="60000"/>
+                <a:lumOff val="40000"/>
+              </a:schemeClr>
+            </a:solidFill>
+            <a:prstDash val="dash"/>
+          </a:ln>
+        </p:spPr>
+        <p:style>
+          <a:lnRef idx="2">
+            <a:schemeClr val="accent1">
+              <a:shade val="50000"/>
+            </a:schemeClr>
+          </a:lnRef>
+          <a:fillRef idx="1">
+            <a:schemeClr val="accent1"/>
+          </a:fillRef>
+          <a:effectRef idx="0">
+            <a:schemeClr val="accent1"/>
+          </a:effectRef>
+          <a:fontRef idx="minor">
+            <a:schemeClr val="lt1"/>
+          </a:fontRef>
+        </p:style>
+        <p:txBody>
+          <a:bodyPr rot="0" spcFirstLastPara="0" vertOverflow="overflow" horzOverflow="overflow" vert="horz" wrap="square" lIns="91440" tIns="91440" rIns="91440" bIns="45720" numCol="1" spcCol="0" rtlCol="0" fromWordArt="0" anchor="t" anchorCtr="0" forceAA="0" compatLnSpc="1">
+            <a:prstTxWarp prst="textNoShape">
+              <a:avLst/>
+            </a:prstTxWarp>
+            <a:noAutofit/>
+          </a:bodyPr>
+          <a:lstStyle/>
+          <a:p>
+            <a:pPr algn="ctr"/>
+            <a:endParaRPr lang="en-US" sz="1200" dirty="0">
+              <a:solidFill>
+                <a:srgbClr val="879196"/>
+              </a:solidFill>
+            </a:endParaRPr>
+          </a:p>
+        </p:txBody>
+      </p:sp>
+      <p:pic>
+        <p:nvPicPr>
+          <p:cNvPr id="128" name="Graphic 127">
+            <a:extLst>
+              <a:ext uri="{FF2B5EF4-FFF2-40B4-BE49-F238E27FC236}">
+                <a16:creationId xmlns:a16="http://schemas.microsoft.com/office/drawing/2014/main" id="{E1F141EF-902F-8D4A-A744-2BDE701866DC}"/>
+              </a:ext>
+            </a:extLst>
+          </p:cNvPr>
+          <p:cNvPicPr>
+            <a:picLocks noChangeAspect="1"/>
+          </p:cNvPicPr>
+          <p:nvPr/>
+        </p:nvPicPr>
+        <p:blipFill>
+          <a:blip r:embed="rId28">
+            <a:extLst>
+              <a:ext uri="{96DAC541-7B7A-43D3-8B79-37D633B846F1}">
+                <asvg:svgBlip xmlns:asvg="http://schemas.microsoft.com/office/drawing/2016/SVG/main" r:embed="rId29"/>
+              </a:ext>
+            </a:extLst>
+          </a:blip>
+          <a:stretch>
+            <a:fillRect/>
+          </a:stretch>
+        </p:blipFill>
+        <p:spPr>
+          <a:xfrm>
+            <a:off x="6723888" y="5233259"/>
+            <a:ext cx="394834" cy="638315"/>
+          </a:xfrm>
+          <a:prstGeom prst="rect">
+            <a:avLst/>
+          </a:prstGeom>
+        </p:spPr>
+      </p:pic>
+    </p:spTree>
+    <p:extLst>
+      <p:ext uri="{BB962C8B-B14F-4D97-AF65-F5344CB8AC3E}">
+        <p14:creationId xmlns:p14="http://schemas.microsoft.com/office/powerpoint/2010/main" val="1147396437"/>
+      </p:ext>
+    </p:extLst>
+  </p:cSld>
+  <p:clrMapOvr>
+    <a:masterClrMapping/>
+  </p:clrMapOvr>
+</p:sld>
+</file>
+
+<file path=ppt/slides/slide4.xml><?xml version="1.0" encoding="utf-8"?>
 <p:sld xmlns:a="http://schemas.openxmlformats.org/drawingml/2006/main" xmlns:r="http://schemas.openxmlformats.org/officeDocument/2006/relationships" xmlns:p="http://schemas.openxmlformats.org/presentationml/2006/main">
   <p:cSld>
     <p:spTree>
@@ -11415,7 +15935,1087 @@
 </p:sld>
 </file>
 
-<file path=ppt/slides/slide4.xml><?xml version="1.0" encoding="utf-8"?>
+<file path=ppt/slides/slide5.xml><?xml version="1.0" encoding="utf-8"?>
+<p:sld xmlns:a="http://schemas.openxmlformats.org/drawingml/2006/main" xmlns:r="http://schemas.openxmlformats.org/officeDocument/2006/relationships" xmlns:p="http://schemas.openxmlformats.org/presentationml/2006/main">
+  <p:cSld>
+    <p:spTree>
+      <p:nvGrpSpPr>
+        <p:cNvPr id="1" name=""/>
+        <p:cNvGrpSpPr/>
+        <p:nvPr/>
+      </p:nvGrpSpPr>
+      <p:grpSpPr>
+        <a:xfrm>
+          <a:off x="0" y="0"/>
+          <a:ext cx="0" cy="0"/>
+          <a:chOff x="0" y="0"/>
+          <a:chExt cx="0" cy="0"/>
+        </a:xfrm>
+      </p:grpSpPr>
+      <p:grpSp>
+        <p:nvGrpSpPr>
+          <p:cNvPr id="4" name="Group 3">
+            <a:extLst>
+              <a:ext uri="{FF2B5EF4-FFF2-40B4-BE49-F238E27FC236}">
+                <a16:creationId xmlns:a16="http://schemas.microsoft.com/office/drawing/2014/main" id="{4A1552F7-506A-9949-89E0-4FAAE6E916C7}"/>
+              </a:ext>
+            </a:extLst>
+          </p:cNvPr>
+          <p:cNvGrpSpPr/>
+          <p:nvPr/>
+        </p:nvGrpSpPr>
+        <p:grpSpPr>
+          <a:xfrm>
+            <a:off x="310070" y="368603"/>
+            <a:ext cx="4993450" cy="5922468"/>
+            <a:chOff x="528320" y="3668046"/>
+            <a:chExt cx="1765300" cy="1765300"/>
+          </a:xfrm>
+        </p:grpSpPr>
+        <p:sp>
+          <p:nvSpPr>
+            <p:cNvPr id="5" name="Rectangle 4">
+              <a:extLst>
+                <a:ext uri="{FF2B5EF4-FFF2-40B4-BE49-F238E27FC236}">
+                  <a16:creationId xmlns:a16="http://schemas.microsoft.com/office/drawing/2014/main" id="{99A6C6B1-BFA0-C741-8F85-5E6C6103E2C7}"/>
+                </a:ext>
+              </a:extLst>
+            </p:cNvPr>
+            <p:cNvSpPr/>
+            <p:nvPr/>
+          </p:nvSpPr>
+          <p:spPr>
+            <a:xfrm>
+              <a:off x="528320" y="3668046"/>
+              <a:ext cx="1765300" cy="1765300"/>
+            </a:xfrm>
+            <a:prstGeom prst="rect">
+              <a:avLst/>
+            </a:prstGeom>
+            <a:noFill/>
+            <a:ln w="12700">
+              <a:solidFill>
+                <a:srgbClr val="AAB7B8"/>
+              </a:solidFill>
+            </a:ln>
+          </p:spPr>
+          <p:style>
+            <a:lnRef idx="2">
+              <a:schemeClr val="accent1">
+                <a:shade val="50000"/>
+              </a:schemeClr>
+            </a:lnRef>
+            <a:fillRef idx="1">
+              <a:schemeClr val="accent1"/>
+            </a:fillRef>
+            <a:effectRef idx="0">
+              <a:schemeClr val="accent1"/>
+            </a:effectRef>
+            <a:fontRef idx="minor">
+              <a:schemeClr val="lt1"/>
+            </a:fontRef>
+          </p:style>
+          <p:txBody>
+            <a:bodyPr rot="0" spcFirstLastPara="0" vertOverflow="overflow" horzOverflow="overflow" vert="horz" wrap="square" lIns="457200" tIns="91440" rIns="91440" bIns="45720" numCol="1" spcCol="0" rtlCol="0" fromWordArt="0" anchor="t" anchorCtr="0" forceAA="0" compatLnSpc="1">
+              <a:prstTxWarp prst="textNoShape">
+                <a:avLst/>
+              </a:prstTxWarp>
+              <a:noAutofit/>
+            </a:bodyPr>
+            <a:lstStyle/>
+            <a:p>
+              <a:pPr algn="l"/>
+              <a:r>
+                <a:rPr lang="en-US" sz="1200" dirty="0">
+                  <a:solidFill>
+                    <a:srgbClr val="AAB7B8"/>
+                  </a:solidFill>
+                </a:rPr>
+                <a:t>  On-Premise</a:t>
+              </a:r>
+            </a:p>
+          </p:txBody>
+        </p:sp>
+        <p:pic>
+          <p:nvPicPr>
+            <p:cNvPr id="6" name="Graphic 5">
+              <a:extLst>
+                <a:ext uri="{FF2B5EF4-FFF2-40B4-BE49-F238E27FC236}">
+                  <a16:creationId xmlns:a16="http://schemas.microsoft.com/office/drawing/2014/main" id="{3B578926-36B6-C54B-8904-D191196D78AF}"/>
+                </a:ext>
+              </a:extLst>
+            </p:cNvPr>
+            <p:cNvPicPr>
+              <a:picLocks noChangeAspect="1"/>
+            </p:cNvPicPr>
+            <p:nvPr/>
+          </p:nvPicPr>
+          <p:blipFill>
+            <a:blip r:embed="rId2">
+              <a:extLst>
+                <a:ext uri="{96DAC541-7B7A-43D3-8B79-37D633B846F1}">
+                  <asvg:svgBlip xmlns:asvg="http://schemas.microsoft.com/office/drawing/2016/SVG/main" r:embed="rId3"/>
+                </a:ext>
+              </a:extLst>
+            </a:blip>
+            <a:stretch>
+              <a:fillRect/>
+            </a:stretch>
+          </p:blipFill>
+          <p:spPr>
+            <a:xfrm>
+              <a:off x="528320" y="3668046"/>
+              <a:ext cx="150231" cy="150231"/>
+            </a:xfrm>
+            <a:prstGeom prst="rect">
+              <a:avLst/>
+            </a:prstGeom>
+          </p:spPr>
+        </p:pic>
+      </p:grpSp>
+      <p:grpSp>
+        <p:nvGrpSpPr>
+          <p:cNvPr id="7" name="Group 6">
+            <a:extLst>
+              <a:ext uri="{FF2B5EF4-FFF2-40B4-BE49-F238E27FC236}">
+                <a16:creationId xmlns:a16="http://schemas.microsoft.com/office/drawing/2014/main" id="{A49DB7F1-101C-1B47-BAED-EDBF5DB345FF}"/>
+              </a:ext>
+            </a:extLst>
+          </p:cNvPr>
+          <p:cNvGrpSpPr/>
+          <p:nvPr/>
+        </p:nvGrpSpPr>
+        <p:grpSpPr>
+          <a:xfrm>
+            <a:off x="6803136" y="368601"/>
+            <a:ext cx="5193792" cy="5922470"/>
+            <a:chOff x="7004050" y="3978275"/>
+            <a:chExt cx="1765300" cy="1765300"/>
+          </a:xfrm>
+        </p:grpSpPr>
+        <p:pic>
+          <p:nvPicPr>
+            <p:cNvPr id="8" name="Graphic 7">
+              <a:extLst>
+                <a:ext uri="{FF2B5EF4-FFF2-40B4-BE49-F238E27FC236}">
+                  <a16:creationId xmlns:a16="http://schemas.microsoft.com/office/drawing/2014/main" id="{10E995FB-8314-4F42-926C-3647B47A0447}"/>
+                </a:ext>
+              </a:extLst>
+            </p:cNvPr>
+            <p:cNvPicPr>
+              <a:picLocks noChangeAspect="1"/>
+            </p:cNvPicPr>
+            <p:nvPr/>
+          </p:nvPicPr>
+          <p:blipFill>
+            <a:blip r:embed="rId4">
+              <a:extLst>
+                <a:ext uri="{96DAC541-7B7A-43D3-8B79-37D633B846F1}">
+                  <asvg:svgBlip xmlns:asvg="http://schemas.microsoft.com/office/drawing/2016/SVG/main" r:embed="rId5"/>
+                </a:ext>
+              </a:extLst>
+            </a:blip>
+            <a:stretch>
+              <a:fillRect/>
+            </a:stretch>
+          </p:blipFill>
+          <p:spPr>
+            <a:xfrm>
+              <a:off x="7004050" y="3978275"/>
+              <a:ext cx="167536" cy="150231"/>
+            </a:xfrm>
+            <a:prstGeom prst="rect">
+              <a:avLst/>
+            </a:prstGeom>
+          </p:spPr>
+        </p:pic>
+        <p:sp>
+          <p:nvSpPr>
+            <p:cNvPr id="9" name="Rectangle 8">
+              <a:extLst>
+                <a:ext uri="{FF2B5EF4-FFF2-40B4-BE49-F238E27FC236}">
+                  <a16:creationId xmlns:a16="http://schemas.microsoft.com/office/drawing/2014/main" id="{48074C61-28B3-C643-9166-5770549CDB28}"/>
+                </a:ext>
+              </a:extLst>
+            </p:cNvPr>
+            <p:cNvSpPr/>
+            <p:nvPr/>
+          </p:nvSpPr>
+          <p:spPr>
+            <a:xfrm>
+              <a:off x="7004050" y="3978275"/>
+              <a:ext cx="1765300" cy="1765300"/>
+            </a:xfrm>
+            <a:prstGeom prst="rect">
+              <a:avLst/>
+            </a:prstGeom>
+            <a:noFill/>
+            <a:ln w="12700">
+              <a:solidFill>
+                <a:srgbClr val="AAB7B8"/>
+              </a:solidFill>
+            </a:ln>
+          </p:spPr>
+          <p:style>
+            <a:lnRef idx="2">
+              <a:schemeClr val="accent1">
+                <a:shade val="50000"/>
+              </a:schemeClr>
+            </a:lnRef>
+            <a:fillRef idx="1">
+              <a:schemeClr val="accent1"/>
+            </a:fillRef>
+            <a:effectRef idx="0">
+              <a:schemeClr val="accent1"/>
+            </a:effectRef>
+            <a:fontRef idx="minor">
+              <a:schemeClr val="lt1"/>
+            </a:fontRef>
+          </p:style>
+          <p:txBody>
+            <a:bodyPr rot="0" spcFirstLastPara="0" vertOverflow="overflow" horzOverflow="overflow" vert="horz" wrap="square" lIns="457200" tIns="91440" rIns="91440" bIns="45720" numCol="1" spcCol="0" rtlCol="0" fromWordArt="0" anchor="t" anchorCtr="0" forceAA="0" compatLnSpc="1">
+              <a:prstTxWarp prst="textNoShape">
+                <a:avLst/>
+              </a:prstTxWarp>
+              <a:noAutofit/>
+            </a:bodyPr>
+            <a:lstStyle/>
+            <a:p>
+              <a:pPr algn="l"/>
+              <a:r>
+                <a:rPr lang="en-US" sz="1200" dirty="0">
+                  <a:solidFill>
+                    <a:srgbClr val="AAB7B8"/>
+                  </a:solidFill>
+                </a:rPr>
+                <a:t>  AWS Cloud</a:t>
+              </a:r>
+            </a:p>
+          </p:txBody>
+        </p:sp>
+      </p:grpSp>
+      <p:grpSp>
+        <p:nvGrpSpPr>
+          <p:cNvPr id="10" name="Group 9">
+            <a:extLst>
+              <a:ext uri="{FF2B5EF4-FFF2-40B4-BE49-F238E27FC236}">
+                <a16:creationId xmlns:a16="http://schemas.microsoft.com/office/drawing/2014/main" id="{22AF65A2-A838-AD4B-8B8A-29312B38DF19}"/>
+              </a:ext>
+            </a:extLst>
+          </p:cNvPr>
+          <p:cNvGrpSpPr/>
+          <p:nvPr/>
+        </p:nvGrpSpPr>
+        <p:grpSpPr>
+          <a:xfrm>
+            <a:off x="522546" y="2731228"/>
+            <a:ext cx="1818317" cy="1511681"/>
+            <a:chOff x="4495323" y="1928192"/>
+            <a:chExt cx="1072750" cy="880617"/>
+          </a:xfrm>
+        </p:grpSpPr>
+        <p:pic>
+          <p:nvPicPr>
+            <p:cNvPr id="11" name="Graphic 10">
+              <a:extLst>
+                <a:ext uri="{FF2B5EF4-FFF2-40B4-BE49-F238E27FC236}">
+                  <a16:creationId xmlns:a16="http://schemas.microsoft.com/office/drawing/2014/main" id="{438CAFBF-11F3-754D-8D41-36DA2E5BC19B}"/>
+                </a:ext>
+              </a:extLst>
+            </p:cNvPr>
+            <p:cNvPicPr>
+              <a:picLocks noChangeAspect="1"/>
+            </p:cNvPicPr>
+            <p:nvPr/>
+          </p:nvPicPr>
+          <p:blipFill>
+            <a:blip r:embed="rId6">
+              <a:extLst>
+                <a:ext uri="{96DAC541-7B7A-43D3-8B79-37D633B846F1}">
+                  <asvg:svgBlip xmlns:asvg="http://schemas.microsoft.com/office/drawing/2016/SVG/main" r:embed="rId7"/>
+                </a:ext>
+              </a:extLst>
+            </a:blip>
+            <a:stretch>
+              <a:fillRect/>
+            </a:stretch>
+          </p:blipFill>
+          <p:spPr>
+            <a:xfrm>
+              <a:off x="4745948" y="1928192"/>
+              <a:ext cx="571500" cy="571500"/>
+            </a:xfrm>
+            <a:prstGeom prst="rect">
+              <a:avLst/>
+            </a:prstGeom>
+          </p:spPr>
+        </p:pic>
+        <p:sp>
+          <p:nvSpPr>
+            <p:cNvPr id="12" name="TextBox 11">
+              <a:extLst>
+                <a:ext uri="{FF2B5EF4-FFF2-40B4-BE49-F238E27FC236}">
+                  <a16:creationId xmlns:a16="http://schemas.microsoft.com/office/drawing/2014/main" id="{D9ECB76F-1817-C946-B8F1-F568B00E4353}"/>
+                </a:ext>
+              </a:extLst>
+            </p:cNvPr>
+            <p:cNvSpPr txBox="1"/>
+            <p:nvPr/>
+          </p:nvSpPr>
+          <p:spPr>
+            <a:xfrm>
+              <a:off x="4495323" y="2557799"/>
+              <a:ext cx="1072750" cy="251010"/>
+            </a:xfrm>
+            <a:prstGeom prst="rect">
+              <a:avLst/>
+            </a:prstGeom>
+            <a:noFill/>
+          </p:spPr>
+          <p:txBody>
+            <a:bodyPr wrap="square" rtlCol="0">
+              <a:spAutoFit/>
+            </a:bodyPr>
+            <a:lstStyle/>
+            <a:p>
+              <a:pPr algn="ctr"/>
+              <a:r>
+                <a:rPr lang="en-US" sz="1100" dirty="0">
+                  <a:solidFill>
+                    <a:srgbClr val="232F3E"/>
+                  </a:solidFill>
+                </a:rPr>
+                <a:t>Network Attached </a:t>
+              </a:r>
+            </a:p>
+            <a:p>
+              <a:pPr algn="ctr"/>
+              <a:r>
+                <a:rPr lang="en-US" sz="1100" dirty="0">
+                  <a:solidFill>
+                    <a:srgbClr val="232F3E"/>
+                  </a:solidFill>
+                </a:rPr>
+                <a:t>Storage</a:t>
+              </a:r>
+            </a:p>
+          </p:txBody>
+        </p:sp>
+      </p:grpSp>
+      <p:grpSp>
+        <p:nvGrpSpPr>
+          <p:cNvPr id="13" name="Group 12">
+            <a:extLst>
+              <a:ext uri="{FF2B5EF4-FFF2-40B4-BE49-F238E27FC236}">
+                <a16:creationId xmlns:a16="http://schemas.microsoft.com/office/drawing/2014/main" id="{C321DC15-C793-0B4C-9F05-C6710A5DD867}"/>
+              </a:ext>
+            </a:extLst>
+          </p:cNvPr>
+          <p:cNvGrpSpPr/>
+          <p:nvPr/>
+        </p:nvGrpSpPr>
+        <p:grpSpPr>
+          <a:xfrm>
+            <a:off x="7296052" y="933894"/>
+            <a:ext cx="4316827" cy="5009706"/>
+            <a:chOff x="4425950" y="1209675"/>
+            <a:chExt cx="1765300" cy="1765300"/>
+          </a:xfrm>
+        </p:grpSpPr>
+        <p:pic>
+          <p:nvPicPr>
+            <p:cNvPr id="14" name="Graphic 13">
+              <a:extLst>
+                <a:ext uri="{FF2B5EF4-FFF2-40B4-BE49-F238E27FC236}">
+                  <a16:creationId xmlns:a16="http://schemas.microsoft.com/office/drawing/2014/main" id="{033AA4C6-5DA4-B44E-8C6D-DC1765857B71}"/>
+                </a:ext>
+              </a:extLst>
+            </p:cNvPr>
+            <p:cNvPicPr>
+              <a:picLocks noChangeAspect="1"/>
+            </p:cNvPicPr>
+            <p:nvPr/>
+          </p:nvPicPr>
+          <p:blipFill>
+            <a:blip r:embed="rId8">
+              <a:extLst>
+                <a:ext uri="{96DAC541-7B7A-43D3-8B79-37D633B846F1}">
+                  <asvg:svgBlip xmlns:asvg="http://schemas.microsoft.com/office/drawing/2016/SVG/main" r:embed="rId9"/>
+                </a:ext>
+              </a:extLst>
+            </a:blip>
+            <a:stretch>
+              <a:fillRect/>
+            </a:stretch>
+          </p:blipFill>
+          <p:spPr>
+            <a:xfrm>
+              <a:off x="4425950" y="1209675"/>
+              <a:ext cx="179838" cy="179838"/>
+            </a:xfrm>
+            <a:prstGeom prst="rect">
+              <a:avLst/>
+            </a:prstGeom>
+          </p:spPr>
+        </p:pic>
+        <p:sp>
+          <p:nvSpPr>
+            <p:cNvPr id="15" name="Rectangle 14">
+              <a:extLst>
+                <a:ext uri="{FF2B5EF4-FFF2-40B4-BE49-F238E27FC236}">
+                  <a16:creationId xmlns:a16="http://schemas.microsoft.com/office/drawing/2014/main" id="{57719A9C-007C-F542-968E-6CB031862611}"/>
+                </a:ext>
+              </a:extLst>
+            </p:cNvPr>
+            <p:cNvSpPr/>
+            <p:nvPr/>
+          </p:nvSpPr>
+          <p:spPr>
+            <a:xfrm>
+              <a:off x="4425950" y="1209675"/>
+              <a:ext cx="1765300" cy="1765300"/>
+            </a:xfrm>
+            <a:prstGeom prst="rect">
+              <a:avLst/>
+            </a:prstGeom>
+            <a:noFill/>
+            <a:ln w="12700">
+              <a:solidFill>
+                <a:srgbClr val="879196"/>
+              </a:solidFill>
+              <a:prstDash val="dash"/>
+            </a:ln>
+          </p:spPr>
+          <p:style>
+            <a:lnRef idx="2">
+              <a:schemeClr val="accent1">
+                <a:shade val="50000"/>
+              </a:schemeClr>
+            </a:lnRef>
+            <a:fillRef idx="1">
+              <a:schemeClr val="accent1"/>
+            </a:fillRef>
+            <a:effectRef idx="0">
+              <a:schemeClr val="accent1"/>
+            </a:effectRef>
+            <a:fontRef idx="minor">
+              <a:schemeClr val="lt1"/>
+            </a:fontRef>
+          </p:style>
+          <p:txBody>
+            <a:bodyPr rot="0" spcFirstLastPara="0" vertOverflow="overflow" horzOverflow="overflow" vert="horz" wrap="square" lIns="457200" tIns="91440" rIns="91440" bIns="45720" numCol="1" spcCol="0" rtlCol="0" fromWordArt="0" anchor="t" anchorCtr="0" forceAA="0" compatLnSpc="1">
+              <a:prstTxWarp prst="textNoShape">
+                <a:avLst/>
+              </a:prstTxWarp>
+              <a:noAutofit/>
+            </a:bodyPr>
+            <a:lstStyle/>
+            <a:p>
+              <a:pPr algn="l"/>
+              <a:r>
+                <a:rPr lang="en-US" sz="1200" dirty="0">
+                  <a:solidFill>
+                    <a:srgbClr val="879196"/>
+                  </a:solidFill>
+                </a:rPr>
+                <a:t>Region</a:t>
+              </a:r>
+            </a:p>
+          </p:txBody>
+        </p:sp>
+      </p:grpSp>
+      <p:sp>
+        <p:nvSpPr>
+          <p:cNvPr id="16" name="Rectangle 15">
+            <a:extLst>
+              <a:ext uri="{FF2B5EF4-FFF2-40B4-BE49-F238E27FC236}">
+                <a16:creationId xmlns:a16="http://schemas.microsoft.com/office/drawing/2014/main" id="{5C74E768-8975-B049-9F8C-A1A9A8E0510E}"/>
+              </a:ext>
+            </a:extLst>
+          </p:cNvPr>
+          <p:cNvSpPr/>
+          <p:nvPr/>
+        </p:nvSpPr>
+        <p:spPr>
+          <a:xfrm>
+            <a:off x="3291840" y="2731228"/>
+            <a:ext cx="987552" cy="981046"/>
+          </a:xfrm>
+          <a:prstGeom prst="rect">
+            <a:avLst/>
+          </a:prstGeom>
+          <a:solidFill>
+            <a:schemeClr val="bg1"/>
+          </a:solidFill>
+          <a:ln>
+            <a:solidFill>
+              <a:schemeClr val="tx1"/>
+            </a:solidFill>
+          </a:ln>
+        </p:spPr>
+        <p:style>
+          <a:lnRef idx="2">
+            <a:schemeClr val="accent1">
+              <a:shade val="50000"/>
+            </a:schemeClr>
+          </a:lnRef>
+          <a:fillRef idx="1">
+            <a:schemeClr val="accent1"/>
+          </a:fillRef>
+          <a:effectRef idx="0">
+            <a:schemeClr val="accent1"/>
+          </a:effectRef>
+          <a:fontRef idx="minor">
+            <a:schemeClr val="lt1"/>
+          </a:fontRef>
+        </p:style>
+        <p:txBody>
+          <a:bodyPr rtlCol="0" anchor="ctr"/>
+          <a:lstStyle/>
+          <a:p>
+            <a:pPr algn="ctr"/>
+            <a:endParaRPr lang="en-US"/>
+          </a:p>
+        </p:txBody>
+      </p:sp>
+      <p:sp>
+        <p:nvSpPr>
+          <p:cNvPr id="17" name="Right Arrow 16">
+            <a:extLst>
+              <a:ext uri="{FF2B5EF4-FFF2-40B4-BE49-F238E27FC236}">
+                <a16:creationId xmlns:a16="http://schemas.microsoft.com/office/drawing/2014/main" id="{3FE46CBE-2A05-504D-BBE0-DD95E3EA748D}"/>
+              </a:ext>
+            </a:extLst>
+          </p:cNvPr>
+          <p:cNvSpPr/>
+          <p:nvPr/>
+        </p:nvSpPr>
+        <p:spPr>
+          <a:xfrm>
+            <a:off x="3547872" y="3037228"/>
+            <a:ext cx="585216" cy="254612"/>
+          </a:xfrm>
+          <a:prstGeom prst="rightArrow">
+            <a:avLst/>
+          </a:prstGeom>
+          <a:solidFill>
+            <a:schemeClr val="bg1"/>
+          </a:solidFill>
+          <a:ln>
+            <a:solidFill>
+              <a:schemeClr val="tx1">
+                <a:lumMod val="95000"/>
+                <a:lumOff val="5000"/>
+              </a:schemeClr>
+            </a:solidFill>
+          </a:ln>
+        </p:spPr>
+        <p:style>
+          <a:lnRef idx="2">
+            <a:schemeClr val="accent1">
+              <a:shade val="50000"/>
+            </a:schemeClr>
+          </a:lnRef>
+          <a:fillRef idx="1">
+            <a:schemeClr val="accent1"/>
+          </a:fillRef>
+          <a:effectRef idx="0">
+            <a:schemeClr val="accent1"/>
+          </a:effectRef>
+          <a:fontRef idx="minor">
+            <a:schemeClr val="lt1"/>
+          </a:fontRef>
+        </p:style>
+        <p:txBody>
+          <a:bodyPr rtlCol="0" anchor="ctr"/>
+          <a:lstStyle/>
+          <a:p>
+            <a:pPr algn="ctr"/>
+            <a:endParaRPr lang="en-US"/>
+          </a:p>
+        </p:txBody>
+      </p:sp>
+      <p:sp>
+        <p:nvSpPr>
+          <p:cNvPr id="18" name="Right Arrow 17">
+            <a:extLst>
+              <a:ext uri="{FF2B5EF4-FFF2-40B4-BE49-F238E27FC236}">
+                <a16:creationId xmlns:a16="http://schemas.microsoft.com/office/drawing/2014/main" id="{64849863-63B1-6B41-B1B1-2324D387802B}"/>
+              </a:ext>
+            </a:extLst>
+          </p:cNvPr>
+          <p:cNvSpPr/>
+          <p:nvPr/>
+        </p:nvSpPr>
+        <p:spPr>
+          <a:xfrm rot="10800000">
+            <a:off x="3425952" y="3171340"/>
+            <a:ext cx="585216" cy="254612"/>
+          </a:xfrm>
+          <a:prstGeom prst="rightArrow">
+            <a:avLst/>
+          </a:prstGeom>
+          <a:solidFill>
+            <a:schemeClr val="bg1"/>
+          </a:solidFill>
+          <a:ln>
+            <a:solidFill>
+              <a:schemeClr val="tx1">
+                <a:lumMod val="95000"/>
+                <a:lumOff val="5000"/>
+              </a:schemeClr>
+            </a:solidFill>
+          </a:ln>
+        </p:spPr>
+        <p:style>
+          <a:lnRef idx="2">
+            <a:schemeClr val="accent1">
+              <a:shade val="50000"/>
+            </a:schemeClr>
+          </a:lnRef>
+          <a:fillRef idx="1">
+            <a:schemeClr val="accent1"/>
+          </a:fillRef>
+          <a:effectRef idx="0">
+            <a:schemeClr val="accent1"/>
+          </a:effectRef>
+          <a:fontRef idx="minor">
+            <a:schemeClr val="lt1"/>
+          </a:fontRef>
+        </p:style>
+        <p:txBody>
+          <a:bodyPr rtlCol="0" anchor="ctr"/>
+          <a:lstStyle/>
+          <a:p>
+            <a:pPr algn="ctr"/>
+            <a:endParaRPr lang="en-US"/>
+          </a:p>
+        </p:txBody>
+      </p:sp>
+      <p:sp>
+        <p:nvSpPr>
+          <p:cNvPr id="19" name="TextBox 18">
+            <a:extLst>
+              <a:ext uri="{FF2B5EF4-FFF2-40B4-BE49-F238E27FC236}">
+                <a16:creationId xmlns:a16="http://schemas.microsoft.com/office/drawing/2014/main" id="{12F2BED1-65A9-EA41-8F4F-FDA8CD8647B6}"/>
+              </a:ext>
+            </a:extLst>
+          </p:cNvPr>
+          <p:cNvSpPr txBox="1"/>
+          <p:nvPr/>
+        </p:nvSpPr>
+        <p:spPr>
+          <a:xfrm>
+            <a:off x="2906082" y="3818117"/>
+            <a:ext cx="1818317" cy="430887"/>
+          </a:xfrm>
+          <a:prstGeom prst="rect">
+            <a:avLst/>
+          </a:prstGeom>
+          <a:noFill/>
+        </p:spPr>
+        <p:txBody>
+          <a:bodyPr wrap="square" rtlCol="0">
+            <a:spAutoFit/>
+          </a:bodyPr>
+          <a:lstStyle/>
+          <a:p>
+            <a:pPr algn="ctr"/>
+            <a:r>
+              <a:rPr lang="en-US" sz="1100" dirty="0">
+                <a:solidFill>
+                  <a:srgbClr val="232F3E"/>
+                </a:solidFill>
+              </a:rPr>
+              <a:t>AWS </a:t>
+            </a:r>
+            <a:r>
+              <a:rPr lang="en-US" sz="1100" dirty="0" err="1">
+                <a:solidFill>
+                  <a:srgbClr val="232F3E"/>
+                </a:solidFill>
+              </a:rPr>
+              <a:t>DataSync</a:t>
+            </a:r>
+            <a:r>
+              <a:rPr lang="en-US" sz="1100" dirty="0">
+                <a:solidFill>
+                  <a:srgbClr val="232F3E"/>
+                </a:solidFill>
+              </a:rPr>
+              <a:t> </a:t>
+            </a:r>
+          </a:p>
+          <a:p>
+            <a:pPr algn="ctr"/>
+            <a:r>
+              <a:rPr lang="en-US" sz="1100" dirty="0">
+                <a:solidFill>
+                  <a:srgbClr val="232F3E"/>
+                </a:solidFill>
+              </a:rPr>
+              <a:t>Agent</a:t>
+            </a:r>
+          </a:p>
+        </p:txBody>
+      </p:sp>
+      <p:cxnSp>
+        <p:nvCxnSpPr>
+          <p:cNvPr id="21" name="Straight Arrow Connector 20">
+            <a:extLst>
+              <a:ext uri="{FF2B5EF4-FFF2-40B4-BE49-F238E27FC236}">
+                <a16:creationId xmlns:a16="http://schemas.microsoft.com/office/drawing/2014/main" id="{F60CEAEF-18AD-BB47-BEBC-8453294EFDA7}"/>
+              </a:ext>
+            </a:extLst>
+          </p:cNvPr>
+          <p:cNvCxnSpPr>
+            <a:stCxn id="11" idx="3"/>
+            <a:endCxn id="16" idx="1"/>
+          </p:cNvCxnSpPr>
+          <p:nvPr/>
+        </p:nvCxnSpPr>
+        <p:spPr>
+          <a:xfrm>
+            <a:off x="1916053" y="3221751"/>
+            <a:ext cx="1375787" cy="0"/>
+          </a:xfrm>
+          <a:prstGeom prst="straightConnector1">
+            <a:avLst/>
+          </a:prstGeom>
+          <a:ln>
+            <a:solidFill>
+              <a:schemeClr val="tx1"/>
+            </a:solidFill>
+            <a:tailEnd type="arrow"/>
+          </a:ln>
+        </p:spPr>
+        <p:style>
+          <a:lnRef idx="1">
+            <a:schemeClr val="accent1"/>
+          </a:lnRef>
+          <a:fillRef idx="0">
+            <a:schemeClr val="accent1"/>
+          </a:fillRef>
+          <a:effectRef idx="0">
+            <a:schemeClr val="accent1"/>
+          </a:effectRef>
+          <a:fontRef idx="minor">
+            <a:schemeClr val="tx1"/>
+          </a:fontRef>
+        </p:style>
+      </p:cxnSp>
+      <p:grpSp>
+        <p:nvGrpSpPr>
+          <p:cNvPr id="22" name="Group 21">
+            <a:extLst>
+              <a:ext uri="{FF2B5EF4-FFF2-40B4-BE49-F238E27FC236}">
+                <a16:creationId xmlns:a16="http://schemas.microsoft.com/office/drawing/2014/main" id="{685B52D0-A92A-AB49-966B-C34D1BDC18E8}"/>
+              </a:ext>
+            </a:extLst>
+          </p:cNvPr>
+          <p:cNvGrpSpPr/>
+          <p:nvPr/>
+        </p:nvGrpSpPr>
+        <p:grpSpPr>
+          <a:xfrm>
+            <a:off x="5510784" y="2939091"/>
+            <a:ext cx="1072750" cy="891217"/>
+            <a:chOff x="7523336" y="1928192"/>
+            <a:chExt cx="1072750" cy="891217"/>
+          </a:xfrm>
+        </p:grpSpPr>
+        <p:pic>
+          <p:nvPicPr>
+            <p:cNvPr id="23" name="Graphic 22">
+              <a:extLst>
+                <a:ext uri="{FF2B5EF4-FFF2-40B4-BE49-F238E27FC236}">
+                  <a16:creationId xmlns:a16="http://schemas.microsoft.com/office/drawing/2014/main" id="{1F39D7C3-80A7-0D4F-8E7E-4F2B33211AB5}"/>
+                </a:ext>
+              </a:extLst>
+            </p:cNvPr>
+            <p:cNvPicPr>
+              <a:picLocks noChangeAspect="1"/>
+            </p:cNvPicPr>
+            <p:nvPr/>
+          </p:nvPicPr>
+          <p:blipFill>
+            <a:blip r:embed="rId10">
+              <a:extLst>
+                <a:ext uri="{96DAC541-7B7A-43D3-8B79-37D633B846F1}">
+                  <asvg:svgBlip xmlns:asvg="http://schemas.microsoft.com/office/drawing/2016/SVG/main" r:embed="rId11"/>
+                </a:ext>
+              </a:extLst>
+            </a:blip>
+            <a:stretch>
+              <a:fillRect/>
+            </a:stretch>
+          </p:blipFill>
+          <p:spPr>
+            <a:xfrm>
+              <a:off x="7773961" y="1928192"/>
+              <a:ext cx="571500" cy="571500"/>
+            </a:xfrm>
+            <a:prstGeom prst="rect">
+              <a:avLst/>
+            </a:prstGeom>
+          </p:spPr>
+        </p:pic>
+        <p:sp>
+          <p:nvSpPr>
+            <p:cNvPr id="24" name="TextBox 23">
+              <a:extLst>
+                <a:ext uri="{FF2B5EF4-FFF2-40B4-BE49-F238E27FC236}">
+                  <a16:creationId xmlns:a16="http://schemas.microsoft.com/office/drawing/2014/main" id="{1F8406C5-3B7E-ED47-8ACB-B013B8AEDCAB}"/>
+                </a:ext>
+              </a:extLst>
+            </p:cNvPr>
+            <p:cNvSpPr txBox="1"/>
+            <p:nvPr/>
+          </p:nvSpPr>
+          <p:spPr>
+            <a:xfrm>
+              <a:off x="7523336" y="2557799"/>
+              <a:ext cx="1072750" cy="261610"/>
+            </a:xfrm>
+            <a:prstGeom prst="rect">
+              <a:avLst/>
+            </a:prstGeom>
+            <a:noFill/>
+          </p:spPr>
+          <p:txBody>
+            <a:bodyPr wrap="square" rtlCol="0">
+              <a:spAutoFit/>
+            </a:bodyPr>
+            <a:lstStyle/>
+            <a:p>
+              <a:pPr algn="ctr"/>
+              <a:r>
+                <a:rPr lang="en-US" sz="1100" dirty="0">
+                  <a:solidFill>
+                    <a:srgbClr val="232F3E"/>
+                  </a:solidFill>
+                </a:rPr>
+                <a:t>TLS</a:t>
+              </a:r>
+            </a:p>
+          </p:txBody>
+        </p:sp>
+      </p:grpSp>
+      <p:cxnSp>
+        <p:nvCxnSpPr>
+          <p:cNvPr id="26" name="Straight Arrow Connector 25">
+            <a:extLst>
+              <a:ext uri="{FF2B5EF4-FFF2-40B4-BE49-F238E27FC236}">
+                <a16:creationId xmlns:a16="http://schemas.microsoft.com/office/drawing/2014/main" id="{8C39105F-30AB-9547-84FD-BE3FA4BB38B8}"/>
+              </a:ext>
+            </a:extLst>
+          </p:cNvPr>
+          <p:cNvCxnSpPr>
+            <a:stCxn id="16" idx="3"/>
+            <a:endCxn id="23" idx="1"/>
+          </p:cNvCxnSpPr>
+          <p:nvPr/>
+        </p:nvCxnSpPr>
+        <p:spPr>
+          <a:xfrm>
+            <a:off x="4279392" y="3221751"/>
+            <a:ext cx="1482017" cy="3090"/>
+          </a:xfrm>
+          <a:prstGeom prst="straightConnector1">
+            <a:avLst/>
+          </a:prstGeom>
+          <a:ln>
+            <a:solidFill>
+              <a:schemeClr val="tx1"/>
+            </a:solidFill>
+            <a:tailEnd type="arrow"/>
+          </a:ln>
+        </p:spPr>
+        <p:style>
+          <a:lnRef idx="1">
+            <a:schemeClr val="accent1"/>
+          </a:lnRef>
+          <a:fillRef idx="0">
+            <a:schemeClr val="accent1"/>
+          </a:fillRef>
+          <a:effectRef idx="0">
+            <a:schemeClr val="accent1"/>
+          </a:effectRef>
+          <a:fontRef idx="minor">
+            <a:schemeClr val="tx1"/>
+          </a:fontRef>
+        </p:style>
+      </p:cxnSp>
+      <p:pic>
+        <p:nvPicPr>
+          <p:cNvPr id="30" name="Picture 29">
+            <a:extLst>
+              <a:ext uri="{FF2B5EF4-FFF2-40B4-BE49-F238E27FC236}">
+                <a16:creationId xmlns:a16="http://schemas.microsoft.com/office/drawing/2014/main" id="{77A243D6-86C0-A142-B64C-D7EFE55E19F5}"/>
+              </a:ext>
+            </a:extLst>
+          </p:cNvPr>
+          <p:cNvPicPr>
+            <a:picLocks noChangeAspect="1"/>
+          </p:cNvPicPr>
+          <p:nvPr/>
+        </p:nvPicPr>
+        <p:blipFill>
+          <a:blip r:embed="rId12"/>
+          <a:stretch>
+            <a:fillRect/>
+          </a:stretch>
+        </p:blipFill>
+        <p:spPr>
+          <a:xfrm>
+            <a:off x="8095269" y="2796301"/>
+            <a:ext cx="571500" cy="850900"/>
+          </a:xfrm>
+          <a:prstGeom prst="rect">
+            <a:avLst/>
+          </a:prstGeom>
+        </p:spPr>
+      </p:pic>
+      <p:cxnSp>
+        <p:nvCxnSpPr>
+          <p:cNvPr id="32" name="Straight Arrow Connector 31">
+            <a:extLst>
+              <a:ext uri="{FF2B5EF4-FFF2-40B4-BE49-F238E27FC236}">
+                <a16:creationId xmlns:a16="http://schemas.microsoft.com/office/drawing/2014/main" id="{4BC11CFB-0CDD-4E49-BD97-E3323BEB4906}"/>
+              </a:ext>
+            </a:extLst>
+          </p:cNvPr>
+          <p:cNvCxnSpPr>
+            <a:stCxn id="23" idx="3"/>
+            <a:endCxn id="30" idx="1"/>
+          </p:cNvCxnSpPr>
+          <p:nvPr/>
+        </p:nvCxnSpPr>
+        <p:spPr>
+          <a:xfrm flipV="1">
+            <a:off x="6332909" y="3221751"/>
+            <a:ext cx="1762360" cy="3090"/>
+          </a:xfrm>
+          <a:prstGeom prst="straightConnector1">
+            <a:avLst/>
+          </a:prstGeom>
+          <a:ln>
+            <a:solidFill>
+              <a:schemeClr val="tx1"/>
+            </a:solidFill>
+            <a:tailEnd type="arrow"/>
+          </a:ln>
+        </p:spPr>
+        <p:style>
+          <a:lnRef idx="1">
+            <a:schemeClr val="accent1"/>
+          </a:lnRef>
+          <a:fillRef idx="0">
+            <a:schemeClr val="accent1"/>
+          </a:fillRef>
+          <a:effectRef idx="0">
+            <a:schemeClr val="accent1"/>
+          </a:effectRef>
+          <a:fontRef idx="minor">
+            <a:schemeClr val="tx1"/>
+          </a:fontRef>
+        </p:style>
+      </p:cxnSp>
+      <p:pic>
+        <p:nvPicPr>
+          <p:cNvPr id="33" name="Graphic 32">
+            <a:extLst>
+              <a:ext uri="{FF2B5EF4-FFF2-40B4-BE49-F238E27FC236}">
+                <a16:creationId xmlns:a16="http://schemas.microsoft.com/office/drawing/2014/main" id="{7AB46B0A-5433-DA4E-82EE-A9091C612A6C}"/>
+              </a:ext>
+            </a:extLst>
+          </p:cNvPr>
+          <p:cNvPicPr>
+            <a:picLocks noChangeAspect="1"/>
+          </p:cNvPicPr>
+          <p:nvPr/>
+        </p:nvPicPr>
+        <p:blipFill>
+          <a:blip r:embed="rId13">
+            <a:extLst>
+              <a:ext uri="{96DAC541-7B7A-43D3-8B79-37D633B846F1}">
+                <asvg:svgBlip xmlns:asvg="http://schemas.microsoft.com/office/drawing/2016/SVG/main" r:embed="rId14"/>
+              </a:ext>
+            </a:extLst>
+          </a:blip>
+          <a:stretch>
+            <a:fillRect/>
+          </a:stretch>
+        </p:blipFill>
+        <p:spPr>
+          <a:xfrm>
+            <a:off x="10201200" y="2759725"/>
+            <a:ext cx="762000" cy="952500"/>
+          </a:xfrm>
+          <a:prstGeom prst="rect">
+            <a:avLst/>
+          </a:prstGeom>
+        </p:spPr>
+      </p:pic>
+      <p:cxnSp>
+        <p:nvCxnSpPr>
+          <p:cNvPr id="35" name="Straight Arrow Connector 34">
+            <a:extLst>
+              <a:ext uri="{FF2B5EF4-FFF2-40B4-BE49-F238E27FC236}">
+                <a16:creationId xmlns:a16="http://schemas.microsoft.com/office/drawing/2014/main" id="{1C19A8CA-6668-F745-8829-60309802CA1A}"/>
+              </a:ext>
+            </a:extLst>
+          </p:cNvPr>
+          <p:cNvCxnSpPr>
+            <a:stCxn id="30" idx="3"/>
+            <a:endCxn id="33" idx="1"/>
+          </p:cNvCxnSpPr>
+          <p:nvPr/>
+        </p:nvCxnSpPr>
+        <p:spPr>
+          <a:xfrm>
+            <a:off x="8666769" y="3221751"/>
+            <a:ext cx="1534431" cy="14224"/>
+          </a:xfrm>
+          <a:prstGeom prst="straightConnector1">
+            <a:avLst/>
+          </a:prstGeom>
+          <a:ln>
+            <a:solidFill>
+              <a:schemeClr val="tx1"/>
+            </a:solidFill>
+            <a:tailEnd type="arrow"/>
+          </a:ln>
+        </p:spPr>
+        <p:style>
+          <a:lnRef idx="1">
+            <a:schemeClr val="accent1"/>
+          </a:lnRef>
+          <a:fillRef idx="0">
+            <a:schemeClr val="accent1"/>
+          </a:fillRef>
+          <a:effectRef idx="0">
+            <a:schemeClr val="accent1"/>
+          </a:effectRef>
+          <a:fontRef idx="minor">
+            <a:schemeClr val="tx1"/>
+          </a:fontRef>
+        </p:style>
+      </p:cxnSp>
+    </p:spTree>
+    <p:extLst>
+      <p:ext uri="{BB962C8B-B14F-4D97-AF65-F5344CB8AC3E}">
+        <p14:creationId xmlns:p14="http://schemas.microsoft.com/office/powerpoint/2010/main" val="2974077424"/>
+      </p:ext>
+    </p:extLst>
+  </p:cSld>
+  <p:clrMapOvr>
+    <a:masterClrMapping/>
+  </p:clrMapOvr>
+</p:sld>
+</file>
+
+<file path=ppt/slides/slide6.xml><?xml version="1.0" encoding="utf-8"?>
 <p:sld xmlns:a="http://schemas.openxmlformats.org/drawingml/2006/main" xmlns:r="http://schemas.openxmlformats.org/officeDocument/2006/relationships" xmlns:p="http://schemas.openxmlformats.org/presentationml/2006/main">
   <p:cSld>
     <p:spTree>
@@ -13000,7 +18600,7 @@
 </p:sld>
 </file>
 
-<file path=ppt/slides/slide5.xml><?xml version="1.0" encoding="utf-8"?>
+<file path=ppt/slides/slide7.xml><?xml version="1.0" encoding="utf-8"?>
 <p:sld xmlns:a="http://schemas.openxmlformats.org/drawingml/2006/main" xmlns:r="http://schemas.openxmlformats.org/officeDocument/2006/relationships" xmlns:p="http://schemas.openxmlformats.org/presentationml/2006/main">
   <p:cSld>
     <p:spTree>
@@ -14809,7 +20409,7 @@
 </p:sld>
 </file>
 
-<file path=ppt/slides/slide6.xml><?xml version="1.0" encoding="utf-8"?>
+<file path=ppt/slides/slide8.xml><?xml version="1.0" encoding="utf-8"?>
 <p:sld xmlns:a="http://schemas.openxmlformats.org/drawingml/2006/main" xmlns:r="http://schemas.openxmlformats.org/officeDocument/2006/relationships" xmlns:p="http://schemas.openxmlformats.org/presentationml/2006/main">
   <p:cSld>
     <p:spTree>
@@ -15010,7 +20610,7 @@
         <p:spPr>
           <a:xfrm>
             <a:off x="6309359" y="903881"/>
-            <a:ext cx="3538999" cy="5356560"/>
+            <a:ext cx="3942183" cy="5356560"/>
           </a:xfrm>
           <a:prstGeom prst="rect">
             <a:avLst/>
@@ -15110,7 +20710,7 @@
         <p:spPr>
           <a:xfrm>
             <a:off x="7073724" y="1621144"/>
-            <a:ext cx="2148918" cy="4173082"/>
+            <a:ext cx="1261539" cy="4173082"/>
           </a:xfrm>
           <a:prstGeom prst="rect">
             <a:avLst/>
@@ -15173,8 +20773,8 @@
         </p:nvGrpSpPr>
         <p:grpSpPr>
           <a:xfrm>
-            <a:off x="6716458" y="1305622"/>
-            <a:ext cx="2754188" cy="4594290"/>
+            <a:off x="6716457" y="1305622"/>
+            <a:ext cx="3284459" cy="4594290"/>
             <a:chOff x="8197850" y="1209675"/>
             <a:chExt cx="1343907" cy="1765300"/>
           </a:xfrm>
@@ -15406,7 +21006,7 @@
         </p:blipFill>
         <p:spPr>
           <a:xfrm>
-            <a:off x="7800591" y="2485889"/>
+            <a:off x="7448806" y="2491422"/>
             <a:ext cx="762000" cy="952500"/>
           </a:xfrm>
           <a:prstGeom prst="rect">
@@ -15442,7 +21042,7 @@
         </p:blipFill>
         <p:spPr>
           <a:xfrm>
-            <a:off x="7800591" y="3502639"/>
+            <a:off x="7445690" y="3487997"/>
             <a:ext cx="762000" cy="952500"/>
           </a:xfrm>
           <a:prstGeom prst="rect">
@@ -15478,7 +21078,7 @@
         </p:blipFill>
         <p:spPr>
           <a:xfrm>
-            <a:off x="7800591" y="4519389"/>
+            <a:off x="7445690" y="4514958"/>
             <a:ext cx="762000" cy="952500"/>
           </a:xfrm>
           <a:prstGeom prst="rect">
@@ -15601,8 +21201,8 @@
         </p:nvCxnSpPr>
         <p:spPr>
           <a:xfrm rot="10800000" flipV="1">
-            <a:off x="6179617" y="2962138"/>
-            <a:ext cx="1620974" cy="723411"/>
+            <a:off x="6179618" y="2967672"/>
+            <a:ext cx="1269189" cy="717878"/>
           </a:xfrm>
           <a:prstGeom prst="bentConnector2">
             <a:avLst/>
@@ -15639,6 +21239,7 @@
             </a:extLst>
           </p:cNvPr>
           <p:cNvCxnSpPr>
+            <a:cxnSpLocks/>
             <a:stCxn id="47" idx="1"/>
             <a:endCxn id="50" idx="0"/>
           </p:cNvCxnSpPr>
@@ -15646,13 +21247,13 @@
         </p:nvCxnSpPr>
         <p:spPr>
           <a:xfrm rot="10800000">
-            <a:off x="6179617" y="4296311"/>
-            <a:ext cx="1620974" cy="699328"/>
+            <a:off x="6179618" y="4296312"/>
+            <a:ext cx="1266073" cy="694897"/>
           </a:xfrm>
           <a:prstGeom prst="bentConnector4">
             <a:avLst>
-              <a:gd name="adj1" fmla="val 33455"/>
-              <a:gd name="adj2" fmla="val -680"/>
+              <a:gd name="adj1" fmla="val 100037"/>
+              <a:gd name="adj2" fmla="val 70758"/>
             </a:avLst>
           </a:prstGeom>
           <a:ln w="12700">
@@ -15693,9 +21294,9 @@
           <p:nvPr/>
         </p:nvCxnSpPr>
         <p:spPr>
-          <a:xfrm flipH="1" flipV="1">
-            <a:off x="6465367" y="3971300"/>
-            <a:ext cx="1335224" cy="7589"/>
+          <a:xfrm flipH="1">
+            <a:off x="6465367" y="3964247"/>
+            <a:ext cx="980323" cy="7053"/>
           </a:xfrm>
           <a:prstGeom prst="straightConnector1">
             <a:avLst/>
@@ -15750,6 +21351,364 @@
               <a:schemeClr val="accent2"/>
             </a:solidFill>
             <a:tailEnd type="triangle"/>
+          </a:ln>
+        </p:spPr>
+        <p:style>
+          <a:lnRef idx="1">
+            <a:schemeClr val="accent1"/>
+          </a:lnRef>
+          <a:fillRef idx="0">
+            <a:schemeClr val="accent1"/>
+          </a:fillRef>
+          <a:effectRef idx="0">
+            <a:schemeClr val="accent1"/>
+          </a:effectRef>
+          <a:fontRef idx="minor">
+            <a:schemeClr val="tx1"/>
+          </a:fontRef>
+        </p:style>
+      </p:cxnSp>
+      <p:pic>
+        <p:nvPicPr>
+          <p:cNvPr id="34" name="Graphic 33">
+            <a:extLst>
+              <a:ext uri="{FF2B5EF4-FFF2-40B4-BE49-F238E27FC236}">
+                <a16:creationId xmlns:a16="http://schemas.microsoft.com/office/drawing/2014/main" id="{9EA7B49E-A73D-0C4A-9547-FDF713F6B4B9}"/>
+              </a:ext>
+            </a:extLst>
+          </p:cNvPr>
+          <p:cNvPicPr>
+            <a:picLocks noChangeAspect="1"/>
+          </p:cNvPicPr>
+          <p:nvPr/>
+        </p:nvPicPr>
+        <p:blipFill>
+          <a:blip r:embed="rId6">
+            <a:extLst>
+              <a:ext uri="{96DAC541-7B7A-43D3-8B79-37D633B846F1}">
+                <asvg:svgBlip xmlns:asvg="http://schemas.microsoft.com/office/drawing/2016/SVG/main" r:embed="rId7"/>
+              </a:ext>
+            </a:extLst>
+          </a:blip>
+          <a:stretch>
+            <a:fillRect/>
+          </a:stretch>
+        </p:blipFill>
+        <p:spPr>
+          <a:xfrm>
+            <a:off x="8508824" y="1633843"/>
+            <a:ext cx="342900" cy="342901"/>
+          </a:xfrm>
+          <a:prstGeom prst="rect">
+            <a:avLst/>
+          </a:prstGeom>
+        </p:spPr>
+      </p:pic>
+      <p:sp>
+        <p:nvSpPr>
+          <p:cNvPr id="35" name="Rectangle 34">
+            <a:extLst>
+              <a:ext uri="{FF2B5EF4-FFF2-40B4-BE49-F238E27FC236}">
+                <a16:creationId xmlns:a16="http://schemas.microsoft.com/office/drawing/2014/main" id="{3D516EA9-4DEC-F84B-958E-BB768067CC4B}"/>
+              </a:ext>
+            </a:extLst>
+          </p:cNvPr>
+          <p:cNvSpPr/>
+          <p:nvPr/>
+        </p:nvSpPr>
+        <p:spPr>
+          <a:xfrm>
+            <a:off x="8508824" y="1621144"/>
+            <a:ext cx="1261539" cy="4173082"/>
+          </a:xfrm>
+          <a:prstGeom prst="rect">
+            <a:avLst/>
+          </a:prstGeom>
+          <a:noFill/>
+          <a:ln w="12700">
+            <a:solidFill>
+              <a:srgbClr val="545B64"/>
+            </a:solidFill>
+          </a:ln>
+        </p:spPr>
+        <p:style>
+          <a:lnRef idx="2">
+            <a:schemeClr val="accent1">
+              <a:shade val="50000"/>
+            </a:schemeClr>
+          </a:lnRef>
+          <a:fillRef idx="1">
+            <a:schemeClr val="accent1"/>
+          </a:fillRef>
+          <a:effectRef idx="0">
+            <a:schemeClr val="accent1"/>
+          </a:effectRef>
+          <a:fontRef idx="minor">
+            <a:schemeClr val="lt1"/>
+          </a:fontRef>
+        </p:style>
+        <p:txBody>
+          <a:bodyPr rot="0" spcFirstLastPara="0" vertOverflow="overflow" horzOverflow="overflow" vert="horz" wrap="square" lIns="457200" tIns="91440" rIns="91440" bIns="45720" numCol="1" spcCol="0" rtlCol="0" fromWordArt="0" anchor="t" anchorCtr="0" forceAA="0" compatLnSpc="1">
+            <a:prstTxWarp prst="textNoShape">
+              <a:avLst/>
+            </a:prstTxWarp>
+            <a:noAutofit/>
+          </a:bodyPr>
+          <a:lstStyle/>
+          <a:p>
+            <a:pPr algn="l"/>
+            <a:r>
+              <a:rPr lang="en-US" sz="1200" dirty="0">
+                <a:solidFill>
+                  <a:srgbClr val="545B64"/>
+                </a:solidFill>
+              </a:rPr>
+              <a:t>Subnet</a:t>
+            </a:r>
+          </a:p>
+        </p:txBody>
+      </p:sp>
+      <p:pic>
+        <p:nvPicPr>
+          <p:cNvPr id="36" name="Graphic 35">
+            <a:extLst>
+              <a:ext uri="{FF2B5EF4-FFF2-40B4-BE49-F238E27FC236}">
+                <a16:creationId xmlns:a16="http://schemas.microsoft.com/office/drawing/2014/main" id="{01654FD9-02DB-9540-A81D-53E042F8FAF3}"/>
+              </a:ext>
+            </a:extLst>
+          </p:cNvPr>
+          <p:cNvPicPr>
+            <a:picLocks noChangeAspect="1"/>
+          </p:cNvPicPr>
+          <p:nvPr/>
+        </p:nvPicPr>
+        <p:blipFill>
+          <a:blip r:embed="rId16">
+            <a:extLst>
+              <a:ext uri="{96DAC541-7B7A-43D3-8B79-37D633B846F1}">
+                <asvg:svgBlip xmlns:asvg="http://schemas.microsoft.com/office/drawing/2016/SVG/main" r:embed="rId17"/>
+              </a:ext>
+            </a:extLst>
+          </a:blip>
+          <a:stretch>
+            <a:fillRect/>
+          </a:stretch>
+        </p:blipFill>
+        <p:spPr>
+          <a:xfrm>
+            <a:off x="8758460" y="3487907"/>
+            <a:ext cx="762000" cy="952500"/>
+          </a:xfrm>
+          <a:prstGeom prst="rect">
+            <a:avLst/>
+          </a:prstGeom>
+        </p:spPr>
+      </p:pic>
+      <p:cxnSp>
+        <p:nvCxnSpPr>
+          <p:cNvPr id="37" name="Straight Arrow Connector 36">
+            <a:extLst>
+              <a:ext uri="{FF2B5EF4-FFF2-40B4-BE49-F238E27FC236}">
+                <a16:creationId xmlns:a16="http://schemas.microsoft.com/office/drawing/2014/main" id="{B52A585B-E9AB-D944-81A4-3DAFC8E24C31}"/>
+              </a:ext>
+            </a:extLst>
+          </p:cNvPr>
+          <p:cNvCxnSpPr>
+            <a:cxnSpLocks/>
+          </p:cNvCxnSpPr>
+          <p:nvPr/>
+        </p:nvCxnSpPr>
+        <p:spPr>
+          <a:xfrm flipH="1">
+            <a:off x="8182290" y="3964157"/>
+            <a:ext cx="550770" cy="90"/>
+          </a:xfrm>
+          <a:prstGeom prst="straightConnector1">
+            <a:avLst/>
+          </a:prstGeom>
+          <a:ln w="12700">
+            <a:solidFill>
+              <a:schemeClr val="accent2"/>
+            </a:solidFill>
+            <a:tailEnd type="arrow"/>
+          </a:ln>
+        </p:spPr>
+        <p:style>
+          <a:lnRef idx="1">
+            <a:schemeClr val="accent1"/>
+          </a:lnRef>
+          <a:fillRef idx="0">
+            <a:schemeClr val="accent1"/>
+          </a:fillRef>
+          <a:effectRef idx="0">
+            <a:schemeClr val="accent1"/>
+          </a:effectRef>
+          <a:fontRef idx="minor">
+            <a:schemeClr val="tx1"/>
+          </a:fontRef>
+        </p:style>
+      </p:cxnSp>
+      <p:cxnSp>
+        <p:nvCxnSpPr>
+          <p:cNvPr id="40" name="Straight Arrow Connector 39">
+            <a:extLst>
+              <a:ext uri="{FF2B5EF4-FFF2-40B4-BE49-F238E27FC236}">
+                <a16:creationId xmlns:a16="http://schemas.microsoft.com/office/drawing/2014/main" id="{FFF8F624-A0FB-C641-990E-E6ACDBFB264B}"/>
+              </a:ext>
+            </a:extLst>
+          </p:cNvPr>
+          <p:cNvCxnSpPr/>
+          <p:nvPr/>
+        </p:nvCxnSpPr>
+        <p:spPr>
+          <a:xfrm flipH="1">
+            <a:off x="6465367" y="3951547"/>
+            <a:ext cx="980323" cy="19753"/>
+          </a:xfrm>
+          <a:prstGeom prst="straightConnector1">
+            <a:avLst/>
+          </a:prstGeom>
+          <a:ln w="12700">
+            <a:solidFill>
+              <a:schemeClr val="accent2"/>
+            </a:solidFill>
+            <a:tailEnd type="arrow"/>
+          </a:ln>
+        </p:spPr>
+        <p:style>
+          <a:lnRef idx="1">
+            <a:schemeClr val="accent1"/>
+          </a:lnRef>
+          <a:fillRef idx="0">
+            <a:schemeClr val="accent1"/>
+          </a:fillRef>
+          <a:effectRef idx="0">
+            <a:schemeClr val="accent1"/>
+          </a:effectRef>
+          <a:fontRef idx="minor">
+            <a:schemeClr val="tx1"/>
+          </a:fontRef>
+        </p:style>
+      </p:cxnSp>
+      <p:cxnSp>
+        <p:nvCxnSpPr>
+          <p:cNvPr id="51" name="Straight Arrow Connector 50">
+            <a:extLst>
+              <a:ext uri="{FF2B5EF4-FFF2-40B4-BE49-F238E27FC236}">
+                <a16:creationId xmlns:a16="http://schemas.microsoft.com/office/drawing/2014/main" id="{F1C0A691-F750-284D-85B3-120C92EC3614}"/>
+              </a:ext>
+            </a:extLst>
+          </p:cNvPr>
+          <p:cNvCxnSpPr>
+            <a:cxnSpLocks/>
+            <a:stCxn id="36" idx="0"/>
+            <a:endCxn id="45" idx="3"/>
+          </p:cNvCxnSpPr>
+          <p:nvPr/>
+        </p:nvCxnSpPr>
+        <p:spPr>
+          <a:xfrm flipH="1" flipV="1">
+            <a:off x="8210806" y="2967672"/>
+            <a:ext cx="928654" cy="520235"/>
+          </a:xfrm>
+          <a:prstGeom prst="straightConnector1">
+            <a:avLst/>
+          </a:prstGeom>
+          <a:ln w="12700">
+            <a:solidFill>
+              <a:schemeClr val="accent2"/>
+            </a:solidFill>
+            <a:tailEnd type="arrow"/>
+          </a:ln>
+        </p:spPr>
+        <p:style>
+          <a:lnRef idx="1">
+            <a:schemeClr val="accent1"/>
+          </a:lnRef>
+          <a:fillRef idx="0">
+            <a:schemeClr val="accent1"/>
+          </a:fillRef>
+          <a:effectRef idx="0">
+            <a:schemeClr val="accent1"/>
+          </a:effectRef>
+          <a:fontRef idx="minor">
+            <a:schemeClr val="tx1"/>
+          </a:fontRef>
+        </p:style>
+      </p:cxnSp>
+      <p:cxnSp>
+        <p:nvCxnSpPr>
+          <p:cNvPr id="53" name="Straight Arrow Connector 52">
+            <a:extLst>
+              <a:ext uri="{FF2B5EF4-FFF2-40B4-BE49-F238E27FC236}">
+                <a16:creationId xmlns:a16="http://schemas.microsoft.com/office/drawing/2014/main" id="{67211C67-C986-1943-AEB7-DBE77C7847E7}"/>
+              </a:ext>
+            </a:extLst>
+          </p:cNvPr>
+          <p:cNvCxnSpPr>
+            <a:cxnSpLocks/>
+            <a:stCxn id="36" idx="2"/>
+            <a:endCxn id="47" idx="3"/>
+          </p:cNvCxnSpPr>
+          <p:nvPr/>
+        </p:nvCxnSpPr>
+        <p:spPr>
+          <a:xfrm flipH="1">
+            <a:off x="8207690" y="4440407"/>
+            <a:ext cx="931770" cy="550801"/>
+          </a:xfrm>
+          <a:prstGeom prst="straightConnector1">
+            <a:avLst/>
+          </a:prstGeom>
+          <a:ln w="12700">
+            <a:solidFill>
+              <a:schemeClr val="accent2"/>
+            </a:solidFill>
+            <a:tailEnd type="arrow"/>
+          </a:ln>
+        </p:spPr>
+        <p:style>
+          <a:lnRef idx="1">
+            <a:schemeClr val="accent1"/>
+          </a:lnRef>
+          <a:fillRef idx="0">
+            <a:schemeClr val="accent1"/>
+          </a:fillRef>
+          <a:effectRef idx="0">
+            <a:schemeClr val="accent1"/>
+          </a:effectRef>
+          <a:fontRef idx="minor">
+            <a:schemeClr val="tx1"/>
+          </a:fontRef>
+        </p:style>
+      </p:cxnSp>
+      <p:cxnSp>
+        <p:nvCxnSpPr>
+          <p:cNvPr id="54" name="Straight Arrow Connector 53">
+            <a:extLst>
+              <a:ext uri="{FF2B5EF4-FFF2-40B4-BE49-F238E27FC236}">
+                <a16:creationId xmlns:a16="http://schemas.microsoft.com/office/drawing/2014/main" id="{20B1A6E2-BEFF-D04F-9477-962E890BE825}"/>
+              </a:ext>
+            </a:extLst>
+          </p:cNvPr>
+          <p:cNvCxnSpPr>
+            <a:cxnSpLocks/>
+          </p:cNvCxnSpPr>
+          <p:nvPr/>
+        </p:nvCxnSpPr>
+        <p:spPr>
+          <a:xfrm>
+            <a:off x="8180108" y="3820509"/>
+            <a:ext cx="587653" cy="0"/>
+          </a:xfrm>
+          <a:prstGeom prst="straightConnector1">
+            <a:avLst/>
+          </a:prstGeom>
+          <a:ln w="12700">
+            <a:solidFill>
+              <a:schemeClr val="accent2"/>
+            </a:solidFill>
+            <a:tailEnd type="arrow"/>
           </a:ln>
         </p:spPr>
         <p:style>
@@ -15780,7 +21739,7 @@
 </p:sld>
 </file>
 
-<file path=ppt/slides/slide7.xml><?xml version="1.0" encoding="utf-8"?>
+<file path=ppt/slides/slide9.xml><?xml version="1.0" encoding="utf-8"?>
 <p:sld xmlns:a="http://schemas.openxmlformats.org/drawingml/2006/main" xmlns:r="http://schemas.openxmlformats.org/officeDocument/2006/relationships" xmlns:p="http://schemas.openxmlformats.org/presentationml/2006/main">
   <p:cSld>
     <p:spTree>
@@ -16815,1778 +22774,6 @@
     <p:extLst>
       <p:ext uri="{BB962C8B-B14F-4D97-AF65-F5344CB8AC3E}">
         <p14:creationId xmlns:p14="http://schemas.microsoft.com/office/powerpoint/2010/main" val="3469470808"/>
-      </p:ext>
-    </p:extLst>
-  </p:cSld>
-  <p:clrMapOvr>
-    <a:masterClrMapping/>
-  </p:clrMapOvr>
-</p:sld>
-</file>
-
-<file path=ppt/slides/slide8.xml><?xml version="1.0" encoding="utf-8"?>
-<p:sld xmlns:a="http://schemas.openxmlformats.org/drawingml/2006/main" xmlns:r="http://schemas.openxmlformats.org/officeDocument/2006/relationships" xmlns:p="http://schemas.openxmlformats.org/presentationml/2006/main">
-  <p:cSld>
-    <p:spTree>
-      <p:nvGrpSpPr>
-        <p:cNvPr id="1" name=""/>
-        <p:cNvGrpSpPr/>
-        <p:nvPr/>
-      </p:nvGrpSpPr>
-      <p:grpSpPr>
-        <a:xfrm>
-          <a:off x="0" y="0"/>
-          <a:ext cx="0" cy="0"/>
-          <a:chOff x="0" y="0"/>
-          <a:chExt cx="0" cy="0"/>
-        </a:xfrm>
-      </p:grpSpPr>
-      <p:grpSp>
-        <p:nvGrpSpPr>
-          <p:cNvPr id="4" name="Group 3">
-            <a:extLst>
-              <a:ext uri="{FF2B5EF4-FFF2-40B4-BE49-F238E27FC236}">
-                <a16:creationId xmlns:a16="http://schemas.microsoft.com/office/drawing/2014/main" id="{FB1FEB98-2E37-964E-A23C-0852005D39B9}"/>
-              </a:ext>
-            </a:extLst>
-          </p:cNvPr>
-          <p:cNvGrpSpPr/>
-          <p:nvPr/>
-        </p:nvGrpSpPr>
-        <p:grpSpPr>
-          <a:xfrm>
-            <a:off x="1536192" y="457200"/>
-            <a:ext cx="9029322" cy="5973572"/>
-            <a:chOff x="7004050" y="3978275"/>
-            <a:chExt cx="1853031" cy="1765300"/>
-          </a:xfrm>
-        </p:grpSpPr>
-        <p:pic>
-          <p:nvPicPr>
-            <p:cNvPr id="5" name="Graphic 4">
-              <a:extLst>
-                <a:ext uri="{FF2B5EF4-FFF2-40B4-BE49-F238E27FC236}">
-                  <a16:creationId xmlns:a16="http://schemas.microsoft.com/office/drawing/2014/main" id="{6B701556-47D8-8D4F-BFEA-AF7FFA3291CE}"/>
-                </a:ext>
-              </a:extLst>
-            </p:cNvPr>
-            <p:cNvPicPr>
-              <a:picLocks noChangeAspect="1"/>
-            </p:cNvPicPr>
-            <p:nvPr/>
-          </p:nvPicPr>
-          <p:blipFill>
-            <a:blip r:embed="rId2">
-              <a:extLst>
-                <a:ext uri="{96DAC541-7B7A-43D3-8B79-37D633B846F1}">
-                  <asvg:svgBlip xmlns:asvg="http://schemas.microsoft.com/office/drawing/2016/SVG/main" r:embed="rId3"/>
-                </a:ext>
-              </a:extLst>
-            </a:blip>
-            <a:stretch>
-              <a:fillRect/>
-            </a:stretch>
-          </p:blipFill>
-          <p:spPr>
-            <a:xfrm>
-              <a:off x="7004050" y="3978275"/>
-              <a:ext cx="79075" cy="130632"/>
-            </a:xfrm>
-            <a:prstGeom prst="rect">
-              <a:avLst/>
-            </a:prstGeom>
-          </p:spPr>
-        </p:pic>
-        <p:sp>
-          <p:nvSpPr>
-            <p:cNvPr id="6" name="Rectangle 5">
-              <a:extLst>
-                <a:ext uri="{FF2B5EF4-FFF2-40B4-BE49-F238E27FC236}">
-                  <a16:creationId xmlns:a16="http://schemas.microsoft.com/office/drawing/2014/main" id="{A397BF2C-6E67-E348-902A-F449D6031462}"/>
-                </a:ext>
-              </a:extLst>
-            </p:cNvPr>
-            <p:cNvSpPr/>
-            <p:nvPr/>
-          </p:nvSpPr>
-          <p:spPr>
-            <a:xfrm>
-              <a:off x="7004050" y="3978275"/>
-              <a:ext cx="1853031" cy="1765300"/>
-            </a:xfrm>
-            <a:prstGeom prst="rect">
-              <a:avLst/>
-            </a:prstGeom>
-            <a:noFill/>
-            <a:ln w="12700" cap="flat" cmpd="sng" algn="ctr">
-              <a:solidFill>
-                <a:srgbClr val="AAB7B8"/>
-              </a:solidFill>
-              <a:prstDash val="solid"/>
-              <a:miter lim="800000"/>
-            </a:ln>
-            <a:effectLst/>
-          </p:spPr>
-          <p:txBody>
-            <a:bodyPr rot="0" spcFirstLastPara="0" vertOverflow="overflow" horzOverflow="overflow" vert="horz" wrap="square" lIns="457200" tIns="91440" rIns="91440" bIns="45720" numCol="1" spcCol="0" rtlCol="0" fromWordArt="0" anchor="t" anchorCtr="0" forceAA="0" compatLnSpc="1">
-              <a:prstTxWarp prst="textNoShape">
-                <a:avLst/>
-              </a:prstTxWarp>
-              <a:noAutofit/>
-            </a:bodyPr>
-            <a:lstStyle/>
-            <a:p>
-              <a:pPr marL="0" marR="0" lvl="0" indent="0" defTabSz="914400" eaLnBrk="1" fontAlgn="auto" latinLnBrk="0" hangingPunct="1">
-                <a:lnSpc>
-                  <a:spcPct val="100000"/>
-                </a:lnSpc>
-                <a:spcBef>
-                  <a:spcPts val="0"/>
-                </a:spcBef>
-                <a:spcAft>
-                  <a:spcPts val="0"/>
-                </a:spcAft>
-                <a:buClrTx/>
-                <a:buSzTx/>
-                <a:buFontTx/>
-                <a:buNone/>
-                <a:tabLst/>
-                <a:defRPr/>
-              </a:pPr>
-              <a:r>
-                <a:rPr kumimoji="0" lang="en-US" sz="1200" b="0" i="0" u="none" strike="noStrike" kern="0" cap="none" spc="0" normalizeH="0" baseline="0" noProof="0" dirty="0">
-                  <a:ln>
-                    <a:noFill/>
-                  </a:ln>
-                  <a:solidFill>
-                    <a:srgbClr val="AAB7B8"/>
-                  </a:solidFill>
-                  <a:effectLst/>
-                  <a:uLnTx/>
-                  <a:uFillTx/>
-                  <a:latin typeface="Arial" panose="020B0604020202020204"/>
-                  <a:ea typeface="+mn-ea"/>
-                  <a:cs typeface="+mn-cs"/>
-                </a:rPr>
-                <a:t>AWS Cloud</a:t>
-              </a:r>
-            </a:p>
-          </p:txBody>
-        </p:sp>
-      </p:grpSp>
-      <p:pic>
-        <p:nvPicPr>
-          <p:cNvPr id="10" name="Picture 9">
-            <a:extLst>
-              <a:ext uri="{FF2B5EF4-FFF2-40B4-BE49-F238E27FC236}">
-                <a16:creationId xmlns:a16="http://schemas.microsoft.com/office/drawing/2014/main" id="{B8E2A588-0E6C-CA41-9B6C-EBF58119B0E4}"/>
-              </a:ext>
-            </a:extLst>
-          </p:cNvPr>
-          <p:cNvPicPr>
-            <a:picLocks noChangeAspect="1"/>
-          </p:cNvPicPr>
-          <p:nvPr/>
-        </p:nvPicPr>
-        <p:blipFill>
-          <a:blip r:embed="rId4"/>
-          <a:stretch>
-            <a:fillRect/>
-          </a:stretch>
-        </p:blipFill>
-        <p:spPr>
-          <a:xfrm>
-            <a:off x="4576573" y="1430868"/>
-            <a:ext cx="787400" cy="787400"/>
-          </a:xfrm>
-          <a:prstGeom prst="rect">
-            <a:avLst/>
-          </a:prstGeom>
-        </p:spPr>
-      </p:pic>
-      <p:pic>
-        <p:nvPicPr>
-          <p:cNvPr id="11" name="Picture 10">
-            <a:extLst>
-              <a:ext uri="{FF2B5EF4-FFF2-40B4-BE49-F238E27FC236}">
-                <a16:creationId xmlns:a16="http://schemas.microsoft.com/office/drawing/2014/main" id="{94AC34A3-CFFF-E942-863B-6AF27C4FD7A8}"/>
-              </a:ext>
-            </a:extLst>
-          </p:cNvPr>
-          <p:cNvPicPr>
-            <a:picLocks noChangeAspect="1"/>
-          </p:cNvPicPr>
-          <p:nvPr/>
-        </p:nvPicPr>
-        <p:blipFill>
-          <a:blip r:embed="rId5"/>
-          <a:stretch>
-            <a:fillRect/>
-          </a:stretch>
-        </p:blipFill>
-        <p:spPr>
-          <a:xfrm>
-            <a:off x="2507656" y="1376004"/>
-            <a:ext cx="890147" cy="918861"/>
-          </a:xfrm>
-          <a:prstGeom prst="rect">
-            <a:avLst/>
-          </a:prstGeom>
-          <a:solidFill>
-            <a:schemeClr val="bg1"/>
-          </a:solidFill>
-          <a:ln>
-            <a:solidFill>
-              <a:schemeClr val="bg1"/>
-            </a:solidFill>
-          </a:ln>
-          <a:effectLst>
-            <a:outerShdw blurRad="50800" dist="50800" dir="5400000" algn="ctr" rotWithShape="0">
-              <a:schemeClr val="bg1"/>
-            </a:outerShdw>
-          </a:effectLst>
-        </p:spPr>
-      </p:pic>
-      <p:pic>
-        <p:nvPicPr>
-          <p:cNvPr id="12" name="Picture 11">
-            <a:extLst>
-              <a:ext uri="{FF2B5EF4-FFF2-40B4-BE49-F238E27FC236}">
-                <a16:creationId xmlns:a16="http://schemas.microsoft.com/office/drawing/2014/main" id="{0C990DF0-6AED-D745-9766-6BA65EDC3B4D}"/>
-              </a:ext>
-            </a:extLst>
-          </p:cNvPr>
-          <p:cNvPicPr>
-            <a:picLocks noChangeAspect="1"/>
-          </p:cNvPicPr>
-          <p:nvPr/>
-        </p:nvPicPr>
-        <p:blipFill>
-          <a:blip r:embed="rId6"/>
-          <a:stretch>
-            <a:fillRect/>
-          </a:stretch>
-        </p:blipFill>
-        <p:spPr>
-          <a:xfrm>
-            <a:off x="2487303" y="3455386"/>
-            <a:ext cx="918861" cy="918861"/>
-          </a:xfrm>
-          <a:prstGeom prst="rect">
-            <a:avLst/>
-          </a:prstGeom>
-          <a:effectLst>
-            <a:outerShdw blurRad="50800" dist="50800" dir="5400000" algn="ctr" rotWithShape="0">
-              <a:schemeClr val="bg1"/>
-            </a:outerShdw>
-          </a:effectLst>
-        </p:spPr>
-      </p:pic>
-      <p:pic>
-        <p:nvPicPr>
-          <p:cNvPr id="13" name="Picture 12">
-            <a:extLst>
-              <a:ext uri="{FF2B5EF4-FFF2-40B4-BE49-F238E27FC236}">
-                <a16:creationId xmlns:a16="http://schemas.microsoft.com/office/drawing/2014/main" id="{1F2BEE1B-A5DB-F648-BA56-EEA970479030}"/>
-              </a:ext>
-            </a:extLst>
-          </p:cNvPr>
-          <p:cNvPicPr>
-            <a:picLocks noChangeAspect="1"/>
-          </p:cNvPicPr>
-          <p:nvPr/>
-        </p:nvPicPr>
-        <p:blipFill>
-          <a:blip r:embed="rId7"/>
-          <a:stretch>
-            <a:fillRect/>
-          </a:stretch>
-        </p:blipFill>
-        <p:spPr>
-          <a:xfrm rot="5400000">
-            <a:off x="3962856" y="3831561"/>
-            <a:ext cx="2014832" cy="516127"/>
-          </a:xfrm>
-          <a:prstGeom prst="rect">
-            <a:avLst/>
-          </a:prstGeom>
-        </p:spPr>
-      </p:pic>
-      <p:cxnSp>
-        <p:nvCxnSpPr>
-          <p:cNvPr id="15" name="Straight Arrow Connector 14">
-            <a:extLst>
-              <a:ext uri="{FF2B5EF4-FFF2-40B4-BE49-F238E27FC236}">
-                <a16:creationId xmlns:a16="http://schemas.microsoft.com/office/drawing/2014/main" id="{04BDAB84-5BB4-BB4D-AFA3-351907512E2D}"/>
-              </a:ext>
-            </a:extLst>
-          </p:cNvPr>
-          <p:cNvCxnSpPr>
-            <a:stCxn id="12" idx="0"/>
-            <a:endCxn id="11" idx="2"/>
-          </p:cNvCxnSpPr>
-          <p:nvPr/>
-        </p:nvCxnSpPr>
-        <p:spPr>
-          <a:xfrm flipV="1">
-            <a:off x="2946734" y="2294865"/>
-            <a:ext cx="5996" cy="1160521"/>
-          </a:xfrm>
-          <a:prstGeom prst="straightConnector1">
-            <a:avLst/>
-          </a:prstGeom>
-          <a:ln w="12700">
-            <a:solidFill>
-              <a:schemeClr val="accent2"/>
-            </a:solidFill>
-            <a:tailEnd type="triangle"/>
-          </a:ln>
-        </p:spPr>
-        <p:style>
-          <a:lnRef idx="1">
-            <a:schemeClr val="accent1"/>
-          </a:lnRef>
-          <a:fillRef idx="0">
-            <a:schemeClr val="accent1"/>
-          </a:fillRef>
-          <a:effectRef idx="0">
-            <a:schemeClr val="accent1"/>
-          </a:effectRef>
-          <a:fontRef idx="minor">
-            <a:schemeClr val="tx1"/>
-          </a:fontRef>
-        </p:style>
-      </p:cxnSp>
-      <p:cxnSp>
-        <p:nvCxnSpPr>
-          <p:cNvPr id="18" name="Straight Arrow Connector 17">
-            <a:extLst>
-              <a:ext uri="{FF2B5EF4-FFF2-40B4-BE49-F238E27FC236}">
-                <a16:creationId xmlns:a16="http://schemas.microsoft.com/office/drawing/2014/main" id="{574947A3-99BC-F947-AC6A-5BB168713AD6}"/>
-              </a:ext>
-            </a:extLst>
-          </p:cNvPr>
-          <p:cNvCxnSpPr>
-            <a:stCxn id="11" idx="3"/>
-            <a:endCxn id="10" idx="1"/>
-          </p:cNvCxnSpPr>
-          <p:nvPr/>
-        </p:nvCxnSpPr>
-        <p:spPr>
-          <a:xfrm flipV="1">
-            <a:off x="3397803" y="1824568"/>
-            <a:ext cx="1178770" cy="10867"/>
-          </a:xfrm>
-          <a:prstGeom prst="straightConnector1">
-            <a:avLst/>
-          </a:prstGeom>
-          <a:ln w="12700">
-            <a:solidFill>
-              <a:schemeClr val="accent2"/>
-            </a:solidFill>
-            <a:tailEnd type="triangle"/>
-          </a:ln>
-        </p:spPr>
-        <p:style>
-          <a:lnRef idx="1">
-            <a:schemeClr val="accent1"/>
-          </a:lnRef>
-          <a:fillRef idx="0">
-            <a:schemeClr val="accent1"/>
-          </a:fillRef>
-          <a:effectRef idx="0">
-            <a:schemeClr val="accent1"/>
-          </a:effectRef>
-          <a:fontRef idx="minor">
-            <a:schemeClr val="tx1"/>
-          </a:fontRef>
-        </p:style>
-      </p:cxnSp>
-      <p:cxnSp>
-        <p:nvCxnSpPr>
-          <p:cNvPr id="20" name="Straight Arrow Connector 19">
-            <a:extLst>
-              <a:ext uri="{FF2B5EF4-FFF2-40B4-BE49-F238E27FC236}">
-                <a16:creationId xmlns:a16="http://schemas.microsoft.com/office/drawing/2014/main" id="{C253E9CE-2127-3B41-8438-990D974E5E4A}"/>
-              </a:ext>
-            </a:extLst>
-          </p:cNvPr>
-          <p:cNvCxnSpPr>
-            <a:cxnSpLocks/>
-            <a:stCxn id="10" idx="2"/>
-            <a:endCxn id="13" idx="1"/>
-          </p:cNvCxnSpPr>
-          <p:nvPr/>
-        </p:nvCxnSpPr>
-        <p:spPr>
-          <a:xfrm flipH="1">
-            <a:off x="4970272" y="2218268"/>
-            <a:ext cx="1" cy="863941"/>
-          </a:xfrm>
-          <a:prstGeom prst="straightConnector1">
-            <a:avLst/>
-          </a:prstGeom>
-          <a:ln w="12700">
-            <a:solidFill>
-              <a:schemeClr val="accent2"/>
-            </a:solidFill>
-            <a:tailEnd type="triangle"/>
-          </a:ln>
-        </p:spPr>
-        <p:style>
-          <a:lnRef idx="1">
-            <a:schemeClr val="accent1"/>
-          </a:lnRef>
-          <a:fillRef idx="0">
-            <a:schemeClr val="accent1"/>
-          </a:fillRef>
-          <a:effectRef idx="0">
-            <a:schemeClr val="accent1"/>
-          </a:effectRef>
-          <a:fontRef idx="minor">
-            <a:schemeClr val="tx1"/>
-          </a:fontRef>
-        </p:style>
-      </p:cxnSp>
-      <p:cxnSp>
-        <p:nvCxnSpPr>
-          <p:cNvPr id="23" name="Straight Arrow Connector 22">
-            <a:extLst>
-              <a:ext uri="{FF2B5EF4-FFF2-40B4-BE49-F238E27FC236}">
-                <a16:creationId xmlns:a16="http://schemas.microsoft.com/office/drawing/2014/main" id="{691F3A43-7408-DF4C-8A22-04373C0B6F10}"/>
-              </a:ext>
-            </a:extLst>
-          </p:cNvPr>
-          <p:cNvCxnSpPr>
-            <a:stCxn id="12" idx="3"/>
-          </p:cNvCxnSpPr>
-          <p:nvPr/>
-        </p:nvCxnSpPr>
-        <p:spPr>
-          <a:xfrm flipV="1">
-            <a:off x="3406164" y="3914816"/>
-            <a:ext cx="1306044" cy="1"/>
-          </a:xfrm>
-          <a:prstGeom prst="straightConnector1">
-            <a:avLst/>
-          </a:prstGeom>
-          <a:ln w="12700">
-            <a:solidFill>
-              <a:schemeClr val="accent2"/>
-            </a:solidFill>
-            <a:tailEnd type="triangle"/>
-          </a:ln>
-        </p:spPr>
-        <p:style>
-          <a:lnRef idx="1">
-            <a:schemeClr val="accent1"/>
-          </a:lnRef>
-          <a:fillRef idx="0">
-            <a:schemeClr val="accent1"/>
-          </a:fillRef>
-          <a:effectRef idx="0">
-            <a:schemeClr val="accent1"/>
-          </a:effectRef>
-          <a:fontRef idx="minor">
-            <a:schemeClr val="tx1"/>
-          </a:fontRef>
-        </p:style>
-      </p:cxnSp>
-      <p:pic>
-        <p:nvPicPr>
-          <p:cNvPr id="24" name="Picture 23">
-            <a:extLst>
-              <a:ext uri="{FF2B5EF4-FFF2-40B4-BE49-F238E27FC236}">
-                <a16:creationId xmlns:a16="http://schemas.microsoft.com/office/drawing/2014/main" id="{57985263-F0DA-7A49-AE0F-CF8DC04CE4BA}"/>
-              </a:ext>
-            </a:extLst>
-          </p:cNvPr>
-          <p:cNvPicPr>
-            <a:picLocks noChangeAspect="1"/>
-          </p:cNvPicPr>
-          <p:nvPr/>
-        </p:nvPicPr>
-        <p:blipFill>
-          <a:blip r:embed="rId8"/>
-          <a:stretch>
-            <a:fillRect/>
-          </a:stretch>
-        </p:blipFill>
-        <p:spPr>
-          <a:xfrm>
-            <a:off x="7571043" y="2344866"/>
-            <a:ext cx="787400" cy="787400"/>
-          </a:xfrm>
-          <a:prstGeom prst="rect">
-            <a:avLst/>
-          </a:prstGeom>
-        </p:spPr>
-      </p:pic>
-      <p:pic>
-        <p:nvPicPr>
-          <p:cNvPr id="25" name="Picture 24">
-            <a:extLst>
-              <a:ext uri="{FF2B5EF4-FFF2-40B4-BE49-F238E27FC236}">
-                <a16:creationId xmlns:a16="http://schemas.microsoft.com/office/drawing/2014/main" id="{85D0FBCF-C1EF-AD49-9F6E-97164CD93752}"/>
-              </a:ext>
-            </a:extLst>
-          </p:cNvPr>
-          <p:cNvPicPr>
-            <a:picLocks noChangeAspect="1"/>
-          </p:cNvPicPr>
-          <p:nvPr/>
-        </p:nvPicPr>
-        <p:blipFill>
-          <a:blip r:embed="rId8"/>
-          <a:stretch>
-            <a:fillRect/>
-          </a:stretch>
-        </p:blipFill>
-        <p:spPr>
-          <a:xfrm>
-            <a:off x="7571043" y="3711832"/>
-            <a:ext cx="787400" cy="787400"/>
-          </a:xfrm>
-          <a:prstGeom prst="rect">
-            <a:avLst/>
-          </a:prstGeom>
-        </p:spPr>
-      </p:pic>
-      <p:pic>
-        <p:nvPicPr>
-          <p:cNvPr id="26" name="Picture 25">
-            <a:extLst>
-              <a:ext uri="{FF2B5EF4-FFF2-40B4-BE49-F238E27FC236}">
-                <a16:creationId xmlns:a16="http://schemas.microsoft.com/office/drawing/2014/main" id="{84421E80-0533-5F4F-A9AE-8B8E8AA229F6}"/>
-              </a:ext>
-            </a:extLst>
-          </p:cNvPr>
-          <p:cNvPicPr>
-            <a:picLocks noChangeAspect="1"/>
-          </p:cNvPicPr>
-          <p:nvPr/>
-        </p:nvPicPr>
-        <p:blipFill>
-          <a:blip r:embed="rId8"/>
-          <a:stretch>
-            <a:fillRect/>
-          </a:stretch>
-        </p:blipFill>
-        <p:spPr>
-          <a:xfrm>
-            <a:off x="7571043" y="4990728"/>
-            <a:ext cx="787400" cy="787400"/>
-          </a:xfrm>
-          <a:prstGeom prst="rect">
-            <a:avLst/>
-          </a:prstGeom>
-        </p:spPr>
-      </p:pic>
-      <p:cxnSp>
-        <p:nvCxnSpPr>
-          <p:cNvPr id="28" name="Elbow Connector 27">
-            <a:extLst>
-              <a:ext uri="{FF2B5EF4-FFF2-40B4-BE49-F238E27FC236}">
-                <a16:creationId xmlns:a16="http://schemas.microsoft.com/office/drawing/2014/main" id="{5E2821AC-FE35-594C-AB27-9D76CCCED61F}"/>
-              </a:ext>
-            </a:extLst>
-          </p:cNvPr>
-          <p:cNvCxnSpPr>
-            <a:stCxn id="13" idx="0"/>
-            <a:endCxn id="24" idx="1"/>
-          </p:cNvCxnSpPr>
-          <p:nvPr/>
-        </p:nvCxnSpPr>
-        <p:spPr>
-          <a:xfrm flipV="1">
-            <a:off x="5228336" y="2738566"/>
-            <a:ext cx="2342707" cy="1351059"/>
-          </a:xfrm>
-          <a:prstGeom prst="bentConnector3">
-            <a:avLst/>
-          </a:prstGeom>
-          <a:ln w="12700">
-            <a:solidFill>
-              <a:schemeClr val="accent2"/>
-            </a:solidFill>
-            <a:tailEnd type="triangle"/>
-          </a:ln>
-        </p:spPr>
-        <p:style>
-          <a:lnRef idx="1">
-            <a:schemeClr val="accent1"/>
-          </a:lnRef>
-          <a:fillRef idx="0">
-            <a:schemeClr val="accent1"/>
-          </a:fillRef>
-          <a:effectRef idx="0">
-            <a:schemeClr val="accent1"/>
-          </a:effectRef>
-          <a:fontRef idx="minor">
-            <a:schemeClr val="tx1"/>
-          </a:fontRef>
-        </p:style>
-      </p:cxnSp>
-      <p:cxnSp>
-        <p:nvCxnSpPr>
-          <p:cNvPr id="30" name="Elbow Connector 29">
-            <a:extLst>
-              <a:ext uri="{FF2B5EF4-FFF2-40B4-BE49-F238E27FC236}">
-                <a16:creationId xmlns:a16="http://schemas.microsoft.com/office/drawing/2014/main" id="{BEB6EABB-A6DE-D745-9F48-88C3573BE21A}"/>
-              </a:ext>
-            </a:extLst>
-          </p:cNvPr>
-          <p:cNvCxnSpPr>
-            <a:stCxn id="13" idx="0"/>
-            <a:endCxn id="26" idx="1"/>
-          </p:cNvCxnSpPr>
-          <p:nvPr/>
-        </p:nvCxnSpPr>
-        <p:spPr>
-          <a:xfrm>
-            <a:off x="5228336" y="4089625"/>
-            <a:ext cx="2342707" cy="1294803"/>
-          </a:xfrm>
-          <a:prstGeom prst="bentConnector3">
-            <a:avLst/>
-          </a:prstGeom>
-          <a:ln w="12700">
-            <a:solidFill>
-              <a:schemeClr val="accent2"/>
-            </a:solidFill>
-            <a:tailEnd type="triangle"/>
-          </a:ln>
-        </p:spPr>
-        <p:style>
-          <a:lnRef idx="1">
-            <a:schemeClr val="accent1"/>
-          </a:lnRef>
-          <a:fillRef idx="0">
-            <a:schemeClr val="accent1"/>
-          </a:fillRef>
-          <a:effectRef idx="0">
-            <a:schemeClr val="accent1"/>
-          </a:effectRef>
-          <a:fontRef idx="minor">
-            <a:schemeClr val="tx1"/>
-          </a:fontRef>
-        </p:style>
-      </p:cxnSp>
-      <p:cxnSp>
-        <p:nvCxnSpPr>
-          <p:cNvPr id="32" name="Straight Arrow Connector 31">
-            <a:extLst>
-              <a:ext uri="{FF2B5EF4-FFF2-40B4-BE49-F238E27FC236}">
-                <a16:creationId xmlns:a16="http://schemas.microsoft.com/office/drawing/2014/main" id="{43181548-D9F9-894D-9D3D-8CCDAF64D576}"/>
-              </a:ext>
-            </a:extLst>
-          </p:cNvPr>
-          <p:cNvCxnSpPr>
-            <a:stCxn id="13" idx="0"/>
-            <a:endCxn id="25" idx="1"/>
-          </p:cNvCxnSpPr>
-          <p:nvPr/>
-        </p:nvCxnSpPr>
-        <p:spPr>
-          <a:xfrm>
-            <a:off x="5228336" y="4089625"/>
-            <a:ext cx="2342707" cy="15907"/>
-          </a:xfrm>
-          <a:prstGeom prst="straightConnector1">
-            <a:avLst/>
-          </a:prstGeom>
-          <a:ln w="12700">
-            <a:solidFill>
-              <a:schemeClr val="accent2"/>
-            </a:solidFill>
-            <a:tailEnd type="triangle"/>
-          </a:ln>
-        </p:spPr>
-        <p:style>
-          <a:lnRef idx="1">
-            <a:schemeClr val="accent1"/>
-          </a:lnRef>
-          <a:fillRef idx="0">
-            <a:schemeClr val="accent1"/>
-          </a:fillRef>
-          <a:effectRef idx="0">
-            <a:schemeClr val="accent1"/>
-          </a:effectRef>
-          <a:fontRef idx="minor">
-            <a:schemeClr val="tx1"/>
-          </a:fontRef>
-        </p:style>
-      </p:cxnSp>
-      <p:sp>
-        <p:nvSpPr>
-          <p:cNvPr id="34" name="TextBox 33">
-            <a:extLst>
-              <a:ext uri="{FF2B5EF4-FFF2-40B4-BE49-F238E27FC236}">
-                <a16:creationId xmlns:a16="http://schemas.microsoft.com/office/drawing/2014/main" id="{21613C01-56DB-544D-87F8-6E7162DB3C8F}"/>
-              </a:ext>
-            </a:extLst>
-          </p:cNvPr>
-          <p:cNvSpPr txBox="1"/>
-          <p:nvPr/>
-        </p:nvSpPr>
-        <p:spPr>
-          <a:xfrm>
-            <a:off x="2377440" y="4315968"/>
-            <a:ext cx="1094017" cy="369332"/>
-          </a:xfrm>
-          <a:prstGeom prst="rect">
-            <a:avLst/>
-          </a:prstGeom>
-          <a:noFill/>
-        </p:spPr>
-        <p:txBody>
-          <a:bodyPr wrap="none" rtlCol="0">
-            <a:spAutoFit/>
-          </a:bodyPr>
-          <a:lstStyle/>
-          <a:p>
-            <a:r>
-              <a:rPr lang="en-US" dirty="0"/>
-              <a:t>Data Lake</a:t>
-            </a:r>
-          </a:p>
-        </p:txBody>
-      </p:sp>
-      <p:sp>
-        <p:nvSpPr>
-          <p:cNvPr id="35" name="TextBox 34">
-            <a:extLst>
-              <a:ext uri="{FF2B5EF4-FFF2-40B4-BE49-F238E27FC236}">
-                <a16:creationId xmlns:a16="http://schemas.microsoft.com/office/drawing/2014/main" id="{7B2D0510-F5CC-1E42-BADD-82A8B4F2CDC9}"/>
-              </a:ext>
-            </a:extLst>
-          </p:cNvPr>
-          <p:cNvSpPr txBox="1"/>
-          <p:nvPr/>
-        </p:nvSpPr>
-        <p:spPr>
-          <a:xfrm>
-            <a:off x="2328672" y="2218944"/>
-            <a:ext cx="1394997" cy="369332"/>
-          </a:xfrm>
-          <a:prstGeom prst="rect">
-            <a:avLst/>
-          </a:prstGeom>
-          <a:noFill/>
-          <a:ln w="12700">
-            <a:solidFill>
-              <a:schemeClr val="bg1"/>
-            </a:solidFill>
-          </a:ln>
-        </p:spPr>
-        <p:txBody>
-          <a:bodyPr wrap="none" rtlCol="0">
-            <a:spAutoFit/>
-          </a:bodyPr>
-          <a:lstStyle/>
-          <a:p>
-            <a:r>
-              <a:rPr lang="en-US" dirty="0"/>
-              <a:t>Glue Crawler</a:t>
-            </a:r>
-          </a:p>
-        </p:txBody>
-      </p:sp>
-      <p:sp>
-        <p:nvSpPr>
-          <p:cNvPr id="36" name="TextBox 35">
-            <a:extLst>
-              <a:ext uri="{FF2B5EF4-FFF2-40B4-BE49-F238E27FC236}">
-                <a16:creationId xmlns:a16="http://schemas.microsoft.com/office/drawing/2014/main" id="{7B0FE6AC-889A-0943-82D6-51EEE064D29E}"/>
-              </a:ext>
-            </a:extLst>
-          </p:cNvPr>
-          <p:cNvSpPr txBox="1"/>
-          <p:nvPr/>
-        </p:nvSpPr>
-        <p:spPr>
-          <a:xfrm>
-            <a:off x="4419600" y="2261616"/>
-            <a:ext cx="1373966" cy="369332"/>
-          </a:xfrm>
-          <a:prstGeom prst="rect">
-            <a:avLst/>
-          </a:prstGeom>
-          <a:noFill/>
-        </p:spPr>
-        <p:txBody>
-          <a:bodyPr wrap="none" rtlCol="0">
-            <a:spAutoFit/>
-          </a:bodyPr>
-          <a:lstStyle/>
-          <a:p>
-            <a:r>
-              <a:rPr lang="en-US" dirty="0"/>
-              <a:t>Glue Catalog</a:t>
-            </a:r>
-          </a:p>
-        </p:txBody>
-      </p:sp>
-      <p:sp>
-        <p:nvSpPr>
-          <p:cNvPr id="37" name="TextBox 36">
-            <a:extLst>
-              <a:ext uri="{FF2B5EF4-FFF2-40B4-BE49-F238E27FC236}">
-                <a16:creationId xmlns:a16="http://schemas.microsoft.com/office/drawing/2014/main" id="{49B6A534-19DB-7E48-9E3E-10F931A1F575}"/>
-              </a:ext>
-            </a:extLst>
-          </p:cNvPr>
-          <p:cNvSpPr txBox="1"/>
-          <p:nvPr/>
-        </p:nvSpPr>
-        <p:spPr>
-          <a:xfrm>
-            <a:off x="4078224" y="5029200"/>
-            <a:ext cx="1911870" cy="369332"/>
-          </a:xfrm>
-          <a:prstGeom prst="rect">
-            <a:avLst/>
-          </a:prstGeom>
-          <a:noFill/>
-        </p:spPr>
-        <p:txBody>
-          <a:bodyPr wrap="none" rtlCol="0">
-            <a:spAutoFit/>
-          </a:bodyPr>
-          <a:lstStyle/>
-          <a:p>
-            <a:r>
-              <a:rPr lang="en-US" dirty="0"/>
-              <a:t>Redshift Spectrum</a:t>
-            </a:r>
-          </a:p>
-        </p:txBody>
-      </p:sp>
-      <p:pic>
-        <p:nvPicPr>
-          <p:cNvPr id="47" name="Graphic 46">
-            <a:extLst>
-              <a:ext uri="{FF2B5EF4-FFF2-40B4-BE49-F238E27FC236}">
-                <a16:creationId xmlns:a16="http://schemas.microsoft.com/office/drawing/2014/main" id="{3A81F259-B562-AB4F-9320-DE7B9CE63FDD}"/>
-              </a:ext>
-            </a:extLst>
-          </p:cNvPr>
-          <p:cNvPicPr>
-            <a:picLocks noChangeAspect="1"/>
-          </p:cNvPicPr>
-          <p:nvPr/>
-        </p:nvPicPr>
-        <p:blipFill>
-          <a:blip r:embed="rId9">
-            <a:extLst>
-              <a:ext uri="{96DAC541-7B7A-43D3-8B79-37D633B846F1}">
-                <asvg:svgBlip xmlns:asvg="http://schemas.microsoft.com/office/drawing/2016/SVG/main" r:embed="rId10"/>
-              </a:ext>
-            </a:extLst>
-          </a:blip>
-          <a:stretch>
-            <a:fillRect/>
-          </a:stretch>
-        </p:blipFill>
-        <p:spPr>
-          <a:xfrm>
-            <a:off x="6135809" y="862668"/>
-            <a:ext cx="330201" cy="342900"/>
-          </a:xfrm>
-          <a:prstGeom prst="rect">
-            <a:avLst/>
-          </a:prstGeom>
-        </p:spPr>
-      </p:pic>
-      <p:sp>
-        <p:nvSpPr>
-          <p:cNvPr id="48" name="Rectangle 47">
-            <a:extLst>
-              <a:ext uri="{FF2B5EF4-FFF2-40B4-BE49-F238E27FC236}">
-                <a16:creationId xmlns:a16="http://schemas.microsoft.com/office/drawing/2014/main" id="{88F3FD3E-3449-794A-8B52-CF35780B1982}"/>
-              </a:ext>
-            </a:extLst>
-          </p:cNvPr>
-          <p:cNvSpPr/>
-          <p:nvPr/>
-        </p:nvSpPr>
-        <p:spPr>
-          <a:xfrm>
-            <a:off x="6126479" y="867305"/>
-            <a:ext cx="3538999" cy="5356560"/>
-          </a:xfrm>
-          <a:prstGeom prst="rect">
-            <a:avLst/>
-          </a:prstGeom>
-          <a:noFill/>
-          <a:ln w="12700">
-            <a:solidFill>
-              <a:srgbClr val="879196"/>
-            </a:solidFill>
-          </a:ln>
-        </p:spPr>
-        <p:style>
-          <a:lnRef idx="2">
-            <a:schemeClr val="accent1">
-              <a:shade val="50000"/>
-            </a:schemeClr>
-          </a:lnRef>
-          <a:fillRef idx="1">
-            <a:schemeClr val="accent1"/>
-          </a:fillRef>
-          <a:effectRef idx="0">
-            <a:schemeClr val="accent1"/>
-          </a:effectRef>
-          <a:fontRef idx="minor">
-            <a:schemeClr val="lt1"/>
-          </a:fontRef>
-        </p:style>
-        <p:txBody>
-          <a:bodyPr rot="0" spcFirstLastPara="0" vertOverflow="overflow" horzOverflow="overflow" vert="horz" wrap="square" lIns="457200" tIns="91440" rIns="91440" bIns="45720" numCol="1" spcCol="0" rtlCol="0" fromWordArt="0" anchor="t" anchorCtr="0" forceAA="0" compatLnSpc="1">
-            <a:prstTxWarp prst="textNoShape">
-              <a:avLst/>
-            </a:prstTxWarp>
-            <a:noAutofit/>
-          </a:bodyPr>
-          <a:lstStyle/>
-          <a:p>
-            <a:pPr algn="l"/>
-            <a:r>
-              <a:rPr lang="en-US" sz="1200" dirty="0">
-                <a:solidFill>
-                  <a:srgbClr val="879196"/>
-                </a:solidFill>
-              </a:rPr>
-              <a:t>VPC</a:t>
-            </a:r>
-          </a:p>
-        </p:txBody>
-      </p:sp>
-      <p:pic>
-        <p:nvPicPr>
-          <p:cNvPr id="49" name="Graphic 48">
-            <a:extLst>
-              <a:ext uri="{FF2B5EF4-FFF2-40B4-BE49-F238E27FC236}">
-                <a16:creationId xmlns:a16="http://schemas.microsoft.com/office/drawing/2014/main" id="{0AE7B14E-734F-924C-8963-A634A72B45DB}"/>
-              </a:ext>
-            </a:extLst>
-          </p:cNvPr>
-          <p:cNvPicPr>
-            <a:picLocks noChangeAspect="1"/>
-          </p:cNvPicPr>
-          <p:nvPr/>
-        </p:nvPicPr>
-        <p:blipFill>
-          <a:blip r:embed="rId11">
-            <a:extLst>
-              <a:ext uri="{96DAC541-7B7A-43D3-8B79-37D633B846F1}">
-                <asvg:svgBlip xmlns:asvg="http://schemas.microsoft.com/office/drawing/2016/SVG/main" r:embed="rId12"/>
-              </a:ext>
-            </a:extLst>
-          </a:blip>
-          <a:stretch>
-            <a:fillRect/>
-          </a:stretch>
-        </p:blipFill>
-        <p:spPr>
-          <a:xfrm>
-            <a:off x="6890844" y="1584567"/>
-            <a:ext cx="342900" cy="342901"/>
-          </a:xfrm>
-          <a:prstGeom prst="rect">
-            <a:avLst/>
-          </a:prstGeom>
-        </p:spPr>
-      </p:pic>
-      <p:sp>
-        <p:nvSpPr>
-          <p:cNvPr id="50" name="Rectangle 49">
-            <a:extLst>
-              <a:ext uri="{FF2B5EF4-FFF2-40B4-BE49-F238E27FC236}">
-                <a16:creationId xmlns:a16="http://schemas.microsoft.com/office/drawing/2014/main" id="{D1AA574A-D998-BC4D-8FAF-02998B379415}"/>
-              </a:ext>
-            </a:extLst>
-          </p:cNvPr>
-          <p:cNvSpPr/>
-          <p:nvPr/>
-        </p:nvSpPr>
-        <p:spPr>
-          <a:xfrm>
-            <a:off x="6890844" y="1584568"/>
-            <a:ext cx="2148918" cy="4340744"/>
-          </a:xfrm>
-          <a:prstGeom prst="rect">
-            <a:avLst/>
-          </a:prstGeom>
-          <a:noFill/>
-          <a:ln w="12700">
-            <a:solidFill>
-              <a:srgbClr val="545B64"/>
-            </a:solidFill>
-          </a:ln>
-        </p:spPr>
-        <p:style>
-          <a:lnRef idx="2">
-            <a:schemeClr val="accent1">
-              <a:shade val="50000"/>
-            </a:schemeClr>
-          </a:lnRef>
-          <a:fillRef idx="1">
-            <a:schemeClr val="accent1"/>
-          </a:fillRef>
-          <a:effectRef idx="0">
-            <a:schemeClr val="accent1"/>
-          </a:effectRef>
-          <a:fontRef idx="minor">
-            <a:schemeClr val="lt1"/>
-          </a:fontRef>
-        </p:style>
-        <p:txBody>
-          <a:bodyPr rot="0" spcFirstLastPara="0" vertOverflow="overflow" horzOverflow="overflow" vert="horz" wrap="square" lIns="457200" tIns="91440" rIns="91440" bIns="45720" numCol="1" spcCol="0" rtlCol="0" fromWordArt="0" anchor="t" anchorCtr="0" forceAA="0" compatLnSpc="1">
-            <a:prstTxWarp prst="textNoShape">
-              <a:avLst/>
-            </a:prstTxWarp>
-            <a:noAutofit/>
-          </a:bodyPr>
-          <a:lstStyle/>
-          <a:p>
-            <a:pPr algn="l"/>
-            <a:r>
-              <a:rPr lang="en-US" sz="1200" dirty="0">
-                <a:solidFill>
-                  <a:srgbClr val="545B64"/>
-                </a:solidFill>
-              </a:rPr>
-              <a:t>Subnet</a:t>
-            </a:r>
-          </a:p>
-        </p:txBody>
-      </p:sp>
-      <p:grpSp>
-        <p:nvGrpSpPr>
-          <p:cNvPr id="51" name="Group 50">
-            <a:extLst>
-              <a:ext uri="{FF2B5EF4-FFF2-40B4-BE49-F238E27FC236}">
-                <a16:creationId xmlns:a16="http://schemas.microsoft.com/office/drawing/2014/main" id="{40AECF58-5305-184A-9405-3DAD3D41B5CD}"/>
-              </a:ext>
-            </a:extLst>
-          </p:cNvPr>
-          <p:cNvGrpSpPr/>
-          <p:nvPr/>
-        </p:nvGrpSpPr>
-        <p:grpSpPr>
-          <a:xfrm>
-            <a:off x="6533578" y="1269046"/>
-            <a:ext cx="2754188" cy="4857434"/>
-            <a:chOff x="8197850" y="1209675"/>
-            <a:chExt cx="1343907" cy="1866410"/>
-          </a:xfrm>
-        </p:grpSpPr>
-        <p:pic>
-          <p:nvPicPr>
-            <p:cNvPr id="52" name="Graphic 51">
-              <a:extLst>
-                <a:ext uri="{FF2B5EF4-FFF2-40B4-BE49-F238E27FC236}">
-                  <a16:creationId xmlns:a16="http://schemas.microsoft.com/office/drawing/2014/main" id="{6F50329F-AB44-FF43-84D0-A133641112B5}"/>
-                </a:ext>
-              </a:extLst>
-            </p:cNvPr>
-            <p:cNvPicPr>
-              <a:picLocks noChangeAspect="1"/>
-            </p:cNvPicPr>
-            <p:nvPr/>
-          </p:nvPicPr>
-          <p:blipFill>
-            <a:blip r:embed="rId13">
-              <a:extLst>
-                <a:ext uri="{96DAC541-7B7A-43D3-8B79-37D633B846F1}">
-                  <asvg:svgBlip xmlns:asvg="http://schemas.microsoft.com/office/drawing/2016/SVG/main" r:embed="rId14"/>
-                </a:ext>
-              </a:extLst>
-            </a:blip>
-            <a:stretch>
-              <a:fillRect/>
-            </a:stretch>
-          </p:blipFill>
-          <p:spPr>
-            <a:xfrm>
-              <a:off x="8197850" y="1209675"/>
-              <a:ext cx="168131" cy="121235"/>
-            </a:xfrm>
-            <a:prstGeom prst="rect">
-              <a:avLst/>
-            </a:prstGeom>
-          </p:spPr>
-        </p:pic>
-        <p:sp>
-          <p:nvSpPr>
-            <p:cNvPr id="53" name="Rectangle 52">
-              <a:extLst>
-                <a:ext uri="{FF2B5EF4-FFF2-40B4-BE49-F238E27FC236}">
-                  <a16:creationId xmlns:a16="http://schemas.microsoft.com/office/drawing/2014/main" id="{867977EA-2270-D947-A1F7-7099DC5DF9C4}"/>
-                </a:ext>
-              </a:extLst>
-            </p:cNvPr>
-            <p:cNvSpPr/>
-            <p:nvPr/>
-          </p:nvSpPr>
-          <p:spPr>
-            <a:xfrm>
-              <a:off x="8197850" y="1209675"/>
-              <a:ext cx="1343907" cy="1866410"/>
-            </a:xfrm>
-            <a:prstGeom prst="rect">
-              <a:avLst/>
-            </a:prstGeom>
-            <a:noFill/>
-            <a:ln w="12700">
-              <a:solidFill>
-                <a:srgbClr val="545B64"/>
-              </a:solidFill>
-              <a:prstDash val="dash"/>
-            </a:ln>
-          </p:spPr>
-          <p:style>
-            <a:lnRef idx="2">
-              <a:schemeClr val="accent1">
-                <a:shade val="50000"/>
-              </a:schemeClr>
-            </a:lnRef>
-            <a:fillRef idx="1">
-              <a:schemeClr val="accent1"/>
-            </a:fillRef>
-            <a:effectRef idx="0">
-              <a:schemeClr val="accent1"/>
-            </a:effectRef>
-            <a:fontRef idx="minor">
-              <a:schemeClr val="lt1"/>
-            </a:fontRef>
-          </p:style>
-          <p:txBody>
-            <a:bodyPr rot="0" spcFirstLastPara="0" vertOverflow="overflow" horzOverflow="overflow" vert="horz" wrap="square" lIns="457200" tIns="91440" rIns="91440" bIns="45720" numCol="1" spcCol="0" rtlCol="0" fromWordArt="0" anchor="t" anchorCtr="0" forceAA="0" compatLnSpc="1">
-              <a:prstTxWarp prst="textNoShape">
-                <a:avLst/>
-              </a:prstTxWarp>
-              <a:noAutofit/>
-            </a:bodyPr>
-            <a:lstStyle/>
-            <a:p>
-              <a:pPr algn="l"/>
-              <a:r>
-                <a:rPr lang="en-US" sz="1200" dirty="0">
-                  <a:solidFill>
-                    <a:srgbClr val="545B64"/>
-                  </a:solidFill>
-                </a:rPr>
-                <a:t>Availability zone</a:t>
-              </a:r>
-            </a:p>
-          </p:txBody>
-        </p:sp>
-      </p:grpSp>
-    </p:spTree>
-    <p:extLst>
-      <p:ext uri="{BB962C8B-B14F-4D97-AF65-F5344CB8AC3E}">
-        <p14:creationId xmlns:p14="http://schemas.microsoft.com/office/powerpoint/2010/main" val="968966640"/>
-      </p:ext>
-    </p:extLst>
-  </p:cSld>
-  <p:clrMapOvr>
-    <a:masterClrMapping/>
-  </p:clrMapOvr>
-</p:sld>
-</file>
-
-<file path=ppt/slides/slide9.xml><?xml version="1.0" encoding="utf-8"?>
-<p:sld xmlns:a="http://schemas.openxmlformats.org/drawingml/2006/main" xmlns:r="http://schemas.openxmlformats.org/officeDocument/2006/relationships" xmlns:p="http://schemas.openxmlformats.org/presentationml/2006/main">
-  <p:cSld>
-    <p:spTree>
-      <p:nvGrpSpPr>
-        <p:cNvPr id="1" name=""/>
-        <p:cNvGrpSpPr/>
-        <p:nvPr/>
-      </p:nvGrpSpPr>
-      <p:grpSpPr>
-        <a:xfrm>
-          <a:off x="0" y="0"/>
-          <a:ext cx="0" cy="0"/>
-          <a:chOff x="0" y="0"/>
-          <a:chExt cx="0" cy="0"/>
-        </a:xfrm>
-      </p:grpSpPr>
-      <p:grpSp>
-        <p:nvGrpSpPr>
-          <p:cNvPr id="4" name="Group 3">
-            <a:extLst>
-              <a:ext uri="{FF2B5EF4-FFF2-40B4-BE49-F238E27FC236}">
-                <a16:creationId xmlns:a16="http://schemas.microsoft.com/office/drawing/2014/main" id="{4B45B35D-B425-3C4A-9613-D9B616AEB20B}"/>
-              </a:ext>
-            </a:extLst>
-          </p:cNvPr>
-          <p:cNvGrpSpPr/>
-          <p:nvPr/>
-        </p:nvGrpSpPr>
-        <p:grpSpPr>
-          <a:xfrm>
-            <a:off x="1536192" y="457200"/>
-            <a:ext cx="9029322" cy="5973572"/>
-            <a:chOff x="7004050" y="3978275"/>
-            <a:chExt cx="1853031" cy="1765300"/>
-          </a:xfrm>
-        </p:grpSpPr>
-        <p:pic>
-          <p:nvPicPr>
-            <p:cNvPr id="5" name="Graphic 4">
-              <a:extLst>
-                <a:ext uri="{FF2B5EF4-FFF2-40B4-BE49-F238E27FC236}">
-                  <a16:creationId xmlns:a16="http://schemas.microsoft.com/office/drawing/2014/main" id="{FEC4CA00-9475-3E40-B823-3D6B71C513B8}"/>
-                </a:ext>
-              </a:extLst>
-            </p:cNvPr>
-            <p:cNvPicPr>
-              <a:picLocks noChangeAspect="1"/>
-            </p:cNvPicPr>
-            <p:nvPr/>
-          </p:nvPicPr>
-          <p:blipFill>
-            <a:blip r:embed="rId2">
-              <a:extLst>
-                <a:ext uri="{96DAC541-7B7A-43D3-8B79-37D633B846F1}">
-                  <asvg:svgBlip xmlns:asvg="http://schemas.microsoft.com/office/drawing/2016/SVG/main" r:embed="rId3"/>
-                </a:ext>
-              </a:extLst>
-            </a:blip>
-            <a:stretch>
-              <a:fillRect/>
-            </a:stretch>
-          </p:blipFill>
-          <p:spPr>
-            <a:xfrm>
-              <a:off x="7004050" y="3978275"/>
-              <a:ext cx="79075" cy="130632"/>
-            </a:xfrm>
-            <a:prstGeom prst="rect">
-              <a:avLst/>
-            </a:prstGeom>
-          </p:spPr>
-        </p:pic>
-        <p:sp>
-          <p:nvSpPr>
-            <p:cNvPr id="6" name="Rectangle 5">
-              <a:extLst>
-                <a:ext uri="{FF2B5EF4-FFF2-40B4-BE49-F238E27FC236}">
-                  <a16:creationId xmlns:a16="http://schemas.microsoft.com/office/drawing/2014/main" id="{8146FA38-1CBA-D249-A834-3948223B248B}"/>
-                </a:ext>
-              </a:extLst>
-            </p:cNvPr>
-            <p:cNvSpPr/>
-            <p:nvPr/>
-          </p:nvSpPr>
-          <p:spPr>
-            <a:xfrm>
-              <a:off x="7004050" y="3978275"/>
-              <a:ext cx="1853031" cy="1765300"/>
-            </a:xfrm>
-            <a:prstGeom prst="rect">
-              <a:avLst/>
-            </a:prstGeom>
-            <a:noFill/>
-            <a:ln w="12700" cap="flat" cmpd="sng" algn="ctr">
-              <a:solidFill>
-                <a:srgbClr val="AAB7B8"/>
-              </a:solidFill>
-              <a:prstDash val="solid"/>
-              <a:miter lim="800000"/>
-            </a:ln>
-            <a:effectLst/>
-          </p:spPr>
-          <p:txBody>
-            <a:bodyPr rot="0" spcFirstLastPara="0" vertOverflow="overflow" horzOverflow="overflow" vert="horz" wrap="square" lIns="457200" tIns="91440" rIns="91440" bIns="45720" numCol="1" spcCol="0" rtlCol="0" fromWordArt="0" anchor="t" anchorCtr="0" forceAA="0" compatLnSpc="1">
-              <a:prstTxWarp prst="textNoShape">
-                <a:avLst/>
-              </a:prstTxWarp>
-              <a:noAutofit/>
-            </a:bodyPr>
-            <a:lstStyle/>
-            <a:p>
-              <a:pPr marL="0" marR="0" lvl="0" indent="0" defTabSz="914400" eaLnBrk="1" fontAlgn="auto" latinLnBrk="0" hangingPunct="1">
-                <a:lnSpc>
-                  <a:spcPct val="100000"/>
-                </a:lnSpc>
-                <a:spcBef>
-                  <a:spcPts val="0"/>
-                </a:spcBef>
-                <a:spcAft>
-                  <a:spcPts val="0"/>
-                </a:spcAft>
-                <a:buClrTx/>
-                <a:buSzTx/>
-                <a:buFontTx/>
-                <a:buNone/>
-                <a:tabLst/>
-                <a:defRPr/>
-              </a:pPr>
-              <a:r>
-                <a:rPr kumimoji="0" lang="en-US" sz="1200" b="0" i="0" u="none" strike="noStrike" kern="0" cap="none" spc="0" normalizeH="0" baseline="0" noProof="0" dirty="0">
-                  <a:ln>
-                    <a:noFill/>
-                  </a:ln>
-                  <a:solidFill>
-                    <a:srgbClr val="AAB7B8"/>
-                  </a:solidFill>
-                  <a:effectLst/>
-                  <a:uLnTx/>
-                  <a:uFillTx/>
-                  <a:latin typeface="Arial" panose="020B0604020202020204"/>
-                  <a:ea typeface="+mn-ea"/>
-                  <a:cs typeface="+mn-cs"/>
-                </a:rPr>
-                <a:t>AWS Cloud</a:t>
-              </a:r>
-            </a:p>
-          </p:txBody>
-        </p:sp>
-      </p:grpSp>
-      <p:pic>
-        <p:nvPicPr>
-          <p:cNvPr id="8" name="Picture 7">
-            <a:extLst>
-              <a:ext uri="{FF2B5EF4-FFF2-40B4-BE49-F238E27FC236}">
-                <a16:creationId xmlns:a16="http://schemas.microsoft.com/office/drawing/2014/main" id="{572E2903-E071-1040-AD8A-B35DDD79ED72}"/>
-              </a:ext>
-            </a:extLst>
-          </p:cNvPr>
-          <p:cNvPicPr>
-            <a:picLocks noChangeAspect="1"/>
-          </p:cNvPicPr>
-          <p:nvPr/>
-        </p:nvPicPr>
-        <p:blipFill>
-          <a:blip r:embed="rId4"/>
-          <a:stretch>
-            <a:fillRect/>
-          </a:stretch>
-        </p:blipFill>
-        <p:spPr>
-          <a:xfrm>
-            <a:off x="4062136" y="1376004"/>
-            <a:ext cx="890147" cy="918861"/>
-          </a:xfrm>
-          <a:prstGeom prst="rect">
-            <a:avLst/>
-          </a:prstGeom>
-          <a:solidFill>
-            <a:schemeClr val="bg1"/>
-          </a:solidFill>
-          <a:ln>
-            <a:solidFill>
-              <a:schemeClr val="bg1"/>
-            </a:solidFill>
-          </a:ln>
-          <a:effectLst>
-            <a:outerShdw blurRad="50800" dist="50800" dir="5400000" algn="ctr" rotWithShape="0">
-              <a:schemeClr val="bg1"/>
-            </a:outerShdw>
-          </a:effectLst>
-        </p:spPr>
-      </p:pic>
-      <p:pic>
-        <p:nvPicPr>
-          <p:cNvPr id="9" name="Picture 8">
-            <a:extLst>
-              <a:ext uri="{FF2B5EF4-FFF2-40B4-BE49-F238E27FC236}">
-                <a16:creationId xmlns:a16="http://schemas.microsoft.com/office/drawing/2014/main" id="{1410380B-19E8-004E-9AF2-6FA0C877F352}"/>
-              </a:ext>
-            </a:extLst>
-          </p:cNvPr>
-          <p:cNvPicPr>
-            <a:picLocks noChangeAspect="1"/>
-          </p:cNvPicPr>
-          <p:nvPr/>
-        </p:nvPicPr>
-        <p:blipFill>
-          <a:blip r:embed="rId5"/>
-          <a:stretch>
-            <a:fillRect/>
-          </a:stretch>
-        </p:blipFill>
-        <p:spPr>
-          <a:xfrm>
-            <a:off x="4041783" y="3455386"/>
-            <a:ext cx="918861" cy="918861"/>
-          </a:xfrm>
-          <a:prstGeom prst="rect">
-            <a:avLst/>
-          </a:prstGeom>
-          <a:effectLst>
-            <a:outerShdw blurRad="50800" dist="50800" dir="5400000" algn="ctr" rotWithShape="0">
-              <a:schemeClr val="bg1"/>
-            </a:outerShdw>
-          </a:effectLst>
-        </p:spPr>
-      </p:pic>
-      <p:cxnSp>
-        <p:nvCxnSpPr>
-          <p:cNvPr id="11" name="Straight Arrow Connector 10">
-            <a:extLst>
-              <a:ext uri="{FF2B5EF4-FFF2-40B4-BE49-F238E27FC236}">
-                <a16:creationId xmlns:a16="http://schemas.microsoft.com/office/drawing/2014/main" id="{D5A45F55-12B8-2B46-9856-7C99B2237755}"/>
-              </a:ext>
-            </a:extLst>
-          </p:cNvPr>
-          <p:cNvCxnSpPr>
-            <a:cxnSpLocks/>
-            <a:stCxn id="9" idx="0"/>
-            <a:endCxn id="8" idx="2"/>
-          </p:cNvCxnSpPr>
-          <p:nvPr/>
-        </p:nvCxnSpPr>
-        <p:spPr>
-          <a:xfrm flipV="1">
-            <a:off x="4501214" y="2294865"/>
-            <a:ext cx="5996" cy="1160521"/>
-          </a:xfrm>
-          <a:prstGeom prst="straightConnector1">
-            <a:avLst/>
-          </a:prstGeom>
-          <a:ln w="12700">
-            <a:solidFill>
-              <a:schemeClr val="accent2"/>
-            </a:solidFill>
-            <a:tailEnd type="triangle"/>
-          </a:ln>
-        </p:spPr>
-        <p:style>
-          <a:lnRef idx="1">
-            <a:schemeClr val="accent1"/>
-          </a:lnRef>
-          <a:fillRef idx="0">
-            <a:schemeClr val="accent1"/>
-          </a:fillRef>
-          <a:effectRef idx="0">
-            <a:schemeClr val="accent1"/>
-          </a:effectRef>
-          <a:fontRef idx="minor">
-            <a:schemeClr val="tx1"/>
-          </a:fontRef>
-        </p:style>
-      </p:cxnSp>
-      <p:cxnSp>
-        <p:nvCxnSpPr>
-          <p:cNvPr id="14" name="Straight Arrow Connector 13">
-            <a:extLst>
-              <a:ext uri="{FF2B5EF4-FFF2-40B4-BE49-F238E27FC236}">
-                <a16:creationId xmlns:a16="http://schemas.microsoft.com/office/drawing/2014/main" id="{81853DDB-D2C6-A94B-8C39-97F5FC04899B}"/>
-              </a:ext>
-            </a:extLst>
-          </p:cNvPr>
-          <p:cNvCxnSpPr>
-            <a:cxnSpLocks/>
-            <a:stCxn id="9" idx="3"/>
-            <a:endCxn id="32" idx="1"/>
-          </p:cNvCxnSpPr>
-          <p:nvPr/>
-        </p:nvCxnSpPr>
-        <p:spPr>
-          <a:xfrm flipV="1">
-            <a:off x="4960644" y="3914816"/>
-            <a:ext cx="1188812" cy="1"/>
-          </a:xfrm>
-          <a:prstGeom prst="straightConnector1">
-            <a:avLst/>
-          </a:prstGeom>
-          <a:ln w="12700">
-            <a:solidFill>
-              <a:schemeClr val="accent2"/>
-            </a:solidFill>
-            <a:tailEnd type="triangle"/>
-          </a:ln>
-        </p:spPr>
-        <p:style>
-          <a:lnRef idx="1">
-            <a:schemeClr val="accent1"/>
-          </a:lnRef>
-          <a:fillRef idx="0">
-            <a:schemeClr val="accent1"/>
-          </a:fillRef>
-          <a:effectRef idx="0">
-            <a:schemeClr val="accent1"/>
-          </a:effectRef>
-          <a:fontRef idx="minor">
-            <a:schemeClr val="tx1"/>
-          </a:fontRef>
-        </p:style>
-      </p:cxnSp>
-      <p:cxnSp>
-        <p:nvCxnSpPr>
-          <p:cNvPr id="20" name="Straight Arrow Connector 19">
-            <a:extLst>
-              <a:ext uri="{FF2B5EF4-FFF2-40B4-BE49-F238E27FC236}">
-                <a16:creationId xmlns:a16="http://schemas.microsoft.com/office/drawing/2014/main" id="{93E92ECD-A629-684F-9BD4-E8F0DB1D8B70}"/>
-              </a:ext>
-            </a:extLst>
-          </p:cNvPr>
-          <p:cNvCxnSpPr>
-            <a:cxnSpLocks/>
-          </p:cNvCxnSpPr>
-          <p:nvPr/>
-        </p:nvCxnSpPr>
-        <p:spPr>
-          <a:xfrm>
-            <a:off x="6918568" y="3914816"/>
-            <a:ext cx="1209040" cy="0"/>
-          </a:xfrm>
-          <a:prstGeom prst="straightConnector1">
-            <a:avLst/>
-          </a:prstGeom>
-          <a:ln w="12700">
-            <a:solidFill>
-              <a:schemeClr val="accent2"/>
-            </a:solidFill>
-            <a:tailEnd type="triangle"/>
-          </a:ln>
-        </p:spPr>
-        <p:style>
-          <a:lnRef idx="1">
-            <a:schemeClr val="accent1"/>
-          </a:lnRef>
-          <a:fillRef idx="0">
-            <a:schemeClr val="accent1"/>
-          </a:fillRef>
-          <a:effectRef idx="0">
-            <a:schemeClr val="accent1"/>
-          </a:effectRef>
-          <a:fontRef idx="minor">
-            <a:schemeClr val="tx1"/>
-          </a:fontRef>
-        </p:style>
-      </p:cxnSp>
-      <p:sp>
-        <p:nvSpPr>
-          <p:cNvPr id="21" name="TextBox 20">
-            <a:extLst>
-              <a:ext uri="{FF2B5EF4-FFF2-40B4-BE49-F238E27FC236}">
-                <a16:creationId xmlns:a16="http://schemas.microsoft.com/office/drawing/2014/main" id="{D38591B4-0977-964E-B15A-6D390FBDC864}"/>
-              </a:ext>
-            </a:extLst>
-          </p:cNvPr>
-          <p:cNvSpPr txBox="1"/>
-          <p:nvPr/>
-        </p:nvSpPr>
-        <p:spPr>
-          <a:xfrm>
-            <a:off x="3931920" y="4315968"/>
-            <a:ext cx="1094017" cy="369332"/>
-          </a:xfrm>
-          <a:prstGeom prst="rect">
-            <a:avLst/>
-          </a:prstGeom>
-          <a:noFill/>
-        </p:spPr>
-        <p:txBody>
-          <a:bodyPr wrap="none" rtlCol="0">
-            <a:spAutoFit/>
-          </a:bodyPr>
-          <a:lstStyle/>
-          <a:p>
-            <a:r>
-              <a:rPr lang="en-US" dirty="0"/>
-              <a:t>Data Lake</a:t>
-            </a:r>
-          </a:p>
-        </p:txBody>
-      </p:sp>
-      <p:sp>
-        <p:nvSpPr>
-          <p:cNvPr id="22" name="TextBox 21">
-            <a:extLst>
-              <a:ext uri="{FF2B5EF4-FFF2-40B4-BE49-F238E27FC236}">
-                <a16:creationId xmlns:a16="http://schemas.microsoft.com/office/drawing/2014/main" id="{E33835D5-A51F-2E45-9591-C5F3AE142227}"/>
-              </a:ext>
-            </a:extLst>
-          </p:cNvPr>
-          <p:cNvSpPr txBox="1"/>
-          <p:nvPr/>
-        </p:nvSpPr>
-        <p:spPr>
-          <a:xfrm>
-            <a:off x="3883152" y="2218944"/>
-            <a:ext cx="1394997" cy="369332"/>
-          </a:xfrm>
-          <a:prstGeom prst="rect">
-            <a:avLst/>
-          </a:prstGeom>
-          <a:noFill/>
-          <a:ln w="12700">
-            <a:solidFill>
-              <a:schemeClr val="bg1"/>
-            </a:solidFill>
-          </a:ln>
-        </p:spPr>
-        <p:txBody>
-          <a:bodyPr wrap="none" rtlCol="0">
-            <a:spAutoFit/>
-          </a:bodyPr>
-          <a:lstStyle/>
-          <a:p>
-            <a:r>
-              <a:rPr lang="en-US" dirty="0"/>
-              <a:t>Glue Crawler</a:t>
-            </a:r>
-          </a:p>
-        </p:txBody>
-      </p:sp>
-      <p:sp>
-        <p:nvSpPr>
-          <p:cNvPr id="23" name="TextBox 22">
-            <a:extLst>
-              <a:ext uri="{FF2B5EF4-FFF2-40B4-BE49-F238E27FC236}">
-                <a16:creationId xmlns:a16="http://schemas.microsoft.com/office/drawing/2014/main" id="{D502286B-9781-154C-A21D-6968AE41B427}"/>
-              </a:ext>
-            </a:extLst>
-          </p:cNvPr>
-          <p:cNvSpPr txBox="1"/>
-          <p:nvPr/>
-        </p:nvSpPr>
-        <p:spPr>
-          <a:xfrm>
-            <a:off x="5792571" y="4287148"/>
-            <a:ext cx="1373966" cy="369332"/>
-          </a:xfrm>
-          <a:prstGeom prst="rect">
-            <a:avLst/>
-          </a:prstGeom>
-          <a:noFill/>
-        </p:spPr>
-        <p:txBody>
-          <a:bodyPr wrap="none" rtlCol="0">
-            <a:spAutoFit/>
-          </a:bodyPr>
-          <a:lstStyle/>
-          <a:p>
-            <a:r>
-              <a:rPr lang="en-US" dirty="0"/>
-              <a:t>Glue Catalog</a:t>
-            </a:r>
-          </a:p>
-        </p:txBody>
-      </p:sp>
-      <p:pic>
-        <p:nvPicPr>
-          <p:cNvPr id="32" name="Picture 31">
-            <a:extLst>
-              <a:ext uri="{FF2B5EF4-FFF2-40B4-BE49-F238E27FC236}">
-                <a16:creationId xmlns:a16="http://schemas.microsoft.com/office/drawing/2014/main" id="{3ECF54A2-3EB9-1347-9646-DB5DB14F5C35}"/>
-              </a:ext>
-            </a:extLst>
-          </p:cNvPr>
-          <p:cNvPicPr>
-            <a:picLocks noChangeAspect="1"/>
-          </p:cNvPicPr>
-          <p:nvPr/>
-        </p:nvPicPr>
-        <p:blipFill>
-          <a:blip r:embed="rId6"/>
-          <a:stretch>
-            <a:fillRect/>
-          </a:stretch>
-        </p:blipFill>
-        <p:spPr>
-          <a:xfrm>
-            <a:off x="6149456" y="3521116"/>
-            <a:ext cx="787400" cy="787400"/>
-          </a:xfrm>
-          <a:prstGeom prst="rect">
-            <a:avLst/>
-          </a:prstGeom>
-        </p:spPr>
-      </p:pic>
-      <p:cxnSp>
-        <p:nvCxnSpPr>
-          <p:cNvPr id="34" name="Elbow Connector 33">
-            <a:extLst>
-              <a:ext uri="{FF2B5EF4-FFF2-40B4-BE49-F238E27FC236}">
-                <a16:creationId xmlns:a16="http://schemas.microsoft.com/office/drawing/2014/main" id="{F7603291-9CA9-0848-8D50-870D16B802AA}"/>
-              </a:ext>
-            </a:extLst>
-          </p:cNvPr>
-          <p:cNvCxnSpPr>
-            <a:cxnSpLocks/>
-            <a:stCxn id="8" idx="3"/>
-            <a:endCxn id="32" idx="0"/>
-          </p:cNvCxnSpPr>
-          <p:nvPr/>
-        </p:nvCxnSpPr>
-        <p:spPr>
-          <a:xfrm>
-            <a:off x="4952283" y="1835435"/>
-            <a:ext cx="1590873" cy="1685681"/>
-          </a:xfrm>
-          <a:prstGeom prst="bentConnector2">
-            <a:avLst/>
-          </a:prstGeom>
-          <a:ln w="12700">
-            <a:solidFill>
-              <a:schemeClr val="accent2"/>
-            </a:solidFill>
-            <a:tailEnd type="triangle"/>
-          </a:ln>
-        </p:spPr>
-        <p:style>
-          <a:lnRef idx="1">
-            <a:schemeClr val="accent1"/>
-          </a:lnRef>
-          <a:fillRef idx="0">
-            <a:schemeClr val="accent1"/>
-          </a:fillRef>
-          <a:effectRef idx="0">
-            <a:schemeClr val="accent1"/>
-          </a:effectRef>
-          <a:fontRef idx="minor">
-            <a:schemeClr val="tx1"/>
-          </a:fontRef>
-        </p:style>
-      </p:cxnSp>
-      <p:pic>
-        <p:nvPicPr>
-          <p:cNvPr id="37" name="Graphic 36">
-            <a:extLst>
-              <a:ext uri="{FF2B5EF4-FFF2-40B4-BE49-F238E27FC236}">
-                <a16:creationId xmlns:a16="http://schemas.microsoft.com/office/drawing/2014/main" id="{9C68FA18-E3DA-B148-953B-ECF64DC27C9B}"/>
-              </a:ext>
-            </a:extLst>
-          </p:cNvPr>
-          <p:cNvPicPr>
-            <a:picLocks noChangeAspect="1"/>
-          </p:cNvPicPr>
-          <p:nvPr/>
-        </p:nvPicPr>
-        <p:blipFill>
-          <a:blip r:embed="rId7">
-            <a:extLst>
-              <a:ext uri="{96DAC541-7B7A-43D3-8B79-37D633B846F1}">
-                <asvg:svgBlip xmlns:asvg="http://schemas.microsoft.com/office/drawing/2016/SVG/main" r:embed="rId8"/>
-              </a:ext>
-            </a:extLst>
-          </a:blip>
-          <a:stretch>
-            <a:fillRect/>
-          </a:stretch>
-        </p:blipFill>
-        <p:spPr>
-          <a:xfrm>
-            <a:off x="8125668" y="3408434"/>
-            <a:ext cx="762000" cy="1092200"/>
-          </a:xfrm>
-          <a:prstGeom prst="rect">
-            <a:avLst/>
-          </a:prstGeom>
-        </p:spPr>
-      </p:pic>
-    </p:spTree>
-    <p:extLst>
-      <p:ext uri="{BB962C8B-B14F-4D97-AF65-F5344CB8AC3E}">
-        <p14:creationId xmlns:p14="http://schemas.microsoft.com/office/powerpoint/2010/main" val="658867169"/>
       </p:ext>
     </p:extLst>
   </p:cSld>

--- a/src/datalake_reference_architecture.pptx
+++ b/src/datalake_reference_architecture.pptx
@@ -3293,7 +3293,7 @@
           <a:p>
             <a:fld id="{F9B19C5E-ED57-994E-AD20-45AA8859C26A}" type="datetimeFigureOut">
               <a:rPr lang="en-US" smtClean="0"/>
-              <a:t>12/27/18</a:t>
+              <a:t>1/3/19</a:t>
             </a:fld>
             <a:endParaRPr lang="en-US"/>
           </a:p>
@@ -3707,7 +3707,7 @@
           <a:p>
             <a:fld id="{8489B6BE-DF36-2D48-B10B-C50A45407260}" type="datetimeFigureOut">
               <a:rPr lang="en-US" smtClean="0"/>
-              <a:t>12/27/18</a:t>
+              <a:t>1/3/19</a:t>
             </a:fld>
             <a:endParaRPr lang="en-US"/>
           </a:p>
@@ -3905,7 +3905,7 @@
           <a:p>
             <a:fld id="{8489B6BE-DF36-2D48-B10B-C50A45407260}" type="datetimeFigureOut">
               <a:rPr lang="en-US" smtClean="0"/>
-              <a:t>12/27/18</a:t>
+              <a:t>1/3/19</a:t>
             </a:fld>
             <a:endParaRPr lang="en-US"/>
           </a:p>
@@ -4113,7 +4113,7 @@
           <a:p>
             <a:fld id="{8489B6BE-DF36-2D48-B10B-C50A45407260}" type="datetimeFigureOut">
               <a:rPr lang="en-US" smtClean="0"/>
-              <a:t>12/27/18</a:t>
+              <a:t>1/3/19</a:t>
             </a:fld>
             <a:endParaRPr lang="en-US"/>
           </a:p>
@@ -4311,7 +4311,7 @@
           <a:p>
             <a:fld id="{8489B6BE-DF36-2D48-B10B-C50A45407260}" type="datetimeFigureOut">
               <a:rPr lang="en-US" smtClean="0"/>
-              <a:t>12/27/18</a:t>
+              <a:t>1/3/19</a:t>
             </a:fld>
             <a:endParaRPr lang="en-US"/>
           </a:p>
@@ -4586,7 +4586,7 @@
           <a:p>
             <a:fld id="{8489B6BE-DF36-2D48-B10B-C50A45407260}" type="datetimeFigureOut">
               <a:rPr lang="en-US" smtClean="0"/>
-              <a:t>12/27/18</a:t>
+              <a:t>1/3/19</a:t>
             </a:fld>
             <a:endParaRPr lang="en-US"/>
           </a:p>
@@ -4851,7 +4851,7 @@
           <a:p>
             <a:fld id="{8489B6BE-DF36-2D48-B10B-C50A45407260}" type="datetimeFigureOut">
               <a:rPr lang="en-US" smtClean="0"/>
-              <a:t>12/27/18</a:t>
+              <a:t>1/3/19</a:t>
             </a:fld>
             <a:endParaRPr lang="en-US"/>
           </a:p>
@@ -5263,7 +5263,7 @@
           <a:p>
             <a:fld id="{8489B6BE-DF36-2D48-B10B-C50A45407260}" type="datetimeFigureOut">
               <a:rPr lang="en-US" smtClean="0"/>
-              <a:t>12/27/18</a:t>
+              <a:t>1/3/19</a:t>
             </a:fld>
             <a:endParaRPr lang="en-US"/>
           </a:p>
@@ -5404,7 +5404,7 @@
           <a:p>
             <a:fld id="{8489B6BE-DF36-2D48-B10B-C50A45407260}" type="datetimeFigureOut">
               <a:rPr lang="en-US" smtClean="0"/>
-              <a:t>12/27/18</a:t>
+              <a:t>1/3/19</a:t>
             </a:fld>
             <a:endParaRPr lang="en-US"/>
           </a:p>
@@ -5517,7 +5517,7 @@
           <a:p>
             <a:fld id="{8489B6BE-DF36-2D48-B10B-C50A45407260}" type="datetimeFigureOut">
               <a:rPr lang="en-US" smtClean="0"/>
-              <a:t>12/27/18</a:t>
+              <a:t>1/3/19</a:t>
             </a:fld>
             <a:endParaRPr lang="en-US"/>
           </a:p>
@@ -5828,7 +5828,7 @@
           <a:p>
             <a:fld id="{8489B6BE-DF36-2D48-B10B-C50A45407260}" type="datetimeFigureOut">
               <a:rPr lang="en-US" smtClean="0"/>
-              <a:t>12/27/18</a:t>
+              <a:t>1/3/19</a:t>
             </a:fld>
             <a:endParaRPr lang="en-US"/>
           </a:p>
@@ -6116,7 +6116,7 @@
           <a:p>
             <a:fld id="{8489B6BE-DF36-2D48-B10B-C50A45407260}" type="datetimeFigureOut">
               <a:rPr lang="en-US" smtClean="0"/>
-              <a:t>12/27/18</a:t>
+              <a:t>1/3/19</a:t>
             </a:fld>
             <a:endParaRPr lang="en-US"/>
           </a:p>
@@ -6357,7 +6357,7 @@
           <a:p>
             <a:fld id="{8489B6BE-DF36-2D48-B10B-C50A45407260}" type="datetimeFigureOut">
               <a:rPr lang="en-US" smtClean="0"/>
-              <a:t>12/27/18</a:t>
+              <a:t>1/3/19</a:t>
             </a:fld>
             <a:endParaRPr lang="en-US"/>
           </a:p>
@@ -8391,13 +8391,8 @@
             <a:pPr algn="ctr"/>
             <a:r>
               <a:rPr lang="en-US" sz="1400" b="1" u="sng" dirty="0"/>
-              <a:t>Glue </a:t>
+              <a:t>Glue Catalog</a:t>
             </a:r>
-            <a:r>
-              <a:rPr lang="en-US" sz="1400" b="1" u="sng" dirty="0" err="1"/>
-              <a:t>HCatalog</a:t>
-            </a:r>
-            <a:endParaRPr lang="en-US" sz="1400" b="1" u="sng" dirty="0"/>
           </a:p>
         </p:txBody>
       </p:sp>
@@ -15274,7 +15269,7 @@
         </p:blipFill>
         <p:spPr>
           <a:xfrm>
-            <a:off x="8648700" y="3139479"/>
+            <a:off x="9199059" y="3145012"/>
             <a:ext cx="762000" cy="1231900"/>
           </a:xfrm>
           <a:prstGeom prst="rect">
@@ -15516,14 +15511,14 @@
           <p:cNvCxnSpPr>
             <a:cxnSpLocks/>
             <a:stCxn id="28" idx="3"/>
-            <a:endCxn id="33" idx="1"/>
+            <a:endCxn id="40" idx="1"/>
           </p:cNvCxnSpPr>
           <p:nvPr/>
         </p:nvCxnSpPr>
         <p:spPr>
-          <a:xfrm flipV="1">
-            <a:off x="6291189" y="3755429"/>
-            <a:ext cx="2357511" cy="2678"/>
+          <a:xfrm>
+            <a:off x="6291189" y="3758107"/>
+            <a:ext cx="1636853" cy="2855"/>
           </a:xfrm>
           <a:prstGeom prst="straightConnector1">
             <a:avLst/>
@@ -15893,8 +15888,8 @@
         </p:nvCxnSpPr>
         <p:spPr>
           <a:xfrm>
-            <a:off x="9410700" y="3755429"/>
-            <a:ext cx="991000" cy="5533"/>
+            <a:off x="9961059" y="3760962"/>
+            <a:ext cx="440641" cy="0"/>
           </a:xfrm>
           <a:prstGeom prst="straightConnector1">
             <a:avLst/>
@@ -15905,6 +15900,88 @@
             </a:solidFill>
             <a:headEnd type="none" w="med" len="sm"/>
             <a:tailEnd type="arrow" w="med" len="sm"/>
+          </a:ln>
+        </p:spPr>
+        <p:style>
+          <a:lnRef idx="1">
+            <a:schemeClr val="accent1"/>
+          </a:lnRef>
+          <a:fillRef idx="0">
+            <a:schemeClr val="accent1"/>
+          </a:fillRef>
+          <a:effectRef idx="0">
+            <a:schemeClr val="accent1"/>
+          </a:effectRef>
+          <a:fontRef idx="minor">
+            <a:schemeClr val="tx1"/>
+          </a:fontRef>
+        </p:style>
+      </p:cxnSp>
+      <p:pic>
+        <p:nvPicPr>
+          <p:cNvPr id="40" name="Graphic 39">
+            <a:extLst>
+              <a:ext uri="{FF2B5EF4-FFF2-40B4-BE49-F238E27FC236}">
+                <a16:creationId xmlns:a16="http://schemas.microsoft.com/office/drawing/2014/main" id="{FCABC4B8-140E-6842-936B-8D615F92FADC}"/>
+              </a:ext>
+            </a:extLst>
+          </p:cNvPr>
+          <p:cNvPicPr>
+            <a:picLocks noChangeAspect="1"/>
+          </p:cNvPicPr>
+          <p:nvPr/>
+        </p:nvPicPr>
+        <p:blipFill>
+          <a:blip r:embed="rId20">
+            <a:extLst>
+              <a:ext uri="{96DAC541-7B7A-43D3-8B79-37D633B846F1}">
+                <asvg:svgBlip xmlns:asvg="http://schemas.microsoft.com/office/drawing/2016/SVG/main" r:embed="rId21"/>
+              </a:ext>
+            </a:extLst>
+          </a:blip>
+          <a:stretch>
+            <a:fillRect/>
+          </a:stretch>
+        </p:blipFill>
+        <p:spPr>
+          <a:xfrm>
+            <a:off x="7928042" y="3145012"/>
+            <a:ext cx="780697" cy="1231900"/>
+          </a:xfrm>
+          <a:prstGeom prst="rect">
+            <a:avLst/>
+          </a:prstGeom>
+        </p:spPr>
+      </p:pic>
+      <p:cxnSp>
+        <p:nvCxnSpPr>
+          <p:cNvPr id="8" name="Straight Arrow Connector 7">
+            <a:extLst>
+              <a:ext uri="{FF2B5EF4-FFF2-40B4-BE49-F238E27FC236}">
+                <a16:creationId xmlns:a16="http://schemas.microsoft.com/office/drawing/2014/main" id="{F683DEBA-2DD4-2C4E-8244-B7FF65AD9E65}"/>
+              </a:ext>
+            </a:extLst>
+          </p:cNvPr>
+          <p:cNvCxnSpPr>
+            <a:cxnSpLocks/>
+            <a:stCxn id="40" idx="3"/>
+            <a:endCxn id="33" idx="1"/>
+          </p:cNvCxnSpPr>
+          <p:nvPr/>
+        </p:nvCxnSpPr>
+        <p:spPr>
+          <a:xfrm>
+            <a:off x="8708739" y="3760962"/>
+            <a:ext cx="490320" cy="0"/>
+          </a:xfrm>
+          <a:prstGeom prst="straightConnector1">
+            <a:avLst/>
+          </a:prstGeom>
+          <a:ln>
+            <a:solidFill>
+              <a:schemeClr val="accent2"/>
+            </a:solidFill>
+            <a:tailEnd type="arrow"/>
           </a:ln>
         </p:spPr>
         <p:style>

--- a/src/datalake_reference_architecture.pptx
+++ b/src/datalake_reference_architecture.pptx
@@ -3293,7 +3293,7 @@
           <a:p>
             <a:fld id="{F9B19C5E-ED57-994E-AD20-45AA8859C26A}" type="datetimeFigureOut">
               <a:rPr lang="en-US" smtClean="0"/>
-              <a:t>1/3/19</a:t>
+              <a:t>1/7/19</a:t>
             </a:fld>
             <a:endParaRPr lang="en-US"/>
           </a:p>
@@ -3707,7 +3707,7 @@
           <a:p>
             <a:fld id="{8489B6BE-DF36-2D48-B10B-C50A45407260}" type="datetimeFigureOut">
               <a:rPr lang="en-US" smtClean="0"/>
-              <a:t>1/3/19</a:t>
+              <a:t>1/7/19</a:t>
             </a:fld>
             <a:endParaRPr lang="en-US"/>
           </a:p>
@@ -3905,7 +3905,7 @@
           <a:p>
             <a:fld id="{8489B6BE-DF36-2D48-B10B-C50A45407260}" type="datetimeFigureOut">
               <a:rPr lang="en-US" smtClean="0"/>
-              <a:t>1/3/19</a:t>
+              <a:t>1/7/19</a:t>
             </a:fld>
             <a:endParaRPr lang="en-US"/>
           </a:p>
@@ -4113,7 +4113,7 @@
           <a:p>
             <a:fld id="{8489B6BE-DF36-2D48-B10B-C50A45407260}" type="datetimeFigureOut">
               <a:rPr lang="en-US" smtClean="0"/>
-              <a:t>1/3/19</a:t>
+              <a:t>1/7/19</a:t>
             </a:fld>
             <a:endParaRPr lang="en-US"/>
           </a:p>
@@ -4311,7 +4311,7 @@
           <a:p>
             <a:fld id="{8489B6BE-DF36-2D48-B10B-C50A45407260}" type="datetimeFigureOut">
               <a:rPr lang="en-US" smtClean="0"/>
-              <a:t>1/3/19</a:t>
+              <a:t>1/7/19</a:t>
             </a:fld>
             <a:endParaRPr lang="en-US"/>
           </a:p>
@@ -4586,7 +4586,7 @@
           <a:p>
             <a:fld id="{8489B6BE-DF36-2D48-B10B-C50A45407260}" type="datetimeFigureOut">
               <a:rPr lang="en-US" smtClean="0"/>
-              <a:t>1/3/19</a:t>
+              <a:t>1/7/19</a:t>
             </a:fld>
             <a:endParaRPr lang="en-US"/>
           </a:p>
@@ -4851,7 +4851,7 @@
           <a:p>
             <a:fld id="{8489B6BE-DF36-2D48-B10B-C50A45407260}" type="datetimeFigureOut">
               <a:rPr lang="en-US" smtClean="0"/>
-              <a:t>1/3/19</a:t>
+              <a:t>1/7/19</a:t>
             </a:fld>
             <a:endParaRPr lang="en-US"/>
           </a:p>
@@ -5263,7 +5263,7 @@
           <a:p>
             <a:fld id="{8489B6BE-DF36-2D48-B10B-C50A45407260}" type="datetimeFigureOut">
               <a:rPr lang="en-US" smtClean="0"/>
-              <a:t>1/3/19</a:t>
+              <a:t>1/7/19</a:t>
             </a:fld>
             <a:endParaRPr lang="en-US"/>
           </a:p>
@@ -5404,7 +5404,7 @@
           <a:p>
             <a:fld id="{8489B6BE-DF36-2D48-B10B-C50A45407260}" type="datetimeFigureOut">
               <a:rPr lang="en-US" smtClean="0"/>
-              <a:t>1/3/19</a:t>
+              <a:t>1/7/19</a:t>
             </a:fld>
             <a:endParaRPr lang="en-US"/>
           </a:p>
@@ -5517,7 +5517,7 @@
           <a:p>
             <a:fld id="{8489B6BE-DF36-2D48-B10B-C50A45407260}" type="datetimeFigureOut">
               <a:rPr lang="en-US" smtClean="0"/>
-              <a:t>1/3/19</a:t>
+              <a:t>1/7/19</a:t>
             </a:fld>
             <a:endParaRPr lang="en-US"/>
           </a:p>
@@ -5828,7 +5828,7 @@
           <a:p>
             <a:fld id="{8489B6BE-DF36-2D48-B10B-C50A45407260}" type="datetimeFigureOut">
               <a:rPr lang="en-US" smtClean="0"/>
-              <a:t>1/3/19</a:t>
+              <a:t>1/7/19</a:t>
             </a:fld>
             <a:endParaRPr lang="en-US"/>
           </a:p>
@@ -6116,7 +6116,7 @@
           <a:p>
             <a:fld id="{8489B6BE-DF36-2D48-B10B-C50A45407260}" type="datetimeFigureOut">
               <a:rPr lang="en-US" smtClean="0"/>
-              <a:t>1/3/19</a:t>
+              <a:t>1/7/19</a:t>
             </a:fld>
             <a:endParaRPr lang="en-US"/>
           </a:p>
@@ -6357,7 +6357,7 @@
           <a:p>
             <a:fld id="{8489B6BE-DF36-2D48-B10B-C50A45407260}" type="datetimeFigureOut">
               <a:rPr lang="en-US" smtClean="0"/>
-              <a:t>1/3/19</a:t>
+              <a:t>1/7/19</a:t>
             </a:fld>
             <a:endParaRPr lang="en-US"/>
           </a:p>
@@ -10375,6 +10375,195 @@
           </p:txBody>
         </p:sp>
       </p:grpSp>
+      <p:sp>
+        <p:nvSpPr>
+          <p:cNvPr id="31" name="Pentagon 30">
+            <a:extLst>
+              <a:ext uri="{FF2B5EF4-FFF2-40B4-BE49-F238E27FC236}">
+                <a16:creationId xmlns:a16="http://schemas.microsoft.com/office/drawing/2014/main" id="{FA32ADB4-867A-564B-BF56-2EAA170AC243}"/>
+              </a:ext>
+            </a:extLst>
+          </p:cNvPr>
+          <p:cNvSpPr/>
+          <p:nvPr/>
+        </p:nvSpPr>
+        <p:spPr>
+          <a:xfrm>
+            <a:off x="4250707" y="1446879"/>
+            <a:ext cx="307232" cy="294910"/>
+          </a:xfrm>
+          <a:prstGeom prst="homePlate">
+            <a:avLst/>
+          </a:prstGeom>
+          <a:solidFill>
+            <a:schemeClr val="tx1">
+              <a:lumMod val="50000"/>
+              <a:lumOff val="50000"/>
+            </a:schemeClr>
+          </a:solidFill>
+          <a:ln>
+            <a:solidFill>
+              <a:schemeClr val="tx1">
+                <a:lumMod val="50000"/>
+                <a:lumOff val="50000"/>
+              </a:schemeClr>
+            </a:solidFill>
+          </a:ln>
+        </p:spPr>
+        <p:style>
+          <a:lnRef idx="2">
+            <a:schemeClr val="accent1">
+              <a:shade val="50000"/>
+            </a:schemeClr>
+          </a:lnRef>
+          <a:fillRef idx="1">
+            <a:schemeClr val="accent1"/>
+          </a:fillRef>
+          <a:effectRef idx="0">
+            <a:schemeClr val="accent1"/>
+          </a:effectRef>
+          <a:fontRef idx="minor">
+            <a:schemeClr val="lt1"/>
+          </a:fontRef>
+        </p:style>
+        <p:txBody>
+          <a:bodyPr rtlCol="0" anchor="ctr"/>
+          <a:lstStyle/>
+          <a:p>
+            <a:pPr algn="ctr"/>
+            <a:r>
+              <a:rPr lang="en-US" dirty="0"/>
+              <a:t>1</a:t>
+            </a:r>
+          </a:p>
+        </p:txBody>
+      </p:sp>
+      <p:sp>
+        <p:nvSpPr>
+          <p:cNvPr id="33" name="Pentagon 32">
+            <a:extLst>
+              <a:ext uri="{FF2B5EF4-FFF2-40B4-BE49-F238E27FC236}">
+                <a16:creationId xmlns:a16="http://schemas.microsoft.com/office/drawing/2014/main" id="{465B0EC1-5AD2-E04F-8D29-7B567A165A62}"/>
+              </a:ext>
+            </a:extLst>
+          </p:cNvPr>
+          <p:cNvSpPr/>
+          <p:nvPr/>
+        </p:nvSpPr>
+        <p:spPr>
+          <a:xfrm>
+            <a:off x="2161783" y="1428056"/>
+            <a:ext cx="307232" cy="294910"/>
+          </a:xfrm>
+          <a:prstGeom prst="homePlate">
+            <a:avLst/>
+          </a:prstGeom>
+          <a:solidFill>
+            <a:schemeClr val="tx1">
+              <a:lumMod val="50000"/>
+              <a:lumOff val="50000"/>
+            </a:schemeClr>
+          </a:solidFill>
+          <a:ln>
+            <a:solidFill>
+              <a:schemeClr val="tx1">
+                <a:lumMod val="50000"/>
+                <a:lumOff val="50000"/>
+              </a:schemeClr>
+            </a:solidFill>
+          </a:ln>
+        </p:spPr>
+        <p:style>
+          <a:lnRef idx="2">
+            <a:schemeClr val="accent1">
+              <a:shade val="50000"/>
+            </a:schemeClr>
+          </a:lnRef>
+          <a:fillRef idx="1">
+            <a:schemeClr val="accent1"/>
+          </a:fillRef>
+          <a:effectRef idx="0">
+            <a:schemeClr val="accent1"/>
+          </a:effectRef>
+          <a:fontRef idx="minor">
+            <a:schemeClr val="lt1"/>
+          </a:fontRef>
+        </p:style>
+        <p:txBody>
+          <a:bodyPr rtlCol="0" anchor="ctr"/>
+          <a:lstStyle/>
+          <a:p>
+            <a:pPr algn="ctr"/>
+            <a:r>
+              <a:rPr lang="en-US" dirty="0"/>
+              <a:t>2</a:t>
+            </a:r>
+          </a:p>
+        </p:txBody>
+      </p:sp>
+      <p:sp>
+        <p:nvSpPr>
+          <p:cNvPr id="38" name="Pentagon 37">
+            <a:extLst>
+              <a:ext uri="{FF2B5EF4-FFF2-40B4-BE49-F238E27FC236}">
+                <a16:creationId xmlns:a16="http://schemas.microsoft.com/office/drawing/2014/main" id="{018752A8-C80A-1D4F-9A0E-0C90F148EEAB}"/>
+              </a:ext>
+            </a:extLst>
+          </p:cNvPr>
+          <p:cNvSpPr/>
+          <p:nvPr/>
+        </p:nvSpPr>
+        <p:spPr>
+          <a:xfrm>
+            <a:off x="7376936" y="2490233"/>
+            <a:ext cx="307232" cy="294910"/>
+          </a:xfrm>
+          <a:prstGeom prst="homePlate">
+            <a:avLst/>
+          </a:prstGeom>
+          <a:solidFill>
+            <a:schemeClr val="tx1">
+              <a:lumMod val="50000"/>
+              <a:lumOff val="50000"/>
+            </a:schemeClr>
+          </a:solidFill>
+          <a:ln>
+            <a:solidFill>
+              <a:schemeClr val="tx1">
+                <a:lumMod val="50000"/>
+                <a:lumOff val="50000"/>
+              </a:schemeClr>
+            </a:solidFill>
+          </a:ln>
+        </p:spPr>
+        <p:style>
+          <a:lnRef idx="2">
+            <a:schemeClr val="accent1">
+              <a:shade val="50000"/>
+            </a:schemeClr>
+          </a:lnRef>
+          <a:fillRef idx="1">
+            <a:schemeClr val="accent1"/>
+          </a:fillRef>
+          <a:effectRef idx="0">
+            <a:schemeClr val="accent1"/>
+          </a:effectRef>
+          <a:fontRef idx="minor">
+            <a:schemeClr val="lt1"/>
+          </a:fontRef>
+        </p:style>
+        <p:txBody>
+          <a:bodyPr rtlCol="0" anchor="ctr"/>
+          <a:lstStyle/>
+          <a:p>
+            <a:pPr algn="ctr"/>
+            <a:r>
+              <a:rPr lang="en-US" dirty="0"/>
+              <a:t>3</a:t>
+            </a:r>
+          </a:p>
+        </p:txBody>
+      </p:sp>
     </p:spTree>
     <p:extLst>
       <p:ext uri="{BB962C8B-B14F-4D97-AF65-F5344CB8AC3E}">
@@ -10974,6 +11163,195 @@
           </a:prstGeom>
         </p:spPr>
       </p:pic>
+      <p:sp>
+        <p:nvSpPr>
+          <p:cNvPr id="16" name="Pentagon 15">
+            <a:extLst>
+              <a:ext uri="{FF2B5EF4-FFF2-40B4-BE49-F238E27FC236}">
+                <a16:creationId xmlns:a16="http://schemas.microsoft.com/office/drawing/2014/main" id="{F68C822A-42CE-8E4D-9571-0EEDA0F5CAFD}"/>
+              </a:ext>
+            </a:extLst>
+          </p:cNvPr>
+          <p:cNvSpPr/>
+          <p:nvPr/>
+        </p:nvSpPr>
+        <p:spPr>
+          <a:xfrm>
+            <a:off x="5840744" y="3587513"/>
+            <a:ext cx="307232" cy="294910"/>
+          </a:xfrm>
+          <a:prstGeom prst="homePlate">
+            <a:avLst/>
+          </a:prstGeom>
+          <a:solidFill>
+            <a:schemeClr val="tx1">
+              <a:lumMod val="50000"/>
+              <a:lumOff val="50000"/>
+            </a:schemeClr>
+          </a:solidFill>
+          <a:ln>
+            <a:solidFill>
+              <a:schemeClr val="tx1">
+                <a:lumMod val="50000"/>
+                <a:lumOff val="50000"/>
+              </a:schemeClr>
+            </a:solidFill>
+          </a:ln>
+        </p:spPr>
+        <p:style>
+          <a:lnRef idx="2">
+            <a:schemeClr val="accent1">
+              <a:shade val="50000"/>
+            </a:schemeClr>
+          </a:lnRef>
+          <a:fillRef idx="1">
+            <a:schemeClr val="accent1"/>
+          </a:fillRef>
+          <a:effectRef idx="0">
+            <a:schemeClr val="accent1"/>
+          </a:effectRef>
+          <a:fontRef idx="minor">
+            <a:schemeClr val="lt1"/>
+          </a:fontRef>
+        </p:style>
+        <p:txBody>
+          <a:bodyPr rtlCol="0" anchor="ctr"/>
+          <a:lstStyle/>
+          <a:p>
+            <a:pPr algn="ctr"/>
+            <a:r>
+              <a:rPr lang="en-US" dirty="0"/>
+              <a:t>1</a:t>
+            </a:r>
+          </a:p>
+        </p:txBody>
+      </p:sp>
+      <p:sp>
+        <p:nvSpPr>
+          <p:cNvPr id="17" name="Pentagon 16">
+            <a:extLst>
+              <a:ext uri="{FF2B5EF4-FFF2-40B4-BE49-F238E27FC236}">
+                <a16:creationId xmlns:a16="http://schemas.microsoft.com/office/drawing/2014/main" id="{BEF98FE6-F797-8743-BE2D-F6BB7E381DEF}"/>
+              </a:ext>
+            </a:extLst>
+          </p:cNvPr>
+          <p:cNvSpPr/>
+          <p:nvPr/>
+        </p:nvSpPr>
+        <p:spPr>
+          <a:xfrm>
+            <a:off x="3707144" y="1417337"/>
+            <a:ext cx="307232" cy="294910"/>
+          </a:xfrm>
+          <a:prstGeom prst="homePlate">
+            <a:avLst/>
+          </a:prstGeom>
+          <a:solidFill>
+            <a:schemeClr val="tx1">
+              <a:lumMod val="50000"/>
+              <a:lumOff val="50000"/>
+            </a:schemeClr>
+          </a:solidFill>
+          <a:ln>
+            <a:solidFill>
+              <a:schemeClr val="tx1">
+                <a:lumMod val="50000"/>
+                <a:lumOff val="50000"/>
+              </a:schemeClr>
+            </a:solidFill>
+          </a:ln>
+        </p:spPr>
+        <p:style>
+          <a:lnRef idx="2">
+            <a:schemeClr val="accent1">
+              <a:shade val="50000"/>
+            </a:schemeClr>
+          </a:lnRef>
+          <a:fillRef idx="1">
+            <a:schemeClr val="accent1"/>
+          </a:fillRef>
+          <a:effectRef idx="0">
+            <a:schemeClr val="accent1"/>
+          </a:effectRef>
+          <a:fontRef idx="minor">
+            <a:schemeClr val="lt1"/>
+          </a:fontRef>
+        </p:style>
+        <p:txBody>
+          <a:bodyPr rtlCol="0" anchor="ctr"/>
+          <a:lstStyle/>
+          <a:p>
+            <a:pPr algn="ctr"/>
+            <a:r>
+              <a:rPr lang="en-US" dirty="0"/>
+              <a:t>2</a:t>
+            </a:r>
+          </a:p>
+        </p:txBody>
+      </p:sp>
+      <p:sp>
+        <p:nvSpPr>
+          <p:cNvPr id="18" name="Pentagon 17">
+            <a:extLst>
+              <a:ext uri="{FF2B5EF4-FFF2-40B4-BE49-F238E27FC236}">
+                <a16:creationId xmlns:a16="http://schemas.microsoft.com/office/drawing/2014/main" id="{C07F7A2E-E6F6-B54D-8D74-C97AC81D80EC}"/>
+              </a:ext>
+            </a:extLst>
+          </p:cNvPr>
+          <p:cNvSpPr/>
+          <p:nvPr/>
+        </p:nvSpPr>
+        <p:spPr>
+          <a:xfrm>
+            <a:off x="7803656" y="3465593"/>
+            <a:ext cx="307232" cy="294910"/>
+          </a:xfrm>
+          <a:prstGeom prst="homePlate">
+            <a:avLst/>
+          </a:prstGeom>
+          <a:solidFill>
+            <a:schemeClr val="tx1">
+              <a:lumMod val="50000"/>
+              <a:lumOff val="50000"/>
+            </a:schemeClr>
+          </a:solidFill>
+          <a:ln>
+            <a:solidFill>
+              <a:schemeClr val="tx1">
+                <a:lumMod val="50000"/>
+                <a:lumOff val="50000"/>
+              </a:schemeClr>
+            </a:solidFill>
+          </a:ln>
+        </p:spPr>
+        <p:style>
+          <a:lnRef idx="2">
+            <a:schemeClr val="accent1">
+              <a:shade val="50000"/>
+            </a:schemeClr>
+          </a:lnRef>
+          <a:fillRef idx="1">
+            <a:schemeClr val="accent1"/>
+          </a:fillRef>
+          <a:effectRef idx="0">
+            <a:schemeClr val="accent1"/>
+          </a:effectRef>
+          <a:fontRef idx="minor">
+            <a:schemeClr val="lt1"/>
+          </a:fontRef>
+        </p:style>
+        <p:txBody>
+          <a:bodyPr rtlCol="0" anchor="ctr"/>
+          <a:lstStyle/>
+          <a:p>
+            <a:pPr algn="ctr"/>
+            <a:r>
+              <a:rPr lang="en-US" dirty="0"/>
+              <a:t>3</a:t>
+            </a:r>
+          </a:p>
+        </p:txBody>
+      </p:sp>
     </p:spTree>
     <p:extLst>
       <p:ext uri="{BB962C8B-B14F-4D97-AF65-F5344CB8AC3E}">
@@ -11438,7 +11816,7 @@
         <p:spPr>
           <a:xfrm>
             <a:off x="4881033" y="3784069"/>
-            <a:ext cx="1512658" cy="369332"/>
+            <a:ext cx="1373966" cy="369332"/>
           </a:xfrm>
           <a:prstGeom prst="rect">
             <a:avLst/>
@@ -11452,13 +11830,8 @@
           <a:p>
             <a:r>
               <a:rPr lang="en-US" u="sng" dirty="0"/>
-              <a:t>Glue </a:t>
+              <a:t>Glue Catalog</a:t>
             </a:r>
-            <a:r>
-              <a:rPr lang="en-US" u="sng" dirty="0" err="1"/>
-              <a:t>Hcatalog</a:t>
-            </a:r>
-            <a:endParaRPr lang="en-US" u="sng" dirty="0"/>
           </a:p>
         </p:txBody>
       </p:sp>
@@ -15657,8 +16030,8 @@
         </p:nvSpPr>
         <p:spPr>
           <a:xfrm>
-            <a:off x="4498749" y="3086236"/>
-            <a:ext cx="2744916" cy="1279248"/>
+            <a:off x="4498749" y="3086235"/>
+            <a:ext cx="2744916" cy="1444671"/>
           </a:xfrm>
           <a:prstGeom prst="rect">
             <a:avLst/>
@@ -15722,8 +16095,8 @@
         </p:nvSpPr>
         <p:spPr>
           <a:xfrm>
-            <a:off x="1542189" y="3074044"/>
-            <a:ext cx="2744916" cy="1279248"/>
+            <a:off x="1542189" y="3074043"/>
+            <a:ext cx="2744916" cy="1439961"/>
           </a:xfrm>
           <a:prstGeom prst="rect">
             <a:avLst/>
@@ -15999,6 +16372,258 @@
           </a:fontRef>
         </p:style>
       </p:cxnSp>
+      <p:sp>
+        <p:nvSpPr>
+          <p:cNvPr id="41" name="Pentagon 40">
+            <a:extLst>
+              <a:ext uri="{FF2B5EF4-FFF2-40B4-BE49-F238E27FC236}">
+                <a16:creationId xmlns:a16="http://schemas.microsoft.com/office/drawing/2014/main" id="{41A204C0-7369-9E40-B2F1-A7D9A5EC4815}"/>
+              </a:ext>
+            </a:extLst>
+          </p:cNvPr>
+          <p:cNvSpPr/>
+          <p:nvPr/>
+        </p:nvSpPr>
+        <p:spPr>
+          <a:xfrm>
+            <a:off x="2206283" y="3469679"/>
+            <a:ext cx="307232" cy="294910"/>
+          </a:xfrm>
+          <a:prstGeom prst="homePlate">
+            <a:avLst/>
+          </a:prstGeom>
+          <a:solidFill>
+            <a:schemeClr val="tx1">
+              <a:lumMod val="50000"/>
+              <a:lumOff val="50000"/>
+            </a:schemeClr>
+          </a:solidFill>
+          <a:ln>
+            <a:solidFill>
+              <a:schemeClr val="tx1">
+                <a:lumMod val="50000"/>
+                <a:lumOff val="50000"/>
+              </a:schemeClr>
+            </a:solidFill>
+          </a:ln>
+        </p:spPr>
+        <p:style>
+          <a:lnRef idx="2">
+            <a:schemeClr val="accent1">
+              <a:shade val="50000"/>
+            </a:schemeClr>
+          </a:lnRef>
+          <a:fillRef idx="1">
+            <a:schemeClr val="accent1"/>
+          </a:fillRef>
+          <a:effectRef idx="0">
+            <a:schemeClr val="accent1"/>
+          </a:effectRef>
+          <a:fontRef idx="minor">
+            <a:schemeClr val="lt1"/>
+          </a:fontRef>
+        </p:style>
+        <p:txBody>
+          <a:bodyPr rtlCol="0" anchor="ctr"/>
+          <a:lstStyle/>
+          <a:p>
+            <a:pPr algn="ctr"/>
+            <a:r>
+              <a:rPr lang="en-US" dirty="0"/>
+              <a:t>1</a:t>
+            </a:r>
+          </a:p>
+        </p:txBody>
+      </p:sp>
+      <p:sp>
+        <p:nvSpPr>
+          <p:cNvPr id="42" name="Pentagon 41">
+            <a:extLst>
+              <a:ext uri="{FF2B5EF4-FFF2-40B4-BE49-F238E27FC236}">
+                <a16:creationId xmlns:a16="http://schemas.microsoft.com/office/drawing/2014/main" id="{0784CD8E-CCAA-894B-82AE-C9B5ECD51222}"/>
+              </a:ext>
+            </a:extLst>
+          </p:cNvPr>
+          <p:cNvSpPr/>
+          <p:nvPr/>
+        </p:nvSpPr>
+        <p:spPr>
+          <a:xfrm>
+            <a:off x="5320913" y="3476029"/>
+            <a:ext cx="307232" cy="294910"/>
+          </a:xfrm>
+          <a:prstGeom prst="homePlate">
+            <a:avLst/>
+          </a:prstGeom>
+          <a:solidFill>
+            <a:schemeClr val="tx1">
+              <a:lumMod val="50000"/>
+              <a:lumOff val="50000"/>
+            </a:schemeClr>
+          </a:solidFill>
+          <a:ln>
+            <a:solidFill>
+              <a:schemeClr val="tx1">
+                <a:lumMod val="50000"/>
+                <a:lumOff val="50000"/>
+              </a:schemeClr>
+            </a:solidFill>
+          </a:ln>
+        </p:spPr>
+        <p:style>
+          <a:lnRef idx="2">
+            <a:schemeClr val="accent1">
+              <a:shade val="50000"/>
+            </a:schemeClr>
+          </a:lnRef>
+          <a:fillRef idx="1">
+            <a:schemeClr val="accent1"/>
+          </a:fillRef>
+          <a:effectRef idx="0">
+            <a:schemeClr val="accent1"/>
+          </a:effectRef>
+          <a:fontRef idx="minor">
+            <a:schemeClr val="lt1"/>
+          </a:fontRef>
+        </p:style>
+        <p:txBody>
+          <a:bodyPr rtlCol="0" anchor="ctr"/>
+          <a:lstStyle/>
+          <a:p>
+            <a:pPr algn="ctr"/>
+            <a:r>
+              <a:rPr lang="en-US" dirty="0"/>
+              <a:t>2</a:t>
+            </a:r>
+          </a:p>
+        </p:txBody>
+      </p:sp>
+      <p:sp>
+        <p:nvSpPr>
+          <p:cNvPr id="52" name="Pentagon 51">
+            <a:extLst>
+              <a:ext uri="{FF2B5EF4-FFF2-40B4-BE49-F238E27FC236}">
+                <a16:creationId xmlns:a16="http://schemas.microsoft.com/office/drawing/2014/main" id="{AAB22188-4337-A945-8B74-8FB4537034ED}"/>
+              </a:ext>
+            </a:extLst>
+          </p:cNvPr>
+          <p:cNvSpPr/>
+          <p:nvPr/>
+        </p:nvSpPr>
+        <p:spPr>
+          <a:xfrm>
+            <a:off x="8887348" y="3479832"/>
+            <a:ext cx="307232" cy="294910"/>
+          </a:xfrm>
+          <a:prstGeom prst="homePlate">
+            <a:avLst/>
+          </a:prstGeom>
+          <a:solidFill>
+            <a:schemeClr val="tx1">
+              <a:lumMod val="50000"/>
+              <a:lumOff val="50000"/>
+            </a:schemeClr>
+          </a:solidFill>
+          <a:ln>
+            <a:solidFill>
+              <a:schemeClr val="tx1">
+                <a:lumMod val="50000"/>
+                <a:lumOff val="50000"/>
+              </a:schemeClr>
+            </a:solidFill>
+          </a:ln>
+        </p:spPr>
+        <p:style>
+          <a:lnRef idx="2">
+            <a:schemeClr val="accent1">
+              <a:shade val="50000"/>
+            </a:schemeClr>
+          </a:lnRef>
+          <a:fillRef idx="1">
+            <a:schemeClr val="accent1"/>
+          </a:fillRef>
+          <a:effectRef idx="0">
+            <a:schemeClr val="accent1"/>
+          </a:effectRef>
+          <a:fontRef idx="minor">
+            <a:schemeClr val="lt1"/>
+          </a:fontRef>
+        </p:style>
+        <p:txBody>
+          <a:bodyPr rtlCol="0" anchor="ctr"/>
+          <a:lstStyle/>
+          <a:p>
+            <a:pPr algn="ctr"/>
+            <a:r>
+              <a:rPr lang="en-US" dirty="0"/>
+              <a:t>3</a:t>
+            </a:r>
+          </a:p>
+        </p:txBody>
+      </p:sp>
+      <p:sp>
+        <p:nvSpPr>
+          <p:cNvPr id="53" name="Pentagon 52">
+            <a:extLst>
+              <a:ext uri="{FF2B5EF4-FFF2-40B4-BE49-F238E27FC236}">
+                <a16:creationId xmlns:a16="http://schemas.microsoft.com/office/drawing/2014/main" id="{514A1BC1-510B-D44C-B590-951665E36887}"/>
+              </a:ext>
+            </a:extLst>
+          </p:cNvPr>
+          <p:cNvSpPr/>
+          <p:nvPr/>
+        </p:nvSpPr>
+        <p:spPr>
+          <a:xfrm>
+            <a:off x="10082597" y="3469679"/>
+            <a:ext cx="307232" cy="294910"/>
+          </a:xfrm>
+          <a:prstGeom prst="homePlate">
+            <a:avLst/>
+          </a:prstGeom>
+          <a:solidFill>
+            <a:schemeClr val="tx1">
+              <a:lumMod val="50000"/>
+              <a:lumOff val="50000"/>
+            </a:schemeClr>
+          </a:solidFill>
+          <a:ln>
+            <a:solidFill>
+              <a:schemeClr val="tx1">
+                <a:lumMod val="50000"/>
+                <a:lumOff val="50000"/>
+              </a:schemeClr>
+            </a:solidFill>
+          </a:ln>
+        </p:spPr>
+        <p:style>
+          <a:lnRef idx="2">
+            <a:schemeClr val="accent1">
+              <a:shade val="50000"/>
+            </a:schemeClr>
+          </a:lnRef>
+          <a:fillRef idx="1">
+            <a:schemeClr val="accent1"/>
+          </a:fillRef>
+          <a:effectRef idx="0">
+            <a:schemeClr val="accent1"/>
+          </a:effectRef>
+          <a:fontRef idx="minor">
+            <a:schemeClr val="lt1"/>
+          </a:fontRef>
+        </p:style>
+        <p:txBody>
+          <a:bodyPr rtlCol="0" anchor="ctr"/>
+          <a:lstStyle/>
+          <a:p>
+            <a:pPr algn="ctr"/>
+            <a:r>
+              <a:rPr lang="en-US" dirty="0"/>
+              <a:t>4</a:t>
+            </a:r>
+          </a:p>
+        </p:txBody>
+      </p:sp>
     </p:spTree>
     <p:extLst>
       <p:ext uri="{BB962C8B-B14F-4D97-AF65-F5344CB8AC3E}">
@@ -16761,7 +17386,7 @@
           </a:prstGeom>
           <a:ln>
             <a:solidFill>
-              <a:schemeClr val="tx1"/>
+              <a:schemeClr val="accent2"/>
             </a:solidFill>
             <a:tailEnd type="arrow"/>
           </a:ln>
@@ -16795,7 +17420,7 @@
         </p:nvGrpSpPr>
         <p:grpSpPr>
           <a:xfrm>
-            <a:off x="5510784" y="2939091"/>
+            <a:off x="5510784" y="2926391"/>
             <a:ext cx="1072750" cy="891217"/>
             <a:chOff x="7523336" y="1928192"/>
             <a:chExt cx="1072750" cy="891217"/>
@@ -16894,16 +17519,16 @@
           <p:nvPr/>
         </p:nvCxnSpPr>
         <p:spPr>
-          <a:xfrm>
-            <a:off x="4279392" y="3221751"/>
-            <a:ext cx="1482017" cy="3090"/>
+          <a:xfrm flipV="1">
+            <a:off x="4279392" y="3212141"/>
+            <a:ext cx="1482017" cy="9610"/>
           </a:xfrm>
           <a:prstGeom prst="straightConnector1">
             <a:avLst/>
           </a:prstGeom>
           <a:ln>
             <a:solidFill>
-              <a:schemeClr val="tx1"/>
+              <a:schemeClr val="accent2"/>
             </a:solidFill>
             <a:tailEnd type="arrow"/>
           </a:ln>
@@ -16945,7 +17570,7 @@
         </p:blipFill>
         <p:spPr>
           <a:xfrm>
-            <a:off x="8095269" y="2796301"/>
+            <a:off x="7797400" y="2786691"/>
             <a:ext cx="571500" cy="850900"/>
           </a:xfrm>
           <a:prstGeom prst="rect">
@@ -16969,16 +17594,16 @@
           <p:nvPr/>
         </p:nvCxnSpPr>
         <p:spPr>
-          <a:xfrm flipV="1">
-            <a:off x="6332909" y="3221751"/>
-            <a:ext cx="1762360" cy="3090"/>
+          <a:xfrm>
+            <a:off x="6332909" y="3212141"/>
+            <a:ext cx="1464491" cy="0"/>
           </a:xfrm>
           <a:prstGeom prst="straightConnector1">
             <a:avLst/>
           </a:prstGeom>
           <a:ln>
             <a:solidFill>
-              <a:schemeClr val="tx1"/>
+              <a:schemeClr val="accent2"/>
             </a:solidFill>
             <a:tailEnd type="arrow"/>
           </a:ln>
@@ -17026,7 +17651,7 @@
         </p:blipFill>
         <p:spPr>
           <a:xfrm>
-            <a:off x="10201200" y="2759725"/>
+            <a:off x="8916016" y="2734303"/>
             <a:ext cx="762000" cy="952500"/>
           </a:xfrm>
           <a:prstGeom prst="rect">
@@ -17050,16 +17675,16 @@
           <p:nvPr/>
         </p:nvCxnSpPr>
         <p:spPr>
-          <a:xfrm>
-            <a:off x="8666769" y="3221751"/>
-            <a:ext cx="1534431" cy="14224"/>
+          <a:xfrm flipV="1">
+            <a:off x="8368900" y="3210553"/>
+            <a:ext cx="547116" cy="1588"/>
           </a:xfrm>
           <a:prstGeom prst="straightConnector1">
             <a:avLst/>
           </a:prstGeom>
           <a:ln>
             <a:solidFill>
-              <a:schemeClr val="tx1"/>
+              <a:schemeClr val="accent2"/>
             </a:solidFill>
             <a:tailEnd type="arrow"/>
           </a:ln>
@@ -17079,6 +17704,553 @@
           </a:fontRef>
         </p:style>
       </p:cxnSp>
+      <p:pic>
+        <p:nvPicPr>
+          <p:cNvPr id="27" name="Picture 26">
+            <a:extLst>
+              <a:ext uri="{FF2B5EF4-FFF2-40B4-BE49-F238E27FC236}">
+                <a16:creationId xmlns:a16="http://schemas.microsoft.com/office/drawing/2014/main" id="{612716EB-8B20-9B46-8AFF-657221828411}"/>
+              </a:ext>
+            </a:extLst>
+          </p:cNvPr>
+          <p:cNvPicPr>
+            <a:picLocks noChangeAspect="1"/>
+          </p:cNvPicPr>
+          <p:nvPr/>
+        </p:nvPicPr>
+        <p:blipFill>
+          <a:blip r:embed="rId15"/>
+          <a:stretch>
+            <a:fillRect/>
+          </a:stretch>
+        </p:blipFill>
+        <p:spPr>
+          <a:xfrm>
+            <a:off x="8935311" y="1553670"/>
+            <a:ext cx="742705" cy="766663"/>
+          </a:xfrm>
+          <a:prstGeom prst="rect">
+            <a:avLst/>
+          </a:prstGeom>
+          <a:solidFill>
+            <a:schemeClr val="bg1"/>
+          </a:solidFill>
+          <a:ln>
+            <a:solidFill>
+              <a:schemeClr val="bg1"/>
+            </a:solidFill>
+          </a:ln>
+          <a:effectLst>
+            <a:outerShdw blurRad="50800" dist="50800" dir="5400000" algn="ctr" rotWithShape="0">
+              <a:schemeClr val="bg1"/>
+            </a:outerShdw>
+          </a:effectLst>
+        </p:spPr>
+      </p:pic>
+      <p:pic>
+        <p:nvPicPr>
+          <p:cNvPr id="34" name="Picture 33">
+            <a:extLst>
+              <a:ext uri="{FF2B5EF4-FFF2-40B4-BE49-F238E27FC236}">
+                <a16:creationId xmlns:a16="http://schemas.microsoft.com/office/drawing/2014/main" id="{37A24EB3-5124-FD4F-AD02-0CCBAA5BD189}"/>
+              </a:ext>
+            </a:extLst>
+          </p:cNvPr>
+          <p:cNvPicPr>
+            <a:picLocks noChangeAspect="1"/>
+          </p:cNvPicPr>
+          <p:nvPr/>
+        </p:nvPicPr>
+        <p:blipFill>
+          <a:blip r:embed="rId16"/>
+          <a:stretch>
+            <a:fillRect/>
+          </a:stretch>
+        </p:blipFill>
+        <p:spPr>
+          <a:xfrm>
+            <a:off x="10673342" y="1615034"/>
+            <a:ext cx="643933" cy="643933"/>
+          </a:xfrm>
+          <a:prstGeom prst="rect">
+            <a:avLst/>
+          </a:prstGeom>
+        </p:spPr>
+      </p:pic>
+      <p:cxnSp>
+        <p:nvCxnSpPr>
+          <p:cNvPr id="29" name="Straight Arrow Connector 28">
+            <a:extLst>
+              <a:ext uri="{FF2B5EF4-FFF2-40B4-BE49-F238E27FC236}">
+                <a16:creationId xmlns:a16="http://schemas.microsoft.com/office/drawing/2014/main" id="{9E7873FD-EA52-3040-926E-FD6A3B77E220}"/>
+              </a:ext>
+            </a:extLst>
+          </p:cNvPr>
+          <p:cNvCxnSpPr>
+            <a:stCxn id="33" idx="0"/>
+          </p:cNvCxnSpPr>
+          <p:nvPr/>
+        </p:nvCxnSpPr>
+        <p:spPr>
+          <a:xfrm flipV="1">
+            <a:off x="9297016" y="2197603"/>
+            <a:ext cx="0" cy="536700"/>
+          </a:xfrm>
+          <a:prstGeom prst="straightConnector1">
+            <a:avLst/>
+          </a:prstGeom>
+          <a:ln>
+            <a:solidFill>
+              <a:schemeClr val="accent2"/>
+            </a:solidFill>
+            <a:tailEnd type="arrow"/>
+          </a:ln>
+        </p:spPr>
+        <p:style>
+          <a:lnRef idx="1">
+            <a:schemeClr val="accent1"/>
+          </a:lnRef>
+          <a:fillRef idx="0">
+            <a:schemeClr val="accent1"/>
+          </a:fillRef>
+          <a:effectRef idx="0">
+            <a:schemeClr val="accent1"/>
+          </a:effectRef>
+          <a:fontRef idx="minor">
+            <a:schemeClr val="tx1"/>
+          </a:fontRef>
+        </p:style>
+      </p:cxnSp>
+      <p:cxnSp>
+        <p:nvCxnSpPr>
+          <p:cNvPr id="36" name="Straight Arrow Connector 35">
+            <a:extLst>
+              <a:ext uri="{FF2B5EF4-FFF2-40B4-BE49-F238E27FC236}">
+                <a16:creationId xmlns:a16="http://schemas.microsoft.com/office/drawing/2014/main" id="{1E4CE236-6D36-ED44-BF24-F5295FC7AD37}"/>
+              </a:ext>
+            </a:extLst>
+          </p:cNvPr>
+          <p:cNvCxnSpPr>
+            <a:stCxn id="27" idx="3"/>
+            <a:endCxn id="34" idx="1"/>
+          </p:cNvCxnSpPr>
+          <p:nvPr/>
+        </p:nvCxnSpPr>
+        <p:spPr>
+          <a:xfrm flipV="1">
+            <a:off x="9678016" y="1937001"/>
+            <a:ext cx="995326" cy="1"/>
+          </a:xfrm>
+          <a:prstGeom prst="straightConnector1">
+            <a:avLst/>
+          </a:prstGeom>
+          <a:ln>
+            <a:solidFill>
+              <a:schemeClr val="accent2"/>
+            </a:solidFill>
+            <a:tailEnd type="arrow"/>
+          </a:ln>
+        </p:spPr>
+        <p:style>
+          <a:lnRef idx="1">
+            <a:schemeClr val="accent1"/>
+          </a:lnRef>
+          <a:fillRef idx="0">
+            <a:schemeClr val="accent1"/>
+          </a:fillRef>
+          <a:effectRef idx="0">
+            <a:schemeClr val="accent1"/>
+          </a:effectRef>
+          <a:fontRef idx="minor">
+            <a:schemeClr val="tx1"/>
+          </a:fontRef>
+        </p:style>
+      </p:cxnSp>
+      <p:sp>
+        <p:nvSpPr>
+          <p:cNvPr id="38" name="TextBox 37">
+            <a:extLst>
+              <a:ext uri="{FF2B5EF4-FFF2-40B4-BE49-F238E27FC236}">
+                <a16:creationId xmlns:a16="http://schemas.microsoft.com/office/drawing/2014/main" id="{9DD4999B-BD54-DD46-9D42-A998124A43BE}"/>
+              </a:ext>
+            </a:extLst>
+          </p:cNvPr>
+          <p:cNvSpPr txBox="1"/>
+          <p:nvPr/>
+        </p:nvSpPr>
+        <p:spPr>
+          <a:xfrm>
+            <a:off x="8887968" y="2194560"/>
+            <a:ext cx="872355" cy="246221"/>
+          </a:xfrm>
+          <a:prstGeom prst="rect">
+            <a:avLst/>
+          </a:prstGeom>
+          <a:noFill/>
+        </p:spPr>
+        <p:txBody>
+          <a:bodyPr wrap="none" rtlCol="0">
+            <a:spAutoFit/>
+          </a:bodyPr>
+          <a:lstStyle/>
+          <a:p>
+            <a:r>
+              <a:rPr lang="en-US" sz="1000" b="1" dirty="0"/>
+              <a:t>Glue Crawler</a:t>
+            </a:r>
+          </a:p>
+        </p:txBody>
+      </p:sp>
+      <p:sp>
+        <p:nvSpPr>
+          <p:cNvPr id="39" name="TextBox 38">
+            <a:extLst>
+              <a:ext uri="{FF2B5EF4-FFF2-40B4-BE49-F238E27FC236}">
+                <a16:creationId xmlns:a16="http://schemas.microsoft.com/office/drawing/2014/main" id="{807A87D5-D957-644A-95CA-A5A83ACC13ED}"/>
+              </a:ext>
+            </a:extLst>
+          </p:cNvPr>
+          <p:cNvSpPr txBox="1"/>
+          <p:nvPr/>
+        </p:nvSpPr>
+        <p:spPr>
+          <a:xfrm>
+            <a:off x="10594848" y="2200656"/>
+            <a:ext cx="859531" cy="246221"/>
+          </a:xfrm>
+          <a:prstGeom prst="rect">
+            <a:avLst/>
+          </a:prstGeom>
+          <a:noFill/>
+        </p:spPr>
+        <p:txBody>
+          <a:bodyPr wrap="none" rtlCol="0">
+            <a:spAutoFit/>
+          </a:bodyPr>
+          <a:lstStyle/>
+          <a:p>
+            <a:r>
+              <a:rPr lang="en-US" sz="1000" b="1" dirty="0"/>
+              <a:t>Glue Catalog</a:t>
+            </a:r>
+          </a:p>
+        </p:txBody>
+      </p:sp>
+      <p:sp>
+        <p:nvSpPr>
+          <p:cNvPr id="40" name="Pentagon 39">
+            <a:extLst>
+              <a:ext uri="{FF2B5EF4-FFF2-40B4-BE49-F238E27FC236}">
+                <a16:creationId xmlns:a16="http://schemas.microsoft.com/office/drawing/2014/main" id="{F1A94556-D7D6-5D4B-A913-D2C9483B1A64}"/>
+              </a:ext>
+            </a:extLst>
+          </p:cNvPr>
+          <p:cNvSpPr/>
+          <p:nvPr/>
+        </p:nvSpPr>
+        <p:spPr>
+          <a:xfrm>
+            <a:off x="615742" y="2742318"/>
+            <a:ext cx="307232" cy="294910"/>
+          </a:xfrm>
+          <a:prstGeom prst="homePlate">
+            <a:avLst/>
+          </a:prstGeom>
+          <a:solidFill>
+            <a:schemeClr val="tx1">
+              <a:lumMod val="50000"/>
+              <a:lumOff val="50000"/>
+            </a:schemeClr>
+          </a:solidFill>
+          <a:ln>
+            <a:solidFill>
+              <a:schemeClr val="tx1">
+                <a:lumMod val="50000"/>
+                <a:lumOff val="50000"/>
+              </a:schemeClr>
+            </a:solidFill>
+          </a:ln>
+        </p:spPr>
+        <p:style>
+          <a:lnRef idx="2">
+            <a:schemeClr val="accent1">
+              <a:shade val="50000"/>
+            </a:schemeClr>
+          </a:lnRef>
+          <a:fillRef idx="1">
+            <a:schemeClr val="accent1"/>
+          </a:fillRef>
+          <a:effectRef idx="0">
+            <a:schemeClr val="accent1"/>
+          </a:effectRef>
+          <a:fontRef idx="minor">
+            <a:schemeClr val="lt1"/>
+          </a:fontRef>
+        </p:style>
+        <p:txBody>
+          <a:bodyPr rtlCol="0" anchor="ctr"/>
+          <a:lstStyle/>
+          <a:p>
+            <a:pPr algn="ctr"/>
+            <a:r>
+              <a:rPr lang="en-US" dirty="0"/>
+              <a:t>1</a:t>
+            </a:r>
+          </a:p>
+        </p:txBody>
+      </p:sp>
+      <p:sp>
+        <p:nvSpPr>
+          <p:cNvPr id="43" name="Pentagon 42">
+            <a:extLst>
+              <a:ext uri="{FF2B5EF4-FFF2-40B4-BE49-F238E27FC236}">
+                <a16:creationId xmlns:a16="http://schemas.microsoft.com/office/drawing/2014/main" id="{A580F4F7-5944-7349-9CCD-6990B27319D3}"/>
+              </a:ext>
+            </a:extLst>
+          </p:cNvPr>
+          <p:cNvSpPr/>
+          <p:nvPr/>
+        </p:nvSpPr>
+        <p:spPr>
+          <a:xfrm>
+            <a:off x="2925629" y="2742318"/>
+            <a:ext cx="307232" cy="294910"/>
+          </a:xfrm>
+          <a:prstGeom prst="homePlate">
+            <a:avLst/>
+          </a:prstGeom>
+          <a:solidFill>
+            <a:schemeClr val="tx1">
+              <a:lumMod val="50000"/>
+              <a:lumOff val="50000"/>
+            </a:schemeClr>
+          </a:solidFill>
+          <a:ln>
+            <a:solidFill>
+              <a:schemeClr val="tx1">
+                <a:lumMod val="50000"/>
+                <a:lumOff val="50000"/>
+              </a:schemeClr>
+            </a:solidFill>
+          </a:ln>
+        </p:spPr>
+        <p:style>
+          <a:lnRef idx="2">
+            <a:schemeClr val="accent1">
+              <a:shade val="50000"/>
+            </a:schemeClr>
+          </a:lnRef>
+          <a:fillRef idx="1">
+            <a:schemeClr val="accent1"/>
+          </a:fillRef>
+          <a:effectRef idx="0">
+            <a:schemeClr val="accent1"/>
+          </a:effectRef>
+          <a:fontRef idx="minor">
+            <a:schemeClr val="lt1"/>
+          </a:fontRef>
+        </p:style>
+        <p:txBody>
+          <a:bodyPr rtlCol="0" anchor="ctr"/>
+          <a:lstStyle/>
+          <a:p>
+            <a:pPr algn="ctr"/>
+            <a:r>
+              <a:rPr lang="en-US" dirty="0"/>
+              <a:t>2</a:t>
+            </a:r>
+          </a:p>
+        </p:txBody>
+      </p:sp>
+      <p:sp>
+        <p:nvSpPr>
+          <p:cNvPr id="44" name="Pentagon 43">
+            <a:extLst>
+              <a:ext uri="{FF2B5EF4-FFF2-40B4-BE49-F238E27FC236}">
+                <a16:creationId xmlns:a16="http://schemas.microsoft.com/office/drawing/2014/main" id="{B74679D0-D69F-754B-8188-E19D937264A7}"/>
+              </a:ext>
+            </a:extLst>
+          </p:cNvPr>
+          <p:cNvSpPr/>
+          <p:nvPr/>
+        </p:nvSpPr>
+        <p:spPr>
+          <a:xfrm>
+            <a:off x="7490168" y="2731228"/>
+            <a:ext cx="307232" cy="294910"/>
+          </a:xfrm>
+          <a:prstGeom prst="homePlate">
+            <a:avLst/>
+          </a:prstGeom>
+          <a:solidFill>
+            <a:schemeClr val="tx1">
+              <a:lumMod val="50000"/>
+              <a:lumOff val="50000"/>
+            </a:schemeClr>
+          </a:solidFill>
+          <a:ln>
+            <a:solidFill>
+              <a:schemeClr val="tx1">
+                <a:lumMod val="50000"/>
+                <a:lumOff val="50000"/>
+              </a:schemeClr>
+            </a:solidFill>
+          </a:ln>
+        </p:spPr>
+        <p:style>
+          <a:lnRef idx="2">
+            <a:schemeClr val="accent1">
+              <a:shade val="50000"/>
+            </a:schemeClr>
+          </a:lnRef>
+          <a:fillRef idx="1">
+            <a:schemeClr val="accent1"/>
+          </a:fillRef>
+          <a:effectRef idx="0">
+            <a:schemeClr val="accent1"/>
+          </a:effectRef>
+          <a:fontRef idx="minor">
+            <a:schemeClr val="lt1"/>
+          </a:fontRef>
+        </p:style>
+        <p:txBody>
+          <a:bodyPr rtlCol="0" anchor="ctr"/>
+          <a:lstStyle/>
+          <a:p>
+            <a:pPr algn="ctr"/>
+            <a:r>
+              <a:rPr lang="en-US" dirty="0"/>
+              <a:t>3</a:t>
+            </a:r>
+          </a:p>
+        </p:txBody>
+      </p:sp>
+      <p:sp>
+        <p:nvSpPr>
+          <p:cNvPr id="45" name="Pentagon 44">
+            <a:extLst>
+              <a:ext uri="{FF2B5EF4-FFF2-40B4-BE49-F238E27FC236}">
+                <a16:creationId xmlns:a16="http://schemas.microsoft.com/office/drawing/2014/main" id="{8AC5359C-CB6D-5044-AE5F-8733FA606BEE}"/>
+              </a:ext>
+            </a:extLst>
+          </p:cNvPr>
+          <p:cNvSpPr/>
+          <p:nvPr/>
+        </p:nvSpPr>
+        <p:spPr>
+          <a:xfrm>
+            <a:off x="8561540" y="2734184"/>
+            <a:ext cx="307232" cy="294910"/>
+          </a:xfrm>
+          <a:prstGeom prst="homePlate">
+            <a:avLst/>
+          </a:prstGeom>
+          <a:solidFill>
+            <a:schemeClr val="tx1">
+              <a:lumMod val="50000"/>
+              <a:lumOff val="50000"/>
+            </a:schemeClr>
+          </a:solidFill>
+          <a:ln>
+            <a:solidFill>
+              <a:schemeClr val="tx1">
+                <a:lumMod val="50000"/>
+                <a:lumOff val="50000"/>
+              </a:schemeClr>
+            </a:solidFill>
+          </a:ln>
+        </p:spPr>
+        <p:style>
+          <a:lnRef idx="2">
+            <a:schemeClr val="accent1">
+              <a:shade val="50000"/>
+            </a:schemeClr>
+          </a:lnRef>
+          <a:fillRef idx="1">
+            <a:schemeClr val="accent1"/>
+          </a:fillRef>
+          <a:effectRef idx="0">
+            <a:schemeClr val="accent1"/>
+          </a:effectRef>
+          <a:fontRef idx="minor">
+            <a:schemeClr val="lt1"/>
+          </a:fontRef>
+        </p:style>
+        <p:txBody>
+          <a:bodyPr rtlCol="0" anchor="ctr"/>
+          <a:lstStyle/>
+          <a:p>
+            <a:pPr algn="ctr"/>
+            <a:r>
+              <a:rPr lang="en-US" dirty="0"/>
+              <a:t>4</a:t>
+            </a:r>
+          </a:p>
+        </p:txBody>
+      </p:sp>
+      <p:sp>
+        <p:nvSpPr>
+          <p:cNvPr id="46" name="Pentagon 45">
+            <a:extLst>
+              <a:ext uri="{FF2B5EF4-FFF2-40B4-BE49-F238E27FC236}">
+                <a16:creationId xmlns:a16="http://schemas.microsoft.com/office/drawing/2014/main" id="{965E089B-1FC0-BE4A-A54D-5EBDD24BD88E}"/>
+              </a:ext>
+            </a:extLst>
+          </p:cNvPr>
+          <p:cNvSpPr/>
+          <p:nvPr/>
+        </p:nvSpPr>
+        <p:spPr>
+          <a:xfrm>
+            <a:off x="8586759" y="1512309"/>
+            <a:ext cx="307232" cy="294910"/>
+          </a:xfrm>
+          <a:prstGeom prst="homePlate">
+            <a:avLst/>
+          </a:prstGeom>
+          <a:solidFill>
+            <a:schemeClr val="tx1">
+              <a:lumMod val="50000"/>
+              <a:lumOff val="50000"/>
+            </a:schemeClr>
+          </a:solidFill>
+          <a:ln>
+            <a:solidFill>
+              <a:schemeClr val="tx1">
+                <a:lumMod val="50000"/>
+                <a:lumOff val="50000"/>
+              </a:schemeClr>
+            </a:solidFill>
+          </a:ln>
+        </p:spPr>
+        <p:style>
+          <a:lnRef idx="2">
+            <a:schemeClr val="accent1">
+              <a:shade val="50000"/>
+            </a:schemeClr>
+          </a:lnRef>
+          <a:fillRef idx="1">
+            <a:schemeClr val="accent1"/>
+          </a:fillRef>
+          <a:effectRef idx="0">
+            <a:schemeClr val="accent1"/>
+          </a:effectRef>
+          <a:fontRef idx="minor">
+            <a:schemeClr val="lt1"/>
+          </a:fontRef>
+        </p:style>
+        <p:txBody>
+          <a:bodyPr rtlCol="0" anchor="ctr"/>
+          <a:lstStyle/>
+          <a:p>
+            <a:pPr algn="ctr"/>
+            <a:r>
+              <a:rPr lang="en-US" dirty="0"/>
+              <a:t>5</a:t>
+            </a:r>
+          </a:p>
+        </p:txBody>
+      </p:sp>
     </p:spTree>
     <p:extLst>
       <p:ext uri="{BB962C8B-B14F-4D97-AF65-F5344CB8AC3E}">
@@ -18049,14 +19221,11 @@
           <a:lstStyle/>
           <a:p>
             <a:pPr algn="ctr"/>
-            <a:r>
-              <a:rPr lang="en-US" sz="1200" dirty="0">
-                <a:solidFill>
-                  <a:srgbClr val="879196"/>
-                </a:solidFill>
-              </a:rPr>
-              <a:t>Security Group</a:t>
-            </a:r>
+            <a:endParaRPr lang="en-US" sz="1200" dirty="0">
+              <a:solidFill>
+                <a:srgbClr val="879196"/>
+              </a:solidFill>
+            </a:endParaRPr>
           </a:p>
         </p:txBody>
       </p:sp>
@@ -18610,8 +19779,8 @@
         </p:nvSpPr>
         <p:spPr>
           <a:xfrm>
-            <a:off x="1980197" y="2023196"/>
-            <a:ext cx="1765300" cy="2987716"/>
+            <a:off x="2329016" y="2023196"/>
+            <a:ext cx="964757" cy="2987716"/>
           </a:xfrm>
           <a:prstGeom prst="rect">
             <a:avLst/>
@@ -18660,6 +19829,418 @@
                 </a:solidFill>
               </a:rPr>
               <a:t>JDBC Sources</a:t>
+            </a:r>
+          </a:p>
+        </p:txBody>
+      </p:sp>
+      <p:sp>
+        <p:nvSpPr>
+          <p:cNvPr id="45" name="Pentagon 44">
+            <a:extLst>
+              <a:ext uri="{FF2B5EF4-FFF2-40B4-BE49-F238E27FC236}">
+                <a16:creationId xmlns:a16="http://schemas.microsoft.com/office/drawing/2014/main" id="{F744FB21-DCC8-7A45-825F-407B3078D32D}"/>
+              </a:ext>
+            </a:extLst>
+          </p:cNvPr>
+          <p:cNvSpPr/>
+          <p:nvPr/>
+        </p:nvSpPr>
+        <p:spPr>
+          <a:xfrm>
+            <a:off x="1974609" y="2393488"/>
+            <a:ext cx="307232" cy="294910"/>
+          </a:xfrm>
+          <a:prstGeom prst="homePlate">
+            <a:avLst/>
+          </a:prstGeom>
+          <a:solidFill>
+            <a:schemeClr val="tx1">
+              <a:lumMod val="50000"/>
+              <a:lumOff val="50000"/>
+            </a:schemeClr>
+          </a:solidFill>
+          <a:ln>
+            <a:solidFill>
+              <a:schemeClr val="tx1">
+                <a:lumMod val="50000"/>
+                <a:lumOff val="50000"/>
+              </a:schemeClr>
+            </a:solidFill>
+          </a:ln>
+        </p:spPr>
+        <p:style>
+          <a:lnRef idx="2">
+            <a:schemeClr val="accent1">
+              <a:shade val="50000"/>
+            </a:schemeClr>
+          </a:lnRef>
+          <a:fillRef idx="1">
+            <a:schemeClr val="accent1"/>
+          </a:fillRef>
+          <a:effectRef idx="0">
+            <a:schemeClr val="accent1"/>
+          </a:effectRef>
+          <a:fontRef idx="minor">
+            <a:schemeClr val="lt1"/>
+          </a:fontRef>
+        </p:style>
+        <p:txBody>
+          <a:bodyPr rtlCol="0" anchor="ctr"/>
+          <a:lstStyle/>
+          <a:p>
+            <a:pPr algn="ctr"/>
+            <a:r>
+              <a:rPr lang="en-US" dirty="0"/>
+              <a:t>1</a:t>
+            </a:r>
+          </a:p>
+        </p:txBody>
+      </p:sp>
+      <p:sp>
+        <p:nvSpPr>
+          <p:cNvPr id="48" name="Pentagon 47">
+            <a:extLst>
+              <a:ext uri="{FF2B5EF4-FFF2-40B4-BE49-F238E27FC236}">
+                <a16:creationId xmlns:a16="http://schemas.microsoft.com/office/drawing/2014/main" id="{6F9E83F0-B7AE-7A42-8D94-B5AD23F4F79E}"/>
+              </a:ext>
+            </a:extLst>
+          </p:cNvPr>
+          <p:cNvSpPr/>
+          <p:nvPr/>
+        </p:nvSpPr>
+        <p:spPr>
+          <a:xfrm>
+            <a:off x="4012884" y="2916721"/>
+            <a:ext cx="307232" cy="294910"/>
+          </a:xfrm>
+          <a:prstGeom prst="homePlate">
+            <a:avLst/>
+          </a:prstGeom>
+          <a:solidFill>
+            <a:schemeClr val="tx1">
+              <a:lumMod val="50000"/>
+              <a:lumOff val="50000"/>
+            </a:schemeClr>
+          </a:solidFill>
+          <a:ln>
+            <a:solidFill>
+              <a:schemeClr val="tx1">
+                <a:lumMod val="50000"/>
+                <a:lumOff val="50000"/>
+              </a:schemeClr>
+            </a:solidFill>
+          </a:ln>
+        </p:spPr>
+        <p:style>
+          <a:lnRef idx="2">
+            <a:schemeClr val="accent1">
+              <a:shade val="50000"/>
+            </a:schemeClr>
+          </a:lnRef>
+          <a:fillRef idx="1">
+            <a:schemeClr val="accent1"/>
+          </a:fillRef>
+          <a:effectRef idx="0">
+            <a:schemeClr val="accent1"/>
+          </a:effectRef>
+          <a:fontRef idx="minor">
+            <a:schemeClr val="lt1"/>
+          </a:fontRef>
+        </p:style>
+        <p:txBody>
+          <a:bodyPr rtlCol="0" anchor="ctr"/>
+          <a:lstStyle/>
+          <a:p>
+            <a:pPr algn="ctr"/>
+            <a:r>
+              <a:rPr lang="en-US" dirty="0"/>
+              <a:t>2</a:t>
+            </a:r>
+          </a:p>
+        </p:txBody>
+      </p:sp>
+      <p:sp>
+        <p:nvSpPr>
+          <p:cNvPr id="49" name="Pentagon 48">
+            <a:extLst>
+              <a:ext uri="{FF2B5EF4-FFF2-40B4-BE49-F238E27FC236}">
+                <a16:creationId xmlns:a16="http://schemas.microsoft.com/office/drawing/2014/main" id="{0CAACFB2-650D-6447-A103-4B676DF11245}"/>
+              </a:ext>
+            </a:extLst>
+          </p:cNvPr>
+          <p:cNvSpPr/>
+          <p:nvPr/>
+        </p:nvSpPr>
+        <p:spPr>
+          <a:xfrm>
+            <a:off x="8316707" y="2921447"/>
+            <a:ext cx="307232" cy="294910"/>
+          </a:xfrm>
+          <a:prstGeom prst="homePlate">
+            <a:avLst/>
+          </a:prstGeom>
+          <a:solidFill>
+            <a:schemeClr val="tx1">
+              <a:lumMod val="50000"/>
+              <a:lumOff val="50000"/>
+            </a:schemeClr>
+          </a:solidFill>
+          <a:ln>
+            <a:solidFill>
+              <a:schemeClr val="tx1">
+                <a:lumMod val="50000"/>
+                <a:lumOff val="50000"/>
+              </a:schemeClr>
+            </a:solidFill>
+          </a:ln>
+        </p:spPr>
+        <p:style>
+          <a:lnRef idx="2">
+            <a:schemeClr val="accent1">
+              <a:shade val="50000"/>
+            </a:schemeClr>
+          </a:lnRef>
+          <a:fillRef idx="1">
+            <a:schemeClr val="accent1"/>
+          </a:fillRef>
+          <a:effectRef idx="0">
+            <a:schemeClr val="accent1"/>
+          </a:effectRef>
+          <a:fontRef idx="minor">
+            <a:schemeClr val="lt1"/>
+          </a:fontRef>
+        </p:style>
+        <p:txBody>
+          <a:bodyPr rtlCol="0" anchor="ctr"/>
+          <a:lstStyle/>
+          <a:p>
+            <a:pPr algn="ctr"/>
+            <a:r>
+              <a:rPr lang="en-US" dirty="0"/>
+              <a:t>4</a:t>
+            </a:r>
+          </a:p>
+        </p:txBody>
+      </p:sp>
+      <p:sp>
+        <p:nvSpPr>
+          <p:cNvPr id="50" name="Pentagon 49">
+            <a:extLst>
+              <a:ext uri="{FF2B5EF4-FFF2-40B4-BE49-F238E27FC236}">
+                <a16:creationId xmlns:a16="http://schemas.microsoft.com/office/drawing/2014/main" id="{9C0151F1-D2F6-3D4B-9F04-599A2993FC98}"/>
+              </a:ext>
+            </a:extLst>
+          </p:cNvPr>
+          <p:cNvSpPr/>
+          <p:nvPr/>
+        </p:nvSpPr>
+        <p:spPr>
+          <a:xfrm>
+            <a:off x="10060163" y="3073847"/>
+            <a:ext cx="307232" cy="294910"/>
+          </a:xfrm>
+          <a:prstGeom prst="homePlate">
+            <a:avLst/>
+          </a:prstGeom>
+          <a:solidFill>
+            <a:schemeClr val="tx1">
+              <a:lumMod val="50000"/>
+              <a:lumOff val="50000"/>
+            </a:schemeClr>
+          </a:solidFill>
+          <a:ln>
+            <a:solidFill>
+              <a:schemeClr val="tx1">
+                <a:lumMod val="50000"/>
+                <a:lumOff val="50000"/>
+              </a:schemeClr>
+            </a:solidFill>
+          </a:ln>
+        </p:spPr>
+        <p:style>
+          <a:lnRef idx="2">
+            <a:schemeClr val="accent1">
+              <a:shade val="50000"/>
+            </a:schemeClr>
+          </a:lnRef>
+          <a:fillRef idx="1">
+            <a:schemeClr val="accent1"/>
+          </a:fillRef>
+          <a:effectRef idx="0">
+            <a:schemeClr val="accent1"/>
+          </a:effectRef>
+          <a:fontRef idx="minor">
+            <a:schemeClr val="lt1"/>
+          </a:fontRef>
+        </p:style>
+        <p:txBody>
+          <a:bodyPr rtlCol="0" anchor="ctr"/>
+          <a:lstStyle/>
+          <a:p>
+            <a:pPr algn="ctr"/>
+            <a:r>
+              <a:rPr lang="en-US" dirty="0"/>
+              <a:t>5</a:t>
+            </a:r>
+          </a:p>
+        </p:txBody>
+      </p:sp>
+      <p:grpSp>
+        <p:nvGrpSpPr>
+          <p:cNvPr id="51" name="Group 50">
+            <a:extLst>
+              <a:ext uri="{FF2B5EF4-FFF2-40B4-BE49-F238E27FC236}">
+                <a16:creationId xmlns:a16="http://schemas.microsoft.com/office/drawing/2014/main" id="{9CB14AE8-73AA-2D4A-B610-F0B130E07413}"/>
+              </a:ext>
+            </a:extLst>
+          </p:cNvPr>
+          <p:cNvGrpSpPr/>
+          <p:nvPr/>
+        </p:nvGrpSpPr>
+        <p:grpSpPr>
+          <a:xfrm>
+            <a:off x="8508134" y="2367082"/>
+            <a:ext cx="737758" cy="613422"/>
+            <a:chOff x="3262420" y="4060641"/>
+            <a:chExt cx="1072750" cy="882492"/>
+          </a:xfrm>
+        </p:grpSpPr>
+        <p:pic>
+          <p:nvPicPr>
+            <p:cNvPr id="52" name="Graphic 51">
+              <a:extLst>
+                <a:ext uri="{FF2B5EF4-FFF2-40B4-BE49-F238E27FC236}">
+                  <a16:creationId xmlns:a16="http://schemas.microsoft.com/office/drawing/2014/main" id="{276FB965-0232-514C-89F2-CC91ECF2E6BE}"/>
+                </a:ext>
+              </a:extLst>
+            </p:cNvPr>
+            <p:cNvPicPr>
+              <a:picLocks noChangeAspect="1"/>
+            </p:cNvPicPr>
+            <p:nvPr/>
+          </p:nvPicPr>
+          <p:blipFill>
+            <a:blip r:embed="rId22">
+              <a:extLst>
+                <a:ext uri="{96DAC541-7B7A-43D3-8B79-37D633B846F1}">
+                  <asvg:svgBlip xmlns:asvg="http://schemas.microsoft.com/office/drawing/2016/SVG/main" r:embed="rId23"/>
+                </a:ext>
+              </a:extLst>
+            </a:blip>
+            <a:stretch>
+              <a:fillRect/>
+            </a:stretch>
+          </p:blipFill>
+          <p:spPr>
+            <a:xfrm>
+              <a:off x="3513045" y="4060641"/>
+              <a:ext cx="571500" cy="571500"/>
+            </a:xfrm>
+            <a:prstGeom prst="rect">
+              <a:avLst/>
+            </a:prstGeom>
+          </p:spPr>
+        </p:pic>
+        <p:sp>
+          <p:nvSpPr>
+            <p:cNvPr id="53" name="TextBox 52">
+              <a:extLst>
+                <a:ext uri="{FF2B5EF4-FFF2-40B4-BE49-F238E27FC236}">
+                  <a16:creationId xmlns:a16="http://schemas.microsoft.com/office/drawing/2014/main" id="{24705CA7-3B52-4F41-9842-3433B0F8BBCE}"/>
+                </a:ext>
+              </a:extLst>
+            </p:cNvPr>
+            <p:cNvSpPr txBox="1"/>
+            <p:nvPr/>
+          </p:nvSpPr>
+          <p:spPr>
+            <a:xfrm>
+              <a:off x="3262420" y="4566771"/>
+              <a:ext cx="1072750" cy="376362"/>
+            </a:xfrm>
+            <a:prstGeom prst="rect">
+              <a:avLst/>
+            </a:prstGeom>
+            <a:noFill/>
+          </p:spPr>
+          <p:txBody>
+            <a:bodyPr wrap="square" rtlCol="0">
+              <a:spAutoFit/>
+            </a:bodyPr>
+            <a:lstStyle/>
+            <a:p>
+              <a:pPr algn="ctr"/>
+              <a:r>
+                <a:rPr lang="en-US" sz="1100" dirty="0">
+                  <a:solidFill>
+                    <a:srgbClr val="232F3E"/>
+                  </a:solidFill>
+                </a:rPr>
+                <a:t>IAM Role</a:t>
+              </a:r>
+            </a:p>
+          </p:txBody>
+        </p:sp>
+      </p:grpSp>
+      <p:sp>
+        <p:nvSpPr>
+          <p:cNvPr id="54" name="Pentagon 53">
+            <a:extLst>
+              <a:ext uri="{FF2B5EF4-FFF2-40B4-BE49-F238E27FC236}">
+                <a16:creationId xmlns:a16="http://schemas.microsoft.com/office/drawing/2014/main" id="{BBB9128A-149D-D747-9F87-4ED80C3D4378}"/>
+              </a:ext>
+            </a:extLst>
+          </p:cNvPr>
+          <p:cNvSpPr/>
+          <p:nvPr/>
+        </p:nvSpPr>
+        <p:spPr>
+          <a:xfrm>
+            <a:off x="8322231" y="2393488"/>
+            <a:ext cx="307232" cy="294910"/>
+          </a:xfrm>
+          <a:prstGeom prst="homePlate">
+            <a:avLst/>
+          </a:prstGeom>
+          <a:solidFill>
+            <a:schemeClr val="tx1">
+              <a:lumMod val="50000"/>
+              <a:lumOff val="50000"/>
+            </a:schemeClr>
+          </a:solidFill>
+          <a:ln>
+            <a:solidFill>
+              <a:schemeClr val="tx1">
+                <a:lumMod val="50000"/>
+                <a:lumOff val="50000"/>
+              </a:schemeClr>
+            </a:solidFill>
+          </a:ln>
+        </p:spPr>
+        <p:style>
+          <a:lnRef idx="2">
+            <a:schemeClr val="accent1">
+              <a:shade val="50000"/>
+            </a:schemeClr>
+          </a:lnRef>
+          <a:fillRef idx="1">
+            <a:schemeClr val="accent1"/>
+          </a:fillRef>
+          <a:effectRef idx="0">
+            <a:schemeClr val="accent1"/>
+          </a:effectRef>
+          <a:fontRef idx="minor">
+            <a:schemeClr val="lt1"/>
+          </a:fontRef>
+        </p:style>
+        <p:txBody>
+          <a:bodyPr rtlCol="0" anchor="ctr"/>
+          <a:lstStyle/>
+          <a:p>
+            <a:pPr algn="ctr"/>
+            <a:r>
+              <a:rPr lang="en-US" dirty="0"/>
+              <a:t>3</a:t>
             </a:r>
           </a:p>
         </p:txBody>
@@ -20026,8 +21607,8 @@
         </p:nvSpPr>
         <p:spPr>
           <a:xfrm>
-            <a:off x="1651013" y="2023196"/>
-            <a:ext cx="1765300" cy="3518068"/>
+            <a:off x="2060365" y="2023196"/>
+            <a:ext cx="996031" cy="3518068"/>
           </a:xfrm>
           <a:prstGeom prst="rect">
             <a:avLst/>
@@ -20473,6 +22054,418 @@
           </p:txBody>
         </p:sp>
       </p:grpSp>
+      <p:sp>
+        <p:nvSpPr>
+          <p:cNvPr id="60" name="Pentagon 59">
+            <a:extLst>
+              <a:ext uri="{FF2B5EF4-FFF2-40B4-BE49-F238E27FC236}">
+                <a16:creationId xmlns:a16="http://schemas.microsoft.com/office/drawing/2014/main" id="{468C7123-0112-1348-BF53-C498F3A696FC}"/>
+              </a:ext>
+            </a:extLst>
+          </p:cNvPr>
+          <p:cNvSpPr/>
+          <p:nvPr/>
+        </p:nvSpPr>
+        <p:spPr>
+          <a:xfrm>
+            <a:off x="1733297" y="2588903"/>
+            <a:ext cx="307232" cy="294910"/>
+          </a:xfrm>
+          <a:prstGeom prst="homePlate">
+            <a:avLst/>
+          </a:prstGeom>
+          <a:solidFill>
+            <a:schemeClr val="tx1">
+              <a:lumMod val="50000"/>
+              <a:lumOff val="50000"/>
+            </a:schemeClr>
+          </a:solidFill>
+          <a:ln>
+            <a:solidFill>
+              <a:schemeClr val="tx1">
+                <a:lumMod val="50000"/>
+                <a:lumOff val="50000"/>
+              </a:schemeClr>
+            </a:solidFill>
+          </a:ln>
+        </p:spPr>
+        <p:style>
+          <a:lnRef idx="2">
+            <a:schemeClr val="accent1">
+              <a:shade val="50000"/>
+            </a:schemeClr>
+          </a:lnRef>
+          <a:fillRef idx="1">
+            <a:schemeClr val="accent1"/>
+          </a:fillRef>
+          <a:effectRef idx="0">
+            <a:schemeClr val="accent1"/>
+          </a:effectRef>
+          <a:fontRef idx="minor">
+            <a:schemeClr val="lt1"/>
+          </a:fontRef>
+        </p:style>
+        <p:txBody>
+          <a:bodyPr rtlCol="0" anchor="ctr"/>
+          <a:lstStyle/>
+          <a:p>
+            <a:pPr algn="ctr"/>
+            <a:r>
+              <a:rPr lang="en-US" dirty="0"/>
+              <a:t>1</a:t>
+            </a:r>
+          </a:p>
+        </p:txBody>
+      </p:sp>
+      <p:sp>
+        <p:nvSpPr>
+          <p:cNvPr id="61" name="Pentagon 60">
+            <a:extLst>
+              <a:ext uri="{FF2B5EF4-FFF2-40B4-BE49-F238E27FC236}">
+                <a16:creationId xmlns:a16="http://schemas.microsoft.com/office/drawing/2014/main" id="{9CA4A7F4-1801-B443-983D-5D0D3842111B}"/>
+              </a:ext>
+            </a:extLst>
+          </p:cNvPr>
+          <p:cNvSpPr/>
+          <p:nvPr/>
+        </p:nvSpPr>
+        <p:spPr>
+          <a:xfrm>
+            <a:off x="8871713" y="3088775"/>
+            <a:ext cx="307232" cy="294910"/>
+          </a:xfrm>
+          <a:prstGeom prst="homePlate">
+            <a:avLst/>
+          </a:prstGeom>
+          <a:solidFill>
+            <a:schemeClr val="tx1">
+              <a:lumMod val="50000"/>
+              <a:lumOff val="50000"/>
+            </a:schemeClr>
+          </a:solidFill>
+          <a:ln>
+            <a:solidFill>
+              <a:schemeClr val="tx1">
+                <a:lumMod val="50000"/>
+                <a:lumOff val="50000"/>
+              </a:schemeClr>
+            </a:solidFill>
+          </a:ln>
+        </p:spPr>
+        <p:style>
+          <a:lnRef idx="2">
+            <a:schemeClr val="accent1">
+              <a:shade val="50000"/>
+            </a:schemeClr>
+          </a:lnRef>
+          <a:fillRef idx="1">
+            <a:schemeClr val="accent1"/>
+          </a:fillRef>
+          <a:effectRef idx="0">
+            <a:schemeClr val="accent1"/>
+          </a:effectRef>
+          <a:fontRef idx="minor">
+            <a:schemeClr val="lt1"/>
+          </a:fontRef>
+        </p:style>
+        <p:txBody>
+          <a:bodyPr rtlCol="0" anchor="ctr"/>
+          <a:lstStyle/>
+          <a:p>
+            <a:pPr algn="ctr"/>
+            <a:r>
+              <a:rPr lang="en-US" dirty="0"/>
+              <a:t>2</a:t>
+            </a:r>
+          </a:p>
+        </p:txBody>
+      </p:sp>
+      <p:sp>
+        <p:nvSpPr>
+          <p:cNvPr id="62" name="Pentagon 61">
+            <a:extLst>
+              <a:ext uri="{FF2B5EF4-FFF2-40B4-BE49-F238E27FC236}">
+                <a16:creationId xmlns:a16="http://schemas.microsoft.com/office/drawing/2014/main" id="{53C8342F-791A-694F-AB0B-114722A2242F}"/>
+              </a:ext>
+            </a:extLst>
+          </p:cNvPr>
+          <p:cNvSpPr/>
+          <p:nvPr/>
+        </p:nvSpPr>
+        <p:spPr>
+          <a:xfrm>
+            <a:off x="7390385" y="2887607"/>
+            <a:ext cx="307232" cy="294910"/>
+          </a:xfrm>
+          <a:prstGeom prst="homePlate">
+            <a:avLst/>
+          </a:prstGeom>
+          <a:solidFill>
+            <a:schemeClr val="tx1">
+              <a:lumMod val="50000"/>
+              <a:lumOff val="50000"/>
+            </a:schemeClr>
+          </a:solidFill>
+          <a:ln>
+            <a:solidFill>
+              <a:schemeClr val="tx1">
+                <a:lumMod val="50000"/>
+                <a:lumOff val="50000"/>
+              </a:schemeClr>
+            </a:solidFill>
+          </a:ln>
+        </p:spPr>
+        <p:style>
+          <a:lnRef idx="2">
+            <a:schemeClr val="accent1">
+              <a:shade val="50000"/>
+            </a:schemeClr>
+          </a:lnRef>
+          <a:fillRef idx="1">
+            <a:schemeClr val="accent1"/>
+          </a:fillRef>
+          <a:effectRef idx="0">
+            <a:schemeClr val="accent1"/>
+          </a:effectRef>
+          <a:fontRef idx="minor">
+            <a:schemeClr val="lt1"/>
+          </a:fontRef>
+        </p:style>
+        <p:txBody>
+          <a:bodyPr rtlCol="0" anchor="ctr"/>
+          <a:lstStyle/>
+          <a:p>
+            <a:pPr algn="ctr"/>
+            <a:r>
+              <a:rPr lang="en-US" dirty="0"/>
+              <a:t>3</a:t>
+            </a:r>
+          </a:p>
+        </p:txBody>
+      </p:sp>
+      <p:grpSp>
+        <p:nvGrpSpPr>
+          <p:cNvPr id="67" name="Group 66">
+            <a:extLst>
+              <a:ext uri="{FF2B5EF4-FFF2-40B4-BE49-F238E27FC236}">
+                <a16:creationId xmlns:a16="http://schemas.microsoft.com/office/drawing/2014/main" id="{2E4755AF-C26E-EA4D-B3DC-6021ADCADF03}"/>
+              </a:ext>
+            </a:extLst>
+          </p:cNvPr>
+          <p:cNvGrpSpPr/>
+          <p:nvPr/>
+        </p:nvGrpSpPr>
+        <p:grpSpPr>
+          <a:xfrm>
+            <a:off x="8892182" y="4104442"/>
+            <a:ext cx="737758" cy="613422"/>
+            <a:chOff x="3262420" y="4060641"/>
+            <a:chExt cx="1072750" cy="882492"/>
+          </a:xfrm>
+        </p:grpSpPr>
+        <p:pic>
+          <p:nvPicPr>
+            <p:cNvPr id="72" name="Graphic 71">
+              <a:extLst>
+                <a:ext uri="{FF2B5EF4-FFF2-40B4-BE49-F238E27FC236}">
+                  <a16:creationId xmlns:a16="http://schemas.microsoft.com/office/drawing/2014/main" id="{D5A4506E-86F5-384D-83B2-0FA6D50047E0}"/>
+                </a:ext>
+              </a:extLst>
+            </p:cNvPr>
+            <p:cNvPicPr>
+              <a:picLocks noChangeAspect="1"/>
+            </p:cNvPicPr>
+            <p:nvPr/>
+          </p:nvPicPr>
+          <p:blipFill>
+            <a:blip r:embed="rId26">
+              <a:extLst>
+                <a:ext uri="{96DAC541-7B7A-43D3-8B79-37D633B846F1}">
+                  <asvg:svgBlip xmlns:asvg="http://schemas.microsoft.com/office/drawing/2016/SVG/main" r:embed="rId27"/>
+                </a:ext>
+              </a:extLst>
+            </a:blip>
+            <a:stretch>
+              <a:fillRect/>
+            </a:stretch>
+          </p:blipFill>
+          <p:spPr>
+            <a:xfrm>
+              <a:off x="3513045" y="4060641"/>
+              <a:ext cx="571500" cy="571500"/>
+            </a:xfrm>
+            <a:prstGeom prst="rect">
+              <a:avLst/>
+            </a:prstGeom>
+          </p:spPr>
+        </p:pic>
+        <p:sp>
+          <p:nvSpPr>
+            <p:cNvPr id="78" name="TextBox 77">
+              <a:extLst>
+                <a:ext uri="{FF2B5EF4-FFF2-40B4-BE49-F238E27FC236}">
+                  <a16:creationId xmlns:a16="http://schemas.microsoft.com/office/drawing/2014/main" id="{C8D7D71A-54C4-374B-9398-B43ECF75349A}"/>
+                </a:ext>
+              </a:extLst>
+            </p:cNvPr>
+            <p:cNvSpPr txBox="1"/>
+            <p:nvPr/>
+          </p:nvSpPr>
+          <p:spPr>
+            <a:xfrm>
+              <a:off x="3262420" y="4566771"/>
+              <a:ext cx="1072750" cy="376362"/>
+            </a:xfrm>
+            <a:prstGeom prst="rect">
+              <a:avLst/>
+            </a:prstGeom>
+            <a:noFill/>
+          </p:spPr>
+          <p:txBody>
+            <a:bodyPr wrap="square" rtlCol="0">
+              <a:spAutoFit/>
+            </a:bodyPr>
+            <a:lstStyle/>
+            <a:p>
+              <a:pPr algn="ctr"/>
+              <a:r>
+                <a:rPr lang="en-US" sz="1100" dirty="0">
+                  <a:solidFill>
+                    <a:srgbClr val="232F3E"/>
+                  </a:solidFill>
+                </a:rPr>
+                <a:t>IAM Role</a:t>
+              </a:r>
+            </a:p>
+          </p:txBody>
+        </p:sp>
+      </p:grpSp>
+      <p:sp>
+        <p:nvSpPr>
+          <p:cNvPr id="79" name="Pentagon 78">
+            <a:extLst>
+              <a:ext uri="{FF2B5EF4-FFF2-40B4-BE49-F238E27FC236}">
+                <a16:creationId xmlns:a16="http://schemas.microsoft.com/office/drawing/2014/main" id="{D8551D4F-8A9A-1C4B-ACFE-87A461850416}"/>
+              </a:ext>
+            </a:extLst>
+          </p:cNvPr>
+          <p:cNvSpPr/>
+          <p:nvPr/>
+        </p:nvSpPr>
+        <p:spPr>
+          <a:xfrm>
+            <a:off x="8706279" y="4130848"/>
+            <a:ext cx="307232" cy="294910"/>
+          </a:xfrm>
+          <a:prstGeom prst="homePlate">
+            <a:avLst/>
+          </a:prstGeom>
+          <a:solidFill>
+            <a:schemeClr val="tx1">
+              <a:lumMod val="50000"/>
+              <a:lumOff val="50000"/>
+            </a:schemeClr>
+          </a:solidFill>
+          <a:ln>
+            <a:solidFill>
+              <a:schemeClr val="tx1">
+                <a:lumMod val="50000"/>
+                <a:lumOff val="50000"/>
+              </a:schemeClr>
+            </a:solidFill>
+          </a:ln>
+        </p:spPr>
+        <p:style>
+          <a:lnRef idx="2">
+            <a:schemeClr val="accent1">
+              <a:shade val="50000"/>
+            </a:schemeClr>
+          </a:lnRef>
+          <a:fillRef idx="1">
+            <a:schemeClr val="accent1"/>
+          </a:fillRef>
+          <a:effectRef idx="0">
+            <a:schemeClr val="accent1"/>
+          </a:effectRef>
+          <a:fontRef idx="minor">
+            <a:schemeClr val="lt1"/>
+          </a:fontRef>
+        </p:style>
+        <p:txBody>
+          <a:bodyPr rtlCol="0" anchor="ctr"/>
+          <a:lstStyle/>
+          <a:p>
+            <a:pPr algn="ctr"/>
+            <a:r>
+              <a:rPr lang="en-US" dirty="0"/>
+              <a:t>5</a:t>
+            </a:r>
+          </a:p>
+        </p:txBody>
+      </p:sp>
+      <p:sp>
+        <p:nvSpPr>
+          <p:cNvPr id="80" name="Pentagon 79">
+            <a:extLst>
+              <a:ext uri="{FF2B5EF4-FFF2-40B4-BE49-F238E27FC236}">
+                <a16:creationId xmlns:a16="http://schemas.microsoft.com/office/drawing/2014/main" id="{87EA14B9-11FE-9148-B498-D84EEAB58D3A}"/>
+              </a:ext>
+            </a:extLst>
+          </p:cNvPr>
+          <p:cNvSpPr/>
+          <p:nvPr/>
+        </p:nvSpPr>
+        <p:spPr>
+          <a:xfrm>
+            <a:off x="8877653" y="4663184"/>
+            <a:ext cx="307232" cy="294910"/>
+          </a:xfrm>
+          <a:prstGeom prst="homePlate">
+            <a:avLst/>
+          </a:prstGeom>
+          <a:solidFill>
+            <a:schemeClr val="tx1">
+              <a:lumMod val="50000"/>
+              <a:lumOff val="50000"/>
+            </a:schemeClr>
+          </a:solidFill>
+          <a:ln>
+            <a:solidFill>
+              <a:schemeClr val="tx1">
+                <a:lumMod val="50000"/>
+                <a:lumOff val="50000"/>
+              </a:schemeClr>
+            </a:solidFill>
+          </a:ln>
+        </p:spPr>
+        <p:style>
+          <a:lnRef idx="2">
+            <a:schemeClr val="accent1">
+              <a:shade val="50000"/>
+            </a:schemeClr>
+          </a:lnRef>
+          <a:fillRef idx="1">
+            <a:schemeClr val="accent1"/>
+          </a:fillRef>
+          <a:effectRef idx="0">
+            <a:schemeClr val="accent1"/>
+          </a:effectRef>
+          <a:fontRef idx="minor">
+            <a:schemeClr val="lt1"/>
+          </a:fontRef>
+        </p:style>
+        <p:txBody>
+          <a:bodyPr rtlCol="0" anchor="ctr"/>
+          <a:lstStyle/>
+          <a:p>
+            <a:pPr algn="ctr"/>
+            <a:r>
+              <a:rPr lang="en-US" dirty="0"/>
+              <a:t>6</a:t>
+            </a:r>
+          </a:p>
+        </p:txBody>
+      </p:sp>
     </p:spTree>
     <p:extLst>
       <p:ext uri="{BB962C8B-B14F-4D97-AF65-F5344CB8AC3E}">
@@ -21803,6 +23796,258 @@
           </a:fontRef>
         </p:style>
       </p:cxnSp>
+      <p:sp>
+        <p:nvSpPr>
+          <p:cNvPr id="33" name="Pentagon 32">
+            <a:extLst>
+              <a:ext uri="{FF2B5EF4-FFF2-40B4-BE49-F238E27FC236}">
+                <a16:creationId xmlns:a16="http://schemas.microsoft.com/office/drawing/2014/main" id="{6CD2B67F-5BCE-8747-B308-0D5D6DB4883A}"/>
+              </a:ext>
+            </a:extLst>
+          </p:cNvPr>
+          <p:cNvSpPr/>
+          <p:nvPr/>
+        </p:nvSpPr>
+        <p:spPr>
+          <a:xfrm>
+            <a:off x="8449670" y="3491339"/>
+            <a:ext cx="307232" cy="294910"/>
+          </a:xfrm>
+          <a:prstGeom prst="homePlate">
+            <a:avLst/>
+          </a:prstGeom>
+          <a:solidFill>
+            <a:schemeClr val="tx1">
+              <a:lumMod val="50000"/>
+              <a:lumOff val="50000"/>
+            </a:schemeClr>
+          </a:solidFill>
+          <a:ln>
+            <a:solidFill>
+              <a:schemeClr val="tx1">
+                <a:lumMod val="50000"/>
+                <a:lumOff val="50000"/>
+              </a:schemeClr>
+            </a:solidFill>
+          </a:ln>
+        </p:spPr>
+        <p:style>
+          <a:lnRef idx="2">
+            <a:schemeClr val="accent1">
+              <a:shade val="50000"/>
+            </a:schemeClr>
+          </a:lnRef>
+          <a:fillRef idx="1">
+            <a:schemeClr val="accent1"/>
+          </a:fillRef>
+          <a:effectRef idx="0">
+            <a:schemeClr val="accent1"/>
+          </a:effectRef>
+          <a:fontRef idx="minor">
+            <a:schemeClr val="lt1"/>
+          </a:fontRef>
+        </p:style>
+        <p:txBody>
+          <a:bodyPr rtlCol="0" anchor="ctr"/>
+          <a:lstStyle/>
+          <a:p>
+            <a:pPr algn="ctr"/>
+            <a:r>
+              <a:rPr lang="en-US" dirty="0"/>
+              <a:t>1</a:t>
+            </a:r>
+          </a:p>
+        </p:txBody>
+      </p:sp>
+      <p:sp>
+        <p:nvSpPr>
+          <p:cNvPr id="38" name="Pentagon 37">
+            <a:extLst>
+              <a:ext uri="{FF2B5EF4-FFF2-40B4-BE49-F238E27FC236}">
+                <a16:creationId xmlns:a16="http://schemas.microsoft.com/office/drawing/2014/main" id="{BE32E4DA-FF02-884A-AAE8-A0015ADE81DB}"/>
+              </a:ext>
+            </a:extLst>
+          </p:cNvPr>
+          <p:cNvSpPr/>
+          <p:nvPr/>
+        </p:nvSpPr>
+        <p:spPr>
+          <a:xfrm>
+            <a:off x="7120904" y="3497330"/>
+            <a:ext cx="307232" cy="294910"/>
+          </a:xfrm>
+          <a:prstGeom prst="homePlate">
+            <a:avLst/>
+          </a:prstGeom>
+          <a:solidFill>
+            <a:schemeClr val="tx1">
+              <a:lumMod val="50000"/>
+              <a:lumOff val="50000"/>
+            </a:schemeClr>
+          </a:solidFill>
+          <a:ln>
+            <a:solidFill>
+              <a:schemeClr val="tx1">
+                <a:lumMod val="50000"/>
+                <a:lumOff val="50000"/>
+              </a:schemeClr>
+            </a:solidFill>
+          </a:ln>
+        </p:spPr>
+        <p:style>
+          <a:lnRef idx="2">
+            <a:schemeClr val="accent1">
+              <a:shade val="50000"/>
+            </a:schemeClr>
+          </a:lnRef>
+          <a:fillRef idx="1">
+            <a:schemeClr val="accent1"/>
+          </a:fillRef>
+          <a:effectRef idx="0">
+            <a:schemeClr val="accent1"/>
+          </a:effectRef>
+          <a:fontRef idx="minor">
+            <a:schemeClr val="lt1"/>
+          </a:fontRef>
+        </p:style>
+        <p:txBody>
+          <a:bodyPr rtlCol="0" anchor="ctr"/>
+          <a:lstStyle/>
+          <a:p>
+            <a:pPr algn="ctr"/>
+            <a:r>
+              <a:rPr lang="en-US" dirty="0"/>
+              <a:t>2</a:t>
+            </a:r>
+          </a:p>
+        </p:txBody>
+      </p:sp>
+      <p:sp>
+        <p:nvSpPr>
+          <p:cNvPr id="39" name="Pentagon 38">
+            <a:extLst>
+              <a:ext uri="{FF2B5EF4-FFF2-40B4-BE49-F238E27FC236}">
+                <a16:creationId xmlns:a16="http://schemas.microsoft.com/office/drawing/2014/main" id="{8EA7170F-D8D2-084F-A41D-FFA93B01D7E8}"/>
+              </a:ext>
+            </a:extLst>
+          </p:cNvPr>
+          <p:cNvSpPr/>
+          <p:nvPr/>
+        </p:nvSpPr>
+        <p:spPr>
+          <a:xfrm>
+            <a:off x="7120904" y="4648217"/>
+            <a:ext cx="307232" cy="294910"/>
+          </a:xfrm>
+          <a:prstGeom prst="homePlate">
+            <a:avLst/>
+          </a:prstGeom>
+          <a:solidFill>
+            <a:schemeClr val="tx1">
+              <a:lumMod val="50000"/>
+              <a:lumOff val="50000"/>
+            </a:schemeClr>
+          </a:solidFill>
+          <a:ln>
+            <a:solidFill>
+              <a:schemeClr val="tx1">
+                <a:lumMod val="50000"/>
+                <a:lumOff val="50000"/>
+              </a:schemeClr>
+            </a:solidFill>
+          </a:ln>
+        </p:spPr>
+        <p:style>
+          <a:lnRef idx="2">
+            <a:schemeClr val="accent1">
+              <a:shade val="50000"/>
+            </a:schemeClr>
+          </a:lnRef>
+          <a:fillRef idx="1">
+            <a:schemeClr val="accent1"/>
+          </a:fillRef>
+          <a:effectRef idx="0">
+            <a:schemeClr val="accent1"/>
+          </a:effectRef>
+          <a:fontRef idx="minor">
+            <a:schemeClr val="lt1"/>
+          </a:fontRef>
+        </p:style>
+        <p:txBody>
+          <a:bodyPr rtlCol="0" anchor="ctr"/>
+          <a:lstStyle/>
+          <a:p>
+            <a:pPr algn="ctr"/>
+            <a:r>
+              <a:rPr lang="en-US" dirty="0"/>
+              <a:t>3</a:t>
+            </a:r>
+          </a:p>
+        </p:txBody>
+      </p:sp>
+      <p:sp>
+        <p:nvSpPr>
+          <p:cNvPr id="55" name="Pentagon 54">
+            <a:extLst>
+              <a:ext uri="{FF2B5EF4-FFF2-40B4-BE49-F238E27FC236}">
+                <a16:creationId xmlns:a16="http://schemas.microsoft.com/office/drawing/2014/main" id="{AA337562-5B48-844B-B54B-FFF813569D36}"/>
+              </a:ext>
+            </a:extLst>
+          </p:cNvPr>
+          <p:cNvSpPr/>
+          <p:nvPr/>
+        </p:nvSpPr>
+        <p:spPr>
+          <a:xfrm>
+            <a:off x="7108712" y="2569481"/>
+            <a:ext cx="307232" cy="294910"/>
+          </a:xfrm>
+          <a:prstGeom prst="homePlate">
+            <a:avLst/>
+          </a:prstGeom>
+          <a:solidFill>
+            <a:schemeClr val="tx1">
+              <a:lumMod val="50000"/>
+              <a:lumOff val="50000"/>
+            </a:schemeClr>
+          </a:solidFill>
+          <a:ln>
+            <a:solidFill>
+              <a:schemeClr val="tx1">
+                <a:lumMod val="50000"/>
+                <a:lumOff val="50000"/>
+              </a:schemeClr>
+            </a:solidFill>
+          </a:ln>
+        </p:spPr>
+        <p:style>
+          <a:lnRef idx="2">
+            <a:schemeClr val="accent1">
+              <a:shade val="50000"/>
+            </a:schemeClr>
+          </a:lnRef>
+          <a:fillRef idx="1">
+            <a:schemeClr val="accent1"/>
+          </a:fillRef>
+          <a:effectRef idx="0">
+            <a:schemeClr val="accent1"/>
+          </a:effectRef>
+          <a:fontRef idx="minor">
+            <a:schemeClr val="lt1"/>
+          </a:fontRef>
+        </p:style>
+        <p:txBody>
+          <a:bodyPr rtlCol="0" anchor="ctr"/>
+          <a:lstStyle/>
+          <a:p>
+            <a:pPr algn="ctr"/>
+            <a:r>
+              <a:rPr lang="en-US" dirty="0"/>
+              <a:t>3</a:t>
+            </a:r>
+          </a:p>
+        </p:txBody>
+      </p:sp>
     </p:spTree>
     <p:extLst>
       <p:ext uri="{BB962C8B-B14F-4D97-AF65-F5344CB8AC3E}">
@@ -22847,6 +25092,195 @@
           </a:fontRef>
         </p:style>
       </p:cxnSp>
+      <p:sp>
+        <p:nvSpPr>
+          <p:cNvPr id="28" name="Pentagon 27">
+            <a:extLst>
+              <a:ext uri="{FF2B5EF4-FFF2-40B4-BE49-F238E27FC236}">
+                <a16:creationId xmlns:a16="http://schemas.microsoft.com/office/drawing/2014/main" id="{E00BFD04-D109-7542-A6F8-205212970853}"/>
+              </a:ext>
+            </a:extLst>
+          </p:cNvPr>
+          <p:cNvSpPr/>
+          <p:nvPr/>
+        </p:nvSpPr>
+        <p:spPr>
+          <a:xfrm>
+            <a:off x="3243848" y="3715529"/>
+            <a:ext cx="307232" cy="294910"/>
+          </a:xfrm>
+          <a:prstGeom prst="homePlate">
+            <a:avLst/>
+          </a:prstGeom>
+          <a:solidFill>
+            <a:schemeClr val="tx1">
+              <a:lumMod val="50000"/>
+              <a:lumOff val="50000"/>
+            </a:schemeClr>
+          </a:solidFill>
+          <a:ln>
+            <a:solidFill>
+              <a:schemeClr val="tx1">
+                <a:lumMod val="50000"/>
+                <a:lumOff val="50000"/>
+              </a:schemeClr>
+            </a:solidFill>
+          </a:ln>
+        </p:spPr>
+        <p:style>
+          <a:lnRef idx="2">
+            <a:schemeClr val="accent1">
+              <a:shade val="50000"/>
+            </a:schemeClr>
+          </a:lnRef>
+          <a:fillRef idx="1">
+            <a:schemeClr val="accent1"/>
+          </a:fillRef>
+          <a:effectRef idx="0">
+            <a:schemeClr val="accent1"/>
+          </a:effectRef>
+          <a:fontRef idx="minor">
+            <a:schemeClr val="lt1"/>
+          </a:fontRef>
+        </p:style>
+        <p:txBody>
+          <a:bodyPr rtlCol="0" anchor="ctr"/>
+          <a:lstStyle/>
+          <a:p>
+            <a:pPr algn="ctr"/>
+            <a:r>
+              <a:rPr lang="en-US" dirty="0"/>
+              <a:t>1</a:t>
+            </a:r>
+          </a:p>
+        </p:txBody>
+      </p:sp>
+      <p:sp>
+        <p:nvSpPr>
+          <p:cNvPr id="31" name="Pentagon 30">
+            <a:extLst>
+              <a:ext uri="{FF2B5EF4-FFF2-40B4-BE49-F238E27FC236}">
+                <a16:creationId xmlns:a16="http://schemas.microsoft.com/office/drawing/2014/main" id="{86DC0D38-8540-AE40-9798-C1A966E32850}"/>
+              </a:ext>
+            </a:extLst>
+          </p:cNvPr>
+          <p:cNvSpPr/>
+          <p:nvPr/>
+        </p:nvSpPr>
+        <p:spPr>
+          <a:xfrm>
+            <a:off x="7507888" y="2561542"/>
+            <a:ext cx="307232" cy="294910"/>
+          </a:xfrm>
+          <a:prstGeom prst="homePlate">
+            <a:avLst/>
+          </a:prstGeom>
+          <a:solidFill>
+            <a:schemeClr val="tx1">
+              <a:lumMod val="50000"/>
+              <a:lumOff val="50000"/>
+            </a:schemeClr>
+          </a:solidFill>
+          <a:ln>
+            <a:solidFill>
+              <a:schemeClr val="tx1">
+                <a:lumMod val="50000"/>
+                <a:lumOff val="50000"/>
+              </a:schemeClr>
+            </a:solidFill>
+          </a:ln>
+        </p:spPr>
+        <p:style>
+          <a:lnRef idx="2">
+            <a:schemeClr val="accent1">
+              <a:shade val="50000"/>
+            </a:schemeClr>
+          </a:lnRef>
+          <a:fillRef idx="1">
+            <a:schemeClr val="accent1"/>
+          </a:fillRef>
+          <a:effectRef idx="0">
+            <a:schemeClr val="accent1"/>
+          </a:effectRef>
+          <a:fontRef idx="minor">
+            <a:schemeClr val="lt1"/>
+          </a:fontRef>
+        </p:style>
+        <p:txBody>
+          <a:bodyPr rtlCol="0" anchor="ctr"/>
+          <a:lstStyle/>
+          <a:p>
+            <a:pPr algn="ctr"/>
+            <a:r>
+              <a:rPr lang="en-US" dirty="0"/>
+              <a:t>3</a:t>
+            </a:r>
+          </a:p>
+        </p:txBody>
+      </p:sp>
+      <p:sp>
+        <p:nvSpPr>
+          <p:cNvPr id="32" name="Pentagon 31">
+            <a:extLst>
+              <a:ext uri="{FF2B5EF4-FFF2-40B4-BE49-F238E27FC236}">
+                <a16:creationId xmlns:a16="http://schemas.microsoft.com/office/drawing/2014/main" id="{4FCA243B-7686-F94F-A5AE-CABEB1B56E33}"/>
+              </a:ext>
+            </a:extLst>
+          </p:cNvPr>
+          <p:cNvSpPr/>
+          <p:nvPr/>
+        </p:nvSpPr>
+        <p:spPr>
+          <a:xfrm>
+            <a:off x="3247056" y="1943210"/>
+            <a:ext cx="307232" cy="294910"/>
+          </a:xfrm>
+          <a:prstGeom prst="homePlate">
+            <a:avLst/>
+          </a:prstGeom>
+          <a:solidFill>
+            <a:schemeClr val="tx1">
+              <a:lumMod val="50000"/>
+              <a:lumOff val="50000"/>
+            </a:schemeClr>
+          </a:solidFill>
+          <a:ln>
+            <a:solidFill>
+              <a:schemeClr val="tx1">
+                <a:lumMod val="50000"/>
+                <a:lumOff val="50000"/>
+              </a:schemeClr>
+            </a:solidFill>
+          </a:ln>
+        </p:spPr>
+        <p:style>
+          <a:lnRef idx="2">
+            <a:schemeClr val="accent1">
+              <a:shade val="50000"/>
+            </a:schemeClr>
+          </a:lnRef>
+          <a:fillRef idx="1">
+            <a:schemeClr val="accent1"/>
+          </a:fillRef>
+          <a:effectRef idx="0">
+            <a:schemeClr val="accent1"/>
+          </a:effectRef>
+          <a:fontRef idx="minor">
+            <a:schemeClr val="lt1"/>
+          </a:fontRef>
+        </p:style>
+        <p:txBody>
+          <a:bodyPr rtlCol="0" anchor="ctr"/>
+          <a:lstStyle/>
+          <a:p>
+            <a:pPr algn="ctr"/>
+            <a:r>
+              <a:rPr lang="en-US" dirty="0"/>
+              <a:t>2</a:t>
+            </a:r>
+          </a:p>
+        </p:txBody>
+      </p:sp>
     </p:spTree>
     <p:extLst>
       <p:ext uri="{BB962C8B-B14F-4D97-AF65-F5344CB8AC3E}">
